--- a/Presentation/ScrumLords_Capstone.pptx
+++ b/Presentation/ScrumLords_Capstone.pptx
@@ -120,7 +120,16 @@
       </a:defRPr>
     </a:lvl9pPr>
   </p:defaultTextStyle>
+  <p:extLst>
+    <p:ext uri="{EFAFB233-063F-42B5-8137-9DF3F51BA10A}">
+      <p15:sldGuideLst xmlns:p15="http://schemas.microsoft.com/office/powerpoint/2012/main"/>
+    </p:ext>
+  </p:extLst>
 </p:presentation>
+</file>
+
+<file path=ppt/revisionInfo.xml><?xml version="1.0" encoding="utf-8"?>
+<p1510:revInfo xmlns:a="http://schemas.openxmlformats.org/drawingml/2006/main" xmlns:r="http://schemas.openxmlformats.org/officeDocument/2006/relationships" xmlns:p1510="http://schemas.microsoft.com/office/powerpoint/2015/10/main"/>
 </file>
 
 <file path=ppt/slideLayouts/slideLayout1.xml><?xml version="1.0" encoding="utf-8"?>
@@ -3362,6 +3371,13 @@
               <a:rPr lang="en-US" dirty="0" err="1"/>
               <a:t>ScrumLords</a:t>
             </a:r>
+            <a:br>
+              <a:rPr lang="en-US"/>
+            </a:br>
+            <a:r>
+              <a:rPr lang="en-US"/>
+              <a:t>Capstone</a:t>
+            </a:r>
             <a:endParaRPr lang="en-US" dirty="0"/>
           </a:p>
         </p:txBody>
@@ -3698,7 +3714,7 @@
                 <a16:creationId xmlns:a16="http://schemas.microsoft.com/office/drawing/2014/main" id="{E0D60ECE-8986-45DC-B7FE-EC7699B466B8}"/>
               </a:ext>
               <a:ext uri="{C183D7F6-B498-43B3-948B-1728B52AA6E4}">
-                <adec:decorative xmlns="" xmlns:adec="http://schemas.microsoft.com/office/drawing/2017/decorative" val="1"/>
+                <adec:decorative xmlns:adec="http://schemas.microsoft.com/office/drawing/2017/decorative" xmlns="" val="1"/>
               </a:ext>
             </a:extLst>
           </p:cNvPr>
@@ -3867,7 +3883,7 @@
                 <a16:creationId xmlns:a16="http://schemas.microsoft.com/office/drawing/2014/main" id="{96964194-5878-40D2-8EC0-DDC58387FA56}"/>
               </a:ext>
               <a:ext uri="{C183D7F6-B498-43B3-948B-1728B52AA6E4}">
-                <adec:decorative xmlns="" xmlns:adec="http://schemas.microsoft.com/office/drawing/2017/decorative" val="1"/>
+                <adec:decorative xmlns:adec="http://schemas.microsoft.com/office/drawing/2017/decorative" xmlns="" val="1"/>
               </a:ext>
             </a:extLst>
           </p:cNvPr>
@@ -4351,7 +4367,7 @@
                 <a16:creationId xmlns:a16="http://schemas.microsoft.com/office/drawing/2014/main" id="{57845966-6EFC-468A-9CC7-BAB4B95854E7}"/>
               </a:ext>
               <a:ext uri="{C183D7F6-B498-43B3-948B-1728B52AA6E4}">
-                <adec:decorative xmlns="" xmlns:adec="http://schemas.microsoft.com/office/drawing/2017/decorative" val="1"/>
+                <adec:decorative xmlns:adec="http://schemas.microsoft.com/office/drawing/2017/decorative" xmlns="" val="1"/>
               </a:ext>
             </a:extLst>
           </p:cNvPr>
@@ -4414,7 +4430,7 @@
                 <a16:creationId xmlns:a16="http://schemas.microsoft.com/office/drawing/2014/main" id="{75554383-98AF-4A47-BB65-705FAAA4BE6A}"/>
               </a:ext>
               <a:ext uri="{C183D7F6-B498-43B3-948B-1728B52AA6E4}">
-                <adec:decorative xmlns="" xmlns:adec="http://schemas.microsoft.com/office/drawing/2017/decorative" val="1"/>
+                <adec:decorative xmlns:adec="http://schemas.microsoft.com/office/drawing/2017/decorative" xmlns="" val="1"/>
               </a:ext>
             </a:extLst>
           </p:cNvPr>
@@ -4459,7 +4475,7 @@
                 <a16:creationId xmlns:a16="http://schemas.microsoft.com/office/drawing/2014/main" id="{ADAD1991-FFD1-4E94-ABAB-7560D33008E4}"/>
               </a:ext>
               <a:ext uri="{C183D7F6-B498-43B3-948B-1728B52AA6E4}">
-                <adec:decorative xmlns="" xmlns:adec="http://schemas.microsoft.com/office/drawing/2017/decorative" val="1"/>
+                <adec:decorative xmlns:adec="http://schemas.microsoft.com/office/drawing/2017/decorative" xmlns="" val="1"/>
               </a:ext>
             </a:extLst>
           </p:cNvPr>
@@ -4915,7 +4931,7 @@
                 <a16:creationId xmlns:a16="http://schemas.microsoft.com/office/drawing/2014/main" id="{4038CB10-1F5C-4D54-9DF7-12586DE5B007}"/>
               </a:ext>
               <a:ext uri="{C183D7F6-B498-43B3-948B-1728B52AA6E4}">
-                <adec:decorative xmlns="" xmlns:adec="http://schemas.microsoft.com/office/drawing/2017/decorative" val="1"/>
+                <adec:decorative xmlns:adec="http://schemas.microsoft.com/office/drawing/2017/decorative" xmlns="" val="1"/>
               </a:ext>
             </a:extLst>
           </p:cNvPr>
@@ -5094,7 +5110,7 @@
                 <a16:creationId xmlns:a16="http://schemas.microsoft.com/office/drawing/2014/main" id="{73ED6512-6858-4552-B699-9A97FE9A4EA2}"/>
               </a:ext>
               <a:ext uri="{C183D7F6-B498-43B3-948B-1728B52AA6E4}">
-                <adec:decorative xmlns="" xmlns:adec="http://schemas.microsoft.com/office/drawing/2017/decorative" val="1"/>
+                <adec:decorative xmlns:adec="http://schemas.microsoft.com/office/drawing/2017/decorative" xmlns="" val="1"/>
               </a:ext>
             </a:extLst>
           </p:cNvPr>
@@ -5321,7 +5337,7 @@
                 <a16:creationId xmlns:a16="http://schemas.microsoft.com/office/drawing/2014/main" id="{B547373F-AF2E-4907-B442-9F902B387FD0}"/>
               </a:ext>
               <a:ext uri="{C183D7F6-B498-43B3-948B-1728B52AA6E4}">
-                <adec:decorative xmlns="" xmlns:adec="http://schemas.microsoft.com/office/drawing/2017/decorative" val="1"/>
+                <adec:decorative xmlns:adec="http://schemas.microsoft.com/office/drawing/2017/decorative" xmlns="" val="1"/>
               </a:ext>
             </a:extLst>
           </p:cNvPr>
@@ -5765,7 +5781,7 @@
                 <a16:creationId xmlns:a16="http://schemas.microsoft.com/office/drawing/2014/main" id="{CF62D2A7-8207-488C-9F46-316BA81A16C8}"/>
               </a:ext>
               <a:ext uri="{C183D7F6-B498-43B3-948B-1728B52AA6E4}">
-                <adec:decorative xmlns="" xmlns:adec="http://schemas.microsoft.com/office/drawing/2017/decorative" val="1"/>
+                <adec:decorative xmlns:adec="http://schemas.microsoft.com/office/drawing/2017/decorative" xmlns="" val="1"/>
               </a:ext>
             </a:extLst>
           </p:cNvPr>
@@ -5932,7 +5948,7 @@
                 <a16:creationId xmlns:a16="http://schemas.microsoft.com/office/drawing/2014/main" id="{52AC6D7F-F068-4E11-BB06-F601D89BB980}"/>
               </a:ext>
               <a:ext uri="{C183D7F6-B498-43B3-948B-1728B52AA6E4}">
-                <adec:decorative xmlns="" xmlns:adec="http://schemas.microsoft.com/office/drawing/2017/decorative" val="1"/>
+                <adec:decorative xmlns:adec="http://schemas.microsoft.com/office/drawing/2017/decorative" xmlns="" val="1"/>
               </a:ext>
             </a:extLst>
           </p:cNvPr>
@@ -6226,7 +6242,7 @@
                 <a16:creationId xmlns:a16="http://schemas.microsoft.com/office/drawing/2014/main" id="{E0D60ECE-8986-45DC-B7FE-EC7699B466B8}"/>
               </a:ext>
               <a:ext uri="{C183D7F6-B498-43B3-948B-1728B52AA6E4}">
-                <adec:decorative xmlns="" xmlns:adec="http://schemas.microsoft.com/office/drawing/2017/decorative" val="1"/>
+                <adec:decorative xmlns:adec="http://schemas.microsoft.com/office/drawing/2017/decorative" xmlns="" val="1"/>
               </a:ext>
             </a:extLst>
           </p:cNvPr>
@@ -6395,7 +6411,7 @@
                 <a16:creationId xmlns:a16="http://schemas.microsoft.com/office/drawing/2014/main" id="{96964194-5878-40D2-8EC0-DDC58387FA56}"/>
               </a:ext>
               <a:ext uri="{C183D7F6-B498-43B3-948B-1728B52AA6E4}">
-                <adec:decorative xmlns="" xmlns:adec="http://schemas.microsoft.com/office/drawing/2017/decorative" val="1"/>
+                <adec:decorative xmlns:adec="http://schemas.microsoft.com/office/drawing/2017/decorative" xmlns="" val="1"/>
               </a:ext>
             </a:extLst>
           </p:cNvPr>
@@ -6844,7 +6860,7 @@
                 <a16:creationId xmlns:a16="http://schemas.microsoft.com/office/drawing/2014/main" id="{57845966-6EFC-468A-9CC7-BAB4B95854E7}"/>
               </a:ext>
               <a:ext uri="{C183D7F6-B498-43B3-948B-1728B52AA6E4}">
-                <adec:decorative xmlns="" xmlns:adec="http://schemas.microsoft.com/office/drawing/2017/decorative" val="1"/>
+                <adec:decorative xmlns:adec="http://schemas.microsoft.com/office/drawing/2017/decorative" xmlns="" val="1"/>
               </a:ext>
             </a:extLst>
           </p:cNvPr>
@@ -6907,7 +6923,7 @@
                 <a16:creationId xmlns:a16="http://schemas.microsoft.com/office/drawing/2014/main" id="{75554383-98AF-4A47-BB65-705FAAA4BE6A}"/>
               </a:ext>
               <a:ext uri="{C183D7F6-B498-43B3-948B-1728B52AA6E4}">
-                <adec:decorative xmlns="" xmlns:adec="http://schemas.microsoft.com/office/drawing/2017/decorative" val="1"/>
+                <adec:decorative xmlns:adec="http://schemas.microsoft.com/office/drawing/2017/decorative" xmlns="" val="1"/>
               </a:ext>
             </a:extLst>
           </p:cNvPr>
@@ -6952,7 +6968,7 @@
                 <a16:creationId xmlns:a16="http://schemas.microsoft.com/office/drawing/2014/main" id="{ADAD1991-FFD1-4E94-ABAB-7560D33008E4}"/>
               </a:ext>
               <a:ext uri="{C183D7F6-B498-43B3-948B-1728B52AA6E4}">
-                <adec:decorative xmlns="" xmlns:adec="http://schemas.microsoft.com/office/drawing/2017/decorative" val="1"/>
+                <adec:decorative xmlns:adec="http://schemas.microsoft.com/office/drawing/2017/decorative" xmlns="" val="1"/>
               </a:ext>
             </a:extLst>
           </p:cNvPr>
@@ -7316,7 +7332,7 @@
                 <a16:creationId xmlns:a16="http://schemas.microsoft.com/office/drawing/2014/main" id="{5F9CFCE6-877F-4858-B8BD-2C52CA8AFBC4}"/>
               </a:ext>
               <a:ext uri="{C183D7F6-B498-43B3-948B-1728B52AA6E4}">
-                <adec:decorative xmlns="" xmlns:adec="http://schemas.microsoft.com/office/drawing/2017/decorative" val="1"/>
+                <adec:decorative xmlns:adec="http://schemas.microsoft.com/office/drawing/2017/decorative" xmlns="" val="1"/>
               </a:ext>
             </a:extLst>
           </p:cNvPr>
@@ -7379,7 +7395,7 @@
                 <a16:creationId xmlns:a16="http://schemas.microsoft.com/office/drawing/2014/main" id="{8213F8A0-12AE-4514-8372-0DD766EC28EE}"/>
               </a:ext>
               <a:ext uri="{C183D7F6-B498-43B3-948B-1728B52AA6E4}">
-                <adec:decorative xmlns="" xmlns:adec="http://schemas.microsoft.com/office/drawing/2017/decorative" val="1"/>
+                <adec:decorative xmlns:adec="http://schemas.microsoft.com/office/drawing/2017/decorative" xmlns="" val="1"/>
               </a:ext>
             </a:extLst>
           </p:cNvPr>
@@ -7478,7 +7494,7 @@
                 <a16:creationId xmlns:a16="http://schemas.microsoft.com/office/drawing/2014/main" id="{9EFF17D4-9A8C-4CE5-B096-D8CCD4400437}"/>
               </a:ext>
               <a:ext uri="{C183D7F6-B498-43B3-948B-1728B52AA6E4}">
-                <adec:decorative xmlns="" xmlns:adec="http://schemas.microsoft.com/office/drawing/2017/decorative" val="1"/>
+                <adec:decorative xmlns:adec="http://schemas.microsoft.com/office/drawing/2017/decorative" xmlns="" val="1"/>
               </a:ext>
             </a:extLst>
           </p:cNvPr>
@@ -7655,7 +7671,7 @@
                 <a16:creationId xmlns:a16="http://schemas.microsoft.com/office/drawing/2014/main" id="{DB146403-F3D6-484B-B2ED-97F9565D0370}"/>
               </a:ext>
               <a:ext uri="{C183D7F6-B498-43B3-948B-1728B52AA6E4}">
-                <adec:decorative xmlns="" xmlns:adec="http://schemas.microsoft.com/office/drawing/2017/decorative" val="1"/>
+                <adec:decorative xmlns:adec="http://schemas.microsoft.com/office/drawing/2017/decorative" xmlns="" val="1"/>
               </a:ext>
             </a:extLst>
           </p:cNvPr>
@@ -7707,7 +7723,7 @@
                 <a16:creationId xmlns:a16="http://schemas.microsoft.com/office/drawing/2014/main" id="{823AC064-BC96-4F32-8AE1-B2FD38754823}"/>
               </a:ext>
               <a:ext uri="{C183D7F6-B498-43B3-948B-1728B52AA6E4}">
-                <adec:decorative xmlns="" xmlns:adec="http://schemas.microsoft.com/office/drawing/2017/decorative" val="1"/>
+                <adec:decorative xmlns:adec="http://schemas.microsoft.com/office/drawing/2017/decorative" xmlns="" val="1"/>
               </a:ext>
             </a:extLst>
           </p:cNvPr>
@@ -7896,7 +7912,7 @@
                 <a16:creationId xmlns:a16="http://schemas.microsoft.com/office/drawing/2014/main" id="{7E7C77BC-7138-40B1-A15B-20F57A494629}"/>
               </a:ext>
               <a:ext uri="{C183D7F6-B498-43B3-948B-1728B52AA6E4}">
-                <adec:decorative xmlns="" xmlns:adec="http://schemas.microsoft.com/office/drawing/2017/decorative" val="1"/>
+                <adec:decorative xmlns:adec="http://schemas.microsoft.com/office/drawing/2017/decorative" xmlns="" val="1"/>
               </a:ext>
             </a:extLst>
           </p:cNvPr>

--- a/Presentation/ScrumLords_Capstone.pptx
+++ b/Presentation/ScrumLords_Capstone.pptx
@@ -15,13 +15,18 @@
     <p:sldId id="276" r:id="rId9"/>
     <p:sldId id="267" r:id="rId10"/>
     <p:sldId id="268" r:id="rId11"/>
-    <p:sldId id="269" r:id="rId12"/>
-    <p:sldId id="270" r:id="rId13"/>
-    <p:sldId id="271" r:id="rId14"/>
-    <p:sldId id="272" r:id="rId15"/>
-    <p:sldId id="278" r:id="rId16"/>
-    <p:sldId id="277" r:id="rId17"/>
-    <p:sldId id="274" r:id="rId18"/>
+    <p:sldId id="279" r:id="rId12"/>
+    <p:sldId id="280" r:id="rId13"/>
+    <p:sldId id="281" r:id="rId14"/>
+    <p:sldId id="282" r:id="rId15"/>
+    <p:sldId id="283" r:id="rId16"/>
+    <p:sldId id="269" r:id="rId17"/>
+    <p:sldId id="270" r:id="rId18"/>
+    <p:sldId id="271" r:id="rId19"/>
+    <p:sldId id="272" r:id="rId20"/>
+    <p:sldId id="278" r:id="rId21"/>
+    <p:sldId id="277" r:id="rId22"/>
+    <p:sldId id="274" r:id="rId23"/>
   </p:sldIdLst>
   <p:sldSz cx="12192000" cy="6858000"/>
   <p:notesSz cx="6858000" cy="9144000"/>
@@ -279,7 +284,7 @@
           <a:p>
             <a:fld id="{38A050F6-C4A4-4D93-BB5B-76D71472723B}" type="datetimeFigureOut">
               <a:rPr lang="en-US" smtClean="0"/>
-              <a:t>8/9/2018</a:t>
+              <a:t>8/10/2018</a:t>
             </a:fld>
             <a:endParaRPr lang="en-US"/>
           </a:p>
@@ -477,7 +482,7 @@
           <a:p>
             <a:fld id="{38A050F6-C4A4-4D93-BB5B-76D71472723B}" type="datetimeFigureOut">
               <a:rPr lang="en-US" smtClean="0"/>
-              <a:t>8/9/2018</a:t>
+              <a:t>8/10/2018</a:t>
             </a:fld>
             <a:endParaRPr lang="en-US"/>
           </a:p>
@@ -685,7 +690,7 @@
           <a:p>
             <a:fld id="{38A050F6-C4A4-4D93-BB5B-76D71472723B}" type="datetimeFigureOut">
               <a:rPr lang="en-US" smtClean="0"/>
-              <a:t>8/9/2018</a:t>
+              <a:t>8/10/2018</a:t>
             </a:fld>
             <a:endParaRPr lang="en-US"/>
           </a:p>
@@ -883,7 +888,7 @@
           <a:p>
             <a:fld id="{38A050F6-C4A4-4D93-BB5B-76D71472723B}" type="datetimeFigureOut">
               <a:rPr lang="en-US" smtClean="0"/>
-              <a:t>8/9/2018</a:t>
+              <a:t>8/10/2018</a:t>
             </a:fld>
             <a:endParaRPr lang="en-US"/>
           </a:p>
@@ -1158,7 +1163,7 @@
           <a:p>
             <a:fld id="{38A050F6-C4A4-4D93-BB5B-76D71472723B}" type="datetimeFigureOut">
               <a:rPr lang="en-US" smtClean="0"/>
-              <a:t>8/9/2018</a:t>
+              <a:t>8/10/2018</a:t>
             </a:fld>
             <a:endParaRPr lang="en-US"/>
           </a:p>
@@ -1423,7 +1428,7 @@
           <a:p>
             <a:fld id="{38A050F6-C4A4-4D93-BB5B-76D71472723B}" type="datetimeFigureOut">
               <a:rPr lang="en-US" smtClean="0"/>
-              <a:t>8/9/2018</a:t>
+              <a:t>8/10/2018</a:t>
             </a:fld>
             <a:endParaRPr lang="en-US"/>
           </a:p>
@@ -1835,7 +1840,7 @@
           <a:p>
             <a:fld id="{38A050F6-C4A4-4D93-BB5B-76D71472723B}" type="datetimeFigureOut">
               <a:rPr lang="en-US" smtClean="0"/>
-              <a:t>8/9/2018</a:t>
+              <a:t>8/10/2018</a:t>
             </a:fld>
             <a:endParaRPr lang="en-US"/>
           </a:p>
@@ -1976,7 +1981,7 @@
           <a:p>
             <a:fld id="{38A050F6-C4A4-4D93-BB5B-76D71472723B}" type="datetimeFigureOut">
               <a:rPr lang="en-US" smtClean="0"/>
-              <a:t>8/9/2018</a:t>
+              <a:t>8/10/2018</a:t>
             </a:fld>
             <a:endParaRPr lang="en-US"/>
           </a:p>
@@ -2089,7 +2094,7 @@
           <a:p>
             <a:fld id="{38A050F6-C4A4-4D93-BB5B-76D71472723B}" type="datetimeFigureOut">
               <a:rPr lang="en-US" smtClean="0"/>
-              <a:t>8/9/2018</a:t>
+              <a:t>8/10/2018</a:t>
             </a:fld>
             <a:endParaRPr lang="en-US"/>
           </a:p>
@@ -2400,7 +2405,7 @@
           <a:p>
             <a:fld id="{38A050F6-C4A4-4D93-BB5B-76D71472723B}" type="datetimeFigureOut">
               <a:rPr lang="en-US" smtClean="0"/>
-              <a:t>8/9/2018</a:t>
+              <a:t>8/10/2018</a:t>
             </a:fld>
             <a:endParaRPr lang="en-US"/>
           </a:p>
@@ -2688,7 +2693,7 @@
           <a:p>
             <a:fld id="{38A050F6-C4A4-4D93-BB5B-76D71472723B}" type="datetimeFigureOut">
               <a:rPr lang="en-US" smtClean="0"/>
-              <a:t>8/9/2018</a:t>
+              <a:t>8/10/2018</a:t>
             </a:fld>
             <a:endParaRPr lang="en-US"/>
           </a:p>
@@ -2929,7 +2934,7 @@
           <a:p>
             <a:fld id="{38A050F6-C4A4-4D93-BB5B-76D71472723B}" type="datetimeFigureOut">
               <a:rPr lang="en-US" smtClean="0"/>
-              <a:t>8/9/2018</a:t>
+              <a:t>8/10/2018</a:t>
             </a:fld>
             <a:endParaRPr lang="en-US"/>
           </a:p>
@@ -3497,6 +3502,14 @@
 <file path=ppt/slides/slide11.xml><?xml version="1.0" encoding="utf-8"?>
 <p:sld xmlns:a="http://schemas.openxmlformats.org/drawingml/2006/main" xmlns:r="http://schemas.openxmlformats.org/officeDocument/2006/relationships" xmlns:p="http://schemas.openxmlformats.org/presentationml/2006/main">
   <p:cSld>
+    <p:bg>
+      <p:bgPr>
+        <a:solidFill>
+          <a:srgbClr val="FFFFFF"/>
+        </a:solidFill>
+        <a:effectLst/>
+      </p:bgPr>
+    </p:bg>
     <p:spTree>
       <p:nvGrpSpPr>
         <p:cNvPr id="1" name=""/>
@@ -3513,44 +3526,212 @@
       </p:grpSpPr>
       <p:sp>
         <p:nvSpPr>
-          <p:cNvPr id="2" name="TextBox 1">
-            <a:extLst>
-              <a:ext uri="{FF2B5EF4-FFF2-40B4-BE49-F238E27FC236}">
-                <a16:creationId xmlns:a16="http://schemas.microsoft.com/office/drawing/2014/main" id="{9A5B267B-DC99-48D5-AAE4-0080DA632EE8}"/>
-              </a:ext>
-            </a:extLst>
-          </p:cNvPr>
-          <p:cNvSpPr txBox="1"/>
-          <p:nvPr/>
-        </p:nvSpPr>
-        <p:spPr>
-          <a:xfrm>
-            <a:off x="2330824" y="699246"/>
-            <a:ext cx="8444753" cy="923330"/>
+          <p:cNvPr id="18" name="Rectangle 11">
+            <a:extLst>
+              <a:ext uri="{FF2B5EF4-FFF2-40B4-BE49-F238E27FC236}">
+                <a16:creationId xmlns:a16="http://schemas.microsoft.com/office/drawing/2014/main" id="{72257994-BD97-4691-8B89-198A6D2BABDC}"/>
+              </a:ext>
+              <a:ext uri="{C183D7F6-B498-43B3-948B-1728B52AA6E4}">
+                <adec:decorative xmlns="" xmlns:adec="http://schemas.microsoft.com/office/drawing/2017/decorative" val="1"/>
+              </a:ext>
+            </a:extLst>
+          </p:cNvPr>
+          <p:cNvSpPr>
+            <a:spLocks noGrp="1" noRot="1" noChangeAspect="1" noMove="1" noResize="1" noEditPoints="1" noAdjustHandles="1" noChangeArrowheads="1" noChangeShapeType="1" noTextEdit="1"/>
+          </p:cNvSpPr>
+          <p:nvPr>
+            <p:extLst>
+              <p:ext uri="{386F3935-93C4-4BCD-93E2-E3B085C9AB24}">
+                <p16:designElem xmlns:p16="http://schemas.microsoft.com/office/powerpoint/2015/main" val="1"/>
+              </p:ext>
+            </p:extLst>
+          </p:nvPr>
+        </p:nvSpPr>
+        <p:spPr>
+          <a:xfrm>
+            <a:off x="0" y="4918509"/>
+            <a:ext cx="12192000" cy="1939491"/>
           </a:xfrm>
           <a:prstGeom prst="rect">
             <a:avLst/>
           </a:prstGeom>
-          <a:noFill/>
-        </p:spPr>
-        <p:txBody>
-          <a:bodyPr wrap="square" rtlCol="0">
-            <a:spAutoFit/>
+          <a:solidFill>
+            <a:srgbClr val="404040"/>
+          </a:solidFill>
+          <a:ln>
+            <a:noFill/>
+          </a:ln>
+        </p:spPr>
+        <p:style>
+          <a:lnRef idx="2">
+            <a:schemeClr val="accent1">
+              <a:shade val="50000"/>
+            </a:schemeClr>
+          </a:lnRef>
+          <a:fillRef idx="1">
+            <a:schemeClr val="accent1"/>
+          </a:fillRef>
+          <a:effectRef idx="0">
+            <a:schemeClr val="accent1"/>
+          </a:effectRef>
+          <a:fontRef idx="minor">
+            <a:schemeClr val="lt1"/>
+          </a:fontRef>
+        </p:style>
+        <p:txBody>
+          <a:bodyPr rtlCol="0" anchor="ctr"/>
+          <a:lstStyle/>
+          <a:p>
+            <a:pPr algn="ctr"/>
+            <a:endParaRPr lang="en-US"/>
+          </a:p>
+        </p:txBody>
+      </p:sp>
+      <p:sp>
+        <p:nvSpPr>
+          <p:cNvPr id="4" name="Title 3">
+            <a:extLst>
+              <a:ext uri="{FF2B5EF4-FFF2-40B4-BE49-F238E27FC236}">
+                <a16:creationId xmlns:a16="http://schemas.microsoft.com/office/drawing/2014/main" id="{5B7E3840-057E-4505-8882-F0D695DD5FCB}"/>
+              </a:ext>
+            </a:extLst>
+          </p:cNvPr>
+          <p:cNvSpPr>
+            <a:spLocks noGrp="1"/>
+          </p:cNvSpPr>
+          <p:nvPr>
+            <p:ph type="title"/>
+          </p:nvPr>
+        </p:nvSpPr>
+        <p:spPr>
+          <a:xfrm>
+            <a:off x="1600200" y="4269282"/>
+            <a:ext cx="8991600" cy="1264762"/>
+          </a:xfrm>
+          <a:solidFill>
+            <a:srgbClr val="FFFFFF"/>
+          </a:solidFill>
+          <a:ln w="38100">
+            <a:solidFill>
+              <a:srgbClr val="404040"/>
+            </a:solidFill>
+            <a:miter lim="800000"/>
+          </a:ln>
+        </p:spPr>
+        <p:txBody>
+          <a:bodyPr vert="horz" lIns="91440" tIns="45720" rIns="91440" bIns="45720" rtlCol="0" anchor="ctr">
+            <a:normAutofit/>
           </a:bodyPr>
           <a:lstStyle/>
           <a:p>
             <a:pPr algn="ctr"/>
             <a:r>
-              <a:rPr lang="en-US" sz="5400" dirty="0"/>
-              <a:t>Modeling</a:t>
-            </a:r>
-          </a:p>
-        </p:txBody>
-      </p:sp>
+              <a:rPr lang="en-US" sz="4000" dirty="0" err="1">
+                <a:solidFill>
+                  <a:srgbClr val="404040"/>
+                </a:solidFill>
+              </a:rPr>
+              <a:t>titlePrincipals</a:t>
+            </a:r>
+            <a:r>
+              <a:rPr lang="en-US" sz="4000" dirty="0">
+                <a:solidFill>
+                  <a:srgbClr val="404040"/>
+                </a:solidFill>
+              </a:rPr>
+              <a:t> Exploration</a:t>
+            </a:r>
+            <a:br>
+              <a:rPr lang="en-US" sz="4000" dirty="0">
+                <a:solidFill>
+                  <a:srgbClr val="404040"/>
+                </a:solidFill>
+              </a:rPr>
+            </a:br>
+            <a:r>
+              <a:rPr lang="en-US" sz="2200" dirty="0">
+                <a:solidFill>
+                  <a:srgbClr val="404040"/>
+                </a:solidFill>
+              </a:rPr>
+              <a:t>Step 1:  </a:t>
+            </a:r>
+            <a:r>
+              <a:rPr lang="en-US" sz="2200" dirty="0"/>
+              <a:t>Inner Join to Produce Rating by Principal by Movie</a:t>
+            </a:r>
+            <a:endParaRPr lang="en-US" sz="2200" dirty="0">
+              <a:solidFill>
+                <a:srgbClr val="404040"/>
+              </a:solidFill>
+            </a:endParaRPr>
+          </a:p>
+        </p:txBody>
+      </p:sp>
+      <p:pic>
+        <p:nvPicPr>
+          <p:cNvPr id="7" name="Picture 6">
+            <a:extLst>
+              <a:ext uri="{FF2B5EF4-FFF2-40B4-BE49-F238E27FC236}">
+                <a16:creationId xmlns:a16="http://schemas.microsoft.com/office/drawing/2014/main" id="{01447507-0C28-4F4F-AC17-74AE1C5A9509}"/>
+              </a:ext>
+            </a:extLst>
+          </p:cNvPr>
+          <p:cNvPicPr>
+            <a:picLocks noChangeAspect="1"/>
+          </p:cNvPicPr>
+          <p:nvPr/>
+        </p:nvPicPr>
+        <p:blipFill>
+          <a:blip r:embed="rId2"/>
+          <a:stretch>
+            <a:fillRect/>
+          </a:stretch>
+        </p:blipFill>
+        <p:spPr>
+          <a:xfrm>
+            <a:off x="6487777" y="984354"/>
+            <a:ext cx="5316388" cy="2968273"/>
+          </a:xfrm>
+          <a:prstGeom prst="rect">
+            <a:avLst/>
+          </a:prstGeom>
+        </p:spPr>
+      </p:pic>
+      <p:pic>
+        <p:nvPicPr>
+          <p:cNvPr id="3" name="Picture 2">
+            <a:extLst>
+              <a:ext uri="{FF2B5EF4-FFF2-40B4-BE49-F238E27FC236}">
+                <a16:creationId xmlns:a16="http://schemas.microsoft.com/office/drawing/2014/main" id="{DD98BD97-E9D2-4EA0-AEED-4D2C398E09A8}"/>
+              </a:ext>
+            </a:extLst>
+          </p:cNvPr>
+          <p:cNvPicPr>
+            <a:picLocks noChangeAspect="1"/>
+          </p:cNvPicPr>
+          <p:nvPr/>
+        </p:nvPicPr>
+        <p:blipFill>
+          <a:blip r:embed="rId3"/>
+          <a:stretch>
+            <a:fillRect/>
+          </a:stretch>
+        </p:blipFill>
+        <p:spPr>
+          <a:xfrm>
+            <a:off x="333925" y="293683"/>
+            <a:ext cx="5854438" cy="3885218"/>
+          </a:xfrm>
+          <a:prstGeom prst="rect">
+            <a:avLst/>
+          </a:prstGeom>
+        </p:spPr>
+      </p:pic>
     </p:spTree>
     <p:extLst>
       <p:ext uri="{BB962C8B-B14F-4D97-AF65-F5344CB8AC3E}">
-        <p14:creationId xmlns:p14="http://schemas.microsoft.com/office/powerpoint/2010/main" val="379452362"/>
+        <p14:creationId xmlns:p14="http://schemas.microsoft.com/office/powerpoint/2010/main" val="1697751953"/>
       </p:ext>
     </p:extLst>
   </p:cSld>
@@ -3561,6 +3742,317 @@
 </file>
 
 <file path=ppt/slides/slide12.xml><?xml version="1.0" encoding="utf-8"?>
+<p:sld xmlns:a="http://schemas.openxmlformats.org/drawingml/2006/main" xmlns:r="http://schemas.openxmlformats.org/officeDocument/2006/relationships" xmlns:p="http://schemas.openxmlformats.org/presentationml/2006/main">
+  <p:cSld>
+    <p:bg>
+      <p:bgPr>
+        <a:solidFill>
+          <a:schemeClr val="bg1"/>
+        </a:solidFill>
+        <a:effectLst/>
+      </p:bgPr>
+    </p:bg>
+    <p:spTree>
+      <p:nvGrpSpPr>
+        <p:cNvPr id="1" name=""/>
+        <p:cNvGrpSpPr/>
+        <p:nvPr/>
+      </p:nvGrpSpPr>
+      <p:grpSpPr>
+        <a:xfrm>
+          <a:off x="0" y="0"/>
+          <a:ext cx="0" cy="0"/>
+          <a:chOff x="0" y="0"/>
+          <a:chExt cx="0" cy="0"/>
+        </a:xfrm>
+      </p:grpSpPr>
+      <p:sp>
+        <p:nvSpPr>
+          <p:cNvPr id="9" name="Rectangle 8">
+            <a:extLst>
+              <a:ext uri="{FF2B5EF4-FFF2-40B4-BE49-F238E27FC236}">
+                <a16:creationId xmlns:a16="http://schemas.microsoft.com/office/drawing/2014/main" id="{AB45A142-4255-493C-8284-5D566C121B10}"/>
+              </a:ext>
+              <a:ext uri="{C183D7F6-B498-43B3-948B-1728B52AA6E4}">
+                <adec:decorative xmlns="" xmlns:adec="http://schemas.microsoft.com/office/drawing/2017/decorative" val="1"/>
+              </a:ext>
+            </a:extLst>
+          </p:cNvPr>
+          <p:cNvSpPr>
+            <a:spLocks noGrp="1" noRot="1" noChangeAspect="1" noMove="1" noResize="1" noEditPoints="1" noAdjustHandles="1" noChangeArrowheads="1" noChangeShapeType="1" noTextEdit="1"/>
+          </p:cNvSpPr>
+          <p:nvPr>
+            <p:extLst>
+              <p:ext uri="{386F3935-93C4-4BCD-93E2-E3B085C9AB24}">
+                <p16:designElem xmlns:p16="http://schemas.microsoft.com/office/powerpoint/2015/main" val="1"/>
+              </p:ext>
+            </p:extLst>
+          </p:nvPr>
+        </p:nvSpPr>
+        <p:spPr bwMode="ltGray">
+          <a:xfrm>
+            <a:off x="336884" y="321177"/>
+            <a:ext cx="4332307" cy="6179552"/>
+          </a:xfrm>
+          <a:prstGeom prst="rect">
+            <a:avLst/>
+          </a:prstGeom>
+          <a:solidFill>
+            <a:srgbClr val="404040">
+              <a:alpha val="89804"/>
+            </a:srgbClr>
+          </a:solidFill>
+          <a:ln w="127000" cap="sq" cmpd="thinThick">
+            <a:solidFill>
+              <a:srgbClr val="595959">
+                <a:alpha val="80000"/>
+              </a:srgbClr>
+            </a:solidFill>
+          </a:ln>
+        </p:spPr>
+        <p:style>
+          <a:lnRef idx="2">
+            <a:schemeClr val="accent1">
+              <a:shade val="50000"/>
+            </a:schemeClr>
+          </a:lnRef>
+          <a:fillRef idx="1">
+            <a:schemeClr val="accent1"/>
+          </a:fillRef>
+          <a:effectRef idx="0">
+            <a:schemeClr val="accent1"/>
+          </a:effectRef>
+          <a:fontRef idx="minor">
+            <a:schemeClr val="lt1"/>
+          </a:fontRef>
+        </p:style>
+        <p:txBody>
+          <a:bodyPr rtlCol="0" anchor="ctr"/>
+          <a:lstStyle/>
+          <a:p>
+            <a:pPr algn="ctr"/>
+            <a:endParaRPr lang="en-US"/>
+          </a:p>
+        </p:txBody>
+      </p:sp>
+      <p:sp>
+        <p:nvSpPr>
+          <p:cNvPr id="4" name="Title 3">
+            <a:extLst>
+              <a:ext uri="{FF2B5EF4-FFF2-40B4-BE49-F238E27FC236}">
+                <a16:creationId xmlns:a16="http://schemas.microsoft.com/office/drawing/2014/main" id="{5B7E3840-057E-4505-8882-F0D695DD5FCB}"/>
+              </a:ext>
+            </a:extLst>
+          </p:cNvPr>
+          <p:cNvSpPr>
+            <a:spLocks noGrp="1"/>
+          </p:cNvSpPr>
+          <p:nvPr>
+            <p:ph type="title"/>
+          </p:nvPr>
+        </p:nvSpPr>
+        <p:spPr>
+          <a:xfrm>
+            <a:off x="674237" y="914400"/>
+            <a:ext cx="3657600" cy="2887579"/>
+          </a:xfrm>
+        </p:spPr>
+        <p:txBody>
+          <a:bodyPr vert="horz" lIns="91440" tIns="45720" rIns="91440" bIns="45720" rtlCol="0" anchor="b">
+            <a:normAutofit fontScale="90000"/>
+          </a:bodyPr>
+          <a:lstStyle/>
+          <a:p>
+            <a:pPr algn="ctr"/>
+            <a:r>
+              <a:rPr lang="en-US" sz="3700" kern="1200" dirty="0">
+                <a:solidFill>
+                  <a:srgbClr val="FFFFFF"/>
+                </a:solidFill>
+                <a:effectLst/>
+                <a:latin typeface="+mj-lt"/>
+                <a:ea typeface="+mj-ea"/>
+                <a:cs typeface="+mj-cs"/>
+              </a:rPr>
+              <a:t>Step 2: </a:t>
+            </a:r>
+            <a:br>
+              <a:rPr lang="en-US" sz="3700" kern="1200" dirty="0">
+                <a:solidFill>
+                  <a:srgbClr val="FFFFFF"/>
+                </a:solidFill>
+                <a:effectLst/>
+                <a:latin typeface="+mj-lt"/>
+                <a:ea typeface="+mj-ea"/>
+                <a:cs typeface="+mj-cs"/>
+              </a:rPr>
+            </a:br>
+            <a:r>
+              <a:rPr lang="en-US" sz="3700" kern="1200" dirty="0">
+                <a:solidFill>
+                  <a:srgbClr val="FFFFFF"/>
+                </a:solidFill>
+                <a:effectLst/>
+                <a:latin typeface="+mj-lt"/>
+                <a:ea typeface="+mj-ea"/>
+                <a:cs typeface="+mj-cs"/>
+              </a:rPr>
+              <a:t>Aggregate Average </a:t>
+            </a:r>
+            <a:r>
+              <a:rPr lang="en-US" sz="3700" kern="1200" dirty="0">
+                <a:solidFill>
+                  <a:srgbClr val="FFFFFF"/>
+                </a:solidFill>
+                <a:latin typeface="+mj-lt"/>
+                <a:ea typeface="+mj-ea"/>
+                <a:cs typeface="+mj-cs"/>
+              </a:rPr>
+              <a:t>R</a:t>
+            </a:r>
+            <a:r>
+              <a:rPr lang="en-US" sz="3700" kern="1200" dirty="0">
+                <a:solidFill>
+                  <a:srgbClr val="FFFFFF"/>
+                </a:solidFill>
+                <a:effectLst/>
+                <a:latin typeface="+mj-lt"/>
+                <a:ea typeface="+mj-ea"/>
+                <a:cs typeface="+mj-cs"/>
+              </a:rPr>
+              <a:t>atings by Name by </a:t>
+            </a:r>
+            <a:r>
+              <a:rPr lang="en-US" sz="3700" kern="1200" dirty="0" err="1">
+                <a:solidFill>
+                  <a:srgbClr val="FFFFFF"/>
+                </a:solidFill>
+                <a:effectLst/>
+                <a:latin typeface="+mj-lt"/>
+                <a:ea typeface="+mj-ea"/>
+                <a:cs typeface="+mj-cs"/>
+              </a:rPr>
+              <a:t>title.Principal</a:t>
+            </a:r>
+            <a:r>
+              <a:rPr lang="en-US" sz="3700" kern="1200" dirty="0">
+                <a:solidFill>
+                  <a:srgbClr val="FFFFFF"/>
+                </a:solidFill>
+                <a:effectLst/>
+                <a:latin typeface="+mj-lt"/>
+                <a:ea typeface="+mj-ea"/>
+                <a:cs typeface="+mj-cs"/>
+              </a:rPr>
+              <a:t> Category</a:t>
+            </a:r>
+            <a:endParaRPr lang="en-US" sz="3700" kern="1200" dirty="0">
+              <a:solidFill>
+                <a:srgbClr val="FFFFFF"/>
+              </a:solidFill>
+              <a:latin typeface="+mj-lt"/>
+              <a:ea typeface="+mj-ea"/>
+              <a:cs typeface="+mj-cs"/>
+            </a:endParaRPr>
+          </a:p>
+        </p:txBody>
+      </p:sp>
+      <p:cxnSp>
+        <p:nvCxnSpPr>
+          <p:cNvPr id="11" name="Straight Connector 10">
+            <a:extLst>
+              <a:ext uri="{FF2B5EF4-FFF2-40B4-BE49-F238E27FC236}">
+                <a16:creationId xmlns:a16="http://schemas.microsoft.com/office/drawing/2014/main" id="{38FB9660-F42F-4313-BBC4-47C007FE484C}"/>
+              </a:ext>
+              <a:ext uri="{C183D7F6-B498-43B3-948B-1728B52AA6E4}">
+                <adec:decorative xmlns="" xmlns:adec="http://schemas.microsoft.com/office/drawing/2017/decorative" val="1"/>
+              </a:ext>
+            </a:extLst>
+          </p:cNvPr>
+          <p:cNvCxnSpPr>
+            <a:cxnSpLocks noGrp="1" noRot="1" noChangeAspect="1" noMove="1" noResize="1" noEditPoints="1" noAdjustHandles="1" noChangeArrowheads="1" noChangeShapeType="1"/>
+          </p:cNvCxnSpPr>
+          <p:nvPr>
+            <p:extLst>
+              <p:ext uri="{386F3935-93C4-4BCD-93E2-E3B085C9AB24}">
+                <p16:designElem xmlns:p16="http://schemas.microsoft.com/office/powerpoint/2015/main" val="1"/>
+              </p:ext>
+            </p:extLst>
+          </p:nvPr>
+        </p:nvCxnSpPr>
+        <p:spPr>
+          <a:xfrm>
+            <a:off x="1191126" y="3910267"/>
+            <a:ext cx="2586790" cy="0"/>
+          </a:xfrm>
+          <a:prstGeom prst="line">
+            <a:avLst/>
+          </a:prstGeom>
+          <a:ln w="22225">
+            <a:solidFill>
+              <a:srgbClr val="D9D9D9"/>
+            </a:solidFill>
+          </a:ln>
+        </p:spPr>
+        <p:style>
+          <a:lnRef idx="1">
+            <a:schemeClr val="accent1"/>
+          </a:lnRef>
+          <a:fillRef idx="0">
+            <a:schemeClr val="accent1"/>
+          </a:fillRef>
+          <a:effectRef idx="0">
+            <a:schemeClr val="accent1"/>
+          </a:effectRef>
+          <a:fontRef idx="minor">
+            <a:schemeClr val="tx1"/>
+          </a:fontRef>
+        </p:style>
+      </p:cxnSp>
+      <p:pic>
+        <p:nvPicPr>
+          <p:cNvPr id="3" name="Picture 2">
+            <a:extLst>
+              <a:ext uri="{FF2B5EF4-FFF2-40B4-BE49-F238E27FC236}">
+                <a16:creationId xmlns:a16="http://schemas.microsoft.com/office/drawing/2014/main" id="{950AE9D0-ADB3-43A2-8726-494687435AD2}"/>
+              </a:ext>
+            </a:extLst>
+          </p:cNvPr>
+          <p:cNvPicPr>
+            <a:picLocks noChangeAspect="1"/>
+          </p:cNvPicPr>
+          <p:nvPr/>
+        </p:nvPicPr>
+        <p:blipFill>
+          <a:blip r:embed="rId2"/>
+          <a:stretch>
+            <a:fillRect/>
+          </a:stretch>
+        </p:blipFill>
+        <p:spPr>
+          <a:xfrm>
+            <a:off x="5331542" y="492573"/>
+            <a:ext cx="6198104" cy="5880796"/>
+          </a:xfrm>
+          <a:prstGeom prst="rect">
+            <a:avLst/>
+          </a:prstGeom>
+        </p:spPr>
+      </p:pic>
+    </p:spTree>
+    <p:extLst>
+      <p:ext uri="{BB962C8B-B14F-4D97-AF65-F5344CB8AC3E}">
+        <p14:creationId xmlns:p14="http://schemas.microsoft.com/office/powerpoint/2010/main" val="3429663398"/>
+      </p:ext>
+    </p:extLst>
+  </p:cSld>
+  <p:clrMapOvr>
+    <a:masterClrMapping/>
+  </p:clrMapOvr>
+</p:sld>
+</file>
+
+<file path=ppt/slides/slide13.xml><?xml version="1.0" encoding="utf-8"?>
 <p:sld xmlns:a="http://schemas.openxmlformats.org/drawingml/2006/main" xmlns:r="http://schemas.openxmlformats.org/officeDocument/2006/relationships" xmlns:p="http://schemas.openxmlformats.org/presentationml/2006/main">
   <p:cSld>
     <p:spTree>
@@ -3579,6 +4071,734 @@
       </p:grpSpPr>
       <p:sp>
         <p:nvSpPr>
+          <p:cNvPr id="4" name="Title 3">
+            <a:extLst>
+              <a:ext uri="{FF2B5EF4-FFF2-40B4-BE49-F238E27FC236}">
+                <a16:creationId xmlns:a16="http://schemas.microsoft.com/office/drawing/2014/main" id="{5B7E3840-057E-4505-8882-F0D695DD5FCB}"/>
+              </a:ext>
+            </a:extLst>
+          </p:cNvPr>
+          <p:cNvSpPr>
+            <a:spLocks noGrp="1"/>
+          </p:cNvSpPr>
+          <p:nvPr>
+            <p:ph type="title"/>
+          </p:nvPr>
+        </p:nvSpPr>
+        <p:spPr>
+          <a:xfrm>
+            <a:off x="360784" y="137647"/>
+            <a:ext cx="11501249" cy="1325563"/>
+          </a:xfrm>
+        </p:spPr>
+        <p:txBody>
+          <a:bodyPr>
+            <a:normAutofit/>
+          </a:bodyPr>
+          <a:lstStyle/>
+          <a:p>
+            <a:pPr algn="ctr"/>
+            <a:r>
+              <a:rPr lang="en-US" sz="3300" dirty="0">
+                <a:latin typeface="Calibri Light (Headings)"/>
+              </a:rPr>
+              <a:t>Step 3:  Aggregate Each </a:t>
+            </a:r>
+            <a:r>
+              <a:rPr lang="en-US" sz="3300" dirty="0" err="1">
+                <a:latin typeface="Calibri Light (Headings)"/>
+              </a:rPr>
+              <a:t>titlePrincipal</a:t>
+            </a:r>
+            <a:r>
+              <a:rPr lang="en-US" sz="3300" dirty="0">
+                <a:latin typeface="Calibri Light (Headings)"/>
+              </a:rPr>
+              <a:t> Role Average Rating by Movie</a:t>
+            </a:r>
+          </a:p>
+        </p:txBody>
+      </p:sp>
+      <p:pic>
+        <p:nvPicPr>
+          <p:cNvPr id="3" name="Picture 2">
+            <a:extLst>
+              <a:ext uri="{FF2B5EF4-FFF2-40B4-BE49-F238E27FC236}">
+                <a16:creationId xmlns:a16="http://schemas.microsoft.com/office/drawing/2014/main" id="{EFFED29F-BCDF-404E-B57E-5733D1EF8786}"/>
+              </a:ext>
+            </a:extLst>
+          </p:cNvPr>
+          <p:cNvPicPr>
+            <a:picLocks noChangeAspect="1"/>
+          </p:cNvPicPr>
+          <p:nvPr/>
+        </p:nvPicPr>
+        <p:blipFill>
+          <a:blip r:embed="rId2"/>
+          <a:stretch>
+            <a:fillRect/>
+          </a:stretch>
+        </p:blipFill>
+        <p:spPr>
+          <a:xfrm>
+            <a:off x="5765121" y="4940870"/>
+            <a:ext cx="2504762" cy="1676574"/>
+          </a:xfrm>
+          <a:prstGeom prst="rect">
+            <a:avLst/>
+          </a:prstGeom>
+        </p:spPr>
+      </p:pic>
+      <p:pic>
+        <p:nvPicPr>
+          <p:cNvPr id="5" name="Picture 4">
+            <a:extLst>
+              <a:ext uri="{FF2B5EF4-FFF2-40B4-BE49-F238E27FC236}">
+                <a16:creationId xmlns:a16="http://schemas.microsoft.com/office/drawing/2014/main" id="{045F3756-B062-47A9-9ED7-F651E0855E44}"/>
+              </a:ext>
+            </a:extLst>
+          </p:cNvPr>
+          <p:cNvPicPr>
+            <a:picLocks noChangeAspect="1"/>
+          </p:cNvPicPr>
+          <p:nvPr/>
+        </p:nvPicPr>
+        <p:blipFill>
+          <a:blip r:embed="rId3"/>
+          <a:stretch>
+            <a:fillRect/>
+          </a:stretch>
+        </p:blipFill>
+        <p:spPr>
+          <a:xfrm>
+            <a:off x="8856894" y="5084111"/>
+            <a:ext cx="2952381" cy="1485714"/>
+          </a:xfrm>
+          <a:prstGeom prst="rect">
+            <a:avLst/>
+          </a:prstGeom>
+        </p:spPr>
+      </p:pic>
+      <p:pic>
+        <p:nvPicPr>
+          <p:cNvPr id="6" name="Picture 5">
+            <a:extLst>
+              <a:ext uri="{FF2B5EF4-FFF2-40B4-BE49-F238E27FC236}">
+                <a16:creationId xmlns:a16="http://schemas.microsoft.com/office/drawing/2014/main" id="{21205EAD-5D40-4174-AF82-0788C9F08028}"/>
+              </a:ext>
+            </a:extLst>
+          </p:cNvPr>
+          <p:cNvPicPr>
+            <a:picLocks noChangeAspect="1"/>
+          </p:cNvPicPr>
+          <p:nvPr/>
+        </p:nvPicPr>
+        <p:blipFill>
+          <a:blip r:embed="rId4"/>
+          <a:stretch>
+            <a:fillRect/>
+          </a:stretch>
+        </p:blipFill>
+        <p:spPr>
+          <a:xfrm>
+            <a:off x="8923175" y="3246516"/>
+            <a:ext cx="2619048" cy="1485714"/>
+          </a:xfrm>
+          <a:prstGeom prst="rect">
+            <a:avLst/>
+          </a:prstGeom>
+        </p:spPr>
+      </p:pic>
+      <p:pic>
+        <p:nvPicPr>
+          <p:cNvPr id="7" name="Picture 6">
+            <a:extLst>
+              <a:ext uri="{FF2B5EF4-FFF2-40B4-BE49-F238E27FC236}">
+                <a16:creationId xmlns:a16="http://schemas.microsoft.com/office/drawing/2014/main" id="{A6776662-DC70-45AB-B0BB-5085D4745D8F}"/>
+              </a:ext>
+            </a:extLst>
+          </p:cNvPr>
+          <p:cNvPicPr>
+            <a:picLocks noChangeAspect="1"/>
+          </p:cNvPicPr>
+          <p:nvPr/>
+        </p:nvPicPr>
+        <p:blipFill>
+          <a:blip r:embed="rId5"/>
+          <a:stretch>
+            <a:fillRect/>
+          </a:stretch>
+        </p:blipFill>
+        <p:spPr>
+          <a:xfrm>
+            <a:off x="5765120" y="3246516"/>
+            <a:ext cx="2504762" cy="1552381"/>
+          </a:xfrm>
+          <a:prstGeom prst="rect">
+            <a:avLst/>
+          </a:prstGeom>
+        </p:spPr>
+      </p:pic>
+      <p:pic>
+        <p:nvPicPr>
+          <p:cNvPr id="8" name="Picture 7">
+            <a:extLst>
+              <a:ext uri="{FF2B5EF4-FFF2-40B4-BE49-F238E27FC236}">
+                <a16:creationId xmlns:a16="http://schemas.microsoft.com/office/drawing/2014/main" id="{67CD8306-7F9A-4526-934E-0B6505132788}"/>
+              </a:ext>
+            </a:extLst>
+          </p:cNvPr>
+          <p:cNvPicPr>
+            <a:picLocks noChangeAspect="1"/>
+          </p:cNvPicPr>
+          <p:nvPr/>
+        </p:nvPicPr>
+        <p:blipFill>
+          <a:blip r:embed="rId6"/>
+          <a:stretch>
+            <a:fillRect/>
+          </a:stretch>
+        </p:blipFill>
+        <p:spPr>
+          <a:xfrm>
+            <a:off x="8856894" y="1472734"/>
+            <a:ext cx="2409524" cy="1533333"/>
+          </a:xfrm>
+          <a:prstGeom prst="rect">
+            <a:avLst/>
+          </a:prstGeom>
+        </p:spPr>
+      </p:pic>
+      <p:pic>
+        <p:nvPicPr>
+          <p:cNvPr id="9" name="Picture 8">
+            <a:extLst>
+              <a:ext uri="{FF2B5EF4-FFF2-40B4-BE49-F238E27FC236}">
+                <a16:creationId xmlns:a16="http://schemas.microsoft.com/office/drawing/2014/main" id="{7253371C-AB28-4982-9C38-EDC62DB99B08}"/>
+              </a:ext>
+            </a:extLst>
+          </p:cNvPr>
+          <p:cNvPicPr>
+            <a:picLocks noChangeAspect="1"/>
+          </p:cNvPicPr>
+          <p:nvPr/>
+        </p:nvPicPr>
+        <p:blipFill>
+          <a:blip r:embed="rId7"/>
+          <a:stretch>
+            <a:fillRect/>
+          </a:stretch>
+        </p:blipFill>
+        <p:spPr>
+          <a:xfrm>
+            <a:off x="5717501" y="1463210"/>
+            <a:ext cx="2552381" cy="1542857"/>
+          </a:xfrm>
+          <a:prstGeom prst="rect">
+            <a:avLst/>
+          </a:prstGeom>
+        </p:spPr>
+      </p:pic>
+      <p:pic>
+        <p:nvPicPr>
+          <p:cNvPr id="11" name="Picture 10">
+            <a:extLst>
+              <a:ext uri="{FF2B5EF4-FFF2-40B4-BE49-F238E27FC236}">
+                <a16:creationId xmlns:a16="http://schemas.microsoft.com/office/drawing/2014/main" id="{4C7E1CD2-E24A-44BF-AC3F-6C4A584B3E82}"/>
+              </a:ext>
+            </a:extLst>
+          </p:cNvPr>
+          <p:cNvPicPr>
+            <a:picLocks noChangeAspect="1"/>
+          </p:cNvPicPr>
+          <p:nvPr/>
+        </p:nvPicPr>
+        <p:blipFill>
+          <a:blip r:embed="rId8"/>
+          <a:stretch>
+            <a:fillRect/>
+          </a:stretch>
+        </p:blipFill>
+        <p:spPr>
+          <a:xfrm>
+            <a:off x="1458839" y="1496921"/>
+            <a:ext cx="2851903" cy="5072904"/>
+          </a:xfrm>
+          <a:prstGeom prst="rect">
+            <a:avLst/>
+          </a:prstGeom>
+        </p:spPr>
+      </p:pic>
+    </p:spTree>
+    <p:extLst>
+      <p:ext uri="{BB962C8B-B14F-4D97-AF65-F5344CB8AC3E}">
+        <p14:creationId xmlns:p14="http://schemas.microsoft.com/office/powerpoint/2010/main" val="70073816"/>
+      </p:ext>
+    </p:extLst>
+  </p:cSld>
+  <p:clrMapOvr>
+    <a:masterClrMapping/>
+  </p:clrMapOvr>
+</p:sld>
+</file>
+
+<file path=ppt/slides/slide14.xml><?xml version="1.0" encoding="utf-8"?>
+<p:sld xmlns:a="http://schemas.openxmlformats.org/drawingml/2006/main" xmlns:r="http://schemas.openxmlformats.org/officeDocument/2006/relationships" xmlns:p="http://schemas.openxmlformats.org/presentationml/2006/main">
+  <p:cSld>
+    <p:spTree>
+      <p:nvGrpSpPr>
+        <p:cNvPr id="1" name=""/>
+        <p:cNvGrpSpPr/>
+        <p:nvPr/>
+      </p:nvGrpSpPr>
+      <p:grpSpPr>
+        <a:xfrm>
+          <a:off x="0" y="0"/>
+          <a:ext cx="0" cy="0"/>
+          <a:chOff x="0" y="0"/>
+          <a:chExt cx="0" cy="0"/>
+        </a:xfrm>
+      </p:grpSpPr>
+      <p:sp>
+        <p:nvSpPr>
+          <p:cNvPr id="4" name="Title 3">
+            <a:extLst>
+              <a:ext uri="{FF2B5EF4-FFF2-40B4-BE49-F238E27FC236}">
+                <a16:creationId xmlns:a16="http://schemas.microsoft.com/office/drawing/2014/main" id="{5B7E3840-057E-4505-8882-F0D695DD5FCB}"/>
+              </a:ext>
+            </a:extLst>
+          </p:cNvPr>
+          <p:cNvSpPr>
+            <a:spLocks noGrp="1"/>
+          </p:cNvSpPr>
+          <p:nvPr>
+            <p:ph type="title"/>
+          </p:nvPr>
+        </p:nvSpPr>
+        <p:spPr>
+          <a:xfrm>
+            <a:off x="360784" y="137647"/>
+            <a:ext cx="11501249" cy="1325563"/>
+          </a:xfrm>
+        </p:spPr>
+        <p:txBody>
+          <a:bodyPr>
+            <a:normAutofit/>
+          </a:bodyPr>
+          <a:lstStyle/>
+          <a:p>
+            <a:pPr algn="ctr"/>
+            <a:r>
+              <a:rPr lang="en-US" sz="3300" dirty="0">
+                <a:latin typeface="Calibri Light (Headings)"/>
+              </a:rPr>
+              <a:t>Step 4:  Left Outer Join Each </a:t>
+            </a:r>
+            <a:r>
+              <a:rPr lang="en-US" sz="3300" dirty="0" err="1">
+                <a:latin typeface="Calibri Light (Headings)"/>
+              </a:rPr>
+              <a:t>titlePrincipal</a:t>
+            </a:r>
+            <a:r>
+              <a:rPr lang="en-US" sz="3300" dirty="0">
+                <a:latin typeface="Calibri Light (Headings)"/>
+              </a:rPr>
+              <a:t> Category Average Rating to Movie Average Rating</a:t>
+            </a:r>
+          </a:p>
+        </p:txBody>
+      </p:sp>
+      <p:pic>
+        <p:nvPicPr>
+          <p:cNvPr id="5" name="Picture 4">
+            <a:extLst>
+              <a:ext uri="{FF2B5EF4-FFF2-40B4-BE49-F238E27FC236}">
+                <a16:creationId xmlns:a16="http://schemas.microsoft.com/office/drawing/2014/main" id="{C80877AC-DE35-47B6-937A-50F96D3AE036}"/>
+              </a:ext>
+            </a:extLst>
+          </p:cNvPr>
+          <p:cNvPicPr>
+            <a:picLocks noChangeAspect="1"/>
+          </p:cNvPicPr>
+          <p:nvPr/>
+        </p:nvPicPr>
+        <p:blipFill>
+          <a:blip r:embed="rId2"/>
+          <a:stretch>
+            <a:fillRect/>
+          </a:stretch>
+        </p:blipFill>
+        <p:spPr>
+          <a:xfrm>
+            <a:off x="4102917" y="1799112"/>
+            <a:ext cx="3463650" cy="1804200"/>
+          </a:xfrm>
+          <a:prstGeom prst="rect">
+            <a:avLst/>
+          </a:prstGeom>
+        </p:spPr>
+      </p:pic>
+      <p:pic>
+        <p:nvPicPr>
+          <p:cNvPr id="6" name="Picture 5">
+            <a:extLst>
+              <a:ext uri="{FF2B5EF4-FFF2-40B4-BE49-F238E27FC236}">
+                <a16:creationId xmlns:a16="http://schemas.microsoft.com/office/drawing/2014/main" id="{A80DD1F6-3792-4513-96A5-50F8C5F7D733}"/>
+              </a:ext>
+            </a:extLst>
+          </p:cNvPr>
+          <p:cNvPicPr>
+            <a:picLocks noChangeAspect="1"/>
+          </p:cNvPicPr>
+          <p:nvPr/>
+        </p:nvPicPr>
+        <p:blipFill>
+          <a:blip r:embed="rId3"/>
+          <a:stretch>
+            <a:fillRect/>
+          </a:stretch>
+        </p:blipFill>
+        <p:spPr>
+          <a:xfrm>
+            <a:off x="1451018" y="4085735"/>
+            <a:ext cx="9495238" cy="1485714"/>
+          </a:xfrm>
+          <a:prstGeom prst="rect">
+            <a:avLst/>
+          </a:prstGeom>
+        </p:spPr>
+      </p:pic>
+    </p:spTree>
+    <p:extLst>
+      <p:ext uri="{BB962C8B-B14F-4D97-AF65-F5344CB8AC3E}">
+        <p14:creationId xmlns:p14="http://schemas.microsoft.com/office/powerpoint/2010/main" val="410438769"/>
+      </p:ext>
+    </p:extLst>
+  </p:cSld>
+  <p:clrMapOvr>
+    <a:masterClrMapping/>
+  </p:clrMapOvr>
+</p:sld>
+</file>
+
+<file path=ppt/slides/slide15.xml><?xml version="1.0" encoding="utf-8"?>
+<p:sld xmlns:a="http://schemas.openxmlformats.org/drawingml/2006/main" xmlns:r="http://schemas.openxmlformats.org/officeDocument/2006/relationships" xmlns:p="http://schemas.openxmlformats.org/presentationml/2006/main">
+  <p:cSld>
+    <p:bg>
+      <p:bgPr>
+        <a:solidFill>
+          <a:schemeClr val="bg1"/>
+        </a:solidFill>
+        <a:effectLst/>
+      </p:bgPr>
+    </p:bg>
+    <p:spTree>
+      <p:nvGrpSpPr>
+        <p:cNvPr id="1" name=""/>
+        <p:cNvGrpSpPr/>
+        <p:nvPr/>
+      </p:nvGrpSpPr>
+      <p:grpSpPr>
+        <a:xfrm>
+          <a:off x="0" y="0"/>
+          <a:ext cx="0" cy="0"/>
+          <a:chOff x="0" y="0"/>
+          <a:chExt cx="0" cy="0"/>
+        </a:xfrm>
+      </p:grpSpPr>
+      <p:sp>
+        <p:nvSpPr>
+          <p:cNvPr id="10" name="Rectangle 9">
+            <a:extLst>
+              <a:ext uri="{FF2B5EF4-FFF2-40B4-BE49-F238E27FC236}">
+                <a16:creationId xmlns:a16="http://schemas.microsoft.com/office/drawing/2014/main" id="{AB45A142-4255-493C-8284-5D566C121B10}"/>
+              </a:ext>
+              <a:ext uri="{C183D7F6-B498-43B3-948B-1728B52AA6E4}">
+                <adec:decorative xmlns="" xmlns:adec="http://schemas.microsoft.com/office/drawing/2017/decorative" val="1"/>
+              </a:ext>
+            </a:extLst>
+          </p:cNvPr>
+          <p:cNvSpPr>
+            <a:spLocks noGrp="1" noRot="1" noChangeAspect="1" noMove="1" noResize="1" noEditPoints="1" noAdjustHandles="1" noChangeArrowheads="1" noChangeShapeType="1" noTextEdit="1"/>
+          </p:cNvSpPr>
+          <p:nvPr>
+            <p:extLst>
+              <p:ext uri="{386F3935-93C4-4BCD-93E2-E3B085C9AB24}">
+                <p16:designElem xmlns:p16="http://schemas.microsoft.com/office/powerpoint/2015/main" val="1"/>
+              </p:ext>
+            </p:extLst>
+          </p:nvPr>
+        </p:nvSpPr>
+        <p:spPr bwMode="ltGray">
+          <a:xfrm>
+            <a:off x="336884" y="321177"/>
+            <a:ext cx="4332307" cy="6179552"/>
+          </a:xfrm>
+          <a:prstGeom prst="rect">
+            <a:avLst/>
+          </a:prstGeom>
+          <a:solidFill>
+            <a:srgbClr val="404040">
+              <a:alpha val="89804"/>
+            </a:srgbClr>
+          </a:solidFill>
+          <a:ln w="127000" cap="sq" cmpd="thinThick">
+            <a:solidFill>
+              <a:srgbClr val="595959">
+                <a:alpha val="80000"/>
+              </a:srgbClr>
+            </a:solidFill>
+          </a:ln>
+        </p:spPr>
+        <p:style>
+          <a:lnRef idx="2">
+            <a:schemeClr val="accent1">
+              <a:shade val="50000"/>
+            </a:schemeClr>
+          </a:lnRef>
+          <a:fillRef idx="1">
+            <a:schemeClr val="accent1"/>
+          </a:fillRef>
+          <a:effectRef idx="0">
+            <a:schemeClr val="accent1"/>
+          </a:effectRef>
+          <a:fontRef idx="minor">
+            <a:schemeClr val="lt1"/>
+          </a:fontRef>
+        </p:style>
+        <p:txBody>
+          <a:bodyPr rtlCol="0" anchor="ctr"/>
+          <a:lstStyle/>
+          <a:p>
+            <a:pPr algn="ctr"/>
+            <a:endParaRPr lang="en-US"/>
+          </a:p>
+        </p:txBody>
+      </p:sp>
+      <p:sp>
+        <p:nvSpPr>
+          <p:cNvPr id="4" name="Title 3">
+            <a:extLst>
+              <a:ext uri="{FF2B5EF4-FFF2-40B4-BE49-F238E27FC236}">
+                <a16:creationId xmlns:a16="http://schemas.microsoft.com/office/drawing/2014/main" id="{5B7E3840-057E-4505-8882-F0D695DD5FCB}"/>
+              </a:ext>
+            </a:extLst>
+          </p:cNvPr>
+          <p:cNvSpPr>
+            <a:spLocks noGrp="1"/>
+          </p:cNvSpPr>
+          <p:nvPr>
+            <p:ph type="title"/>
+          </p:nvPr>
+        </p:nvSpPr>
+        <p:spPr>
+          <a:xfrm>
+            <a:off x="674237" y="914400"/>
+            <a:ext cx="3657600" cy="2887579"/>
+          </a:xfrm>
+        </p:spPr>
+        <p:txBody>
+          <a:bodyPr vert="horz" lIns="91440" tIns="45720" rIns="91440" bIns="45720" rtlCol="0" anchor="b">
+            <a:normAutofit/>
+          </a:bodyPr>
+          <a:lstStyle/>
+          <a:p>
+            <a:pPr algn="ctr"/>
+            <a:r>
+              <a:rPr lang="en-US" kern="1200">
+                <a:solidFill>
+                  <a:srgbClr val="FFFFFF"/>
+                </a:solidFill>
+                <a:latin typeface="+mj-lt"/>
+                <a:ea typeface="+mj-ea"/>
+                <a:cs typeface="+mj-cs"/>
+              </a:rPr>
+              <a:t> Correlation to averageRating &amp; non Null Count</a:t>
+            </a:r>
+          </a:p>
+        </p:txBody>
+      </p:sp>
+      <p:cxnSp>
+        <p:nvCxnSpPr>
+          <p:cNvPr id="12" name="Straight Connector 11">
+            <a:extLst>
+              <a:ext uri="{FF2B5EF4-FFF2-40B4-BE49-F238E27FC236}">
+                <a16:creationId xmlns:a16="http://schemas.microsoft.com/office/drawing/2014/main" id="{38FB9660-F42F-4313-BBC4-47C007FE484C}"/>
+              </a:ext>
+              <a:ext uri="{C183D7F6-B498-43B3-948B-1728B52AA6E4}">
+                <adec:decorative xmlns="" xmlns:adec="http://schemas.microsoft.com/office/drawing/2017/decorative" val="1"/>
+              </a:ext>
+            </a:extLst>
+          </p:cNvPr>
+          <p:cNvCxnSpPr>
+            <a:cxnSpLocks noGrp="1" noRot="1" noChangeAspect="1" noMove="1" noResize="1" noEditPoints="1" noAdjustHandles="1" noChangeArrowheads="1" noChangeShapeType="1"/>
+          </p:cNvCxnSpPr>
+          <p:nvPr>
+            <p:extLst>
+              <p:ext uri="{386F3935-93C4-4BCD-93E2-E3B085C9AB24}">
+                <p16:designElem xmlns:p16="http://schemas.microsoft.com/office/powerpoint/2015/main" val="1"/>
+              </p:ext>
+            </p:extLst>
+          </p:nvPr>
+        </p:nvCxnSpPr>
+        <p:spPr>
+          <a:xfrm>
+            <a:off x="1191126" y="3910267"/>
+            <a:ext cx="2586790" cy="0"/>
+          </a:xfrm>
+          <a:prstGeom prst="line">
+            <a:avLst/>
+          </a:prstGeom>
+          <a:ln w="22225">
+            <a:solidFill>
+              <a:srgbClr val="D9D9D9"/>
+            </a:solidFill>
+          </a:ln>
+        </p:spPr>
+        <p:style>
+          <a:lnRef idx="1">
+            <a:schemeClr val="accent1"/>
+          </a:lnRef>
+          <a:fillRef idx="0">
+            <a:schemeClr val="accent1"/>
+          </a:fillRef>
+          <a:effectRef idx="0">
+            <a:schemeClr val="accent1"/>
+          </a:effectRef>
+          <a:fontRef idx="minor">
+            <a:schemeClr val="tx1"/>
+          </a:fontRef>
+        </p:style>
+      </p:cxnSp>
+      <p:pic>
+        <p:nvPicPr>
+          <p:cNvPr id="5" name="Picture 4">
+            <a:extLst>
+              <a:ext uri="{FF2B5EF4-FFF2-40B4-BE49-F238E27FC236}">
+                <a16:creationId xmlns:a16="http://schemas.microsoft.com/office/drawing/2014/main" id="{411C0E6B-9339-4B72-B14D-2F36CA09BEC1}"/>
+              </a:ext>
+            </a:extLst>
+          </p:cNvPr>
+          <p:cNvPicPr>
+            <a:picLocks noChangeAspect="1"/>
+          </p:cNvPicPr>
+          <p:nvPr/>
+        </p:nvPicPr>
+        <p:blipFill>
+          <a:blip r:embed="rId2"/>
+          <a:stretch>
+            <a:fillRect/>
+          </a:stretch>
+        </p:blipFill>
+        <p:spPr>
+          <a:xfrm>
+            <a:off x="5153822" y="1396985"/>
+            <a:ext cx="6553545" cy="4071971"/>
+          </a:xfrm>
+          <a:prstGeom prst="rect">
+            <a:avLst/>
+          </a:prstGeom>
+        </p:spPr>
+      </p:pic>
+    </p:spTree>
+    <p:extLst>
+      <p:ext uri="{BB962C8B-B14F-4D97-AF65-F5344CB8AC3E}">
+        <p14:creationId xmlns:p14="http://schemas.microsoft.com/office/powerpoint/2010/main" val="4024361519"/>
+      </p:ext>
+    </p:extLst>
+  </p:cSld>
+  <p:clrMapOvr>
+    <a:masterClrMapping/>
+  </p:clrMapOvr>
+</p:sld>
+</file>
+
+<file path=ppt/slides/slide16.xml><?xml version="1.0" encoding="utf-8"?>
+<p:sld xmlns:a="http://schemas.openxmlformats.org/drawingml/2006/main" xmlns:r="http://schemas.openxmlformats.org/officeDocument/2006/relationships" xmlns:p="http://schemas.openxmlformats.org/presentationml/2006/main">
+  <p:cSld>
+    <p:spTree>
+      <p:nvGrpSpPr>
+        <p:cNvPr id="1" name=""/>
+        <p:cNvGrpSpPr/>
+        <p:nvPr/>
+      </p:nvGrpSpPr>
+      <p:grpSpPr>
+        <a:xfrm>
+          <a:off x="0" y="0"/>
+          <a:ext cx="0" cy="0"/>
+          <a:chOff x="0" y="0"/>
+          <a:chExt cx="0" cy="0"/>
+        </a:xfrm>
+      </p:grpSpPr>
+      <p:sp>
+        <p:nvSpPr>
+          <p:cNvPr id="2" name="TextBox 1">
+            <a:extLst>
+              <a:ext uri="{FF2B5EF4-FFF2-40B4-BE49-F238E27FC236}">
+                <a16:creationId xmlns:a16="http://schemas.microsoft.com/office/drawing/2014/main" id="{9A5B267B-DC99-48D5-AAE4-0080DA632EE8}"/>
+              </a:ext>
+            </a:extLst>
+          </p:cNvPr>
+          <p:cNvSpPr txBox="1"/>
+          <p:nvPr/>
+        </p:nvSpPr>
+        <p:spPr>
+          <a:xfrm>
+            <a:off x="2330824" y="699246"/>
+            <a:ext cx="8444753" cy="923330"/>
+          </a:xfrm>
+          <a:prstGeom prst="rect">
+            <a:avLst/>
+          </a:prstGeom>
+          <a:noFill/>
+        </p:spPr>
+        <p:txBody>
+          <a:bodyPr wrap="square" rtlCol="0">
+            <a:spAutoFit/>
+          </a:bodyPr>
+          <a:lstStyle/>
+          <a:p>
+            <a:pPr algn="ctr"/>
+            <a:r>
+              <a:rPr lang="en-US" sz="5400" dirty="0"/>
+              <a:t>Modeling</a:t>
+            </a:r>
+          </a:p>
+        </p:txBody>
+      </p:sp>
+    </p:spTree>
+    <p:extLst>
+      <p:ext uri="{BB962C8B-B14F-4D97-AF65-F5344CB8AC3E}">
+        <p14:creationId xmlns:p14="http://schemas.microsoft.com/office/powerpoint/2010/main" val="379452362"/>
+      </p:ext>
+    </p:extLst>
+  </p:cSld>
+  <p:clrMapOvr>
+    <a:masterClrMapping/>
+  </p:clrMapOvr>
+</p:sld>
+</file>
+
+<file path=ppt/slides/slide17.xml><?xml version="1.0" encoding="utf-8"?>
+<p:sld xmlns:a="http://schemas.openxmlformats.org/drawingml/2006/main" xmlns:r="http://schemas.openxmlformats.org/officeDocument/2006/relationships" xmlns:p="http://schemas.openxmlformats.org/presentationml/2006/main">
+  <p:cSld>
+    <p:spTree>
+      <p:nvGrpSpPr>
+        <p:cNvPr id="1" name=""/>
+        <p:cNvGrpSpPr/>
+        <p:nvPr/>
+      </p:nvGrpSpPr>
+      <p:grpSpPr>
+        <a:xfrm>
+          <a:off x="0" y="0"/>
+          <a:ext cx="0" cy="0"/>
+          <a:chOff x="0" y="0"/>
+          <a:chExt cx="0" cy="0"/>
+        </a:xfrm>
+      </p:grpSpPr>
+      <p:sp>
+        <p:nvSpPr>
           <p:cNvPr id="2" name="TextBox 1">
             <a:extLst>
               <a:ext uri="{FF2B5EF4-FFF2-40B4-BE49-F238E27FC236}">
@@ -3626,7 +4846,7 @@
 </p:sld>
 </file>
 
-<file path=ppt/slides/slide13.xml><?xml version="1.0" encoding="utf-8"?>
+<file path=ppt/slides/slide18.xml><?xml version="1.0" encoding="utf-8"?>
 <p:sld xmlns:a="http://schemas.openxmlformats.org/drawingml/2006/main" xmlns:r="http://schemas.openxmlformats.org/officeDocument/2006/relationships" xmlns:p="http://schemas.openxmlformats.org/presentationml/2006/main">
   <p:cSld>
     <p:bg>
@@ -3714,7 +4934,7 @@
                 <a16:creationId xmlns:a16="http://schemas.microsoft.com/office/drawing/2014/main" id="{E0D60ECE-8986-45DC-B7FE-EC7699B466B8}"/>
               </a:ext>
               <a:ext uri="{C183D7F6-B498-43B3-948B-1728B52AA6E4}">
-                <adec:decorative xmlns:adec="http://schemas.microsoft.com/office/drawing/2017/decorative" xmlns="" val="1"/>
+                <adec:decorative xmlns="" xmlns:adec="http://schemas.microsoft.com/office/drawing/2017/decorative" val="1"/>
               </a:ext>
             </a:extLst>
           </p:cNvPr>
@@ -3883,7 +5103,7 @@
                 <a16:creationId xmlns:a16="http://schemas.microsoft.com/office/drawing/2014/main" id="{96964194-5878-40D2-8EC0-DDC58387FA56}"/>
               </a:ext>
               <a:ext uri="{C183D7F6-B498-43B3-948B-1728B52AA6E4}">
-                <adec:decorative xmlns:adec="http://schemas.microsoft.com/office/drawing/2017/decorative" xmlns="" val="1"/>
+                <adec:decorative xmlns="" xmlns:adec="http://schemas.microsoft.com/office/drawing/2017/decorative" val="1"/>
               </a:ext>
             </a:extLst>
           </p:cNvPr>
@@ -4202,7 +5422,7 @@
 </p:sld>
 </file>
 
-<file path=ppt/slides/slide14.xml><?xml version="1.0" encoding="utf-8"?>
+<file path=ppt/slides/slide19.xml><?xml version="1.0" encoding="utf-8"?>
 <p:sld xmlns:a="http://schemas.openxmlformats.org/drawingml/2006/main" xmlns:r="http://schemas.openxmlformats.org/officeDocument/2006/relationships" xmlns:p="http://schemas.openxmlformats.org/presentationml/2006/main">
   <p:cSld>
     <p:spTree>
@@ -4268,73 +5488,7 @@
 </p:sld>
 </file>
 
-<file path=ppt/slides/slide15.xml><?xml version="1.0" encoding="utf-8"?>
-<p:sld xmlns:a="http://schemas.openxmlformats.org/drawingml/2006/main" xmlns:r="http://schemas.openxmlformats.org/officeDocument/2006/relationships" xmlns:p="http://schemas.openxmlformats.org/presentationml/2006/main">
-  <p:cSld>
-    <p:spTree>
-      <p:nvGrpSpPr>
-        <p:cNvPr id="1" name=""/>
-        <p:cNvGrpSpPr/>
-        <p:nvPr/>
-      </p:nvGrpSpPr>
-      <p:grpSpPr>
-        <a:xfrm>
-          <a:off x="0" y="0"/>
-          <a:ext cx="0" cy="0"/>
-          <a:chOff x="0" y="0"/>
-          <a:chExt cx="0" cy="0"/>
-        </a:xfrm>
-      </p:grpSpPr>
-      <p:pic>
-        <p:nvPicPr>
-          <p:cNvPr id="3" name="Picture 2">
-            <a:extLst>
-              <a:ext uri="{FF2B5EF4-FFF2-40B4-BE49-F238E27FC236}">
-                <a16:creationId xmlns:a16="http://schemas.microsoft.com/office/drawing/2014/main" id="{271AABA0-8A35-4427-987D-CF2F01C5BB99}"/>
-              </a:ext>
-            </a:extLst>
-          </p:cNvPr>
-          <p:cNvPicPr>
-            <a:picLocks noChangeAspect="1"/>
-          </p:cNvPicPr>
-          <p:nvPr/>
-        </p:nvPicPr>
-        <p:blipFill>
-          <a:blip r:embed="rId2">
-            <a:extLst>
-              <a:ext uri="{28A0092B-C50C-407E-A947-70E740481C1C}">
-                <a14:useLocalDpi xmlns:a14="http://schemas.microsoft.com/office/drawing/2010/main" val="0"/>
-              </a:ext>
-            </a:extLst>
-          </a:blip>
-          <a:stretch>
-            <a:fillRect/>
-          </a:stretch>
-        </p:blipFill>
-        <p:spPr>
-          <a:xfrm>
-            <a:off x="125640" y="431117"/>
-            <a:ext cx="11940720" cy="5995766"/>
-          </a:xfrm>
-          <a:prstGeom prst="rect">
-            <a:avLst/>
-          </a:prstGeom>
-        </p:spPr>
-      </p:pic>
-    </p:spTree>
-    <p:extLst>
-      <p:ext uri="{BB962C8B-B14F-4D97-AF65-F5344CB8AC3E}">
-        <p14:creationId xmlns:p14="http://schemas.microsoft.com/office/powerpoint/2010/main" val="3084361659"/>
-      </p:ext>
-    </p:extLst>
-  </p:cSld>
-  <p:clrMapOvr>
-    <a:masterClrMapping/>
-  </p:clrMapOvr>
-</p:sld>
-</file>
-
-<file path=ppt/slides/slide16.xml><?xml version="1.0" encoding="utf-8"?>
+<file path=ppt/slides/slide2.xml><?xml version="1.0" encoding="utf-8"?>
 <p:sld xmlns:a="http://schemas.openxmlformats.org/drawingml/2006/main" xmlns:r="http://schemas.openxmlformats.org/officeDocument/2006/relationships" xmlns:p="http://schemas.openxmlformats.org/presentationml/2006/main">
   <p:cSld>
     <p:bg>
@@ -4361,13 +5515,13 @@
       </p:grpSpPr>
       <p:sp>
         <p:nvSpPr>
-          <p:cNvPr id="8" name="Rectangle 7">
-            <a:extLst>
-              <a:ext uri="{FF2B5EF4-FFF2-40B4-BE49-F238E27FC236}">
-                <a16:creationId xmlns:a16="http://schemas.microsoft.com/office/drawing/2014/main" id="{57845966-6EFC-468A-9CC7-BAB4B95854E7}"/>
+          <p:cNvPr id="11" name="Rectangle 10">
+            <a:extLst>
+              <a:ext uri="{FF2B5EF4-FFF2-40B4-BE49-F238E27FC236}">
+                <a16:creationId xmlns:a16="http://schemas.microsoft.com/office/drawing/2014/main" id="{4038CB10-1F5C-4D54-9DF7-12586DE5B007}"/>
               </a:ext>
               <a:ext uri="{C183D7F6-B498-43B3-948B-1728B52AA6E4}">
-                <adec:decorative xmlns:adec="http://schemas.microsoft.com/office/drawing/2017/decorative" xmlns="" val="1"/>
+                <adec:decorative xmlns="" xmlns:adec="http://schemas.microsoft.com/office/drawing/2017/decorative" val="1"/>
               </a:ext>
             </a:extLst>
           </p:cNvPr>
@@ -4384,14 +5538,14 @@
         </p:nvSpPr>
         <p:spPr>
           <a:xfrm>
-            <a:off x="1354372" y="0"/>
-            <a:ext cx="9483256" cy="6858000"/>
+            <a:off x="327546" y="4572000"/>
+            <a:ext cx="7058307" cy="1964266"/>
           </a:xfrm>
           <a:prstGeom prst="rect">
             <a:avLst/>
           </a:prstGeom>
           <a:solidFill>
-            <a:srgbClr val="6E4F4B"/>
+            <a:srgbClr val="BB8577"/>
           </a:solidFill>
           <a:ln>
             <a:noFill/>
@@ -4417,26 +5571,142 @@
           <a:bodyPr rtlCol="0" anchor="ctr"/>
           <a:lstStyle/>
           <a:p>
-            <a:pPr algn="ctr"/>
-            <a:endParaRPr lang="en-US"/>
+            <a:pPr marL="0" marR="0" lvl="0" indent="0" algn="ctr" defTabSz="914400" rtl="0" eaLnBrk="1" fontAlgn="auto" latinLnBrk="0" hangingPunct="1">
+              <a:lnSpc>
+                <a:spcPct val="100000"/>
+              </a:lnSpc>
+              <a:spcBef>
+                <a:spcPts val="0"/>
+              </a:spcBef>
+              <a:spcAft>
+                <a:spcPts val="0"/>
+              </a:spcAft>
+              <a:buClrTx/>
+              <a:buSzTx/>
+              <a:buFontTx/>
+              <a:buNone/>
+              <a:tabLst/>
+              <a:defRPr/>
+            </a:pPr>
+            <a:endParaRPr kumimoji="0" lang="en-US" sz="1800" b="0" i="0" u="none" strike="noStrike" kern="1200" cap="none" spc="0" normalizeH="0" baseline="0" noProof="0">
+              <a:ln>
+                <a:noFill/>
+              </a:ln>
+              <a:solidFill>
+                <a:prstClr val="white"/>
+              </a:solidFill>
+              <a:effectLst/>
+              <a:uLnTx/>
+              <a:uFillTx/>
+              <a:latin typeface="Calibri" panose="020F0502020204030204"/>
+              <a:ea typeface="+mn-ea"/>
+              <a:cs typeface="+mn-cs"/>
+            </a:endParaRPr>
+          </a:p>
+        </p:txBody>
+      </p:sp>
+      <p:sp>
+        <p:nvSpPr>
+          <p:cNvPr id="2" name="TextBox 1">
+            <a:extLst>
+              <a:ext uri="{FF2B5EF4-FFF2-40B4-BE49-F238E27FC236}">
+                <a16:creationId xmlns:a16="http://schemas.microsoft.com/office/drawing/2014/main" id="{9A5B267B-DC99-48D5-AAE4-0080DA632EE8}"/>
+              </a:ext>
+            </a:extLst>
+          </p:cNvPr>
+          <p:cNvSpPr txBox="1"/>
+          <p:nvPr/>
+        </p:nvSpPr>
+        <p:spPr>
+          <a:xfrm>
+            <a:off x="524256" y="4767072"/>
+            <a:ext cx="6594189" cy="1625210"/>
+          </a:xfrm>
+          <a:prstGeom prst="rect">
+            <a:avLst/>
+          </a:prstGeom>
+        </p:spPr>
+        <p:txBody>
+          <a:bodyPr vert="horz" lIns="91440" tIns="45720" rIns="91440" bIns="45720" rtlCol="0" anchor="ctr">
+            <a:normAutofit/>
+          </a:bodyPr>
+          <a:lstStyle/>
+          <a:p>
+            <a:pPr algn="r">
+              <a:lnSpc>
+                <a:spcPct val="90000"/>
+              </a:lnSpc>
+              <a:spcBef>
+                <a:spcPct val="0"/>
+              </a:spcBef>
+              <a:spcAft>
+                <a:spcPts val="600"/>
+              </a:spcAft>
+            </a:pPr>
+            <a:r>
+              <a:rPr lang="en-US" sz="4400">
+                <a:solidFill>
+                  <a:srgbClr val="FFFFFF"/>
+                </a:solidFill>
+                <a:latin typeface="+mj-lt"/>
+                <a:ea typeface="+mj-ea"/>
+                <a:cs typeface="+mj-cs"/>
+              </a:rPr>
+              <a:t>Narrative</a:t>
+            </a:r>
           </a:p>
         </p:txBody>
       </p:sp>
       <p:pic>
         <p:nvPicPr>
-          <p:cNvPr id="10" name="Picture 9">
-            <a:extLst>
-              <a:ext uri="{FF2B5EF4-FFF2-40B4-BE49-F238E27FC236}">
-                <a16:creationId xmlns:a16="http://schemas.microsoft.com/office/drawing/2014/main" id="{75554383-98AF-4A47-BB65-705FAAA4BE6A}"/>
+          <p:cNvPr id="6" name="Picture 5">
+            <a:extLst>
+              <a:ext uri="{FF2B5EF4-FFF2-40B4-BE49-F238E27FC236}">
+                <a16:creationId xmlns:a16="http://schemas.microsoft.com/office/drawing/2014/main" id="{48D482F4-FAC7-4F34-B519-1AFCACD84A50}"/>
+              </a:ext>
+            </a:extLst>
+          </p:cNvPr>
+          <p:cNvPicPr>
+            <a:picLocks noChangeAspect="1"/>
+          </p:cNvPicPr>
+          <p:nvPr/>
+        </p:nvPicPr>
+        <p:blipFill rotWithShape="1">
+          <a:blip r:embed="rId2">
+            <a:extLst>
+              <a:ext uri="{28A0092B-C50C-407E-A947-70E740481C1C}">
+                <a14:useLocalDpi xmlns:a14="http://schemas.microsoft.com/office/drawing/2010/main" val="0"/>
+              </a:ext>
+            </a:extLst>
+          </a:blip>
+          <a:srcRect l="12990" r="-1" b="-1"/>
+          <a:stretch/>
+        </p:blipFill>
+        <p:spPr>
+          <a:xfrm>
+            <a:off x="327547" y="321733"/>
+            <a:ext cx="7058306" cy="4107392"/>
+          </a:xfrm>
+          <a:prstGeom prst="rect">
+            <a:avLst/>
+          </a:prstGeom>
+        </p:spPr>
+      </p:pic>
+      <p:sp>
+        <p:nvSpPr>
+          <p:cNvPr id="13" name="Rectangle 12">
+            <a:extLst>
+              <a:ext uri="{FF2B5EF4-FFF2-40B4-BE49-F238E27FC236}">
+                <a16:creationId xmlns:a16="http://schemas.microsoft.com/office/drawing/2014/main" id="{73ED6512-6858-4552-B699-9A97FE9A4EA2}"/>
               </a:ext>
               <a:ext uri="{C183D7F6-B498-43B3-948B-1728B52AA6E4}">
-                <adec:decorative xmlns:adec="http://schemas.microsoft.com/office/drawing/2017/decorative" xmlns="" val="1"/>
-              </a:ext>
-            </a:extLst>
-          </p:cNvPr>
-          <p:cNvPicPr>
-            <a:picLocks noGrp="1" noRot="1" noChangeAspect="1" noMove="1" noResize="1" noEditPoints="1" noAdjustHandles="1" noChangeArrowheads="1" noChangeShapeType="1" noCrop="1"/>
-          </p:cNvPicPr>
+                <adec:decorative xmlns="" xmlns:adec="http://schemas.microsoft.com/office/drawing/2017/decorative" val="1"/>
+              </a:ext>
+            </a:extLst>
+          </p:cNvPr>
+          <p:cNvSpPr>
+            <a:spLocks noGrp="1" noRot="1" noChangeAspect="1" noMove="1" noResize="1" noEditPoints="1" noAdjustHandles="1" noChangeArrowheads="1" noChangeShapeType="1" noTextEdit="1"/>
+          </p:cNvSpPr>
           <p:nvPr>
             <p:extLst>
               <p:ext uri="{386F3935-93C4-4BCD-93E2-E3B085C9AB24}">
@@ -4444,6 +5714,216 @@
               </p:ext>
             </p:extLst>
           </p:nvPr>
+        </p:nvSpPr>
+        <p:spPr>
+          <a:xfrm>
+            <a:off x="7534655" y="321732"/>
+            <a:ext cx="4335613" cy="6214534"/>
+          </a:xfrm>
+          <a:prstGeom prst="rect">
+            <a:avLst/>
+          </a:prstGeom>
+          <a:solidFill>
+            <a:srgbClr val="404040"/>
+          </a:solidFill>
+          <a:ln>
+            <a:noFill/>
+          </a:ln>
+        </p:spPr>
+        <p:style>
+          <a:lnRef idx="2">
+            <a:schemeClr val="accent1">
+              <a:shade val="50000"/>
+            </a:schemeClr>
+          </a:lnRef>
+          <a:fillRef idx="1">
+            <a:schemeClr val="accent1"/>
+          </a:fillRef>
+          <a:effectRef idx="0">
+            <a:schemeClr val="accent1"/>
+          </a:effectRef>
+          <a:fontRef idx="minor">
+            <a:schemeClr val="lt1"/>
+          </a:fontRef>
+        </p:style>
+        <p:txBody>
+          <a:bodyPr rtlCol="0" anchor="ctr"/>
+          <a:lstStyle/>
+          <a:p>
+            <a:pPr marL="0" marR="0" lvl="0" indent="0" algn="ctr" defTabSz="914400" rtl="0" eaLnBrk="1" fontAlgn="auto" latinLnBrk="0" hangingPunct="1">
+              <a:lnSpc>
+                <a:spcPct val="100000"/>
+              </a:lnSpc>
+              <a:spcBef>
+                <a:spcPts val="0"/>
+              </a:spcBef>
+              <a:spcAft>
+                <a:spcPts val="0"/>
+              </a:spcAft>
+              <a:buClrTx/>
+              <a:buSzTx/>
+              <a:buFontTx/>
+              <a:buNone/>
+              <a:tabLst/>
+              <a:defRPr/>
+            </a:pPr>
+            <a:endParaRPr kumimoji="0" lang="en-US" sz="1800" b="0" i="0" u="none" strike="noStrike" kern="1200" cap="none" spc="0" normalizeH="0" baseline="0" noProof="0">
+              <a:ln>
+                <a:noFill/>
+              </a:ln>
+              <a:solidFill>
+                <a:prstClr val="white"/>
+              </a:solidFill>
+              <a:effectLst/>
+              <a:uLnTx/>
+              <a:uFillTx/>
+              <a:latin typeface="Calibri" panose="020F0502020204030204"/>
+              <a:ea typeface="+mn-ea"/>
+              <a:cs typeface="+mn-cs"/>
+            </a:endParaRPr>
+          </a:p>
+        </p:txBody>
+      </p:sp>
+      <p:sp>
+        <p:nvSpPr>
+          <p:cNvPr id="3" name="TextBox 2">
+            <a:extLst>
+              <a:ext uri="{FF2B5EF4-FFF2-40B4-BE49-F238E27FC236}">
+                <a16:creationId xmlns:a16="http://schemas.microsoft.com/office/drawing/2014/main" id="{B73F6C98-15CD-4670-AE38-F58E18427A3C}"/>
+              </a:ext>
+            </a:extLst>
+          </p:cNvPr>
+          <p:cNvSpPr txBox="1"/>
+          <p:nvPr/>
+        </p:nvSpPr>
+        <p:spPr>
+          <a:xfrm>
+            <a:off x="8029319" y="917725"/>
+            <a:ext cx="3424739" cy="4852362"/>
+          </a:xfrm>
+          <a:prstGeom prst="rect">
+            <a:avLst/>
+          </a:prstGeom>
+        </p:spPr>
+        <p:txBody>
+          <a:bodyPr vert="horz" lIns="91440" tIns="45720" rIns="91440" bIns="45720" rtlCol="0" anchor="ctr">
+            <a:normAutofit/>
+          </a:bodyPr>
+          <a:lstStyle/>
+          <a:p>
+            <a:pPr>
+              <a:lnSpc>
+                <a:spcPct val="90000"/>
+              </a:lnSpc>
+              <a:spcAft>
+                <a:spcPts val="600"/>
+              </a:spcAft>
+            </a:pPr>
+            <a:r>
+              <a:rPr lang="en-US" sz="2000" dirty="0">
+                <a:solidFill>
+                  <a:srgbClr val="FFFFFF"/>
+                </a:solidFill>
+              </a:rPr>
+              <a:t>After winning the lottery we want to start a movie business to produce movies. </a:t>
+            </a:r>
+          </a:p>
+          <a:p>
+            <a:pPr>
+              <a:lnSpc>
+                <a:spcPct val="90000"/>
+              </a:lnSpc>
+              <a:spcAft>
+                <a:spcPts val="600"/>
+              </a:spcAft>
+            </a:pPr>
+            <a:endParaRPr lang="en-US" sz="2000" dirty="0">
+              <a:solidFill>
+                <a:srgbClr val="FFFFFF"/>
+              </a:solidFill>
+            </a:endParaRPr>
+          </a:p>
+          <a:p>
+            <a:pPr>
+              <a:lnSpc>
+                <a:spcPct val="90000"/>
+              </a:lnSpc>
+              <a:spcAft>
+                <a:spcPts val="600"/>
+              </a:spcAft>
+            </a:pPr>
+            <a:r>
+              <a:rPr lang="en-US" sz="2000" dirty="0">
+                <a:solidFill>
+                  <a:srgbClr val="FFFFFF"/>
+                </a:solidFill>
+              </a:rPr>
+              <a:t>GOAL:</a:t>
+            </a:r>
+          </a:p>
+          <a:p>
+            <a:pPr>
+              <a:lnSpc>
+                <a:spcPct val="90000"/>
+              </a:lnSpc>
+              <a:spcAft>
+                <a:spcPts val="600"/>
+              </a:spcAft>
+            </a:pPr>
+            <a:r>
+              <a:rPr lang="en-US" sz="2000" dirty="0">
+                <a:solidFill>
+                  <a:srgbClr val="FFFFFF"/>
+                </a:solidFill>
+              </a:rPr>
+              <a:t>Produce the highest possible average rated movies.</a:t>
+            </a:r>
+          </a:p>
+        </p:txBody>
+      </p:sp>
+    </p:spTree>
+    <p:extLst>
+      <p:ext uri="{BB962C8B-B14F-4D97-AF65-F5344CB8AC3E}">
+        <p14:creationId xmlns:p14="http://schemas.microsoft.com/office/powerpoint/2010/main" val="858000049"/>
+      </p:ext>
+    </p:extLst>
+  </p:cSld>
+  <p:clrMapOvr>
+    <a:masterClrMapping/>
+  </p:clrMapOvr>
+</p:sld>
+</file>
+
+<file path=ppt/slides/slide20.xml><?xml version="1.0" encoding="utf-8"?>
+<p:sld xmlns:a="http://schemas.openxmlformats.org/drawingml/2006/main" xmlns:r="http://schemas.openxmlformats.org/officeDocument/2006/relationships" xmlns:p="http://schemas.openxmlformats.org/presentationml/2006/main">
+  <p:cSld>
+    <p:spTree>
+      <p:nvGrpSpPr>
+        <p:cNvPr id="1" name=""/>
+        <p:cNvGrpSpPr/>
+        <p:nvPr/>
+      </p:nvGrpSpPr>
+      <p:grpSpPr>
+        <a:xfrm>
+          <a:off x="0" y="0"/>
+          <a:ext cx="0" cy="0"/>
+          <a:chOff x="0" y="0"/>
+          <a:chExt cx="0" cy="0"/>
+        </a:xfrm>
+      </p:grpSpPr>
+      <p:pic>
+        <p:nvPicPr>
+          <p:cNvPr id="3" name="Picture 2">
+            <a:extLst>
+              <a:ext uri="{FF2B5EF4-FFF2-40B4-BE49-F238E27FC236}">
+                <a16:creationId xmlns:a16="http://schemas.microsoft.com/office/drawing/2014/main" id="{271AABA0-8A35-4427-987D-CF2F01C5BB99}"/>
+              </a:ext>
+            </a:extLst>
+          </p:cNvPr>
+          <p:cNvPicPr>
+            <a:picLocks noChangeAspect="1"/>
+          </p:cNvPicPr>
+          <p:nvPr/>
         </p:nvPicPr>
         <p:blipFill>
           <a:blip r:embed="rId2">
@@ -4459,14 +5939,160 @@
         </p:blipFill>
         <p:spPr>
           <a:xfrm>
-            <a:off x="0" y="0"/>
-            <a:ext cx="12192000" cy="6858000"/>
+            <a:off x="125640" y="431117"/>
+            <a:ext cx="11940720" cy="5995766"/>
           </a:xfrm>
           <a:prstGeom prst="rect">
             <a:avLst/>
           </a:prstGeom>
         </p:spPr>
       </p:pic>
+    </p:spTree>
+    <p:extLst>
+      <p:ext uri="{BB962C8B-B14F-4D97-AF65-F5344CB8AC3E}">
+        <p14:creationId xmlns:p14="http://schemas.microsoft.com/office/powerpoint/2010/main" val="3084361659"/>
+      </p:ext>
+    </p:extLst>
+  </p:cSld>
+  <p:clrMapOvr>
+    <a:masterClrMapping/>
+  </p:clrMapOvr>
+</p:sld>
+</file>
+
+<file path=ppt/slides/slide21.xml><?xml version="1.0" encoding="utf-8"?>
+<p:sld xmlns:a="http://schemas.openxmlformats.org/drawingml/2006/main" xmlns:r="http://schemas.openxmlformats.org/officeDocument/2006/relationships" xmlns:p="http://schemas.openxmlformats.org/presentationml/2006/main">
+  <p:cSld>
+    <p:bg>
+      <p:bgPr>
+        <a:solidFill>
+          <a:schemeClr val="bg1"/>
+        </a:solidFill>
+        <a:effectLst/>
+      </p:bgPr>
+    </p:bg>
+    <p:spTree>
+      <p:nvGrpSpPr>
+        <p:cNvPr id="1" name=""/>
+        <p:cNvGrpSpPr/>
+        <p:nvPr/>
+      </p:nvGrpSpPr>
+      <p:grpSpPr>
+        <a:xfrm>
+          <a:off x="0" y="0"/>
+          <a:ext cx="0" cy="0"/>
+          <a:chOff x="0" y="0"/>
+          <a:chExt cx="0" cy="0"/>
+        </a:xfrm>
+      </p:grpSpPr>
+      <p:sp>
+        <p:nvSpPr>
+          <p:cNvPr id="8" name="Rectangle 7">
+            <a:extLst>
+              <a:ext uri="{FF2B5EF4-FFF2-40B4-BE49-F238E27FC236}">
+                <a16:creationId xmlns:a16="http://schemas.microsoft.com/office/drawing/2014/main" id="{57845966-6EFC-468A-9CC7-BAB4B95854E7}"/>
+              </a:ext>
+              <a:ext uri="{C183D7F6-B498-43B3-948B-1728B52AA6E4}">
+                <adec:decorative xmlns="" xmlns:adec="http://schemas.microsoft.com/office/drawing/2017/decorative" val="1"/>
+              </a:ext>
+            </a:extLst>
+          </p:cNvPr>
+          <p:cNvSpPr>
+            <a:spLocks noGrp="1" noRot="1" noChangeAspect="1" noMove="1" noResize="1" noEditPoints="1" noAdjustHandles="1" noChangeArrowheads="1" noChangeShapeType="1" noTextEdit="1"/>
+          </p:cNvSpPr>
+          <p:nvPr>
+            <p:extLst>
+              <p:ext uri="{386F3935-93C4-4BCD-93E2-E3B085C9AB24}">
+                <p16:designElem xmlns:p16="http://schemas.microsoft.com/office/powerpoint/2015/main" val="1"/>
+              </p:ext>
+            </p:extLst>
+          </p:nvPr>
+        </p:nvSpPr>
+        <p:spPr>
+          <a:xfrm>
+            <a:off x="1354372" y="0"/>
+            <a:ext cx="9483256" cy="6858000"/>
+          </a:xfrm>
+          <a:prstGeom prst="rect">
+            <a:avLst/>
+          </a:prstGeom>
+          <a:solidFill>
+            <a:srgbClr val="6E4F4B"/>
+          </a:solidFill>
+          <a:ln>
+            <a:noFill/>
+          </a:ln>
+        </p:spPr>
+        <p:style>
+          <a:lnRef idx="2">
+            <a:schemeClr val="accent1">
+              <a:shade val="50000"/>
+            </a:schemeClr>
+          </a:lnRef>
+          <a:fillRef idx="1">
+            <a:schemeClr val="accent1"/>
+          </a:fillRef>
+          <a:effectRef idx="0">
+            <a:schemeClr val="accent1"/>
+          </a:effectRef>
+          <a:fontRef idx="minor">
+            <a:schemeClr val="lt1"/>
+          </a:fontRef>
+        </p:style>
+        <p:txBody>
+          <a:bodyPr rtlCol="0" anchor="ctr"/>
+          <a:lstStyle/>
+          <a:p>
+            <a:pPr algn="ctr"/>
+            <a:endParaRPr lang="en-US"/>
+          </a:p>
+        </p:txBody>
+      </p:sp>
+      <p:pic>
+        <p:nvPicPr>
+          <p:cNvPr id="10" name="Picture 9">
+            <a:extLst>
+              <a:ext uri="{FF2B5EF4-FFF2-40B4-BE49-F238E27FC236}">
+                <a16:creationId xmlns:a16="http://schemas.microsoft.com/office/drawing/2014/main" id="{75554383-98AF-4A47-BB65-705FAAA4BE6A}"/>
+              </a:ext>
+              <a:ext uri="{C183D7F6-B498-43B3-948B-1728B52AA6E4}">
+                <adec:decorative xmlns="" xmlns:adec="http://schemas.microsoft.com/office/drawing/2017/decorative" val="1"/>
+              </a:ext>
+            </a:extLst>
+          </p:cNvPr>
+          <p:cNvPicPr>
+            <a:picLocks noGrp="1" noRot="1" noChangeAspect="1" noMove="1" noResize="1" noEditPoints="1" noAdjustHandles="1" noChangeArrowheads="1" noChangeShapeType="1" noCrop="1"/>
+          </p:cNvPicPr>
+          <p:nvPr>
+            <p:extLst>
+              <p:ext uri="{386F3935-93C4-4BCD-93E2-E3B085C9AB24}">
+                <p16:designElem xmlns:p16="http://schemas.microsoft.com/office/powerpoint/2015/main" val="1"/>
+              </p:ext>
+            </p:extLst>
+          </p:nvPr>
+        </p:nvPicPr>
+        <p:blipFill>
+          <a:blip r:embed="rId2">
+            <a:extLst>
+              <a:ext uri="{28A0092B-C50C-407E-A947-70E740481C1C}">
+                <a14:useLocalDpi xmlns:a14="http://schemas.microsoft.com/office/drawing/2010/main" val="0"/>
+              </a:ext>
+            </a:extLst>
+          </a:blip>
+          <a:stretch>
+            <a:fillRect/>
+          </a:stretch>
+        </p:blipFill>
+        <p:spPr>
+          <a:xfrm>
+            <a:off x="0" y="0"/>
+            <a:ext cx="12192000" cy="6858000"/>
+          </a:xfrm>
+          <a:prstGeom prst="rect">
+            <a:avLst/>
+          </a:prstGeom>
+        </p:spPr>
+      </p:pic>
       <p:sp>
         <p:nvSpPr>
           <p:cNvPr id="12" name="Freeform: Shape 11">
@@ -4475,7 +6101,7 @@
                 <a16:creationId xmlns:a16="http://schemas.microsoft.com/office/drawing/2014/main" id="{ADAD1991-FFD1-4E94-ABAB-7560D33008E4}"/>
               </a:ext>
               <a:ext uri="{C183D7F6-B498-43B3-948B-1728B52AA6E4}">
-                <adec:decorative xmlns:adec="http://schemas.microsoft.com/office/drawing/2017/decorative" xmlns="" val="1"/>
+                <adec:decorative xmlns="" xmlns:adec="http://schemas.microsoft.com/office/drawing/2017/decorative" val="1"/>
               </a:ext>
             </a:extLst>
           </p:cNvPr>
@@ -4706,7 +6332,7 @@
 </p:sld>
 </file>
 
-<file path=ppt/slides/slide17.xml><?xml version="1.0" encoding="utf-8"?>
+<file path=ppt/slides/slide22.xml><?xml version="1.0" encoding="utf-8"?>
 <p:sld xmlns:a="http://schemas.openxmlformats.org/drawingml/2006/main" xmlns:r="http://schemas.openxmlformats.org/officeDocument/2006/relationships" xmlns:p="http://schemas.openxmlformats.org/presentationml/2006/main">
   <p:cSld>
     <p:spTree>
@@ -4889,412 +6515,6 @@
     <p:extLst>
       <p:ext uri="{BB962C8B-B14F-4D97-AF65-F5344CB8AC3E}">
         <p14:creationId xmlns:p14="http://schemas.microsoft.com/office/powerpoint/2010/main" val="2731885758"/>
-      </p:ext>
-    </p:extLst>
-  </p:cSld>
-  <p:clrMapOvr>
-    <a:masterClrMapping/>
-  </p:clrMapOvr>
-</p:sld>
-</file>
-
-<file path=ppt/slides/slide2.xml><?xml version="1.0" encoding="utf-8"?>
-<p:sld xmlns:a="http://schemas.openxmlformats.org/drawingml/2006/main" xmlns:r="http://schemas.openxmlformats.org/officeDocument/2006/relationships" xmlns:p="http://schemas.openxmlformats.org/presentationml/2006/main">
-  <p:cSld>
-    <p:bg>
-      <p:bgPr>
-        <a:solidFill>
-          <a:schemeClr val="bg1"/>
-        </a:solidFill>
-        <a:effectLst/>
-      </p:bgPr>
-    </p:bg>
-    <p:spTree>
-      <p:nvGrpSpPr>
-        <p:cNvPr id="1" name=""/>
-        <p:cNvGrpSpPr/>
-        <p:nvPr/>
-      </p:nvGrpSpPr>
-      <p:grpSpPr>
-        <a:xfrm>
-          <a:off x="0" y="0"/>
-          <a:ext cx="0" cy="0"/>
-          <a:chOff x="0" y="0"/>
-          <a:chExt cx="0" cy="0"/>
-        </a:xfrm>
-      </p:grpSpPr>
-      <p:sp>
-        <p:nvSpPr>
-          <p:cNvPr id="11" name="Rectangle 10">
-            <a:extLst>
-              <a:ext uri="{FF2B5EF4-FFF2-40B4-BE49-F238E27FC236}">
-                <a16:creationId xmlns:a16="http://schemas.microsoft.com/office/drawing/2014/main" id="{4038CB10-1F5C-4D54-9DF7-12586DE5B007}"/>
-              </a:ext>
-              <a:ext uri="{C183D7F6-B498-43B3-948B-1728B52AA6E4}">
-                <adec:decorative xmlns:adec="http://schemas.microsoft.com/office/drawing/2017/decorative" xmlns="" val="1"/>
-              </a:ext>
-            </a:extLst>
-          </p:cNvPr>
-          <p:cNvSpPr>
-            <a:spLocks noGrp="1" noRot="1" noChangeAspect="1" noMove="1" noResize="1" noEditPoints="1" noAdjustHandles="1" noChangeArrowheads="1" noChangeShapeType="1" noTextEdit="1"/>
-          </p:cNvSpPr>
-          <p:nvPr>
-            <p:extLst>
-              <p:ext uri="{386F3935-93C4-4BCD-93E2-E3B085C9AB24}">
-                <p16:designElem xmlns:p16="http://schemas.microsoft.com/office/powerpoint/2015/main" val="1"/>
-              </p:ext>
-            </p:extLst>
-          </p:nvPr>
-        </p:nvSpPr>
-        <p:spPr>
-          <a:xfrm>
-            <a:off x="327546" y="4572000"/>
-            <a:ext cx="7058307" cy="1964266"/>
-          </a:xfrm>
-          <a:prstGeom prst="rect">
-            <a:avLst/>
-          </a:prstGeom>
-          <a:solidFill>
-            <a:srgbClr val="BB8577"/>
-          </a:solidFill>
-          <a:ln>
-            <a:noFill/>
-          </a:ln>
-        </p:spPr>
-        <p:style>
-          <a:lnRef idx="2">
-            <a:schemeClr val="accent1">
-              <a:shade val="50000"/>
-            </a:schemeClr>
-          </a:lnRef>
-          <a:fillRef idx="1">
-            <a:schemeClr val="accent1"/>
-          </a:fillRef>
-          <a:effectRef idx="0">
-            <a:schemeClr val="accent1"/>
-          </a:effectRef>
-          <a:fontRef idx="minor">
-            <a:schemeClr val="lt1"/>
-          </a:fontRef>
-        </p:style>
-        <p:txBody>
-          <a:bodyPr rtlCol="0" anchor="ctr"/>
-          <a:lstStyle/>
-          <a:p>
-            <a:pPr marL="0" marR="0" lvl="0" indent="0" algn="ctr" defTabSz="914400" rtl="0" eaLnBrk="1" fontAlgn="auto" latinLnBrk="0" hangingPunct="1">
-              <a:lnSpc>
-                <a:spcPct val="100000"/>
-              </a:lnSpc>
-              <a:spcBef>
-                <a:spcPts val="0"/>
-              </a:spcBef>
-              <a:spcAft>
-                <a:spcPts val="0"/>
-              </a:spcAft>
-              <a:buClrTx/>
-              <a:buSzTx/>
-              <a:buFontTx/>
-              <a:buNone/>
-              <a:tabLst/>
-              <a:defRPr/>
-            </a:pPr>
-            <a:endParaRPr kumimoji="0" lang="en-US" sz="1800" b="0" i="0" u="none" strike="noStrike" kern="1200" cap="none" spc="0" normalizeH="0" baseline="0" noProof="0">
-              <a:ln>
-                <a:noFill/>
-              </a:ln>
-              <a:solidFill>
-                <a:prstClr val="white"/>
-              </a:solidFill>
-              <a:effectLst/>
-              <a:uLnTx/>
-              <a:uFillTx/>
-              <a:latin typeface="Calibri" panose="020F0502020204030204"/>
-              <a:ea typeface="+mn-ea"/>
-              <a:cs typeface="+mn-cs"/>
-            </a:endParaRPr>
-          </a:p>
-        </p:txBody>
-      </p:sp>
-      <p:sp>
-        <p:nvSpPr>
-          <p:cNvPr id="2" name="TextBox 1">
-            <a:extLst>
-              <a:ext uri="{FF2B5EF4-FFF2-40B4-BE49-F238E27FC236}">
-                <a16:creationId xmlns:a16="http://schemas.microsoft.com/office/drawing/2014/main" id="{9A5B267B-DC99-48D5-AAE4-0080DA632EE8}"/>
-              </a:ext>
-            </a:extLst>
-          </p:cNvPr>
-          <p:cNvSpPr txBox="1"/>
-          <p:nvPr/>
-        </p:nvSpPr>
-        <p:spPr>
-          <a:xfrm>
-            <a:off x="524256" y="4767072"/>
-            <a:ext cx="6594189" cy="1625210"/>
-          </a:xfrm>
-          <a:prstGeom prst="rect">
-            <a:avLst/>
-          </a:prstGeom>
-        </p:spPr>
-        <p:txBody>
-          <a:bodyPr vert="horz" lIns="91440" tIns="45720" rIns="91440" bIns="45720" rtlCol="0" anchor="ctr">
-            <a:normAutofit/>
-          </a:bodyPr>
-          <a:lstStyle/>
-          <a:p>
-            <a:pPr algn="r">
-              <a:lnSpc>
-                <a:spcPct val="90000"/>
-              </a:lnSpc>
-              <a:spcBef>
-                <a:spcPct val="0"/>
-              </a:spcBef>
-              <a:spcAft>
-                <a:spcPts val="600"/>
-              </a:spcAft>
-            </a:pPr>
-            <a:r>
-              <a:rPr lang="en-US" sz="4400">
-                <a:solidFill>
-                  <a:srgbClr val="FFFFFF"/>
-                </a:solidFill>
-                <a:latin typeface="+mj-lt"/>
-                <a:ea typeface="+mj-ea"/>
-                <a:cs typeface="+mj-cs"/>
-              </a:rPr>
-              <a:t>Narrative</a:t>
-            </a:r>
-          </a:p>
-        </p:txBody>
-      </p:sp>
-      <p:pic>
-        <p:nvPicPr>
-          <p:cNvPr id="6" name="Picture 5">
-            <a:extLst>
-              <a:ext uri="{FF2B5EF4-FFF2-40B4-BE49-F238E27FC236}">
-                <a16:creationId xmlns:a16="http://schemas.microsoft.com/office/drawing/2014/main" id="{48D482F4-FAC7-4F34-B519-1AFCACD84A50}"/>
-              </a:ext>
-            </a:extLst>
-          </p:cNvPr>
-          <p:cNvPicPr>
-            <a:picLocks noChangeAspect="1"/>
-          </p:cNvPicPr>
-          <p:nvPr/>
-        </p:nvPicPr>
-        <p:blipFill rotWithShape="1">
-          <a:blip r:embed="rId2">
-            <a:extLst>
-              <a:ext uri="{28A0092B-C50C-407E-A947-70E740481C1C}">
-                <a14:useLocalDpi xmlns:a14="http://schemas.microsoft.com/office/drawing/2010/main" val="0"/>
-              </a:ext>
-            </a:extLst>
-          </a:blip>
-          <a:srcRect l="12990" r="-1" b="-1"/>
-          <a:stretch/>
-        </p:blipFill>
-        <p:spPr>
-          <a:xfrm>
-            <a:off x="327547" y="321733"/>
-            <a:ext cx="7058306" cy="4107392"/>
-          </a:xfrm>
-          <a:prstGeom prst="rect">
-            <a:avLst/>
-          </a:prstGeom>
-        </p:spPr>
-      </p:pic>
-      <p:sp>
-        <p:nvSpPr>
-          <p:cNvPr id="13" name="Rectangle 12">
-            <a:extLst>
-              <a:ext uri="{FF2B5EF4-FFF2-40B4-BE49-F238E27FC236}">
-                <a16:creationId xmlns:a16="http://schemas.microsoft.com/office/drawing/2014/main" id="{73ED6512-6858-4552-B699-9A97FE9A4EA2}"/>
-              </a:ext>
-              <a:ext uri="{C183D7F6-B498-43B3-948B-1728B52AA6E4}">
-                <adec:decorative xmlns:adec="http://schemas.microsoft.com/office/drawing/2017/decorative" xmlns="" val="1"/>
-              </a:ext>
-            </a:extLst>
-          </p:cNvPr>
-          <p:cNvSpPr>
-            <a:spLocks noGrp="1" noRot="1" noChangeAspect="1" noMove="1" noResize="1" noEditPoints="1" noAdjustHandles="1" noChangeArrowheads="1" noChangeShapeType="1" noTextEdit="1"/>
-          </p:cNvSpPr>
-          <p:nvPr>
-            <p:extLst>
-              <p:ext uri="{386F3935-93C4-4BCD-93E2-E3B085C9AB24}">
-                <p16:designElem xmlns:p16="http://schemas.microsoft.com/office/powerpoint/2015/main" val="1"/>
-              </p:ext>
-            </p:extLst>
-          </p:nvPr>
-        </p:nvSpPr>
-        <p:spPr>
-          <a:xfrm>
-            <a:off x="7534655" y="321732"/>
-            <a:ext cx="4335613" cy="6214534"/>
-          </a:xfrm>
-          <a:prstGeom prst="rect">
-            <a:avLst/>
-          </a:prstGeom>
-          <a:solidFill>
-            <a:srgbClr val="404040"/>
-          </a:solidFill>
-          <a:ln>
-            <a:noFill/>
-          </a:ln>
-        </p:spPr>
-        <p:style>
-          <a:lnRef idx="2">
-            <a:schemeClr val="accent1">
-              <a:shade val="50000"/>
-            </a:schemeClr>
-          </a:lnRef>
-          <a:fillRef idx="1">
-            <a:schemeClr val="accent1"/>
-          </a:fillRef>
-          <a:effectRef idx="0">
-            <a:schemeClr val="accent1"/>
-          </a:effectRef>
-          <a:fontRef idx="minor">
-            <a:schemeClr val="lt1"/>
-          </a:fontRef>
-        </p:style>
-        <p:txBody>
-          <a:bodyPr rtlCol="0" anchor="ctr"/>
-          <a:lstStyle/>
-          <a:p>
-            <a:pPr marL="0" marR="0" lvl="0" indent="0" algn="ctr" defTabSz="914400" rtl="0" eaLnBrk="1" fontAlgn="auto" latinLnBrk="0" hangingPunct="1">
-              <a:lnSpc>
-                <a:spcPct val="100000"/>
-              </a:lnSpc>
-              <a:spcBef>
-                <a:spcPts val="0"/>
-              </a:spcBef>
-              <a:spcAft>
-                <a:spcPts val="0"/>
-              </a:spcAft>
-              <a:buClrTx/>
-              <a:buSzTx/>
-              <a:buFontTx/>
-              <a:buNone/>
-              <a:tabLst/>
-              <a:defRPr/>
-            </a:pPr>
-            <a:endParaRPr kumimoji="0" lang="en-US" sz="1800" b="0" i="0" u="none" strike="noStrike" kern="1200" cap="none" spc="0" normalizeH="0" baseline="0" noProof="0">
-              <a:ln>
-                <a:noFill/>
-              </a:ln>
-              <a:solidFill>
-                <a:prstClr val="white"/>
-              </a:solidFill>
-              <a:effectLst/>
-              <a:uLnTx/>
-              <a:uFillTx/>
-              <a:latin typeface="Calibri" panose="020F0502020204030204"/>
-              <a:ea typeface="+mn-ea"/>
-              <a:cs typeface="+mn-cs"/>
-            </a:endParaRPr>
-          </a:p>
-        </p:txBody>
-      </p:sp>
-      <p:sp>
-        <p:nvSpPr>
-          <p:cNvPr id="3" name="TextBox 2">
-            <a:extLst>
-              <a:ext uri="{FF2B5EF4-FFF2-40B4-BE49-F238E27FC236}">
-                <a16:creationId xmlns:a16="http://schemas.microsoft.com/office/drawing/2014/main" id="{B73F6C98-15CD-4670-AE38-F58E18427A3C}"/>
-              </a:ext>
-            </a:extLst>
-          </p:cNvPr>
-          <p:cNvSpPr txBox="1"/>
-          <p:nvPr/>
-        </p:nvSpPr>
-        <p:spPr>
-          <a:xfrm>
-            <a:off x="8029319" y="917725"/>
-            <a:ext cx="3424739" cy="4852362"/>
-          </a:xfrm>
-          <a:prstGeom prst="rect">
-            <a:avLst/>
-          </a:prstGeom>
-        </p:spPr>
-        <p:txBody>
-          <a:bodyPr vert="horz" lIns="91440" tIns="45720" rIns="91440" bIns="45720" rtlCol="0" anchor="ctr">
-            <a:normAutofit/>
-          </a:bodyPr>
-          <a:lstStyle/>
-          <a:p>
-            <a:pPr>
-              <a:lnSpc>
-                <a:spcPct val="90000"/>
-              </a:lnSpc>
-              <a:spcAft>
-                <a:spcPts val="600"/>
-              </a:spcAft>
-            </a:pPr>
-            <a:r>
-              <a:rPr lang="en-US" sz="2000" dirty="0">
-                <a:solidFill>
-                  <a:srgbClr val="FFFFFF"/>
-                </a:solidFill>
-              </a:rPr>
-              <a:t>After winning the lottery we want to start a movie business to produce movies. </a:t>
-            </a:r>
-          </a:p>
-          <a:p>
-            <a:pPr>
-              <a:lnSpc>
-                <a:spcPct val="90000"/>
-              </a:lnSpc>
-              <a:spcAft>
-                <a:spcPts val="600"/>
-              </a:spcAft>
-            </a:pPr>
-            <a:endParaRPr lang="en-US" sz="2000" dirty="0">
-              <a:solidFill>
-                <a:srgbClr val="FFFFFF"/>
-              </a:solidFill>
-            </a:endParaRPr>
-          </a:p>
-          <a:p>
-            <a:pPr>
-              <a:lnSpc>
-                <a:spcPct val="90000"/>
-              </a:lnSpc>
-              <a:spcAft>
-                <a:spcPts val="600"/>
-              </a:spcAft>
-            </a:pPr>
-            <a:r>
-              <a:rPr lang="en-US" sz="2000" dirty="0">
-                <a:solidFill>
-                  <a:srgbClr val="FFFFFF"/>
-                </a:solidFill>
-              </a:rPr>
-              <a:t>GOAL:</a:t>
-            </a:r>
-          </a:p>
-          <a:p>
-            <a:pPr>
-              <a:lnSpc>
-                <a:spcPct val="90000"/>
-              </a:lnSpc>
-              <a:spcAft>
-                <a:spcPts val="600"/>
-              </a:spcAft>
-            </a:pPr>
-            <a:r>
-              <a:rPr lang="en-US" sz="2000" dirty="0">
-                <a:solidFill>
-                  <a:srgbClr val="FFFFFF"/>
-                </a:solidFill>
-              </a:rPr>
-              <a:t>Produce the highest possible average rated movies.</a:t>
-            </a:r>
-          </a:p>
-        </p:txBody>
-      </p:sp>
-    </p:spTree>
-    <p:extLst>
-      <p:ext uri="{BB962C8B-B14F-4D97-AF65-F5344CB8AC3E}">
-        <p14:creationId xmlns:p14="http://schemas.microsoft.com/office/powerpoint/2010/main" val="858000049"/>
       </p:ext>
     </p:extLst>
   </p:cSld>
@@ -5337,7 +6557,7 @@
                 <a16:creationId xmlns:a16="http://schemas.microsoft.com/office/drawing/2014/main" id="{B547373F-AF2E-4907-B442-9F902B387FD0}"/>
               </a:ext>
               <a:ext uri="{C183D7F6-B498-43B3-948B-1728B52AA6E4}">
-                <adec:decorative xmlns:adec="http://schemas.microsoft.com/office/drawing/2017/decorative" xmlns="" val="1"/>
+                <adec:decorative xmlns="" xmlns:adec="http://schemas.microsoft.com/office/drawing/2017/decorative" val="1"/>
               </a:ext>
             </a:extLst>
           </p:cNvPr>
@@ -5781,7 +7001,7 @@
                 <a16:creationId xmlns:a16="http://schemas.microsoft.com/office/drawing/2014/main" id="{CF62D2A7-8207-488C-9F46-316BA81A16C8}"/>
               </a:ext>
               <a:ext uri="{C183D7F6-B498-43B3-948B-1728B52AA6E4}">
-                <adec:decorative xmlns:adec="http://schemas.microsoft.com/office/drawing/2017/decorative" xmlns="" val="1"/>
+                <adec:decorative xmlns="" xmlns:adec="http://schemas.microsoft.com/office/drawing/2017/decorative" val="1"/>
               </a:ext>
             </a:extLst>
           </p:cNvPr>
@@ -5948,7 +7168,7 @@
                 <a16:creationId xmlns:a16="http://schemas.microsoft.com/office/drawing/2014/main" id="{52AC6D7F-F068-4E11-BB06-F601D89BB980}"/>
               </a:ext>
               <a:ext uri="{C183D7F6-B498-43B3-948B-1728B52AA6E4}">
-                <adec:decorative xmlns:adec="http://schemas.microsoft.com/office/drawing/2017/decorative" xmlns="" val="1"/>
+                <adec:decorative xmlns="" xmlns:adec="http://schemas.microsoft.com/office/drawing/2017/decorative" val="1"/>
               </a:ext>
             </a:extLst>
           </p:cNvPr>
@@ -6242,7 +7462,7 @@
                 <a16:creationId xmlns:a16="http://schemas.microsoft.com/office/drawing/2014/main" id="{E0D60ECE-8986-45DC-B7FE-EC7699B466B8}"/>
               </a:ext>
               <a:ext uri="{C183D7F6-B498-43B3-948B-1728B52AA6E4}">
-                <adec:decorative xmlns:adec="http://schemas.microsoft.com/office/drawing/2017/decorative" xmlns="" val="1"/>
+                <adec:decorative xmlns="" xmlns:adec="http://schemas.microsoft.com/office/drawing/2017/decorative" val="1"/>
               </a:ext>
             </a:extLst>
           </p:cNvPr>
@@ -6411,7 +7631,7 @@
                 <a16:creationId xmlns:a16="http://schemas.microsoft.com/office/drawing/2014/main" id="{96964194-5878-40D2-8EC0-DDC58387FA56}"/>
               </a:ext>
               <a:ext uri="{C183D7F6-B498-43B3-948B-1728B52AA6E4}">
-                <adec:decorative xmlns:adec="http://schemas.microsoft.com/office/drawing/2017/decorative" xmlns="" val="1"/>
+                <adec:decorative xmlns="" xmlns:adec="http://schemas.microsoft.com/office/drawing/2017/decorative" val="1"/>
               </a:ext>
             </a:extLst>
           </p:cNvPr>
@@ -6860,7 +8080,7 @@
                 <a16:creationId xmlns:a16="http://schemas.microsoft.com/office/drawing/2014/main" id="{57845966-6EFC-468A-9CC7-BAB4B95854E7}"/>
               </a:ext>
               <a:ext uri="{C183D7F6-B498-43B3-948B-1728B52AA6E4}">
-                <adec:decorative xmlns:adec="http://schemas.microsoft.com/office/drawing/2017/decorative" xmlns="" val="1"/>
+                <adec:decorative xmlns="" xmlns:adec="http://schemas.microsoft.com/office/drawing/2017/decorative" val="1"/>
               </a:ext>
             </a:extLst>
           </p:cNvPr>
@@ -6923,7 +8143,7 @@
                 <a16:creationId xmlns:a16="http://schemas.microsoft.com/office/drawing/2014/main" id="{75554383-98AF-4A47-BB65-705FAAA4BE6A}"/>
               </a:ext>
               <a:ext uri="{C183D7F6-B498-43B3-948B-1728B52AA6E4}">
-                <adec:decorative xmlns:adec="http://schemas.microsoft.com/office/drawing/2017/decorative" xmlns="" val="1"/>
+                <adec:decorative xmlns="" xmlns:adec="http://schemas.microsoft.com/office/drawing/2017/decorative" val="1"/>
               </a:ext>
             </a:extLst>
           </p:cNvPr>
@@ -6968,7 +8188,7 @@
                 <a16:creationId xmlns:a16="http://schemas.microsoft.com/office/drawing/2014/main" id="{ADAD1991-FFD1-4E94-ABAB-7560D33008E4}"/>
               </a:ext>
               <a:ext uri="{C183D7F6-B498-43B3-948B-1728B52AA6E4}">
-                <adec:decorative xmlns:adec="http://schemas.microsoft.com/office/drawing/2017/decorative" xmlns="" val="1"/>
+                <adec:decorative xmlns="" xmlns:adec="http://schemas.microsoft.com/office/drawing/2017/decorative" val="1"/>
               </a:ext>
             </a:extLst>
           </p:cNvPr>
@@ -7332,7 +8552,7 @@
                 <a16:creationId xmlns:a16="http://schemas.microsoft.com/office/drawing/2014/main" id="{5F9CFCE6-877F-4858-B8BD-2C52CA8AFBC4}"/>
               </a:ext>
               <a:ext uri="{C183D7F6-B498-43B3-948B-1728B52AA6E4}">
-                <adec:decorative xmlns:adec="http://schemas.microsoft.com/office/drawing/2017/decorative" xmlns="" val="1"/>
+                <adec:decorative xmlns="" xmlns:adec="http://schemas.microsoft.com/office/drawing/2017/decorative" val="1"/>
               </a:ext>
             </a:extLst>
           </p:cNvPr>
@@ -7395,7 +8615,7 @@
                 <a16:creationId xmlns:a16="http://schemas.microsoft.com/office/drawing/2014/main" id="{8213F8A0-12AE-4514-8372-0DD766EC28EE}"/>
               </a:ext>
               <a:ext uri="{C183D7F6-B498-43B3-948B-1728B52AA6E4}">
-                <adec:decorative xmlns:adec="http://schemas.microsoft.com/office/drawing/2017/decorative" xmlns="" val="1"/>
+                <adec:decorative xmlns="" xmlns:adec="http://schemas.microsoft.com/office/drawing/2017/decorative" val="1"/>
               </a:ext>
             </a:extLst>
           </p:cNvPr>
@@ -7494,7 +8714,7 @@
                 <a16:creationId xmlns:a16="http://schemas.microsoft.com/office/drawing/2014/main" id="{9EFF17D4-9A8C-4CE5-B096-D8CCD4400437}"/>
               </a:ext>
               <a:ext uri="{C183D7F6-B498-43B3-948B-1728B52AA6E4}">
-                <adec:decorative xmlns:adec="http://schemas.microsoft.com/office/drawing/2017/decorative" xmlns="" val="1"/>
+                <adec:decorative xmlns="" xmlns:adec="http://schemas.microsoft.com/office/drawing/2017/decorative" val="1"/>
               </a:ext>
             </a:extLst>
           </p:cNvPr>
@@ -7671,7 +8891,7 @@
                 <a16:creationId xmlns:a16="http://schemas.microsoft.com/office/drawing/2014/main" id="{DB146403-F3D6-484B-B2ED-97F9565D0370}"/>
               </a:ext>
               <a:ext uri="{C183D7F6-B498-43B3-948B-1728B52AA6E4}">
-                <adec:decorative xmlns:adec="http://schemas.microsoft.com/office/drawing/2017/decorative" xmlns="" val="1"/>
+                <adec:decorative xmlns="" xmlns:adec="http://schemas.microsoft.com/office/drawing/2017/decorative" val="1"/>
               </a:ext>
             </a:extLst>
           </p:cNvPr>
@@ -7723,7 +8943,7 @@
                 <a16:creationId xmlns:a16="http://schemas.microsoft.com/office/drawing/2014/main" id="{823AC064-BC96-4F32-8AE1-B2FD38754823}"/>
               </a:ext>
               <a:ext uri="{C183D7F6-B498-43B3-948B-1728B52AA6E4}">
-                <adec:decorative xmlns:adec="http://schemas.microsoft.com/office/drawing/2017/decorative" xmlns="" val="1"/>
+                <adec:decorative xmlns="" xmlns:adec="http://schemas.microsoft.com/office/drawing/2017/decorative" val="1"/>
               </a:ext>
             </a:extLst>
           </p:cNvPr>
@@ -7912,7 +9132,7 @@
                 <a16:creationId xmlns:a16="http://schemas.microsoft.com/office/drawing/2014/main" id="{7E7C77BC-7138-40B1-A15B-20F57A494629}"/>
               </a:ext>
               <a:ext uri="{C183D7F6-B498-43B3-948B-1728B52AA6E4}">
-                <adec:decorative xmlns:adec="http://schemas.microsoft.com/office/drawing/2017/decorative" xmlns="" val="1"/>
+                <adec:decorative xmlns="" xmlns:adec="http://schemas.microsoft.com/office/drawing/2017/decorative" val="1"/>
               </a:ext>
             </a:extLst>
           </p:cNvPr>

--- a/Presentation/ScrumLords_Capstone.pptx
+++ b/Presentation/ScrumLords_Capstone.pptx
@@ -3532,7 +3532,7 @@
                 <a16:creationId xmlns:a16="http://schemas.microsoft.com/office/drawing/2014/main" id="{72257994-BD97-4691-8B89-198A6D2BABDC}"/>
               </a:ext>
               <a:ext uri="{C183D7F6-B498-43B3-948B-1728B52AA6E4}">
-                <adec:decorative xmlns="" xmlns:adec="http://schemas.microsoft.com/office/drawing/2017/decorative" val="1"/>
+                <adec:decorative xmlns:adec="http://schemas.microsoft.com/office/drawing/2017/decorative" xmlns="" val="1"/>
               </a:ext>
             </a:extLst>
           </p:cNvPr>
@@ -3774,7 +3774,7 @@
                 <a16:creationId xmlns:a16="http://schemas.microsoft.com/office/drawing/2014/main" id="{AB45A142-4255-493C-8284-5D566C121B10}"/>
               </a:ext>
               <a:ext uri="{C183D7F6-B498-43B3-948B-1728B52AA6E4}">
-                <adec:decorative xmlns="" xmlns:adec="http://schemas.microsoft.com/office/drawing/2017/decorative" val="1"/>
+                <adec:decorative xmlns:adec="http://schemas.microsoft.com/office/drawing/2017/decorative" xmlns="" val="1"/>
               </a:ext>
             </a:extLst>
           </p:cNvPr>
@@ -3965,7 +3965,7 @@
                 <a16:creationId xmlns:a16="http://schemas.microsoft.com/office/drawing/2014/main" id="{38FB9660-F42F-4313-BBC4-47C007FE484C}"/>
               </a:ext>
               <a:ext uri="{C183D7F6-B498-43B3-948B-1728B52AA6E4}">
-                <adec:decorative xmlns="" xmlns:adec="http://schemas.microsoft.com/office/drawing/2017/decorative" val="1"/>
+                <adec:decorative xmlns:adec="http://schemas.microsoft.com/office/drawing/2017/decorative" xmlns="" val="1"/>
               </a:ext>
             </a:extLst>
           </p:cNvPr>
@@ -4461,8 +4461,8 @@
         </p:blipFill>
         <p:spPr>
           <a:xfrm>
-            <a:off x="1451018" y="4085735"/>
-            <a:ext cx="9495238" cy="1485714"/>
+            <a:off x="360784" y="4245125"/>
+            <a:ext cx="10989032" cy="1719447"/>
           </a:xfrm>
           <a:prstGeom prst="rect">
             <a:avLst/>
@@ -4515,7 +4515,7 @@
                 <a16:creationId xmlns:a16="http://schemas.microsoft.com/office/drawing/2014/main" id="{AB45A142-4255-493C-8284-5D566C121B10}"/>
               </a:ext>
               <a:ext uri="{C183D7F6-B498-43B3-948B-1728B52AA6E4}">
-                <adec:decorative xmlns="" xmlns:adec="http://schemas.microsoft.com/office/drawing/2017/decorative" val="1"/>
+                <adec:decorative xmlns:adec="http://schemas.microsoft.com/office/drawing/2017/decorative" xmlns="" val="1"/>
               </a:ext>
             </a:extLst>
           </p:cNvPr>
@@ -4627,7 +4627,7 @@
                 <a16:creationId xmlns:a16="http://schemas.microsoft.com/office/drawing/2014/main" id="{38FB9660-F42F-4313-BBC4-47C007FE484C}"/>
               </a:ext>
               <a:ext uri="{C183D7F6-B498-43B3-948B-1728B52AA6E4}">
-                <adec:decorative xmlns="" xmlns:adec="http://schemas.microsoft.com/office/drawing/2017/decorative" val="1"/>
+                <adec:decorative xmlns:adec="http://schemas.microsoft.com/office/drawing/2017/decorative" xmlns="" val="1"/>
               </a:ext>
             </a:extLst>
           </p:cNvPr>
@@ -4934,7 +4934,7 @@
                 <a16:creationId xmlns:a16="http://schemas.microsoft.com/office/drawing/2014/main" id="{E0D60ECE-8986-45DC-B7FE-EC7699B466B8}"/>
               </a:ext>
               <a:ext uri="{C183D7F6-B498-43B3-948B-1728B52AA6E4}">
-                <adec:decorative xmlns="" xmlns:adec="http://schemas.microsoft.com/office/drawing/2017/decorative" val="1"/>
+                <adec:decorative xmlns:adec="http://schemas.microsoft.com/office/drawing/2017/decorative" xmlns="" val="1"/>
               </a:ext>
             </a:extLst>
           </p:cNvPr>
@@ -5103,7 +5103,7 @@
                 <a16:creationId xmlns:a16="http://schemas.microsoft.com/office/drawing/2014/main" id="{96964194-5878-40D2-8EC0-DDC58387FA56}"/>
               </a:ext>
               <a:ext uri="{C183D7F6-B498-43B3-948B-1728B52AA6E4}">
-                <adec:decorative xmlns="" xmlns:adec="http://schemas.microsoft.com/office/drawing/2017/decorative" val="1"/>
+                <adec:decorative xmlns:adec="http://schemas.microsoft.com/office/drawing/2017/decorative" xmlns="" val="1"/>
               </a:ext>
             </a:extLst>
           </p:cNvPr>
@@ -5521,7 +5521,7 @@
                 <a16:creationId xmlns:a16="http://schemas.microsoft.com/office/drawing/2014/main" id="{4038CB10-1F5C-4D54-9DF7-12586DE5B007}"/>
               </a:ext>
               <a:ext uri="{C183D7F6-B498-43B3-948B-1728B52AA6E4}">
-                <adec:decorative xmlns="" xmlns:adec="http://schemas.microsoft.com/office/drawing/2017/decorative" val="1"/>
+                <adec:decorative xmlns:adec="http://schemas.microsoft.com/office/drawing/2017/decorative" xmlns="" val="1"/>
               </a:ext>
             </a:extLst>
           </p:cNvPr>
@@ -5700,7 +5700,7 @@
                 <a16:creationId xmlns:a16="http://schemas.microsoft.com/office/drawing/2014/main" id="{73ED6512-6858-4552-B699-9A97FE9A4EA2}"/>
               </a:ext>
               <a:ext uri="{C183D7F6-B498-43B3-948B-1728B52AA6E4}">
-                <adec:decorative xmlns="" xmlns:adec="http://schemas.microsoft.com/office/drawing/2017/decorative" val="1"/>
+                <adec:decorative xmlns:adec="http://schemas.microsoft.com/office/drawing/2017/decorative" xmlns="" val="1"/>
               </a:ext>
             </a:extLst>
           </p:cNvPr>
@@ -5993,7 +5993,7 @@
                 <a16:creationId xmlns:a16="http://schemas.microsoft.com/office/drawing/2014/main" id="{57845966-6EFC-468A-9CC7-BAB4B95854E7}"/>
               </a:ext>
               <a:ext uri="{C183D7F6-B498-43B3-948B-1728B52AA6E4}">
-                <adec:decorative xmlns="" xmlns:adec="http://schemas.microsoft.com/office/drawing/2017/decorative" val="1"/>
+                <adec:decorative xmlns:adec="http://schemas.microsoft.com/office/drawing/2017/decorative" xmlns="" val="1"/>
               </a:ext>
             </a:extLst>
           </p:cNvPr>
@@ -6056,7 +6056,7 @@
                 <a16:creationId xmlns:a16="http://schemas.microsoft.com/office/drawing/2014/main" id="{75554383-98AF-4A47-BB65-705FAAA4BE6A}"/>
               </a:ext>
               <a:ext uri="{C183D7F6-B498-43B3-948B-1728B52AA6E4}">
-                <adec:decorative xmlns="" xmlns:adec="http://schemas.microsoft.com/office/drawing/2017/decorative" val="1"/>
+                <adec:decorative xmlns:adec="http://schemas.microsoft.com/office/drawing/2017/decorative" xmlns="" val="1"/>
               </a:ext>
             </a:extLst>
           </p:cNvPr>
@@ -6101,7 +6101,7 @@
                 <a16:creationId xmlns:a16="http://schemas.microsoft.com/office/drawing/2014/main" id="{ADAD1991-FFD1-4E94-ABAB-7560D33008E4}"/>
               </a:ext>
               <a:ext uri="{C183D7F6-B498-43B3-948B-1728B52AA6E4}">
-                <adec:decorative xmlns="" xmlns:adec="http://schemas.microsoft.com/office/drawing/2017/decorative" val="1"/>
+                <adec:decorative xmlns:adec="http://schemas.microsoft.com/office/drawing/2017/decorative" xmlns="" val="1"/>
               </a:ext>
             </a:extLst>
           </p:cNvPr>
@@ -6557,7 +6557,7 @@
                 <a16:creationId xmlns:a16="http://schemas.microsoft.com/office/drawing/2014/main" id="{B547373F-AF2E-4907-B442-9F902B387FD0}"/>
               </a:ext>
               <a:ext uri="{C183D7F6-B498-43B3-948B-1728B52AA6E4}">
-                <adec:decorative xmlns="" xmlns:adec="http://schemas.microsoft.com/office/drawing/2017/decorative" val="1"/>
+                <adec:decorative xmlns:adec="http://schemas.microsoft.com/office/drawing/2017/decorative" xmlns="" val="1"/>
               </a:ext>
             </a:extLst>
           </p:cNvPr>
@@ -7001,7 +7001,7 @@
                 <a16:creationId xmlns:a16="http://schemas.microsoft.com/office/drawing/2014/main" id="{CF62D2A7-8207-488C-9F46-316BA81A16C8}"/>
               </a:ext>
               <a:ext uri="{C183D7F6-B498-43B3-948B-1728B52AA6E4}">
-                <adec:decorative xmlns="" xmlns:adec="http://schemas.microsoft.com/office/drawing/2017/decorative" val="1"/>
+                <adec:decorative xmlns:adec="http://schemas.microsoft.com/office/drawing/2017/decorative" xmlns="" val="1"/>
               </a:ext>
             </a:extLst>
           </p:cNvPr>
@@ -7168,7 +7168,7 @@
                 <a16:creationId xmlns:a16="http://schemas.microsoft.com/office/drawing/2014/main" id="{52AC6D7F-F068-4E11-BB06-F601D89BB980}"/>
               </a:ext>
               <a:ext uri="{C183D7F6-B498-43B3-948B-1728B52AA6E4}">
-                <adec:decorative xmlns="" xmlns:adec="http://schemas.microsoft.com/office/drawing/2017/decorative" val="1"/>
+                <adec:decorative xmlns:adec="http://schemas.microsoft.com/office/drawing/2017/decorative" xmlns="" val="1"/>
               </a:ext>
             </a:extLst>
           </p:cNvPr>
@@ -7462,7 +7462,7 @@
                 <a16:creationId xmlns:a16="http://schemas.microsoft.com/office/drawing/2014/main" id="{E0D60ECE-8986-45DC-B7FE-EC7699B466B8}"/>
               </a:ext>
               <a:ext uri="{C183D7F6-B498-43B3-948B-1728B52AA6E4}">
-                <adec:decorative xmlns="" xmlns:adec="http://schemas.microsoft.com/office/drawing/2017/decorative" val="1"/>
+                <adec:decorative xmlns:adec="http://schemas.microsoft.com/office/drawing/2017/decorative" xmlns="" val="1"/>
               </a:ext>
             </a:extLst>
           </p:cNvPr>
@@ -7631,7 +7631,7 @@
                 <a16:creationId xmlns:a16="http://schemas.microsoft.com/office/drawing/2014/main" id="{96964194-5878-40D2-8EC0-DDC58387FA56}"/>
               </a:ext>
               <a:ext uri="{C183D7F6-B498-43B3-948B-1728B52AA6E4}">
-                <adec:decorative xmlns="" xmlns:adec="http://schemas.microsoft.com/office/drawing/2017/decorative" val="1"/>
+                <adec:decorative xmlns:adec="http://schemas.microsoft.com/office/drawing/2017/decorative" xmlns="" val="1"/>
               </a:ext>
             </a:extLst>
           </p:cNvPr>
@@ -8080,7 +8080,7 @@
                 <a16:creationId xmlns:a16="http://schemas.microsoft.com/office/drawing/2014/main" id="{57845966-6EFC-468A-9CC7-BAB4B95854E7}"/>
               </a:ext>
               <a:ext uri="{C183D7F6-B498-43B3-948B-1728B52AA6E4}">
-                <adec:decorative xmlns="" xmlns:adec="http://schemas.microsoft.com/office/drawing/2017/decorative" val="1"/>
+                <adec:decorative xmlns:adec="http://schemas.microsoft.com/office/drawing/2017/decorative" xmlns="" val="1"/>
               </a:ext>
             </a:extLst>
           </p:cNvPr>
@@ -8143,7 +8143,7 @@
                 <a16:creationId xmlns:a16="http://schemas.microsoft.com/office/drawing/2014/main" id="{75554383-98AF-4A47-BB65-705FAAA4BE6A}"/>
               </a:ext>
               <a:ext uri="{C183D7F6-B498-43B3-948B-1728B52AA6E4}">
-                <adec:decorative xmlns="" xmlns:adec="http://schemas.microsoft.com/office/drawing/2017/decorative" val="1"/>
+                <adec:decorative xmlns:adec="http://schemas.microsoft.com/office/drawing/2017/decorative" xmlns="" val="1"/>
               </a:ext>
             </a:extLst>
           </p:cNvPr>
@@ -8188,7 +8188,7 @@
                 <a16:creationId xmlns:a16="http://schemas.microsoft.com/office/drawing/2014/main" id="{ADAD1991-FFD1-4E94-ABAB-7560D33008E4}"/>
               </a:ext>
               <a:ext uri="{C183D7F6-B498-43B3-948B-1728B52AA6E4}">
-                <adec:decorative xmlns="" xmlns:adec="http://schemas.microsoft.com/office/drawing/2017/decorative" val="1"/>
+                <adec:decorative xmlns:adec="http://schemas.microsoft.com/office/drawing/2017/decorative" xmlns="" val="1"/>
               </a:ext>
             </a:extLst>
           </p:cNvPr>
@@ -8552,7 +8552,7 @@
                 <a16:creationId xmlns:a16="http://schemas.microsoft.com/office/drawing/2014/main" id="{5F9CFCE6-877F-4858-B8BD-2C52CA8AFBC4}"/>
               </a:ext>
               <a:ext uri="{C183D7F6-B498-43B3-948B-1728B52AA6E4}">
-                <adec:decorative xmlns="" xmlns:adec="http://schemas.microsoft.com/office/drawing/2017/decorative" val="1"/>
+                <adec:decorative xmlns:adec="http://schemas.microsoft.com/office/drawing/2017/decorative" xmlns="" val="1"/>
               </a:ext>
             </a:extLst>
           </p:cNvPr>
@@ -8615,7 +8615,7 @@
                 <a16:creationId xmlns:a16="http://schemas.microsoft.com/office/drawing/2014/main" id="{8213F8A0-12AE-4514-8372-0DD766EC28EE}"/>
               </a:ext>
               <a:ext uri="{C183D7F6-B498-43B3-948B-1728B52AA6E4}">
-                <adec:decorative xmlns="" xmlns:adec="http://schemas.microsoft.com/office/drawing/2017/decorative" val="1"/>
+                <adec:decorative xmlns:adec="http://schemas.microsoft.com/office/drawing/2017/decorative" xmlns="" val="1"/>
               </a:ext>
             </a:extLst>
           </p:cNvPr>
@@ -8714,7 +8714,7 @@
                 <a16:creationId xmlns:a16="http://schemas.microsoft.com/office/drawing/2014/main" id="{9EFF17D4-9A8C-4CE5-B096-D8CCD4400437}"/>
               </a:ext>
               <a:ext uri="{C183D7F6-B498-43B3-948B-1728B52AA6E4}">
-                <adec:decorative xmlns="" xmlns:adec="http://schemas.microsoft.com/office/drawing/2017/decorative" val="1"/>
+                <adec:decorative xmlns:adec="http://schemas.microsoft.com/office/drawing/2017/decorative" xmlns="" val="1"/>
               </a:ext>
             </a:extLst>
           </p:cNvPr>
@@ -8891,7 +8891,7 @@
                 <a16:creationId xmlns:a16="http://schemas.microsoft.com/office/drawing/2014/main" id="{DB146403-F3D6-484B-B2ED-97F9565D0370}"/>
               </a:ext>
               <a:ext uri="{C183D7F6-B498-43B3-948B-1728B52AA6E4}">
-                <adec:decorative xmlns="" xmlns:adec="http://schemas.microsoft.com/office/drawing/2017/decorative" val="1"/>
+                <adec:decorative xmlns:adec="http://schemas.microsoft.com/office/drawing/2017/decorative" xmlns="" val="1"/>
               </a:ext>
             </a:extLst>
           </p:cNvPr>
@@ -8943,7 +8943,7 @@
                 <a16:creationId xmlns:a16="http://schemas.microsoft.com/office/drawing/2014/main" id="{823AC064-BC96-4F32-8AE1-B2FD38754823}"/>
               </a:ext>
               <a:ext uri="{C183D7F6-B498-43B3-948B-1728B52AA6E4}">
-                <adec:decorative xmlns="" xmlns:adec="http://schemas.microsoft.com/office/drawing/2017/decorative" val="1"/>
+                <adec:decorative xmlns:adec="http://schemas.microsoft.com/office/drawing/2017/decorative" xmlns="" val="1"/>
               </a:ext>
             </a:extLst>
           </p:cNvPr>
@@ -9132,7 +9132,7 @@
                 <a16:creationId xmlns:a16="http://schemas.microsoft.com/office/drawing/2014/main" id="{7E7C77BC-7138-40B1-A15B-20F57A494629}"/>
               </a:ext>
               <a:ext uri="{C183D7F6-B498-43B3-948B-1728B52AA6E4}">
-                <adec:decorative xmlns="" xmlns:adec="http://schemas.microsoft.com/office/drawing/2017/decorative" val="1"/>
+                <adec:decorative xmlns:adec="http://schemas.microsoft.com/office/drawing/2017/decorative" xmlns="" val="1"/>
               </a:ext>
             </a:extLst>
           </p:cNvPr>

--- a/Presentation/ScrumLords_Capstone.pptx
+++ b/Presentation/ScrumLords_Capstone.pptx
@@ -10,8 +10,8 @@
     <p:sldId id="258" r:id="rId4"/>
     <p:sldId id="259" r:id="rId5"/>
     <p:sldId id="275" r:id="rId6"/>
-    <p:sldId id="266" r:id="rId7"/>
-    <p:sldId id="265" r:id="rId8"/>
+    <p:sldId id="265" r:id="rId7"/>
+    <p:sldId id="285" r:id="rId8"/>
     <p:sldId id="276" r:id="rId9"/>
     <p:sldId id="267" r:id="rId10"/>
     <p:sldId id="268" r:id="rId11"/>
@@ -20,13 +20,16 @@
     <p:sldId id="281" r:id="rId14"/>
     <p:sldId id="282" r:id="rId15"/>
     <p:sldId id="283" r:id="rId16"/>
-    <p:sldId id="269" r:id="rId17"/>
-    <p:sldId id="270" r:id="rId18"/>
-    <p:sldId id="271" r:id="rId19"/>
-    <p:sldId id="272" r:id="rId20"/>
-    <p:sldId id="278" r:id="rId21"/>
-    <p:sldId id="277" r:id="rId22"/>
-    <p:sldId id="274" r:id="rId23"/>
+    <p:sldId id="284" r:id="rId17"/>
+    <p:sldId id="289" r:id="rId18"/>
+    <p:sldId id="288" r:id="rId19"/>
+    <p:sldId id="290" r:id="rId20"/>
+    <p:sldId id="287" r:id="rId21"/>
+    <p:sldId id="292" r:id="rId22"/>
+    <p:sldId id="271" r:id="rId23"/>
+    <p:sldId id="278" r:id="rId24"/>
+    <p:sldId id="286" r:id="rId25"/>
+    <p:sldId id="274" r:id="rId26"/>
   </p:sldIdLst>
   <p:sldSz cx="12192000" cy="6858000"/>
   <p:notesSz cx="6858000" cy="9144000"/>
@@ -3337,6 +3340,17 @@
 <file path=ppt/slides/slide1.xml><?xml version="1.0" encoding="utf-8"?>
 <p:sld xmlns:a="http://schemas.openxmlformats.org/drawingml/2006/main" xmlns:r="http://schemas.openxmlformats.org/officeDocument/2006/relationships" xmlns:p="http://schemas.openxmlformats.org/presentationml/2006/main">
   <p:cSld>
+    <p:bg>
+      <p:bgPr>
+        <a:solidFill>
+          <a:schemeClr val="bg1">
+            <a:tint val="95000"/>
+            <a:satMod val="170000"/>
+          </a:schemeClr>
+        </a:solidFill>
+        <a:effectLst/>
+      </p:bgPr>
+    </p:bg>
     <p:spTree>
       <p:nvGrpSpPr>
         <p:cNvPr id="1" name=""/>
@@ -3353,6 +3367,72 @@
       </p:grpSpPr>
       <p:sp>
         <p:nvSpPr>
+          <p:cNvPr id="10" name="Rectangle 9">
+            <a:extLst>
+              <a:ext uri="{FF2B5EF4-FFF2-40B4-BE49-F238E27FC236}">
+                <a16:creationId xmlns:a16="http://schemas.microsoft.com/office/drawing/2014/main" id="{482BD70C-C4A0-46C4-9518-A731098B419A}"/>
+              </a:ext>
+              <a:ext uri="{C183D7F6-B498-43B3-948B-1728B52AA6E4}">
+                <adec:decorative xmlns="" xmlns:adec="http://schemas.microsoft.com/office/drawing/2017/decorative" val="1"/>
+              </a:ext>
+            </a:extLst>
+          </p:cNvPr>
+          <p:cNvSpPr>
+            <a:spLocks noGrp="1" noRot="1" noChangeAspect="1" noMove="1" noResize="1" noEditPoints="1" noAdjustHandles="1" noChangeArrowheads="1" noChangeShapeType="1" noTextEdit="1"/>
+          </p:cNvSpPr>
+          <p:nvPr>
+            <p:extLst>
+              <p:ext uri="{386F3935-93C4-4BCD-93E2-E3B085C9AB24}">
+                <p16:designElem xmlns:p16="http://schemas.microsoft.com/office/powerpoint/2015/main" val="1"/>
+              </p:ext>
+            </p:extLst>
+          </p:nvPr>
+        </p:nvSpPr>
+        <p:spPr>
+          <a:xfrm>
+            <a:off x="0" y="0"/>
+            <a:ext cx="12192000" cy="6858000"/>
+          </a:xfrm>
+          <a:prstGeom prst="rect">
+            <a:avLst/>
+          </a:prstGeom>
+          <a:solidFill>
+            <a:schemeClr val="tx1">
+              <a:lumMod val="75000"/>
+              <a:lumOff val="25000"/>
+            </a:schemeClr>
+          </a:solidFill>
+          <a:ln>
+            <a:noFill/>
+          </a:ln>
+        </p:spPr>
+        <p:style>
+          <a:lnRef idx="2">
+            <a:schemeClr val="accent1">
+              <a:shade val="50000"/>
+            </a:schemeClr>
+          </a:lnRef>
+          <a:fillRef idx="1">
+            <a:schemeClr val="accent1"/>
+          </a:fillRef>
+          <a:effectRef idx="0">
+            <a:schemeClr val="accent1"/>
+          </a:effectRef>
+          <a:fontRef idx="minor">
+            <a:schemeClr val="lt1"/>
+          </a:fontRef>
+        </p:style>
+        <p:txBody>
+          <a:bodyPr rtlCol="0" anchor="ctr"/>
+          <a:lstStyle/>
+          <a:p>
+            <a:pPr algn="ctr"/>
+            <a:endParaRPr lang="en-US"/>
+          </a:p>
+        </p:txBody>
+      </p:sp>
+      <p:sp>
+        <p:nvSpPr>
           <p:cNvPr id="2" name="Title 1">
             <a:extLst>
               <a:ext uri="{FF2B5EF4-FFF2-40B4-BE49-F238E27FC236}">
@@ -3367,23 +3447,54 @@
             <p:ph type="ctrTitle"/>
           </p:nvPr>
         </p:nvSpPr>
-        <p:spPr/>
-        <p:txBody>
-          <a:bodyPr/>
+        <p:spPr>
+          <a:xfrm>
+            <a:off x="5691088" y="742027"/>
+            <a:ext cx="6280953" cy="2076333"/>
+          </a:xfrm>
+        </p:spPr>
+        <p:txBody>
+          <a:bodyPr anchor="t">
+            <a:normAutofit/>
+          </a:bodyPr>
           <a:lstStyle/>
           <a:p>
             <a:r>
-              <a:rPr lang="en-US" dirty="0" err="1"/>
+              <a:rPr lang="en-US" sz="4800">
+                <a:solidFill>
+                  <a:schemeClr val="accent2">
+                    <a:lumMod val="75000"/>
+                  </a:schemeClr>
+                </a:solidFill>
+              </a:rPr>
               <a:t>ScrumLords</a:t>
             </a:r>
             <a:br>
-              <a:rPr lang="en-US"/>
+              <a:rPr lang="en-US" sz="4800">
+                <a:solidFill>
+                  <a:schemeClr val="accent2">
+                    <a:lumMod val="75000"/>
+                  </a:schemeClr>
+                </a:solidFill>
+              </a:rPr>
             </a:br>
             <a:r>
-              <a:rPr lang="en-US"/>
-              <a:t>Capstone</a:t>
-            </a:r>
-            <a:endParaRPr lang="en-US" dirty="0"/>
+              <a:rPr lang="en-US" sz="4800">
+                <a:solidFill>
+                  <a:schemeClr val="accent2">
+                    <a:lumMod val="75000"/>
+                  </a:schemeClr>
+                </a:solidFill>
+              </a:rPr>
+              <a:t>Data Analytics Capstone</a:t>
+            </a:r>
+            <a:endParaRPr lang="en-US" sz="4800" dirty="0">
+              <a:solidFill>
+                <a:schemeClr val="accent2">
+                  <a:lumMod val="75000"/>
+                </a:schemeClr>
+              </a:solidFill>
+            </a:endParaRPr>
           </a:p>
         </p:txBody>
       </p:sp>
@@ -3403,15 +3514,515 @@
             <p:ph type="subTitle" idx="1"/>
           </p:nvPr>
         </p:nvSpPr>
-        <p:spPr/>
-        <p:txBody>
-          <a:bodyPr/>
+        <p:spPr>
+          <a:xfrm>
+            <a:off x="7906393" y="2818360"/>
+            <a:ext cx="2534226" cy="3204405"/>
+          </a:xfrm>
+        </p:spPr>
+        <p:txBody>
+          <a:bodyPr anchor="b">
+            <a:normAutofit/>
+          </a:bodyPr>
           <a:lstStyle/>
           <a:p>
-            <a:endParaRPr lang="en-US"/>
-          </a:p>
-        </p:txBody>
-      </p:sp>
+            <a:pPr algn="l"/>
+            <a:r>
+              <a:rPr lang="en-US" sz="2000" b="1" u="sng">
+                <a:solidFill>
+                  <a:schemeClr val="bg1"/>
+                </a:solidFill>
+              </a:rPr>
+              <a:t>Team Members:</a:t>
+            </a:r>
+          </a:p>
+          <a:p>
+            <a:pPr algn="l"/>
+            <a:r>
+              <a:rPr lang="en-US" sz="2000">
+                <a:solidFill>
+                  <a:schemeClr val="bg1"/>
+                </a:solidFill>
+              </a:rPr>
+              <a:t>Genevieve Boardman</a:t>
+            </a:r>
+          </a:p>
+          <a:p>
+            <a:pPr algn="l"/>
+            <a:r>
+              <a:rPr lang="en-US" sz="2000">
+                <a:solidFill>
+                  <a:schemeClr val="bg1"/>
+                </a:solidFill>
+              </a:rPr>
+              <a:t>Kimara Morgan</a:t>
+            </a:r>
+          </a:p>
+          <a:p>
+            <a:pPr algn="l"/>
+            <a:r>
+              <a:rPr lang="en-US" sz="2000">
+                <a:solidFill>
+                  <a:schemeClr val="bg1"/>
+                </a:solidFill>
+              </a:rPr>
+              <a:t>Ashish Muthiraparambath</a:t>
+            </a:r>
+          </a:p>
+          <a:p>
+            <a:pPr algn="l"/>
+            <a:r>
+              <a:rPr lang="en-US" sz="2000">
+                <a:solidFill>
+                  <a:schemeClr val="bg1"/>
+                </a:solidFill>
+              </a:rPr>
+              <a:t>Dave Niedermier</a:t>
+            </a:r>
+          </a:p>
+          <a:p>
+            <a:pPr algn="l"/>
+            <a:r>
+              <a:rPr lang="en-US" sz="2000">
+                <a:solidFill>
+                  <a:schemeClr val="bg1"/>
+                </a:solidFill>
+              </a:rPr>
+              <a:t>Cierra Sparks</a:t>
+            </a:r>
+            <a:endParaRPr lang="en-US" sz="2000" dirty="0">
+              <a:solidFill>
+                <a:schemeClr val="bg1"/>
+              </a:solidFill>
+            </a:endParaRPr>
+          </a:p>
+        </p:txBody>
+      </p:sp>
+      <p:sp>
+        <p:nvSpPr>
+          <p:cNvPr id="12" name="Freeform: Shape 11">
+            <a:extLst>
+              <a:ext uri="{FF2B5EF4-FFF2-40B4-BE49-F238E27FC236}">
+                <a16:creationId xmlns:a16="http://schemas.microsoft.com/office/drawing/2014/main" id="{39B74A45-BDDD-4892-B8C0-B290C0944FCB}"/>
+              </a:ext>
+              <a:ext uri="{C183D7F6-B498-43B3-948B-1728B52AA6E4}">
+                <adec:decorative xmlns="" xmlns:adec="http://schemas.microsoft.com/office/drawing/2017/decorative" val="1"/>
+              </a:ext>
+            </a:extLst>
+          </p:cNvPr>
+          <p:cNvSpPr>
+            <a:spLocks noGrp="1" noRot="1" noChangeAspect="1" noMove="1" noResize="1" noEditPoints="1" noAdjustHandles="1" noChangeArrowheads="1" noChangeShapeType="1" noTextEdit="1"/>
+          </p:cNvSpPr>
+          <p:nvPr>
+            <p:extLst>
+              <p:ext uri="{386F3935-93C4-4BCD-93E2-E3B085C9AB24}">
+                <p16:designElem xmlns:p16="http://schemas.microsoft.com/office/powerpoint/2015/main" val="1"/>
+              </p:ext>
+            </p:extLst>
+          </p:nvPr>
+        </p:nvSpPr>
+        <p:spPr>
+          <a:xfrm flipV="1">
+            <a:off x="0" y="0"/>
+            <a:ext cx="5379352" cy="6374535"/>
+          </a:xfrm>
+          <a:custGeom>
+            <a:avLst/>
+            <a:gdLst>
+              <a:gd name="connsiteX0" fmla="*/ 609861 w 5379352"/>
+              <a:gd name="connsiteY0" fmla="*/ 6374535 h 6374535"/>
+              <a:gd name="connsiteX1" fmla="*/ 3449004 w 5379352"/>
+              <a:gd name="connsiteY1" fmla="*/ 6374535 h 6374535"/>
+              <a:gd name="connsiteX2" fmla="*/ 3628245 w 5379352"/>
+              <a:gd name="connsiteY2" fmla="*/ 6288190 h 6374535"/>
+              <a:gd name="connsiteX3" fmla="*/ 5379352 w 5379352"/>
+              <a:gd name="connsiteY3" fmla="*/ 3346018 h 6374535"/>
+              <a:gd name="connsiteX4" fmla="*/ 2033334 w 5379352"/>
+              <a:gd name="connsiteY4" fmla="*/ 0 h 6374535"/>
+              <a:gd name="connsiteX5" fmla="*/ 129310 w 5379352"/>
+              <a:gd name="connsiteY5" fmla="*/ 594192 h 6374535"/>
+              <a:gd name="connsiteX6" fmla="*/ 0 w 5379352"/>
+              <a:gd name="connsiteY6" fmla="*/ 692103 h 6374535"/>
+              <a:gd name="connsiteX7" fmla="*/ 0 w 5379352"/>
+              <a:gd name="connsiteY7" fmla="*/ 5999934 h 6374535"/>
+              <a:gd name="connsiteX8" fmla="*/ 129311 w 5379352"/>
+              <a:gd name="connsiteY8" fmla="*/ 6097845 h 6374535"/>
+              <a:gd name="connsiteX9" fmla="*/ 367831 w 5379352"/>
+              <a:gd name="connsiteY9" fmla="*/ 6248727 h 6374535"/>
+            </a:gdLst>
+            <a:ahLst/>
+            <a:cxnLst>
+              <a:cxn ang="0">
+                <a:pos x="connsiteX0" y="connsiteY0"/>
+              </a:cxn>
+              <a:cxn ang="0">
+                <a:pos x="connsiteX1" y="connsiteY1"/>
+              </a:cxn>
+              <a:cxn ang="0">
+                <a:pos x="connsiteX2" y="connsiteY2"/>
+              </a:cxn>
+              <a:cxn ang="0">
+                <a:pos x="connsiteX3" y="connsiteY3"/>
+              </a:cxn>
+              <a:cxn ang="0">
+                <a:pos x="connsiteX4" y="connsiteY4"/>
+              </a:cxn>
+              <a:cxn ang="0">
+                <a:pos x="connsiteX5" y="connsiteY5"/>
+              </a:cxn>
+              <a:cxn ang="0">
+                <a:pos x="connsiteX6" y="connsiteY6"/>
+              </a:cxn>
+              <a:cxn ang="0">
+                <a:pos x="connsiteX7" y="connsiteY7"/>
+              </a:cxn>
+              <a:cxn ang="0">
+                <a:pos x="connsiteX8" y="connsiteY8"/>
+              </a:cxn>
+              <a:cxn ang="0">
+                <a:pos x="connsiteX9" y="connsiteY9"/>
+              </a:cxn>
+            </a:cxnLst>
+            <a:rect l="l" t="t" r="r" b="b"/>
+            <a:pathLst>
+              <a:path w="5379352" h="6374535">
+                <a:moveTo>
+                  <a:pt x="609861" y="6374535"/>
+                </a:moveTo>
+                <a:lnTo>
+                  <a:pt x="3449004" y="6374535"/>
+                </a:lnTo>
+                <a:lnTo>
+                  <a:pt x="3628245" y="6288190"/>
+                </a:lnTo>
+                <a:cubicBezTo>
+                  <a:pt x="4671283" y="5721578"/>
+                  <a:pt x="5379352" y="4616487"/>
+                  <a:pt x="5379352" y="3346018"/>
+                </a:cubicBezTo>
+                <a:cubicBezTo>
+                  <a:pt x="5379352" y="1498063"/>
+                  <a:pt x="3881289" y="0"/>
+                  <a:pt x="2033334" y="0"/>
+                </a:cubicBezTo>
+                <a:cubicBezTo>
+                  <a:pt x="1325914" y="0"/>
+                  <a:pt x="669769" y="219535"/>
+                  <a:pt x="129310" y="594192"/>
+                </a:cubicBezTo>
+                <a:lnTo>
+                  <a:pt x="0" y="692103"/>
+                </a:lnTo>
+                <a:lnTo>
+                  <a:pt x="0" y="5999934"/>
+                </a:lnTo>
+                <a:lnTo>
+                  <a:pt x="129311" y="6097845"/>
+                </a:lnTo>
+                <a:cubicBezTo>
+                  <a:pt x="206519" y="6151367"/>
+                  <a:pt x="286089" y="6201724"/>
+                  <a:pt x="367831" y="6248727"/>
+                </a:cubicBezTo>
+                <a:close/>
+              </a:path>
+            </a:pathLst>
+          </a:custGeom>
+          <a:solidFill>
+            <a:schemeClr val="bg1">
+              <a:alpha val="80000"/>
+            </a:schemeClr>
+          </a:solidFill>
+          <a:ln>
+            <a:noFill/>
+          </a:ln>
+        </p:spPr>
+        <p:style>
+          <a:lnRef idx="2">
+            <a:schemeClr val="accent1">
+              <a:shade val="50000"/>
+            </a:schemeClr>
+          </a:lnRef>
+          <a:fillRef idx="1">
+            <a:schemeClr val="accent1"/>
+          </a:fillRef>
+          <a:effectRef idx="0">
+            <a:schemeClr val="accent1"/>
+          </a:effectRef>
+          <a:fontRef idx="minor">
+            <a:schemeClr val="lt1"/>
+          </a:fontRef>
+        </p:style>
+        <p:txBody>
+          <a:bodyPr wrap="square" rtlCol="0" anchor="ctr">
+            <a:noAutofit/>
+          </a:bodyPr>
+          <a:lstStyle/>
+          <a:p>
+            <a:pPr marL="0" marR="0" lvl="0" indent="0" algn="ctr" defTabSz="914400" rtl="0" eaLnBrk="1" fontAlgn="auto" latinLnBrk="0" hangingPunct="1">
+              <a:lnSpc>
+                <a:spcPct val="100000"/>
+              </a:lnSpc>
+              <a:spcBef>
+                <a:spcPts val="0"/>
+              </a:spcBef>
+              <a:spcAft>
+                <a:spcPts val="0"/>
+              </a:spcAft>
+              <a:buClrTx/>
+              <a:buSzTx/>
+              <a:buFontTx/>
+              <a:buNone/>
+              <a:tabLst/>
+              <a:defRPr/>
+            </a:pPr>
+            <a:endParaRPr kumimoji="0" lang="en-US" sz="1800" b="0" i="0" u="none" strike="noStrike" kern="1200" cap="none" spc="0" normalizeH="0" baseline="0" noProof="0">
+              <a:ln>
+                <a:noFill/>
+              </a:ln>
+              <a:solidFill>
+                <a:prstClr val="white"/>
+              </a:solidFill>
+              <a:effectLst/>
+              <a:uLnTx/>
+              <a:uFillTx/>
+              <a:latin typeface="Calibri" panose="020F0502020204030204"/>
+              <a:ea typeface="+mn-ea"/>
+              <a:cs typeface="+mn-cs"/>
+            </a:endParaRPr>
+          </a:p>
+        </p:txBody>
+      </p:sp>
+      <p:sp>
+        <p:nvSpPr>
+          <p:cNvPr id="14" name="Freeform: Shape 13">
+            <a:extLst>
+              <a:ext uri="{FF2B5EF4-FFF2-40B4-BE49-F238E27FC236}">
+                <a16:creationId xmlns:a16="http://schemas.microsoft.com/office/drawing/2014/main" id="{C516C73E-9465-4C9E-9B86-9E58FB326B6B}"/>
+              </a:ext>
+              <a:ext uri="{C183D7F6-B498-43B3-948B-1728B52AA6E4}">
+                <adec:decorative xmlns="" xmlns:adec="http://schemas.microsoft.com/office/drawing/2017/decorative" val="1"/>
+              </a:ext>
+            </a:extLst>
+          </p:cNvPr>
+          <p:cNvSpPr>
+            <a:spLocks noGrp="1" noRot="1" noChangeAspect="1" noMove="1" noResize="1" noEditPoints="1" noAdjustHandles="1" noChangeArrowheads="1" noChangeShapeType="1" noTextEdit="1"/>
+          </p:cNvSpPr>
+          <p:nvPr>
+            <p:extLst>
+              <p:ext uri="{386F3935-93C4-4BCD-93E2-E3B085C9AB24}">
+                <p16:designElem xmlns:p16="http://schemas.microsoft.com/office/powerpoint/2015/main" val="1"/>
+              </p:ext>
+            </p:extLst>
+          </p:nvPr>
+        </p:nvSpPr>
+        <p:spPr>
+          <a:xfrm>
+            <a:off x="5299" y="0"/>
+            <a:ext cx="5210147" cy="6210629"/>
+          </a:xfrm>
+          <a:custGeom>
+            <a:avLst/>
+            <a:gdLst>
+              <a:gd name="connsiteX0" fmla="*/ 1058223 w 5210147"/>
+              <a:gd name="connsiteY0" fmla="*/ 0 h 6210629"/>
+              <a:gd name="connsiteX1" fmla="*/ 3003078 w 5210147"/>
+              <a:gd name="connsiteY1" fmla="*/ 0 h 6210629"/>
+              <a:gd name="connsiteX2" fmla="*/ 3266657 w 5210147"/>
+              <a:gd name="connsiteY2" fmla="*/ 96471 h 6210629"/>
+              <a:gd name="connsiteX3" fmla="*/ 5210147 w 5210147"/>
+              <a:gd name="connsiteY3" fmla="*/ 3028517 h 6210629"/>
+              <a:gd name="connsiteX4" fmla="*/ 2028035 w 5210147"/>
+              <a:gd name="connsiteY4" fmla="*/ 6210629 h 6210629"/>
+              <a:gd name="connsiteX5" fmla="*/ 3916 w 5210147"/>
+              <a:gd name="connsiteY5" fmla="*/ 5483989 h 6210629"/>
+              <a:gd name="connsiteX6" fmla="*/ 0 w 5210147"/>
+              <a:gd name="connsiteY6" fmla="*/ 5480430 h 6210629"/>
+              <a:gd name="connsiteX7" fmla="*/ 0 w 5210147"/>
+              <a:gd name="connsiteY7" fmla="*/ 576603 h 6210629"/>
+              <a:gd name="connsiteX8" fmla="*/ 3916 w 5210147"/>
+              <a:gd name="connsiteY8" fmla="*/ 573044 h 6210629"/>
+              <a:gd name="connsiteX9" fmla="*/ 933918 w 5210147"/>
+              <a:gd name="connsiteY9" fmla="*/ 39494 h 6210629"/>
+            </a:gdLst>
+            <a:ahLst/>
+            <a:cxnLst>
+              <a:cxn ang="0">
+                <a:pos x="connsiteX0" y="connsiteY0"/>
+              </a:cxn>
+              <a:cxn ang="0">
+                <a:pos x="connsiteX1" y="connsiteY1"/>
+              </a:cxn>
+              <a:cxn ang="0">
+                <a:pos x="connsiteX2" y="connsiteY2"/>
+              </a:cxn>
+              <a:cxn ang="0">
+                <a:pos x="connsiteX3" y="connsiteY3"/>
+              </a:cxn>
+              <a:cxn ang="0">
+                <a:pos x="connsiteX4" y="connsiteY4"/>
+              </a:cxn>
+              <a:cxn ang="0">
+                <a:pos x="connsiteX5" y="connsiteY5"/>
+              </a:cxn>
+              <a:cxn ang="0">
+                <a:pos x="connsiteX6" y="connsiteY6"/>
+              </a:cxn>
+              <a:cxn ang="0">
+                <a:pos x="connsiteX7" y="connsiteY7"/>
+              </a:cxn>
+              <a:cxn ang="0">
+                <a:pos x="connsiteX8" y="connsiteY8"/>
+              </a:cxn>
+              <a:cxn ang="0">
+                <a:pos x="connsiteX9" y="connsiteY9"/>
+              </a:cxn>
+            </a:cxnLst>
+            <a:rect l="l" t="t" r="r" b="b"/>
+            <a:pathLst>
+              <a:path w="5210147" h="6210629">
+                <a:moveTo>
+                  <a:pt x="1058223" y="0"/>
+                </a:moveTo>
+                <a:lnTo>
+                  <a:pt x="3003078" y="0"/>
+                </a:lnTo>
+                <a:lnTo>
+                  <a:pt x="3266657" y="96471"/>
+                </a:lnTo>
+                <a:cubicBezTo>
+                  <a:pt x="4408765" y="579542"/>
+                  <a:pt x="5210147" y="1710443"/>
+                  <a:pt x="5210147" y="3028517"/>
+                </a:cubicBezTo>
+                <a:cubicBezTo>
+                  <a:pt x="5210147" y="4785949"/>
+                  <a:pt x="3785467" y="6210629"/>
+                  <a:pt x="2028035" y="6210629"/>
+                </a:cubicBezTo>
+                <a:cubicBezTo>
+                  <a:pt x="1259159" y="6210629"/>
+                  <a:pt x="553973" y="5937936"/>
+                  <a:pt x="3916" y="5483989"/>
+                </a:cubicBezTo>
+                <a:lnTo>
+                  <a:pt x="0" y="5480430"/>
+                </a:lnTo>
+                <a:lnTo>
+                  <a:pt x="0" y="576603"/>
+                </a:lnTo>
+                <a:lnTo>
+                  <a:pt x="3916" y="573044"/>
+                </a:lnTo>
+                <a:cubicBezTo>
+                  <a:pt x="278945" y="346070"/>
+                  <a:pt x="592755" y="164410"/>
+                  <a:pt x="933918" y="39494"/>
+                </a:cubicBezTo>
+                <a:close/>
+              </a:path>
+            </a:pathLst>
+          </a:custGeom>
+          <a:solidFill>
+            <a:schemeClr val="bg1"/>
+          </a:solidFill>
+          <a:ln>
+            <a:noFill/>
+          </a:ln>
+        </p:spPr>
+        <p:style>
+          <a:lnRef idx="2">
+            <a:schemeClr val="accent1">
+              <a:shade val="50000"/>
+            </a:schemeClr>
+          </a:lnRef>
+          <a:fillRef idx="1">
+            <a:schemeClr val="accent1"/>
+          </a:fillRef>
+          <a:effectRef idx="0">
+            <a:schemeClr val="accent1"/>
+          </a:effectRef>
+          <a:fontRef idx="minor">
+            <a:schemeClr val="lt1"/>
+          </a:fontRef>
+        </p:style>
+        <p:txBody>
+          <a:bodyPr rtlCol="0" anchor="ctr"/>
+          <a:lstStyle/>
+          <a:p>
+            <a:pPr marL="0" marR="0" lvl="0" indent="0" algn="ctr" defTabSz="914400" rtl="0" eaLnBrk="1" fontAlgn="auto" latinLnBrk="0" hangingPunct="1">
+              <a:lnSpc>
+                <a:spcPct val="100000"/>
+              </a:lnSpc>
+              <a:spcBef>
+                <a:spcPts val="0"/>
+              </a:spcBef>
+              <a:spcAft>
+                <a:spcPts val="0"/>
+              </a:spcAft>
+              <a:buClrTx/>
+              <a:buSzTx/>
+              <a:buFontTx/>
+              <a:buNone/>
+              <a:tabLst/>
+              <a:defRPr/>
+            </a:pPr>
+            <a:endParaRPr kumimoji="0" lang="en-US" sz="1800" b="0" i="0" u="none" strike="noStrike" kern="1200" cap="none" spc="0" normalizeH="0" baseline="0" noProof="0">
+              <a:ln>
+                <a:noFill/>
+              </a:ln>
+              <a:solidFill>
+                <a:prstClr val="white"/>
+              </a:solidFill>
+              <a:effectLst/>
+              <a:uLnTx/>
+              <a:uFillTx/>
+              <a:latin typeface="Calibri" panose="020F0502020204030204"/>
+              <a:ea typeface="+mn-ea"/>
+              <a:cs typeface="+mn-cs"/>
+            </a:endParaRPr>
+          </a:p>
+        </p:txBody>
+      </p:sp>
+      <p:pic>
+        <p:nvPicPr>
+          <p:cNvPr id="7" name="Graphic 6" descr="Statistics">
+            <a:extLst>
+              <a:ext uri="{FF2B5EF4-FFF2-40B4-BE49-F238E27FC236}">
+                <a16:creationId xmlns:a16="http://schemas.microsoft.com/office/drawing/2014/main" id="{20AC291F-9B48-4489-8479-D28584D20A25}"/>
+              </a:ext>
+            </a:extLst>
+          </p:cNvPr>
+          <p:cNvPicPr>
+            <a:picLocks noChangeAspect="1"/>
+          </p:cNvPicPr>
+          <p:nvPr/>
+        </p:nvPicPr>
+        <p:blipFill>
+          <a:blip r:embed="rId2">
+            <a:extLst>
+              <a:ext uri="{28A0092B-C50C-407E-A947-70E740481C1C}">
+                <a14:useLocalDpi xmlns:a14="http://schemas.microsoft.com/office/drawing/2010/main" val="0"/>
+              </a:ext>
+              <a:ext uri="{96DAC541-7B7A-43D3-8B79-37D633B846F1}">
+                <asvg:svgBlip xmlns:asvg="http://schemas.microsoft.com/office/drawing/2016/SVG/main" r:embed="rId3"/>
+              </a:ext>
+            </a:extLst>
+          </a:blip>
+          <a:stretch>
+            <a:fillRect/>
+          </a:stretch>
+        </p:blipFill>
+        <p:spPr>
+          <a:xfrm>
+            <a:off x="480941" y="1301551"/>
+            <a:ext cx="3440610" cy="3440610"/>
+          </a:xfrm>
+          <a:prstGeom prst="rect">
+            <a:avLst/>
+          </a:prstGeom>
+        </p:spPr>
+      </p:pic>
     </p:spTree>
     <p:extLst>
       <p:ext uri="{BB962C8B-B14F-4D97-AF65-F5344CB8AC3E}">
@@ -3532,7 +4143,7 @@
                 <a16:creationId xmlns:a16="http://schemas.microsoft.com/office/drawing/2014/main" id="{72257994-BD97-4691-8B89-198A6D2BABDC}"/>
               </a:ext>
               <a:ext uri="{C183D7F6-B498-43B3-948B-1728B52AA6E4}">
-                <adec:decorative xmlns="" xmlns:adec="http://schemas.microsoft.com/office/drawing/2017/decorative" val="1"/>
+                <adec:decorative xmlns:adec="http://schemas.microsoft.com/office/drawing/2017/decorative" xmlns="" val="1"/>
               </a:ext>
             </a:extLst>
           </p:cNvPr>
@@ -3683,15 +4294,21 @@
           <p:nvPr/>
         </p:nvPicPr>
         <p:blipFill>
-          <a:blip r:embed="rId2"/>
+          <a:blip r:embed="rId2">
+            <a:extLst>
+              <a:ext uri="{28A0092B-C50C-407E-A947-70E740481C1C}">
+                <a14:useLocalDpi xmlns:a14="http://schemas.microsoft.com/office/drawing/2010/main" val="0"/>
+              </a:ext>
+            </a:extLst>
+          </a:blip>
           <a:stretch>
             <a:fillRect/>
           </a:stretch>
         </p:blipFill>
         <p:spPr>
           <a:xfrm>
-            <a:off x="6487777" y="984354"/>
-            <a:ext cx="5316388" cy="2968273"/>
+            <a:off x="6487777" y="988179"/>
+            <a:ext cx="5316388" cy="2960622"/>
           </a:xfrm>
           <a:prstGeom prst="rect">
             <a:avLst/>
@@ -3774,7 +4391,7 @@
                 <a16:creationId xmlns:a16="http://schemas.microsoft.com/office/drawing/2014/main" id="{AB45A142-4255-493C-8284-5D566C121B10}"/>
               </a:ext>
               <a:ext uri="{C183D7F6-B498-43B3-948B-1728B52AA6E4}">
-                <adec:decorative xmlns="" xmlns:adec="http://schemas.microsoft.com/office/drawing/2017/decorative" val="1"/>
+                <adec:decorative xmlns:adec="http://schemas.microsoft.com/office/drawing/2017/decorative" xmlns="" val="1"/>
               </a:ext>
             </a:extLst>
           </p:cNvPr>
@@ -3965,7 +4582,7 @@
                 <a16:creationId xmlns:a16="http://schemas.microsoft.com/office/drawing/2014/main" id="{38FB9660-F42F-4313-BBC4-47C007FE484C}"/>
               </a:ext>
               <a:ext uri="{C183D7F6-B498-43B3-948B-1728B52AA6E4}">
-                <adec:decorative xmlns="" xmlns:adec="http://schemas.microsoft.com/office/drawing/2017/decorative" val="1"/>
+                <adec:decorative xmlns:adec="http://schemas.microsoft.com/office/drawing/2017/decorative" xmlns="" val="1"/>
               </a:ext>
             </a:extLst>
           </p:cNvPr>
@@ -4424,15 +5041,21 @@
           <p:nvPr/>
         </p:nvPicPr>
         <p:blipFill>
-          <a:blip r:embed="rId2"/>
+          <a:blip r:embed="rId2">
+            <a:extLst>
+              <a:ext uri="{28A0092B-C50C-407E-A947-70E740481C1C}">
+                <a14:useLocalDpi xmlns:a14="http://schemas.microsoft.com/office/drawing/2010/main" val="0"/>
+              </a:ext>
+            </a:extLst>
+          </a:blip>
           <a:stretch>
             <a:fillRect/>
           </a:stretch>
         </p:blipFill>
         <p:spPr>
           <a:xfrm>
-            <a:off x="4102917" y="1799112"/>
-            <a:ext cx="3463650" cy="1804200"/>
+            <a:off x="4102917" y="1801437"/>
+            <a:ext cx="3463650" cy="1799550"/>
           </a:xfrm>
           <a:prstGeom prst="rect">
             <a:avLst/>
@@ -4515,7 +5138,7 @@
                 <a16:creationId xmlns:a16="http://schemas.microsoft.com/office/drawing/2014/main" id="{AB45A142-4255-493C-8284-5D566C121B10}"/>
               </a:ext>
               <a:ext uri="{C183D7F6-B498-43B3-948B-1728B52AA6E4}">
-                <adec:decorative xmlns="" xmlns:adec="http://schemas.microsoft.com/office/drawing/2017/decorative" val="1"/>
+                <adec:decorative xmlns:adec="http://schemas.microsoft.com/office/drawing/2017/decorative" xmlns="" val="1"/>
               </a:ext>
             </a:extLst>
           </p:cNvPr>
@@ -4627,7 +5250,7 @@
                 <a16:creationId xmlns:a16="http://schemas.microsoft.com/office/drawing/2014/main" id="{38FB9660-F42F-4313-BBC4-47C007FE484C}"/>
               </a:ext>
               <a:ext uri="{C183D7F6-B498-43B3-948B-1728B52AA6E4}">
-                <adec:decorative xmlns="" xmlns:adec="http://schemas.microsoft.com/office/drawing/2017/decorative" val="1"/>
+                <adec:decorative xmlns:adec="http://schemas.microsoft.com/office/drawing/2017/decorative" xmlns="" val="1"/>
               </a:ext>
             </a:extLst>
           </p:cNvPr>
@@ -4717,6 +5340,14 @@
 <file path=ppt/slides/slide16.xml><?xml version="1.0" encoding="utf-8"?>
 <p:sld xmlns:a="http://schemas.openxmlformats.org/drawingml/2006/main" xmlns:r="http://schemas.openxmlformats.org/officeDocument/2006/relationships" xmlns:p="http://schemas.openxmlformats.org/presentationml/2006/main">
   <p:cSld>
+    <p:bg>
+      <p:bgPr>
+        <a:solidFill>
+          <a:schemeClr val="bg1"/>
+        </a:solidFill>
+        <a:effectLst/>
+      </p:bgPr>
+    </p:bg>
     <p:spTree>
       <p:nvGrpSpPr>
         <p:cNvPr id="1" name=""/>
@@ -4733,44 +5364,236 @@
       </p:grpSpPr>
       <p:sp>
         <p:nvSpPr>
-          <p:cNvPr id="2" name="TextBox 1">
-            <a:extLst>
-              <a:ext uri="{FF2B5EF4-FFF2-40B4-BE49-F238E27FC236}">
-                <a16:creationId xmlns:a16="http://schemas.microsoft.com/office/drawing/2014/main" id="{9A5B267B-DC99-48D5-AAE4-0080DA632EE8}"/>
-              </a:ext>
-            </a:extLst>
-          </p:cNvPr>
-          <p:cNvSpPr txBox="1"/>
-          <p:nvPr/>
-        </p:nvSpPr>
-        <p:spPr>
-          <a:xfrm>
-            <a:off x="2330824" y="699246"/>
-            <a:ext cx="8444753" cy="923330"/>
+          <p:cNvPr id="9" name="Rectangle 8">
+            <a:extLst>
+              <a:ext uri="{FF2B5EF4-FFF2-40B4-BE49-F238E27FC236}">
+                <a16:creationId xmlns:a16="http://schemas.microsoft.com/office/drawing/2014/main" id="{6753252F-4873-4F63-801D-CC719279A7D5}"/>
+              </a:ext>
+              <a:ext uri="{C183D7F6-B498-43B3-948B-1728B52AA6E4}">
+                <adec:decorative xmlns="" xmlns:adec="http://schemas.microsoft.com/office/drawing/2017/decorative" val="1"/>
+              </a:ext>
+            </a:extLst>
+          </p:cNvPr>
+          <p:cNvSpPr>
+            <a:spLocks noGrp="1" noRot="1" noChangeAspect="1" noMove="1" noResize="1" noEditPoints="1" noAdjustHandles="1" noChangeArrowheads="1" noChangeShapeType="1" noTextEdit="1"/>
+          </p:cNvSpPr>
+          <p:nvPr>
+            <p:extLst>
+              <p:ext uri="{386F3935-93C4-4BCD-93E2-E3B085C9AB24}">
+                <p16:designElem xmlns:p16="http://schemas.microsoft.com/office/powerpoint/2015/main" val="1"/>
+              </p:ext>
+            </p:extLst>
+          </p:nvPr>
+        </p:nvSpPr>
+        <p:spPr>
+          <a:xfrm>
+            <a:off x="0" y="0"/>
+            <a:ext cx="12192000" cy="6858000"/>
           </a:xfrm>
           <a:prstGeom prst="rect">
             <a:avLst/>
           </a:prstGeom>
-          <a:noFill/>
-        </p:spPr>
-        <p:txBody>
-          <a:bodyPr wrap="square" rtlCol="0">
-            <a:spAutoFit/>
+          <a:solidFill>
+            <a:srgbClr val="FFFFFF"/>
+          </a:solidFill>
+          <a:ln>
+            <a:noFill/>
+          </a:ln>
+        </p:spPr>
+        <p:style>
+          <a:lnRef idx="2">
+            <a:schemeClr val="accent1">
+              <a:shade val="50000"/>
+            </a:schemeClr>
+          </a:lnRef>
+          <a:fillRef idx="1">
+            <a:schemeClr val="accent1"/>
+          </a:fillRef>
+          <a:effectRef idx="0">
+            <a:schemeClr val="accent1"/>
+          </a:effectRef>
+          <a:fontRef idx="minor">
+            <a:schemeClr val="lt1"/>
+          </a:fontRef>
+        </p:style>
+        <p:txBody>
+          <a:bodyPr rtlCol="0" anchor="ctr"/>
+          <a:lstStyle/>
+          <a:p>
+            <a:pPr algn="ctr"/>
+            <a:endParaRPr lang="en-US"/>
+          </a:p>
+        </p:txBody>
+      </p:sp>
+      <p:sp>
+        <p:nvSpPr>
+          <p:cNvPr id="11" name="Rectangle 10">
+            <a:extLst>
+              <a:ext uri="{FF2B5EF4-FFF2-40B4-BE49-F238E27FC236}">
+                <a16:creationId xmlns:a16="http://schemas.microsoft.com/office/drawing/2014/main" id="{047C8CCB-F95D-4249-92DD-651249D3535A}"/>
+              </a:ext>
+              <a:ext uri="{C183D7F6-B498-43B3-948B-1728B52AA6E4}">
+                <adec:decorative xmlns="" xmlns:adec="http://schemas.microsoft.com/office/drawing/2017/decorative" val="1"/>
+              </a:ext>
+            </a:extLst>
+          </p:cNvPr>
+          <p:cNvSpPr>
+            <a:spLocks noGrp="1" noRot="1" noChangeAspect="1" noMove="1" noResize="1" noEditPoints="1" noAdjustHandles="1" noChangeArrowheads="1" noChangeShapeType="1" noTextEdit="1"/>
+          </p:cNvSpPr>
+          <p:nvPr>
+            <p:extLst>
+              <p:ext uri="{386F3935-93C4-4BCD-93E2-E3B085C9AB24}">
+                <p16:designElem xmlns:p16="http://schemas.microsoft.com/office/powerpoint/2015/main" val="1"/>
+              </p:ext>
+            </p:extLst>
+          </p:nvPr>
+        </p:nvSpPr>
+        <p:spPr>
+          <a:xfrm>
+            <a:off x="0" y="0"/>
+            <a:ext cx="2013557" cy="6858000"/>
+          </a:xfrm>
+          <a:prstGeom prst="rect">
+            <a:avLst/>
+          </a:prstGeom>
+          <a:solidFill>
+            <a:schemeClr val="accent2">
+              <a:lumMod val="75000"/>
+            </a:schemeClr>
+          </a:solidFill>
+          <a:ln>
+            <a:noFill/>
+          </a:ln>
+        </p:spPr>
+        <p:style>
+          <a:lnRef idx="2">
+            <a:schemeClr val="accent1">
+              <a:shade val="50000"/>
+            </a:schemeClr>
+          </a:lnRef>
+          <a:fillRef idx="1">
+            <a:schemeClr val="accent1"/>
+          </a:fillRef>
+          <a:effectRef idx="0">
+            <a:schemeClr val="accent1"/>
+          </a:effectRef>
+          <a:fontRef idx="minor">
+            <a:schemeClr val="lt1"/>
+          </a:fontRef>
+        </p:style>
+        <p:txBody>
+          <a:bodyPr rtlCol="0" anchor="ctr"/>
+          <a:lstStyle/>
+          <a:p>
+            <a:pPr algn="ctr"/>
+            <a:endParaRPr lang="en-US"/>
+          </a:p>
+        </p:txBody>
+      </p:sp>
+      <p:sp>
+        <p:nvSpPr>
+          <p:cNvPr id="4" name="TextBox 3">
+            <a:extLst>
+              <a:ext uri="{FF2B5EF4-FFF2-40B4-BE49-F238E27FC236}">
+                <a16:creationId xmlns:a16="http://schemas.microsoft.com/office/drawing/2014/main" id="{DAF7F211-C31D-46CF-8174-3F958BFE5341}"/>
+              </a:ext>
+            </a:extLst>
+          </p:cNvPr>
+          <p:cNvSpPr txBox="1"/>
+          <p:nvPr/>
+        </p:nvSpPr>
+        <p:spPr>
+          <a:xfrm>
+            <a:off x="640080" y="2074363"/>
+            <a:ext cx="2752354" cy="2709275"/>
+          </a:xfrm>
+          <a:prstGeom prst="ellipse">
+            <a:avLst/>
+          </a:prstGeom>
+          <a:solidFill>
+            <a:schemeClr val="bg2">
+              <a:lumMod val="25000"/>
+            </a:schemeClr>
+          </a:solidFill>
+          <a:ln w="174625" cmpd="thinThick">
+            <a:solidFill>
+              <a:schemeClr val="bg2">
+                <a:lumMod val="25000"/>
+              </a:schemeClr>
+            </a:solidFill>
+          </a:ln>
+        </p:spPr>
+        <p:txBody>
+          <a:bodyPr vert="horz" lIns="91440" tIns="45720" rIns="91440" bIns="45720" rtlCol="0" anchor="ctr">
+            <a:normAutofit/>
           </a:bodyPr>
           <a:lstStyle/>
           <a:p>
-            <a:pPr algn="ctr"/>
-            <a:r>
-              <a:rPr lang="en-US" sz="5400" dirty="0"/>
+            <a:pPr algn="ctr">
+              <a:lnSpc>
+                <a:spcPct val="90000"/>
+              </a:lnSpc>
+              <a:spcBef>
+                <a:spcPct val="0"/>
+              </a:spcBef>
+              <a:spcAft>
+                <a:spcPts val="600"/>
+              </a:spcAft>
+            </a:pPr>
+            <a:r>
+              <a:rPr lang="en-US" sz="2600" kern="1200" dirty="0">
+                <a:solidFill>
+                  <a:srgbClr val="FFFFFF"/>
+                </a:solidFill>
+                <a:latin typeface="+mj-lt"/>
+                <a:ea typeface="+mj-ea"/>
+                <a:cs typeface="+mj-cs"/>
+              </a:rPr>
               <a:t>Modeling</a:t>
             </a:r>
           </a:p>
         </p:txBody>
       </p:sp>
+      <p:pic>
+        <p:nvPicPr>
+          <p:cNvPr id="3" name="Picture 2">
+            <a:extLst>
+              <a:ext uri="{FF2B5EF4-FFF2-40B4-BE49-F238E27FC236}">
+                <a16:creationId xmlns:a16="http://schemas.microsoft.com/office/drawing/2014/main" id="{2E0B9825-9105-4C04-AE73-9344FC349BC5}"/>
+              </a:ext>
+            </a:extLst>
+          </p:cNvPr>
+          <p:cNvPicPr>
+            <a:picLocks noChangeAspect="1"/>
+          </p:cNvPicPr>
+          <p:nvPr/>
+        </p:nvPicPr>
+        <p:blipFill>
+          <a:blip r:embed="rId2">
+            <a:extLst>
+              <a:ext uri="{28A0092B-C50C-407E-A947-70E740481C1C}">
+                <a14:useLocalDpi xmlns:a14="http://schemas.microsoft.com/office/drawing/2010/main" val="0"/>
+              </a:ext>
+            </a:extLst>
+          </a:blip>
+          <a:stretch>
+            <a:fillRect/>
+          </a:stretch>
+        </p:blipFill>
+        <p:spPr>
+          <a:xfrm>
+            <a:off x="4038600" y="1418972"/>
+            <a:ext cx="7188199" cy="4016667"/>
+          </a:xfrm>
+          <a:prstGeom prst="rect">
+            <a:avLst/>
+          </a:prstGeom>
+        </p:spPr>
+      </p:pic>
     </p:spTree>
     <p:extLst>
       <p:ext uri="{BB962C8B-B14F-4D97-AF65-F5344CB8AC3E}">
-        <p14:creationId xmlns:p14="http://schemas.microsoft.com/office/powerpoint/2010/main" val="379452362"/>
+        <p14:creationId xmlns:p14="http://schemas.microsoft.com/office/powerpoint/2010/main" val="1432094505"/>
       </p:ext>
     </p:extLst>
   </p:cSld>
@@ -4783,6 +5606,16 @@
 <file path=ppt/slides/slide17.xml><?xml version="1.0" encoding="utf-8"?>
 <p:sld xmlns:a="http://schemas.openxmlformats.org/drawingml/2006/main" xmlns:r="http://schemas.openxmlformats.org/officeDocument/2006/relationships" xmlns:p="http://schemas.openxmlformats.org/presentationml/2006/main">
   <p:cSld>
+    <p:bg>
+      <p:bgPr>
+        <a:solidFill>
+          <a:schemeClr val="accent2">
+            <a:lumMod val="75000"/>
+          </a:schemeClr>
+        </a:solidFill>
+        <a:effectLst/>
+      </p:bgPr>
+    </p:bg>
     <p:spTree>
       <p:nvGrpSpPr>
         <p:cNvPr id="1" name=""/>
@@ -4797,12 +5630,84 @@
           <a:chExt cx="0" cy="0"/>
         </a:xfrm>
       </p:grpSpPr>
-      <p:sp>
-        <p:nvSpPr>
-          <p:cNvPr id="2" name="TextBox 1">
-            <a:extLst>
-              <a:ext uri="{FF2B5EF4-FFF2-40B4-BE49-F238E27FC236}">
-                <a16:creationId xmlns:a16="http://schemas.microsoft.com/office/drawing/2014/main" id="{9A5B267B-DC99-48D5-AAE4-0080DA632EE8}"/>
+      <p:pic>
+        <p:nvPicPr>
+          <p:cNvPr id="3" name="Picture 2">
+            <a:extLst>
+              <a:ext uri="{FF2B5EF4-FFF2-40B4-BE49-F238E27FC236}">
+                <a16:creationId xmlns:a16="http://schemas.microsoft.com/office/drawing/2014/main" id="{F224AA74-A6C8-423E-9AFF-48E320E732E2}"/>
+              </a:ext>
+            </a:extLst>
+          </p:cNvPr>
+          <p:cNvPicPr>
+            <a:picLocks noChangeAspect="1"/>
+          </p:cNvPicPr>
+          <p:nvPr/>
+        </p:nvPicPr>
+        <p:blipFill>
+          <a:blip r:embed="rId2">
+            <a:extLst>
+              <a:ext uri="{28A0092B-C50C-407E-A947-70E740481C1C}">
+                <a14:useLocalDpi xmlns:a14="http://schemas.microsoft.com/office/drawing/2010/main" val="0"/>
+              </a:ext>
+            </a:extLst>
+          </a:blip>
+          <a:stretch>
+            <a:fillRect/>
+          </a:stretch>
+        </p:blipFill>
+        <p:spPr>
+          <a:xfrm>
+            <a:off x="3648508" y="4447111"/>
+            <a:ext cx="8181785" cy="2193056"/>
+          </a:xfrm>
+          <a:prstGeom prst="rect">
+            <a:avLst/>
+          </a:prstGeom>
+        </p:spPr>
+      </p:pic>
+      <p:pic>
+        <p:nvPicPr>
+          <p:cNvPr id="5" name="Picture 4">
+            <a:extLst>
+              <a:ext uri="{FF2B5EF4-FFF2-40B4-BE49-F238E27FC236}">
+                <a16:creationId xmlns:a16="http://schemas.microsoft.com/office/drawing/2014/main" id="{033E636E-85F0-4EB7-AE17-E4FF6445233B}"/>
+              </a:ext>
+            </a:extLst>
+          </p:cNvPr>
+          <p:cNvPicPr>
+            <a:picLocks noChangeAspect="1"/>
+          </p:cNvPicPr>
+          <p:nvPr/>
+        </p:nvPicPr>
+        <p:blipFill>
+          <a:blip r:embed="rId3">
+            <a:extLst>
+              <a:ext uri="{28A0092B-C50C-407E-A947-70E740481C1C}">
+                <a14:useLocalDpi xmlns:a14="http://schemas.microsoft.com/office/drawing/2010/main" val="0"/>
+              </a:ext>
+            </a:extLst>
+          </a:blip>
+          <a:stretch>
+            <a:fillRect/>
+          </a:stretch>
+        </p:blipFill>
+        <p:spPr>
+          <a:xfrm>
+            <a:off x="8073852" y="378962"/>
+            <a:ext cx="3240806" cy="3649839"/>
+          </a:xfrm>
+          <a:prstGeom prst="rect">
+            <a:avLst/>
+          </a:prstGeom>
+        </p:spPr>
+      </p:pic>
+      <p:sp>
+        <p:nvSpPr>
+          <p:cNvPr id="6" name="TextBox 5">
+            <a:extLst>
+              <a:ext uri="{FF2B5EF4-FFF2-40B4-BE49-F238E27FC236}">
+                <a16:creationId xmlns:a16="http://schemas.microsoft.com/office/drawing/2014/main" id="{E9D385D4-E324-401B-8388-A4B09EC199BB}"/>
               </a:ext>
             </a:extLst>
           </p:cNvPr>
@@ -4811,8 +5716,8 @@
         </p:nvSpPr>
         <p:spPr>
           <a:xfrm>
-            <a:off x="2330824" y="699246"/>
-            <a:ext cx="8444753" cy="923330"/>
+            <a:off x="758855" y="5020419"/>
+            <a:ext cx="2196445" cy="523220"/>
           </a:xfrm>
           <a:prstGeom prst="rect">
             <a:avLst/>
@@ -4827,8 +5732,151 @@
           <a:p>
             <a:pPr algn="ctr"/>
             <a:r>
-              <a:rPr lang="en-US" sz="5400" dirty="0"/>
-              <a:t>Modeling</a:t>
+              <a:rPr lang="en-US" sz="2800" b="1" dirty="0"/>
+              <a:t>Predictors (X)</a:t>
+            </a:r>
+          </a:p>
+        </p:txBody>
+      </p:sp>
+      <p:sp>
+        <p:nvSpPr>
+          <p:cNvPr id="7" name="TextBox 6">
+            <a:extLst>
+              <a:ext uri="{FF2B5EF4-FFF2-40B4-BE49-F238E27FC236}">
+                <a16:creationId xmlns:a16="http://schemas.microsoft.com/office/drawing/2014/main" id="{E9ADC474-CB50-4966-BAF4-FCEE0F030358}"/>
+              </a:ext>
+            </a:extLst>
+          </p:cNvPr>
+          <p:cNvSpPr txBox="1"/>
+          <p:nvPr/>
+        </p:nvSpPr>
+        <p:spPr>
+          <a:xfrm>
+            <a:off x="4468300" y="1680662"/>
+            <a:ext cx="3271101" cy="523220"/>
+          </a:xfrm>
+          <a:prstGeom prst="rect">
+            <a:avLst/>
+          </a:prstGeom>
+          <a:noFill/>
+        </p:spPr>
+        <p:txBody>
+          <a:bodyPr wrap="square" rtlCol="0">
+            <a:spAutoFit/>
+          </a:bodyPr>
+          <a:lstStyle/>
+          <a:p>
+            <a:r>
+              <a:rPr lang="en-US" sz="2800" b="1" dirty="0"/>
+              <a:t>Prediction Target (y)</a:t>
+            </a:r>
+          </a:p>
+        </p:txBody>
+      </p:sp>
+      <p:sp>
+        <p:nvSpPr>
+          <p:cNvPr id="8" name="Down Arrow 7">
+            <a:extLst>
+              <a:ext uri="{FF2B5EF4-FFF2-40B4-BE49-F238E27FC236}">
+                <a16:creationId xmlns:a16="http://schemas.microsoft.com/office/drawing/2014/main" id="{081FF5F3-D973-4367-9851-C04740586B84}"/>
+              </a:ext>
+              <a:ext uri="{C183D7F6-B498-43B3-948B-1728B52AA6E4}">
+                <adec:decorative xmlns:adec="http://schemas.microsoft.com/office/drawing/2017/decorative" xmlns="" val="1"/>
+              </a:ext>
+            </a:extLst>
+          </p:cNvPr>
+          <p:cNvSpPr>
+            <a:spLocks noGrp="1" noRot="1" noChangeAspect="1" noMove="1" noResize="1" noEditPoints="1" noAdjustHandles="1" noChangeArrowheads="1" noChangeShapeType="1" noTextEdit="1"/>
+          </p:cNvSpPr>
+          <p:nvPr>
+            <p:extLst>
+              <p:ext uri="{386F3935-93C4-4BCD-93E2-E3B085C9AB24}">
+                <p16:designElem xmlns:p16="http://schemas.microsoft.com/office/powerpoint/2015/main" val="1"/>
+              </p:ext>
+            </p:extLst>
+          </p:nvPr>
+        </p:nvSpPr>
+        <p:spPr>
+          <a:xfrm>
+            <a:off x="800100" y="-4763"/>
+            <a:ext cx="3333749" cy="3338514"/>
+          </a:xfrm>
+          <a:prstGeom prst="downArrow">
+            <a:avLst>
+              <a:gd name="adj1" fmla="val 100000"/>
+              <a:gd name="adj2" fmla="val 26890"/>
+            </a:avLst>
+          </a:prstGeom>
+          <a:solidFill>
+            <a:schemeClr val="bg2">
+              <a:lumMod val="25000"/>
+            </a:schemeClr>
+          </a:solidFill>
+          <a:ln w="53975">
+            <a:noFill/>
+          </a:ln>
+        </p:spPr>
+        <p:style>
+          <a:lnRef idx="2">
+            <a:schemeClr val="accent1">
+              <a:shade val="50000"/>
+            </a:schemeClr>
+          </a:lnRef>
+          <a:fillRef idx="1">
+            <a:schemeClr val="accent1"/>
+          </a:fillRef>
+          <a:effectRef idx="0">
+            <a:schemeClr val="accent1"/>
+          </a:effectRef>
+          <a:fontRef idx="minor">
+            <a:schemeClr val="lt1"/>
+          </a:fontRef>
+        </p:style>
+        <p:txBody>
+          <a:bodyPr rtlCol="0" anchor="ctr"/>
+          <a:lstStyle/>
+          <a:p>
+            <a:pPr algn="ctr"/>
+            <a:endParaRPr lang="en-US"/>
+          </a:p>
+        </p:txBody>
+      </p:sp>
+      <p:sp>
+        <p:nvSpPr>
+          <p:cNvPr id="9" name="TextBox 8">
+            <a:extLst>
+              <a:ext uri="{FF2B5EF4-FFF2-40B4-BE49-F238E27FC236}">
+                <a16:creationId xmlns:a16="http://schemas.microsoft.com/office/drawing/2014/main" id="{0F046B6A-0737-4C85-AD3C-7DC3F9E9B7C1}"/>
+              </a:ext>
+            </a:extLst>
+          </p:cNvPr>
+          <p:cNvSpPr txBox="1"/>
+          <p:nvPr/>
+        </p:nvSpPr>
+        <p:spPr>
+          <a:xfrm>
+            <a:off x="1227221" y="378962"/>
+            <a:ext cx="2622884" cy="1938992"/>
+          </a:xfrm>
+          <a:prstGeom prst="rect">
+            <a:avLst/>
+          </a:prstGeom>
+          <a:noFill/>
+        </p:spPr>
+        <p:txBody>
+          <a:bodyPr wrap="square" rtlCol="0">
+            <a:spAutoFit/>
+          </a:bodyPr>
+          <a:lstStyle/>
+          <a:p>
+            <a:pPr algn="ctr"/>
+            <a:r>
+              <a:rPr lang="en-US" sz="4000" dirty="0">
+                <a:solidFill>
+                  <a:schemeClr val="bg1"/>
+                </a:solidFill>
+              </a:rPr>
+              <a:t>Modeling Input Parameters</a:t>
             </a:r>
           </a:p>
         </p:txBody>
@@ -4836,7 +5884,7 @@
     </p:spTree>
     <p:extLst>
       <p:ext uri="{BB962C8B-B14F-4D97-AF65-F5344CB8AC3E}">
-        <p14:creationId xmlns:p14="http://schemas.microsoft.com/office/powerpoint/2010/main" val="132294604"/>
+        <p14:creationId xmlns:p14="http://schemas.microsoft.com/office/powerpoint/2010/main" val="1567887985"/>
       </p:ext>
     </p:extLst>
   </p:cSld>
@@ -4847,6 +5895,208 @@
 </file>
 
 <file path=ppt/slides/slide18.xml><?xml version="1.0" encoding="utf-8"?>
+<p:sld xmlns:a="http://schemas.openxmlformats.org/drawingml/2006/main" xmlns:r="http://schemas.openxmlformats.org/officeDocument/2006/relationships" xmlns:p="http://schemas.openxmlformats.org/presentationml/2006/main">
+  <p:cSld>
+    <p:bg>
+      <p:bgPr>
+        <a:solidFill>
+          <a:schemeClr val="bg1"/>
+        </a:solidFill>
+        <a:effectLst/>
+      </p:bgPr>
+    </p:bg>
+    <p:spTree>
+      <p:nvGrpSpPr>
+        <p:cNvPr id="1" name=""/>
+        <p:cNvGrpSpPr/>
+        <p:nvPr/>
+      </p:nvGrpSpPr>
+      <p:grpSpPr>
+        <a:xfrm>
+          <a:off x="0" y="0"/>
+          <a:ext cx="0" cy="0"/>
+          <a:chOff x="0" y="0"/>
+          <a:chExt cx="0" cy="0"/>
+        </a:xfrm>
+      </p:grpSpPr>
+      <p:sp>
+        <p:nvSpPr>
+          <p:cNvPr id="44" name="Rectangle 12">
+            <a:extLst>
+              <a:ext uri="{FF2B5EF4-FFF2-40B4-BE49-F238E27FC236}">
+                <a16:creationId xmlns:a16="http://schemas.microsoft.com/office/drawing/2014/main" id="{B1ED02B1-1BC5-458F-9994-627281CFE7C4}"/>
+              </a:ext>
+              <a:ext uri="{C183D7F6-B498-43B3-948B-1728B52AA6E4}">
+                <adec:decorative xmlns="" xmlns:adec="http://schemas.microsoft.com/office/drawing/2017/decorative" val="1"/>
+              </a:ext>
+            </a:extLst>
+          </p:cNvPr>
+          <p:cNvSpPr>
+            <a:spLocks noGrp="1" noRot="1" noChangeAspect="1" noMove="1" noResize="1" noEditPoints="1" noAdjustHandles="1" noChangeArrowheads="1" noChangeShapeType="1" noTextEdit="1"/>
+          </p:cNvSpPr>
+          <p:nvPr>
+            <p:extLst>
+              <p:ext uri="{386F3935-93C4-4BCD-93E2-E3B085C9AB24}">
+                <p16:designElem xmlns:p16="http://schemas.microsoft.com/office/powerpoint/2015/main" val="1"/>
+              </p:ext>
+            </p:extLst>
+          </p:nvPr>
+        </p:nvSpPr>
+        <p:spPr>
+          <a:xfrm>
+            <a:off x="0" y="4923691"/>
+            <a:ext cx="12192000" cy="1934309"/>
+          </a:xfrm>
+          <a:prstGeom prst="rect">
+            <a:avLst/>
+          </a:prstGeom>
+          <a:solidFill>
+            <a:schemeClr val="accent2">
+              <a:lumMod val="75000"/>
+            </a:schemeClr>
+          </a:solidFill>
+          <a:ln>
+            <a:noFill/>
+          </a:ln>
+        </p:spPr>
+        <p:style>
+          <a:lnRef idx="2">
+            <a:schemeClr val="accent1">
+              <a:shade val="50000"/>
+            </a:schemeClr>
+          </a:lnRef>
+          <a:fillRef idx="1">
+            <a:schemeClr val="accent1"/>
+          </a:fillRef>
+          <a:effectRef idx="0">
+            <a:schemeClr val="accent1"/>
+          </a:effectRef>
+          <a:fontRef idx="minor">
+            <a:schemeClr val="lt1"/>
+          </a:fontRef>
+        </p:style>
+        <p:txBody>
+          <a:bodyPr rtlCol="0" anchor="ctr"/>
+          <a:lstStyle/>
+          <a:p>
+            <a:pPr algn="ctr"/>
+            <a:endParaRPr lang="en-US"/>
+          </a:p>
+        </p:txBody>
+      </p:sp>
+      <p:sp>
+        <p:nvSpPr>
+          <p:cNvPr id="8" name="TextBox 7">
+            <a:extLst>
+              <a:ext uri="{FF2B5EF4-FFF2-40B4-BE49-F238E27FC236}">
+                <a16:creationId xmlns:a16="http://schemas.microsoft.com/office/drawing/2014/main" id="{4B1E0101-6957-4329-A8AD-D1F84D446BD3}"/>
+              </a:ext>
+            </a:extLst>
+          </p:cNvPr>
+          <p:cNvSpPr txBox="1"/>
+          <p:nvPr/>
+        </p:nvSpPr>
+        <p:spPr>
+          <a:xfrm>
+            <a:off x="2231136" y="4388020"/>
+            <a:ext cx="7729728" cy="1188720"/>
+          </a:xfrm>
+          <a:prstGeom prst="rect">
+            <a:avLst/>
+          </a:prstGeom>
+          <a:solidFill>
+            <a:schemeClr val="bg1"/>
+          </a:solidFill>
+          <a:ln w="31750">
+            <a:solidFill>
+              <a:schemeClr val="tx1">
+                <a:lumMod val="75000"/>
+                <a:lumOff val="25000"/>
+              </a:schemeClr>
+            </a:solidFill>
+          </a:ln>
+        </p:spPr>
+        <p:txBody>
+          <a:bodyPr vert="horz" lIns="91440" tIns="45720" rIns="91440" bIns="45720" rtlCol="0" anchor="ctr">
+            <a:normAutofit/>
+          </a:bodyPr>
+          <a:lstStyle/>
+          <a:p>
+            <a:pPr algn="ctr">
+              <a:lnSpc>
+                <a:spcPct val="90000"/>
+              </a:lnSpc>
+              <a:spcBef>
+                <a:spcPct val="0"/>
+              </a:spcBef>
+              <a:spcAft>
+                <a:spcPts val="600"/>
+              </a:spcAft>
+            </a:pPr>
+            <a:r>
+              <a:rPr lang="en-US" sz="3200" kern="1200">
+                <a:solidFill>
+                  <a:schemeClr val="tx1"/>
+                </a:solidFill>
+                <a:latin typeface="+mj-lt"/>
+                <a:ea typeface="+mj-ea"/>
+                <a:cs typeface="+mj-cs"/>
+              </a:rPr>
+              <a:t>Model Comparison</a:t>
+            </a:r>
+          </a:p>
+        </p:txBody>
+      </p:sp>
+      <p:pic>
+        <p:nvPicPr>
+          <p:cNvPr id="3" name="Picture 2">
+            <a:extLst>
+              <a:ext uri="{FF2B5EF4-FFF2-40B4-BE49-F238E27FC236}">
+                <a16:creationId xmlns:a16="http://schemas.microsoft.com/office/drawing/2014/main" id="{FD322C82-B067-4DDF-B672-3E8E9581F573}"/>
+              </a:ext>
+            </a:extLst>
+          </p:cNvPr>
+          <p:cNvPicPr>
+            <a:picLocks noChangeAspect="1"/>
+          </p:cNvPicPr>
+          <p:nvPr/>
+        </p:nvPicPr>
+        <p:blipFill>
+          <a:blip r:embed="rId2">
+            <a:extLst>
+              <a:ext uri="{28A0092B-C50C-407E-A947-70E740481C1C}">
+                <a14:useLocalDpi xmlns:a14="http://schemas.microsoft.com/office/drawing/2010/main" val="0"/>
+              </a:ext>
+            </a:extLst>
+          </a:blip>
+          <a:stretch>
+            <a:fillRect/>
+          </a:stretch>
+        </p:blipFill>
+        <p:spPr>
+          <a:xfrm>
+            <a:off x="1024280" y="1167062"/>
+            <a:ext cx="10139997" cy="2218123"/>
+          </a:xfrm>
+          <a:prstGeom prst="rect">
+            <a:avLst/>
+          </a:prstGeom>
+        </p:spPr>
+      </p:pic>
+    </p:spTree>
+    <p:extLst>
+      <p:ext uri="{BB962C8B-B14F-4D97-AF65-F5344CB8AC3E}">
+        <p14:creationId xmlns:p14="http://schemas.microsoft.com/office/powerpoint/2010/main" val="2736808539"/>
+      </p:ext>
+    </p:extLst>
+  </p:cSld>
+  <p:clrMapOvr>
+    <a:masterClrMapping/>
+  </p:clrMapOvr>
+</p:sld>
+</file>
+
+<file path=ppt/slides/slide19.xml><?xml version="1.0" encoding="utf-8"?>
 <p:sld xmlns:a="http://schemas.openxmlformats.org/drawingml/2006/main" xmlns:r="http://schemas.openxmlformats.org/officeDocument/2006/relationships" xmlns:p="http://schemas.openxmlformats.org/presentationml/2006/main">
   <p:cSld>
     <p:bg>
@@ -4876,27 +6126,93 @@
       </p:grpSpPr>
       <p:sp>
         <p:nvSpPr>
-          <p:cNvPr id="2" name="TextBox 1">
-            <a:extLst>
-              <a:ext uri="{FF2B5EF4-FFF2-40B4-BE49-F238E27FC236}">
-                <a16:creationId xmlns:a16="http://schemas.microsoft.com/office/drawing/2014/main" id="{9A5B267B-DC99-48D5-AAE4-0080DA632EE8}"/>
-              </a:ext>
-            </a:extLst>
-          </p:cNvPr>
-          <p:cNvSpPr txBox="1"/>
-          <p:nvPr/>
-        </p:nvSpPr>
-        <p:spPr>
-          <a:xfrm>
-            <a:off x="6053668" y="803325"/>
-            <a:ext cx="5314536" cy="1325563"/>
+          <p:cNvPr id="9" name="Rectangle 8">
+            <a:extLst>
+              <a:ext uri="{FF2B5EF4-FFF2-40B4-BE49-F238E27FC236}">
+                <a16:creationId xmlns:a16="http://schemas.microsoft.com/office/drawing/2014/main" id="{5B32A67F-3598-4A13-8552-DA884FFCCE57}"/>
+              </a:ext>
+              <a:ext uri="{C183D7F6-B498-43B3-948B-1728B52AA6E4}">
+                <adec:decorative xmlns="" xmlns:adec="http://schemas.microsoft.com/office/drawing/2017/decorative" val="1"/>
+              </a:ext>
+            </a:extLst>
+          </p:cNvPr>
+          <p:cNvSpPr>
+            <a:spLocks noGrp="1" noRot="1" noChangeAspect="1" noMove="1" noResize="1" noEditPoints="1" noAdjustHandles="1" noChangeArrowheads="1" noChangeShapeType="1" noTextEdit="1"/>
+          </p:cNvSpPr>
+          <p:nvPr>
+            <p:extLst>
+              <p:ext uri="{386F3935-93C4-4BCD-93E2-E3B085C9AB24}">
+                <p16:designElem xmlns:p16="http://schemas.microsoft.com/office/powerpoint/2015/main" val="1"/>
+              </p:ext>
+            </p:extLst>
+          </p:nvPr>
+        </p:nvSpPr>
+        <p:spPr>
+          <a:xfrm>
+            <a:off x="0" y="0"/>
+            <a:ext cx="12192000" cy="6858000"/>
           </a:xfrm>
           <a:prstGeom prst="rect">
             <a:avLst/>
           </a:prstGeom>
-        </p:spPr>
-        <p:txBody>
-          <a:bodyPr vert="horz" lIns="91440" tIns="45720" rIns="91440" bIns="45720" rtlCol="0" anchor="ctr">
+          <a:solidFill>
+            <a:schemeClr val="tx1">
+              <a:lumMod val="75000"/>
+              <a:lumOff val="25000"/>
+            </a:schemeClr>
+          </a:solidFill>
+          <a:ln>
+            <a:noFill/>
+          </a:ln>
+        </p:spPr>
+        <p:style>
+          <a:lnRef idx="2">
+            <a:schemeClr val="accent1">
+              <a:shade val="50000"/>
+            </a:schemeClr>
+          </a:lnRef>
+          <a:fillRef idx="1">
+            <a:schemeClr val="accent1"/>
+          </a:fillRef>
+          <a:effectRef idx="0">
+            <a:schemeClr val="accent1"/>
+          </a:effectRef>
+          <a:fontRef idx="minor">
+            <a:schemeClr val="lt1"/>
+          </a:fontRef>
+        </p:style>
+        <p:txBody>
+          <a:bodyPr rtlCol="0" anchor="ctr"/>
+          <a:lstStyle/>
+          <a:p>
+            <a:pPr algn="ctr"/>
+            <a:endParaRPr lang="en-US"/>
+          </a:p>
+        </p:txBody>
+      </p:sp>
+      <p:sp>
+        <p:nvSpPr>
+          <p:cNvPr id="4" name="TextBox 3">
+            <a:extLst>
+              <a:ext uri="{FF2B5EF4-FFF2-40B4-BE49-F238E27FC236}">
+                <a16:creationId xmlns:a16="http://schemas.microsoft.com/office/drawing/2014/main" id="{110BB508-9FD0-4968-81F7-C33ABED9C227}"/>
+              </a:ext>
+            </a:extLst>
+          </p:cNvPr>
+          <p:cNvSpPr txBox="1"/>
+          <p:nvPr/>
+        </p:nvSpPr>
+        <p:spPr>
+          <a:xfrm>
+            <a:off x="804673" y="3320859"/>
+            <a:ext cx="4573475" cy="2076333"/>
+          </a:xfrm>
+          <a:prstGeom prst="rect">
+            <a:avLst/>
+          </a:prstGeom>
+        </p:spPr>
+        <p:txBody>
+          <a:bodyPr vert="horz" lIns="91440" tIns="45720" rIns="91440" bIns="45720" rtlCol="0" anchor="t">
             <a:normAutofit/>
           </a:bodyPr>
           <a:lstStyle/>
@@ -4913,9 +6229,2237 @@
               </a:spcAft>
             </a:pPr>
             <a:r>
-              <a:rPr lang="en-US" sz="4400" kern="1200">
+              <a:rPr lang="en-US" sz="4800" kern="1200">
                 <a:solidFill>
-                  <a:schemeClr val="tx1"/>
+                  <a:schemeClr val="bg1"/>
+                </a:solidFill>
+                <a:latin typeface="+mj-lt"/>
+                <a:ea typeface="+mj-ea"/>
+                <a:cs typeface="+mj-cs"/>
+              </a:rPr>
+              <a:t>Prediction Accuracy</a:t>
+            </a:r>
+          </a:p>
+        </p:txBody>
+      </p:sp>
+      <p:sp>
+        <p:nvSpPr>
+          <p:cNvPr id="11" name="Freeform: Shape 10">
+            <a:extLst>
+              <a:ext uri="{FF2B5EF4-FFF2-40B4-BE49-F238E27FC236}">
+                <a16:creationId xmlns:a16="http://schemas.microsoft.com/office/drawing/2014/main" id="{BCC55ACC-A2F6-403C-A3A4-D59B3734D45F}"/>
+              </a:ext>
+              <a:ext uri="{C183D7F6-B498-43B3-948B-1728B52AA6E4}">
+                <adec:decorative xmlns="" xmlns:adec="http://schemas.microsoft.com/office/drawing/2017/decorative" val="1"/>
+              </a:ext>
+            </a:extLst>
+          </p:cNvPr>
+          <p:cNvSpPr>
+            <a:spLocks noGrp="1" noRot="1" noChangeAspect="1" noMove="1" noResize="1" noEditPoints="1" noAdjustHandles="1" noChangeArrowheads="1" noChangeShapeType="1" noTextEdit="1"/>
+          </p:cNvSpPr>
+          <p:nvPr>
+            <p:extLst>
+              <p:ext uri="{386F3935-93C4-4BCD-93E2-E3B085C9AB24}">
+                <p16:designElem xmlns:p16="http://schemas.microsoft.com/office/powerpoint/2015/main" val="1"/>
+              </p:ext>
+            </p:extLst>
+          </p:nvPr>
+        </p:nvSpPr>
+        <p:spPr>
+          <a:xfrm>
+            <a:off x="5857312" y="381000"/>
+            <a:ext cx="6334689" cy="6477000"/>
+          </a:xfrm>
+          <a:custGeom>
+            <a:avLst/>
+            <a:gdLst>
+              <a:gd name="connsiteX0" fmla="*/ 3561588 w 6334689"/>
+              <a:gd name="connsiteY0" fmla="*/ 0 h 6477000"/>
+              <a:gd name="connsiteX1" fmla="*/ 6309883 w 6334689"/>
+              <a:gd name="connsiteY1" fmla="*/ 1296087 h 6477000"/>
+              <a:gd name="connsiteX2" fmla="*/ 6334689 w 6334689"/>
+              <a:gd name="connsiteY2" fmla="*/ 1329261 h 6477000"/>
+              <a:gd name="connsiteX3" fmla="*/ 6334689 w 6334689"/>
+              <a:gd name="connsiteY3" fmla="*/ 5793916 h 6477000"/>
+              <a:gd name="connsiteX4" fmla="*/ 6309883 w 6334689"/>
+              <a:gd name="connsiteY4" fmla="*/ 5827089 h 6477000"/>
+              <a:gd name="connsiteX5" fmla="*/ 5760467 w 6334689"/>
+              <a:gd name="connsiteY5" fmla="*/ 6363539 h 6477000"/>
+              <a:gd name="connsiteX6" fmla="*/ 5607796 w 6334689"/>
+              <a:gd name="connsiteY6" fmla="*/ 6477000 h 6477000"/>
+              <a:gd name="connsiteX7" fmla="*/ 1519571 w 6334689"/>
+              <a:gd name="connsiteY7" fmla="*/ 6477000 h 6477000"/>
+              <a:gd name="connsiteX8" fmla="*/ 1296088 w 6334689"/>
+              <a:gd name="connsiteY8" fmla="*/ 6309883 h 6477000"/>
+              <a:gd name="connsiteX9" fmla="*/ 0 w 6334689"/>
+              <a:gd name="connsiteY9" fmla="*/ 3561588 h 6477000"/>
+              <a:gd name="connsiteX10" fmla="*/ 3561588 w 6334689"/>
+              <a:gd name="connsiteY10" fmla="*/ 0 h 6477000"/>
+            </a:gdLst>
+            <a:ahLst/>
+            <a:cxnLst>
+              <a:cxn ang="0">
+                <a:pos x="connsiteX0" y="connsiteY0"/>
+              </a:cxn>
+              <a:cxn ang="0">
+                <a:pos x="connsiteX1" y="connsiteY1"/>
+              </a:cxn>
+              <a:cxn ang="0">
+                <a:pos x="connsiteX2" y="connsiteY2"/>
+              </a:cxn>
+              <a:cxn ang="0">
+                <a:pos x="connsiteX3" y="connsiteY3"/>
+              </a:cxn>
+              <a:cxn ang="0">
+                <a:pos x="connsiteX4" y="connsiteY4"/>
+              </a:cxn>
+              <a:cxn ang="0">
+                <a:pos x="connsiteX5" y="connsiteY5"/>
+              </a:cxn>
+              <a:cxn ang="0">
+                <a:pos x="connsiteX6" y="connsiteY6"/>
+              </a:cxn>
+              <a:cxn ang="0">
+                <a:pos x="connsiteX7" y="connsiteY7"/>
+              </a:cxn>
+              <a:cxn ang="0">
+                <a:pos x="connsiteX8" y="connsiteY8"/>
+              </a:cxn>
+              <a:cxn ang="0">
+                <a:pos x="connsiteX9" y="connsiteY9"/>
+              </a:cxn>
+              <a:cxn ang="0">
+                <a:pos x="connsiteX10" y="connsiteY10"/>
+              </a:cxn>
+            </a:cxnLst>
+            <a:rect l="l" t="t" r="r" b="b"/>
+            <a:pathLst>
+              <a:path w="6334689" h="6477000">
+                <a:moveTo>
+                  <a:pt x="3561588" y="0"/>
+                </a:moveTo>
+                <a:cubicBezTo>
+                  <a:pt x="4668032" y="0"/>
+                  <a:pt x="5656635" y="504534"/>
+                  <a:pt x="6309883" y="1296087"/>
+                </a:cubicBezTo>
+                <a:lnTo>
+                  <a:pt x="6334689" y="1329261"/>
+                </a:lnTo>
+                <a:lnTo>
+                  <a:pt x="6334689" y="5793916"/>
+                </a:lnTo>
+                <a:lnTo>
+                  <a:pt x="6309883" y="5827089"/>
+                </a:lnTo>
+                <a:cubicBezTo>
+                  <a:pt x="6146571" y="6024977"/>
+                  <a:pt x="5962299" y="6204927"/>
+                  <a:pt x="5760467" y="6363539"/>
+                </a:cubicBezTo>
+                <a:lnTo>
+                  <a:pt x="5607796" y="6477000"/>
+                </a:lnTo>
+                <a:lnTo>
+                  <a:pt x="1519571" y="6477000"/>
+                </a:lnTo>
+                <a:lnTo>
+                  <a:pt x="1296088" y="6309883"/>
+                </a:lnTo>
+                <a:cubicBezTo>
+                  <a:pt x="504535" y="5656635"/>
+                  <a:pt x="0" y="4668032"/>
+                  <a:pt x="0" y="3561588"/>
+                </a:cubicBezTo>
+                <a:cubicBezTo>
+                  <a:pt x="0" y="1594577"/>
+                  <a:pt x="1594577" y="0"/>
+                  <a:pt x="3561588" y="0"/>
+                </a:cubicBezTo>
+                <a:close/>
+              </a:path>
+            </a:pathLst>
+          </a:custGeom>
+          <a:solidFill>
+            <a:schemeClr val="bg1">
+              <a:alpha val="80000"/>
+            </a:schemeClr>
+          </a:solidFill>
+          <a:ln>
+            <a:noFill/>
+          </a:ln>
+        </p:spPr>
+        <p:style>
+          <a:lnRef idx="2">
+            <a:schemeClr val="accent1">
+              <a:shade val="50000"/>
+            </a:schemeClr>
+          </a:lnRef>
+          <a:fillRef idx="1">
+            <a:schemeClr val="accent1"/>
+          </a:fillRef>
+          <a:effectRef idx="0">
+            <a:schemeClr val="accent1"/>
+          </a:effectRef>
+          <a:fontRef idx="minor">
+            <a:schemeClr val="lt1"/>
+          </a:fontRef>
+        </p:style>
+        <p:txBody>
+          <a:bodyPr rtlCol="0" anchor="ctr"/>
+          <a:lstStyle/>
+          <a:p>
+            <a:pPr marL="0" marR="0" lvl="0" indent="0" algn="ctr" defTabSz="914400" rtl="0" eaLnBrk="1" fontAlgn="auto" latinLnBrk="0" hangingPunct="1">
+              <a:lnSpc>
+                <a:spcPct val="100000"/>
+              </a:lnSpc>
+              <a:spcBef>
+                <a:spcPts val="0"/>
+              </a:spcBef>
+              <a:spcAft>
+                <a:spcPts val="0"/>
+              </a:spcAft>
+              <a:buClrTx/>
+              <a:buSzTx/>
+              <a:buFontTx/>
+              <a:buNone/>
+              <a:tabLst/>
+              <a:defRPr/>
+            </a:pPr>
+            <a:endParaRPr kumimoji="0" lang="en-US" sz="1800" b="0" i="0" u="none" strike="noStrike" kern="1200" cap="none" spc="0" normalizeH="0" baseline="0" noProof="0">
+              <a:ln>
+                <a:noFill/>
+              </a:ln>
+              <a:solidFill>
+                <a:prstClr val="white"/>
+              </a:solidFill>
+              <a:effectLst/>
+              <a:uLnTx/>
+              <a:uFillTx/>
+              <a:latin typeface="Calibri" panose="020F0502020204030204"/>
+              <a:ea typeface="+mn-ea"/>
+              <a:cs typeface="+mn-cs"/>
+            </a:endParaRPr>
+          </a:p>
+        </p:txBody>
+      </p:sp>
+      <p:sp>
+        <p:nvSpPr>
+          <p:cNvPr id="13" name="Freeform: Shape 12">
+            <a:extLst>
+              <a:ext uri="{FF2B5EF4-FFF2-40B4-BE49-F238E27FC236}">
+                <a16:creationId xmlns:a16="http://schemas.microsoft.com/office/drawing/2014/main" id="{598EBA13-C937-430B-9523-439FE21096E6}"/>
+              </a:ext>
+              <a:ext uri="{C183D7F6-B498-43B3-948B-1728B52AA6E4}">
+                <adec:decorative xmlns="" xmlns:adec="http://schemas.microsoft.com/office/drawing/2017/decorative" val="1"/>
+              </a:ext>
+            </a:extLst>
+          </p:cNvPr>
+          <p:cNvSpPr>
+            <a:spLocks noGrp="1" noRot="1" noChangeAspect="1" noMove="1" noResize="1" noEditPoints="1" noAdjustHandles="1" noChangeArrowheads="1" noChangeShapeType="1" noTextEdit="1"/>
+          </p:cNvSpPr>
+          <p:nvPr>
+            <p:extLst>
+              <p:ext uri="{386F3935-93C4-4BCD-93E2-E3B085C9AB24}">
+                <p16:designElem xmlns:p16="http://schemas.microsoft.com/office/powerpoint/2015/main" val="1"/>
+              </p:ext>
+            </p:extLst>
+          </p:nvPr>
+        </p:nvSpPr>
+        <p:spPr>
+          <a:xfrm>
+            <a:off x="6021086" y="544777"/>
+            <a:ext cx="6170914" cy="6313225"/>
+          </a:xfrm>
+          <a:custGeom>
+            <a:avLst/>
+            <a:gdLst>
+              <a:gd name="connsiteX0" fmla="*/ 3397813 w 6170914"/>
+              <a:gd name="connsiteY0" fmla="*/ 0 h 6313225"/>
+              <a:gd name="connsiteX1" fmla="*/ 6019731 w 6170914"/>
+              <a:gd name="connsiteY1" fmla="*/ 1236489 h 6313225"/>
+              <a:gd name="connsiteX2" fmla="*/ 6170914 w 6170914"/>
+              <a:gd name="connsiteY2" fmla="*/ 1438663 h 6313225"/>
+              <a:gd name="connsiteX3" fmla="*/ 6170914 w 6170914"/>
+              <a:gd name="connsiteY3" fmla="*/ 5356963 h 6313225"/>
+              <a:gd name="connsiteX4" fmla="*/ 6019731 w 6170914"/>
+              <a:gd name="connsiteY4" fmla="*/ 5559138 h 6313225"/>
+              <a:gd name="connsiteX5" fmla="*/ 5194591 w 6170914"/>
+              <a:gd name="connsiteY5" fmla="*/ 6282226 h 6313225"/>
+              <a:gd name="connsiteX6" fmla="*/ 5141791 w 6170914"/>
+              <a:gd name="connsiteY6" fmla="*/ 6313225 h 6313225"/>
+              <a:gd name="connsiteX7" fmla="*/ 1659199 w 6170914"/>
+              <a:gd name="connsiteY7" fmla="*/ 6313225 h 6313225"/>
+              <a:gd name="connsiteX8" fmla="*/ 1498064 w 6170914"/>
+              <a:gd name="connsiteY8" fmla="*/ 6215333 h 6313225"/>
+              <a:gd name="connsiteX9" fmla="*/ 0 w 6170914"/>
+              <a:gd name="connsiteY9" fmla="*/ 3397813 h 6313225"/>
+              <a:gd name="connsiteX10" fmla="*/ 3397813 w 6170914"/>
+              <a:gd name="connsiteY10" fmla="*/ 0 h 6313225"/>
+            </a:gdLst>
+            <a:ahLst/>
+            <a:cxnLst>
+              <a:cxn ang="0">
+                <a:pos x="connsiteX0" y="connsiteY0"/>
+              </a:cxn>
+              <a:cxn ang="0">
+                <a:pos x="connsiteX1" y="connsiteY1"/>
+              </a:cxn>
+              <a:cxn ang="0">
+                <a:pos x="connsiteX2" y="connsiteY2"/>
+              </a:cxn>
+              <a:cxn ang="0">
+                <a:pos x="connsiteX3" y="connsiteY3"/>
+              </a:cxn>
+              <a:cxn ang="0">
+                <a:pos x="connsiteX4" y="connsiteY4"/>
+              </a:cxn>
+              <a:cxn ang="0">
+                <a:pos x="connsiteX5" y="connsiteY5"/>
+              </a:cxn>
+              <a:cxn ang="0">
+                <a:pos x="connsiteX6" y="connsiteY6"/>
+              </a:cxn>
+              <a:cxn ang="0">
+                <a:pos x="connsiteX7" y="connsiteY7"/>
+              </a:cxn>
+              <a:cxn ang="0">
+                <a:pos x="connsiteX8" y="connsiteY8"/>
+              </a:cxn>
+              <a:cxn ang="0">
+                <a:pos x="connsiteX9" y="connsiteY9"/>
+              </a:cxn>
+              <a:cxn ang="0">
+                <a:pos x="connsiteX10" y="connsiteY10"/>
+              </a:cxn>
+            </a:cxnLst>
+            <a:rect l="l" t="t" r="r" b="b"/>
+            <a:pathLst>
+              <a:path w="6170914" h="6313225">
+                <a:moveTo>
+                  <a:pt x="3397813" y="0"/>
+                </a:moveTo>
+                <a:cubicBezTo>
+                  <a:pt x="4453378" y="0"/>
+                  <a:pt x="5396522" y="481334"/>
+                  <a:pt x="6019731" y="1236489"/>
+                </a:cubicBezTo>
+                <a:lnTo>
+                  <a:pt x="6170914" y="1438663"/>
+                </a:lnTo>
+                <a:lnTo>
+                  <a:pt x="6170914" y="5356963"/>
+                </a:lnTo>
+                <a:lnTo>
+                  <a:pt x="6019731" y="5559138"/>
+                </a:lnTo>
+                <a:cubicBezTo>
+                  <a:pt x="5786028" y="5842321"/>
+                  <a:pt x="5507333" y="6086998"/>
+                  <a:pt x="5194591" y="6282226"/>
+                </a:cubicBezTo>
+                <a:lnTo>
+                  <a:pt x="5141791" y="6313225"/>
+                </a:lnTo>
+                <a:lnTo>
+                  <a:pt x="1659199" y="6313225"/>
+                </a:lnTo>
+                <a:lnTo>
+                  <a:pt x="1498064" y="6215333"/>
+                </a:lnTo>
+                <a:cubicBezTo>
+                  <a:pt x="594240" y="5604721"/>
+                  <a:pt x="0" y="4570663"/>
+                  <a:pt x="0" y="3397813"/>
+                </a:cubicBezTo>
+                <a:cubicBezTo>
+                  <a:pt x="0" y="1521253"/>
+                  <a:pt x="1521253" y="0"/>
+                  <a:pt x="3397813" y="0"/>
+                </a:cubicBezTo>
+                <a:close/>
+              </a:path>
+            </a:pathLst>
+          </a:custGeom>
+          <a:solidFill>
+            <a:schemeClr val="bg1"/>
+          </a:solidFill>
+          <a:ln>
+            <a:noFill/>
+          </a:ln>
+        </p:spPr>
+        <p:style>
+          <a:lnRef idx="2">
+            <a:schemeClr val="accent1">
+              <a:shade val="50000"/>
+            </a:schemeClr>
+          </a:lnRef>
+          <a:fillRef idx="1">
+            <a:schemeClr val="accent1"/>
+          </a:fillRef>
+          <a:effectRef idx="0">
+            <a:schemeClr val="accent1"/>
+          </a:effectRef>
+          <a:fontRef idx="minor">
+            <a:schemeClr val="lt1"/>
+          </a:fontRef>
+        </p:style>
+        <p:txBody>
+          <a:bodyPr rtlCol="0" anchor="ctr"/>
+          <a:lstStyle/>
+          <a:p>
+            <a:pPr marL="0" marR="0" lvl="0" indent="0" algn="ctr" defTabSz="914400" rtl="0" eaLnBrk="1" fontAlgn="auto" latinLnBrk="0" hangingPunct="1">
+              <a:lnSpc>
+                <a:spcPct val="100000"/>
+              </a:lnSpc>
+              <a:spcBef>
+                <a:spcPts val="0"/>
+              </a:spcBef>
+              <a:spcAft>
+                <a:spcPts val="0"/>
+              </a:spcAft>
+              <a:buClrTx/>
+              <a:buSzTx/>
+              <a:buFontTx/>
+              <a:buNone/>
+              <a:tabLst/>
+              <a:defRPr/>
+            </a:pPr>
+            <a:endParaRPr kumimoji="0" lang="en-US" sz="1800" b="0" i="0" u="none" strike="noStrike" kern="1200" cap="none" spc="0" normalizeH="0" baseline="0" noProof="0">
+              <a:ln>
+                <a:noFill/>
+              </a:ln>
+              <a:solidFill>
+                <a:prstClr val="white"/>
+              </a:solidFill>
+              <a:effectLst/>
+              <a:uLnTx/>
+              <a:uFillTx/>
+              <a:latin typeface="Calibri" panose="020F0502020204030204"/>
+              <a:ea typeface="+mn-ea"/>
+              <a:cs typeface="+mn-cs"/>
+            </a:endParaRPr>
+          </a:p>
+        </p:txBody>
+      </p:sp>
+      <p:pic>
+        <p:nvPicPr>
+          <p:cNvPr id="3" name="Picture 2">
+            <a:extLst>
+              <a:ext uri="{FF2B5EF4-FFF2-40B4-BE49-F238E27FC236}">
+                <a16:creationId xmlns:a16="http://schemas.microsoft.com/office/drawing/2014/main" id="{B822ACAD-7AE6-4D8B-B9D4-16E868253332}"/>
+              </a:ext>
+            </a:extLst>
+          </p:cNvPr>
+          <p:cNvPicPr>
+            <a:picLocks noChangeAspect="1"/>
+          </p:cNvPicPr>
+          <p:nvPr/>
+        </p:nvPicPr>
+        <p:blipFill>
+          <a:blip r:embed="rId2">
+            <a:extLst>
+              <a:ext uri="{28A0092B-C50C-407E-A947-70E740481C1C}">
+                <a14:useLocalDpi xmlns:a14="http://schemas.microsoft.com/office/drawing/2010/main" val="0"/>
+              </a:ext>
+            </a:extLst>
+          </a:blip>
+          <a:stretch>
+            <a:fillRect/>
+          </a:stretch>
+        </p:blipFill>
+        <p:spPr>
+          <a:xfrm>
+            <a:off x="8351456" y="1712192"/>
+            <a:ext cx="2051811" cy="4601031"/>
+          </a:xfrm>
+          <a:prstGeom prst="rect">
+            <a:avLst/>
+          </a:prstGeom>
+        </p:spPr>
+      </p:pic>
+    </p:spTree>
+    <p:extLst>
+      <p:ext uri="{BB962C8B-B14F-4D97-AF65-F5344CB8AC3E}">
+        <p14:creationId xmlns:p14="http://schemas.microsoft.com/office/powerpoint/2010/main" val="577737166"/>
+      </p:ext>
+    </p:extLst>
+  </p:cSld>
+  <p:clrMapOvr>
+    <a:masterClrMapping/>
+  </p:clrMapOvr>
+</p:sld>
+</file>
+
+<file path=ppt/slides/slide2.xml><?xml version="1.0" encoding="utf-8"?>
+<p:sld xmlns:a="http://schemas.openxmlformats.org/drawingml/2006/main" xmlns:r="http://schemas.openxmlformats.org/officeDocument/2006/relationships" xmlns:p="http://schemas.openxmlformats.org/presentationml/2006/main">
+  <p:cSld>
+    <p:bg>
+      <p:bgPr>
+        <a:solidFill>
+          <a:schemeClr val="bg1"/>
+        </a:solidFill>
+        <a:effectLst/>
+      </p:bgPr>
+    </p:bg>
+    <p:spTree>
+      <p:nvGrpSpPr>
+        <p:cNvPr id="1" name=""/>
+        <p:cNvGrpSpPr/>
+        <p:nvPr/>
+      </p:nvGrpSpPr>
+      <p:grpSpPr>
+        <a:xfrm>
+          <a:off x="0" y="0"/>
+          <a:ext cx="0" cy="0"/>
+          <a:chOff x="0" y="0"/>
+          <a:chExt cx="0" cy="0"/>
+        </a:xfrm>
+      </p:grpSpPr>
+      <p:sp>
+        <p:nvSpPr>
+          <p:cNvPr id="11" name="Rectangle 10">
+            <a:extLst>
+              <a:ext uri="{FF2B5EF4-FFF2-40B4-BE49-F238E27FC236}">
+                <a16:creationId xmlns:a16="http://schemas.microsoft.com/office/drawing/2014/main" id="{4038CB10-1F5C-4D54-9DF7-12586DE5B007}"/>
+              </a:ext>
+              <a:ext uri="{C183D7F6-B498-43B3-948B-1728B52AA6E4}">
+                <adec:decorative xmlns:adec="http://schemas.microsoft.com/office/drawing/2017/decorative" xmlns="" val="1"/>
+              </a:ext>
+            </a:extLst>
+          </p:cNvPr>
+          <p:cNvSpPr>
+            <a:spLocks noGrp="1" noRot="1" noChangeAspect="1" noMove="1" noResize="1" noEditPoints="1" noAdjustHandles="1" noChangeArrowheads="1" noChangeShapeType="1" noTextEdit="1"/>
+          </p:cNvSpPr>
+          <p:nvPr>
+            <p:extLst>
+              <p:ext uri="{386F3935-93C4-4BCD-93E2-E3B085C9AB24}">
+                <p16:designElem xmlns:p16="http://schemas.microsoft.com/office/powerpoint/2015/main" val="1"/>
+              </p:ext>
+            </p:extLst>
+          </p:nvPr>
+        </p:nvSpPr>
+        <p:spPr>
+          <a:xfrm>
+            <a:off x="327546" y="4572000"/>
+            <a:ext cx="7058307" cy="1964266"/>
+          </a:xfrm>
+          <a:prstGeom prst="rect">
+            <a:avLst/>
+          </a:prstGeom>
+          <a:solidFill>
+            <a:schemeClr val="accent2">
+              <a:lumMod val="75000"/>
+            </a:schemeClr>
+          </a:solidFill>
+          <a:ln>
+            <a:noFill/>
+          </a:ln>
+        </p:spPr>
+        <p:style>
+          <a:lnRef idx="2">
+            <a:schemeClr val="accent1">
+              <a:shade val="50000"/>
+            </a:schemeClr>
+          </a:lnRef>
+          <a:fillRef idx="1">
+            <a:schemeClr val="accent1"/>
+          </a:fillRef>
+          <a:effectRef idx="0">
+            <a:schemeClr val="accent1"/>
+          </a:effectRef>
+          <a:fontRef idx="minor">
+            <a:schemeClr val="lt1"/>
+          </a:fontRef>
+        </p:style>
+        <p:txBody>
+          <a:bodyPr rtlCol="0" anchor="ctr"/>
+          <a:lstStyle/>
+          <a:p>
+            <a:pPr marL="0" marR="0" lvl="0" indent="0" algn="ctr" defTabSz="914400" rtl="0" eaLnBrk="1" fontAlgn="auto" latinLnBrk="0" hangingPunct="1">
+              <a:lnSpc>
+                <a:spcPct val="100000"/>
+              </a:lnSpc>
+              <a:spcBef>
+                <a:spcPts val="0"/>
+              </a:spcBef>
+              <a:spcAft>
+                <a:spcPts val="0"/>
+              </a:spcAft>
+              <a:buClrTx/>
+              <a:buSzTx/>
+              <a:buFontTx/>
+              <a:buNone/>
+              <a:tabLst/>
+              <a:defRPr/>
+            </a:pPr>
+            <a:endParaRPr kumimoji="0" lang="en-US" sz="1800" b="0" i="0" u="none" strike="noStrike" kern="1200" cap="none" spc="0" normalizeH="0" baseline="0" noProof="0">
+              <a:ln>
+                <a:noFill/>
+              </a:ln>
+              <a:solidFill>
+                <a:prstClr val="white"/>
+              </a:solidFill>
+              <a:effectLst/>
+              <a:uLnTx/>
+              <a:uFillTx/>
+              <a:latin typeface="Calibri" panose="020F0502020204030204"/>
+              <a:ea typeface="+mn-ea"/>
+              <a:cs typeface="+mn-cs"/>
+            </a:endParaRPr>
+          </a:p>
+        </p:txBody>
+      </p:sp>
+      <p:sp>
+        <p:nvSpPr>
+          <p:cNvPr id="2" name="TextBox 1">
+            <a:extLst>
+              <a:ext uri="{FF2B5EF4-FFF2-40B4-BE49-F238E27FC236}">
+                <a16:creationId xmlns:a16="http://schemas.microsoft.com/office/drawing/2014/main" id="{9A5B267B-DC99-48D5-AAE4-0080DA632EE8}"/>
+              </a:ext>
+            </a:extLst>
+          </p:cNvPr>
+          <p:cNvSpPr txBox="1"/>
+          <p:nvPr/>
+        </p:nvSpPr>
+        <p:spPr>
+          <a:xfrm>
+            <a:off x="524256" y="4767072"/>
+            <a:ext cx="6594189" cy="1625210"/>
+          </a:xfrm>
+          <a:prstGeom prst="rect">
+            <a:avLst/>
+          </a:prstGeom>
+        </p:spPr>
+        <p:txBody>
+          <a:bodyPr vert="horz" lIns="91440" tIns="45720" rIns="91440" bIns="45720" rtlCol="0" anchor="ctr">
+            <a:normAutofit/>
+          </a:bodyPr>
+          <a:lstStyle/>
+          <a:p>
+            <a:pPr algn="r">
+              <a:lnSpc>
+                <a:spcPct val="90000"/>
+              </a:lnSpc>
+              <a:spcBef>
+                <a:spcPct val="0"/>
+              </a:spcBef>
+              <a:spcAft>
+                <a:spcPts val="600"/>
+              </a:spcAft>
+            </a:pPr>
+            <a:r>
+              <a:rPr lang="en-US" sz="4400">
+                <a:solidFill>
+                  <a:srgbClr val="FFFFFF"/>
+                </a:solidFill>
+                <a:latin typeface="+mj-lt"/>
+                <a:ea typeface="+mj-ea"/>
+                <a:cs typeface="+mj-cs"/>
+              </a:rPr>
+              <a:t>Narrative</a:t>
+            </a:r>
+          </a:p>
+        </p:txBody>
+      </p:sp>
+      <p:pic>
+        <p:nvPicPr>
+          <p:cNvPr id="6" name="Picture 5">
+            <a:extLst>
+              <a:ext uri="{FF2B5EF4-FFF2-40B4-BE49-F238E27FC236}">
+                <a16:creationId xmlns:a16="http://schemas.microsoft.com/office/drawing/2014/main" id="{48D482F4-FAC7-4F34-B519-1AFCACD84A50}"/>
+              </a:ext>
+            </a:extLst>
+          </p:cNvPr>
+          <p:cNvPicPr>
+            <a:picLocks noChangeAspect="1"/>
+          </p:cNvPicPr>
+          <p:nvPr/>
+        </p:nvPicPr>
+        <p:blipFill rotWithShape="1">
+          <a:blip r:embed="rId2">
+            <a:extLst>
+              <a:ext uri="{28A0092B-C50C-407E-A947-70E740481C1C}">
+                <a14:useLocalDpi xmlns:a14="http://schemas.microsoft.com/office/drawing/2010/main" val="0"/>
+              </a:ext>
+            </a:extLst>
+          </a:blip>
+          <a:srcRect l="12990" r="-1" b="-1"/>
+          <a:stretch/>
+        </p:blipFill>
+        <p:spPr>
+          <a:xfrm>
+            <a:off x="327547" y="321733"/>
+            <a:ext cx="7058306" cy="4107392"/>
+          </a:xfrm>
+          <a:prstGeom prst="rect">
+            <a:avLst/>
+          </a:prstGeom>
+        </p:spPr>
+      </p:pic>
+      <p:sp>
+        <p:nvSpPr>
+          <p:cNvPr id="13" name="Rectangle 12">
+            <a:extLst>
+              <a:ext uri="{FF2B5EF4-FFF2-40B4-BE49-F238E27FC236}">
+                <a16:creationId xmlns:a16="http://schemas.microsoft.com/office/drawing/2014/main" id="{73ED6512-6858-4552-B699-9A97FE9A4EA2}"/>
+              </a:ext>
+              <a:ext uri="{C183D7F6-B498-43B3-948B-1728B52AA6E4}">
+                <adec:decorative xmlns:adec="http://schemas.microsoft.com/office/drawing/2017/decorative" xmlns="" val="1"/>
+              </a:ext>
+            </a:extLst>
+          </p:cNvPr>
+          <p:cNvSpPr>
+            <a:spLocks noGrp="1" noRot="1" noChangeAspect="1" noMove="1" noResize="1" noEditPoints="1" noAdjustHandles="1" noChangeArrowheads="1" noChangeShapeType="1" noTextEdit="1"/>
+          </p:cNvSpPr>
+          <p:nvPr>
+            <p:extLst>
+              <p:ext uri="{386F3935-93C4-4BCD-93E2-E3B085C9AB24}">
+                <p16:designElem xmlns:p16="http://schemas.microsoft.com/office/powerpoint/2015/main" val="1"/>
+              </p:ext>
+            </p:extLst>
+          </p:nvPr>
+        </p:nvSpPr>
+        <p:spPr>
+          <a:xfrm>
+            <a:off x="7534655" y="321732"/>
+            <a:ext cx="4335613" cy="6214534"/>
+          </a:xfrm>
+          <a:prstGeom prst="rect">
+            <a:avLst/>
+          </a:prstGeom>
+          <a:solidFill>
+            <a:srgbClr val="404040"/>
+          </a:solidFill>
+          <a:ln>
+            <a:noFill/>
+          </a:ln>
+        </p:spPr>
+        <p:style>
+          <a:lnRef idx="2">
+            <a:schemeClr val="accent1">
+              <a:shade val="50000"/>
+            </a:schemeClr>
+          </a:lnRef>
+          <a:fillRef idx="1">
+            <a:schemeClr val="accent1"/>
+          </a:fillRef>
+          <a:effectRef idx="0">
+            <a:schemeClr val="accent1"/>
+          </a:effectRef>
+          <a:fontRef idx="minor">
+            <a:schemeClr val="lt1"/>
+          </a:fontRef>
+        </p:style>
+        <p:txBody>
+          <a:bodyPr rtlCol="0" anchor="ctr"/>
+          <a:lstStyle/>
+          <a:p>
+            <a:pPr marL="0" marR="0" lvl="0" indent="0" algn="ctr" defTabSz="914400" rtl="0" eaLnBrk="1" fontAlgn="auto" latinLnBrk="0" hangingPunct="1">
+              <a:lnSpc>
+                <a:spcPct val="100000"/>
+              </a:lnSpc>
+              <a:spcBef>
+                <a:spcPts val="0"/>
+              </a:spcBef>
+              <a:spcAft>
+                <a:spcPts val="0"/>
+              </a:spcAft>
+              <a:buClrTx/>
+              <a:buSzTx/>
+              <a:buFontTx/>
+              <a:buNone/>
+              <a:tabLst/>
+              <a:defRPr/>
+            </a:pPr>
+            <a:endParaRPr kumimoji="0" lang="en-US" sz="1800" b="0" i="0" u="none" strike="noStrike" kern="1200" cap="none" spc="0" normalizeH="0" baseline="0" noProof="0">
+              <a:ln>
+                <a:noFill/>
+              </a:ln>
+              <a:solidFill>
+                <a:prstClr val="white"/>
+              </a:solidFill>
+              <a:effectLst/>
+              <a:uLnTx/>
+              <a:uFillTx/>
+              <a:latin typeface="Calibri" panose="020F0502020204030204"/>
+              <a:ea typeface="+mn-ea"/>
+              <a:cs typeface="+mn-cs"/>
+            </a:endParaRPr>
+          </a:p>
+        </p:txBody>
+      </p:sp>
+      <p:sp>
+        <p:nvSpPr>
+          <p:cNvPr id="3" name="TextBox 2">
+            <a:extLst>
+              <a:ext uri="{FF2B5EF4-FFF2-40B4-BE49-F238E27FC236}">
+                <a16:creationId xmlns:a16="http://schemas.microsoft.com/office/drawing/2014/main" id="{B73F6C98-15CD-4670-AE38-F58E18427A3C}"/>
+              </a:ext>
+            </a:extLst>
+          </p:cNvPr>
+          <p:cNvSpPr txBox="1"/>
+          <p:nvPr/>
+        </p:nvSpPr>
+        <p:spPr>
+          <a:xfrm>
+            <a:off x="8029319" y="917725"/>
+            <a:ext cx="3424739" cy="4852362"/>
+          </a:xfrm>
+          <a:prstGeom prst="rect">
+            <a:avLst/>
+          </a:prstGeom>
+        </p:spPr>
+        <p:txBody>
+          <a:bodyPr vert="horz" lIns="91440" tIns="45720" rIns="91440" bIns="45720" rtlCol="0" anchor="ctr">
+            <a:normAutofit/>
+          </a:bodyPr>
+          <a:lstStyle/>
+          <a:p>
+            <a:pPr>
+              <a:lnSpc>
+                <a:spcPct val="90000"/>
+              </a:lnSpc>
+              <a:spcAft>
+                <a:spcPts val="600"/>
+              </a:spcAft>
+            </a:pPr>
+            <a:r>
+              <a:rPr lang="en-US" sz="2000" dirty="0">
+                <a:solidFill>
+                  <a:srgbClr val="FFFFFF"/>
+                </a:solidFill>
+              </a:rPr>
+              <a:t>After winning the lottery we want to start a movie business to produce movies. </a:t>
+            </a:r>
+          </a:p>
+          <a:p>
+            <a:pPr>
+              <a:lnSpc>
+                <a:spcPct val="90000"/>
+              </a:lnSpc>
+              <a:spcAft>
+                <a:spcPts val="600"/>
+              </a:spcAft>
+            </a:pPr>
+            <a:endParaRPr lang="en-US" sz="2000" dirty="0">
+              <a:solidFill>
+                <a:srgbClr val="FFFFFF"/>
+              </a:solidFill>
+            </a:endParaRPr>
+          </a:p>
+          <a:p>
+            <a:pPr>
+              <a:lnSpc>
+                <a:spcPct val="90000"/>
+              </a:lnSpc>
+              <a:spcAft>
+                <a:spcPts val="600"/>
+              </a:spcAft>
+            </a:pPr>
+            <a:r>
+              <a:rPr lang="en-US" sz="2000" dirty="0">
+                <a:solidFill>
+                  <a:srgbClr val="FFFFFF"/>
+                </a:solidFill>
+              </a:rPr>
+              <a:t>GOAL:</a:t>
+            </a:r>
+          </a:p>
+          <a:p>
+            <a:pPr>
+              <a:lnSpc>
+                <a:spcPct val="90000"/>
+              </a:lnSpc>
+              <a:spcAft>
+                <a:spcPts val="600"/>
+              </a:spcAft>
+            </a:pPr>
+            <a:r>
+              <a:rPr lang="en-US" sz="2000" dirty="0">
+                <a:solidFill>
+                  <a:srgbClr val="FFFFFF"/>
+                </a:solidFill>
+              </a:rPr>
+              <a:t>Produce the highest possible average rated movies.</a:t>
+            </a:r>
+          </a:p>
+        </p:txBody>
+      </p:sp>
+    </p:spTree>
+    <p:extLst>
+      <p:ext uri="{BB962C8B-B14F-4D97-AF65-F5344CB8AC3E}">
+        <p14:creationId xmlns:p14="http://schemas.microsoft.com/office/powerpoint/2010/main" val="858000049"/>
+      </p:ext>
+    </p:extLst>
+  </p:cSld>
+  <p:clrMapOvr>
+    <a:masterClrMapping/>
+  </p:clrMapOvr>
+</p:sld>
+</file>
+
+<file path=ppt/slides/slide20.xml><?xml version="1.0" encoding="utf-8"?>
+<p:sld xmlns:a="http://schemas.openxmlformats.org/drawingml/2006/main" xmlns:r="http://schemas.openxmlformats.org/officeDocument/2006/relationships" xmlns:p="http://schemas.openxmlformats.org/presentationml/2006/main">
+  <p:cSld>
+    <p:bg>
+      <p:bgPr>
+        <a:solidFill>
+          <a:schemeClr val="accent2">
+            <a:lumMod val="75000"/>
+          </a:schemeClr>
+        </a:solidFill>
+        <a:effectLst/>
+      </p:bgPr>
+    </p:bg>
+    <p:spTree>
+      <p:nvGrpSpPr>
+        <p:cNvPr id="1" name=""/>
+        <p:cNvGrpSpPr/>
+        <p:nvPr/>
+      </p:nvGrpSpPr>
+      <p:grpSpPr>
+        <a:xfrm>
+          <a:off x="0" y="0"/>
+          <a:ext cx="0" cy="0"/>
+          <a:chOff x="0" y="0"/>
+          <a:chExt cx="0" cy="0"/>
+        </a:xfrm>
+      </p:grpSpPr>
+      <p:sp>
+        <p:nvSpPr>
+          <p:cNvPr id="7" name="Down Arrow 7">
+            <a:extLst>
+              <a:ext uri="{FF2B5EF4-FFF2-40B4-BE49-F238E27FC236}">
+                <a16:creationId xmlns:a16="http://schemas.microsoft.com/office/drawing/2014/main" id="{B547373F-AF2E-4907-B442-9F902B387FD0}"/>
+              </a:ext>
+              <a:ext uri="{C183D7F6-B498-43B3-948B-1728B52AA6E4}">
+                <adec:decorative xmlns:adec="http://schemas.microsoft.com/office/drawing/2017/decorative" xmlns="" val="1"/>
+              </a:ext>
+            </a:extLst>
+          </p:cNvPr>
+          <p:cNvSpPr>
+            <a:spLocks noGrp="1" noRot="1" noChangeAspect="1" noMove="1" noResize="1" noEditPoints="1" noAdjustHandles="1" noChangeArrowheads="1" noChangeShapeType="1" noTextEdit="1"/>
+          </p:cNvSpPr>
+          <p:nvPr>
+            <p:extLst>
+              <p:ext uri="{386F3935-93C4-4BCD-93E2-E3B085C9AB24}">
+                <p16:designElem xmlns:p16="http://schemas.microsoft.com/office/powerpoint/2015/main" val="1"/>
+              </p:ext>
+            </p:extLst>
+          </p:nvPr>
+        </p:nvSpPr>
+        <p:spPr>
+          <a:xfrm>
+            <a:off x="800100" y="-4763"/>
+            <a:ext cx="3333749" cy="3338514"/>
+          </a:xfrm>
+          <a:prstGeom prst="downArrow">
+            <a:avLst>
+              <a:gd name="adj1" fmla="val 100000"/>
+              <a:gd name="adj2" fmla="val 26890"/>
+            </a:avLst>
+          </a:prstGeom>
+          <a:solidFill>
+            <a:schemeClr val="bg2">
+              <a:lumMod val="25000"/>
+            </a:schemeClr>
+          </a:solidFill>
+          <a:ln w="53975">
+            <a:noFill/>
+          </a:ln>
+        </p:spPr>
+        <p:style>
+          <a:lnRef idx="2">
+            <a:schemeClr val="accent1">
+              <a:shade val="50000"/>
+            </a:schemeClr>
+          </a:lnRef>
+          <a:fillRef idx="1">
+            <a:schemeClr val="accent1"/>
+          </a:fillRef>
+          <a:effectRef idx="0">
+            <a:schemeClr val="accent1"/>
+          </a:effectRef>
+          <a:fontRef idx="minor">
+            <a:schemeClr val="lt1"/>
+          </a:fontRef>
+        </p:style>
+        <p:txBody>
+          <a:bodyPr rtlCol="0" anchor="ctr"/>
+          <a:lstStyle/>
+          <a:p>
+            <a:pPr algn="ctr"/>
+            <a:endParaRPr lang="en-US"/>
+          </a:p>
+        </p:txBody>
+      </p:sp>
+      <p:sp>
+        <p:nvSpPr>
+          <p:cNvPr id="2" name="TextBox 1">
+            <a:extLst>
+              <a:ext uri="{FF2B5EF4-FFF2-40B4-BE49-F238E27FC236}">
+                <a16:creationId xmlns:a16="http://schemas.microsoft.com/office/drawing/2014/main" id="{9A5B267B-DC99-48D5-AAE4-0080DA632EE8}"/>
+              </a:ext>
+            </a:extLst>
+          </p:cNvPr>
+          <p:cNvSpPr txBox="1"/>
+          <p:nvPr/>
+        </p:nvSpPr>
+        <p:spPr>
+          <a:xfrm>
+            <a:off x="1028700" y="190501"/>
+            <a:ext cx="2886075" cy="2486024"/>
+          </a:xfrm>
+          <a:prstGeom prst="rect">
+            <a:avLst/>
+          </a:prstGeom>
+          <a:noFill/>
+        </p:spPr>
+        <p:txBody>
+          <a:bodyPr vert="horz" lIns="91440" tIns="45720" rIns="91440" bIns="45720" rtlCol="0" anchor="ctr">
+            <a:normAutofit/>
+          </a:bodyPr>
+          <a:lstStyle/>
+          <a:p>
+            <a:pPr algn="ctr">
+              <a:lnSpc>
+                <a:spcPct val="90000"/>
+              </a:lnSpc>
+              <a:spcBef>
+                <a:spcPct val="0"/>
+              </a:spcBef>
+              <a:spcAft>
+                <a:spcPts val="600"/>
+              </a:spcAft>
+            </a:pPr>
+            <a:r>
+              <a:rPr lang="en-US" sz="4400" b="1" dirty="0">
+                <a:solidFill>
+                  <a:schemeClr val="bg1"/>
+                </a:solidFill>
+                <a:latin typeface="+mj-lt"/>
+                <a:ea typeface="+mj-ea"/>
+                <a:cs typeface="+mj-cs"/>
+              </a:rPr>
+              <a:t>Lessons Learned</a:t>
+            </a:r>
+          </a:p>
+        </p:txBody>
+      </p:sp>
+      <p:sp>
+        <p:nvSpPr>
+          <p:cNvPr id="3" name="TextBox 2">
+            <a:extLst>
+              <a:ext uri="{FF2B5EF4-FFF2-40B4-BE49-F238E27FC236}">
+                <a16:creationId xmlns:a16="http://schemas.microsoft.com/office/drawing/2014/main" id="{27B290C3-C997-49FB-9632-BCC9F7CC38CA}"/>
+              </a:ext>
+            </a:extLst>
+          </p:cNvPr>
+          <p:cNvSpPr txBox="1"/>
+          <p:nvPr/>
+        </p:nvSpPr>
+        <p:spPr>
+          <a:xfrm>
+            <a:off x="5176755" y="2676525"/>
+            <a:ext cx="7253207" cy="3139321"/>
+          </a:xfrm>
+          <a:prstGeom prst="rect">
+            <a:avLst/>
+          </a:prstGeom>
+          <a:noFill/>
+        </p:spPr>
+        <p:txBody>
+          <a:bodyPr wrap="square" rtlCol="0">
+            <a:spAutoFit/>
+          </a:bodyPr>
+          <a:lstStyle/>
+          <a:p>
+            <a:r>
+              <a:rPr lang="en-US" sz="3600" dirty="0">
+                <a:solidFill>
+                  <a:schemeClr val="bg1"/>
+                </a:solidFill>
+              </a:rPr>
+              <a:t>Final Conclusions from Capstone</a:t>
+            </a:r>
+          </a:p>
+          <a:p>
+            <a:r>
+              <a:rPr lang="en-US" sz="3600" dirty="0">
+                <a:solidFill>
+                  <a:schemeClr val="bg1"/>
+                </a:solidFill>
+              </a:rPr>
+              <a:t>BLAH BLAH BLAH BLAH</a:t>
+            </a:r>
+          </a:p>
+          <a:p>
+            <a:r>
+              <a:rPr lang="en-US" sz="3600" dirty="0">
+                <a:solidFill>
+                  <a:schemeClr val="bg1"/>
+                </a:solidFill>
+              </a:rPr>
+              <a:t>BLAH BLAH BLAH BLAH</a:t>
+            </a:r>
+          </a:p>
+          <a:p>
+            <a:r>
+              <a:rPr lang="en-US" sz="3600" dirty="0">
+                <a:solidFill>
+                  <a:schemeClr val="bg1"/>
+                </a:solidFill>
+              </a:rPr>
+              <a:t>BLAH BLAH</a:t>
+            </a:r>
+          </a:p>
+          <a:p>
+            <a:endParaRPr lang="en-US" sz="3600" dirty="0">
+              <a:solidFill>
+                <a:schemeClr val="bg1"/>
+              </a:solidFill>
+            </a:endParaRPr>
+          </a:p>
+          <a:p>
+            <a:pPr marL="342900" indent="-342900">
+              <a:buAutoNum type="arabicPeriod"/>
+            </a:pPr>
+            <a:endParaRPr lang="en-US" dirty="0"/>
+          </a:p>
+        </p:txBody>
+      </p:sp>
+    </p:spTree>
+    <p:extLst>
+      <p:ext uri="{BB962C8B-B14F-4D97-AF65-F5344CB8AC3E}">
+        <p14:creationId xmlns:p14="http://schemas.microsoft.com/office/powerpoint/2010/main" val="2979858008"/>
+      </p:ext>
+    </p:extLst>
+  </p:cSld>
+  <p:clrMapOvr>
+    <a:masterClrMapping/>
+  </p:clrMapOvr>
+</p:sld>
+</file>
+
+<file path=ppt/slides/slide21.xml><?xml version="1.0" encoding="utf-8"?>
+<p:sld xmlns:a="http://schemas.openxmlformats.org/drawingml/2006/main" xmlns:r="http://schemas.openxmlformats.org/officeDocument/2006/relationships" xmlns:p="http://schemas.openxmlformats.org/presentationml/2006/main">
+  <p:cSld>
+    <p:spTree>
+      <p:nvGrpSpPr>
+        <p:cNvPr id="1" name=""/>
+        <p:cNvGrpSpPr/>
+        <p:nvPr/>
+      </p:nvGrpSpPr>
+      <p:grpSpPr>
+        <a:xfrm>
+          <a:off x="0" y="0"/>
+          <a:ext cx="0" cy="0"/>
+          <a:chOff x="0" y="0"/>
+          <a:chExt cx="0" cy="0"/>
+        </a:xfrm>
+      </p:grpSpPr>
+      <p:sp>
+        <p:nvSpPr>
+          <p:cNvPr id="2" name="TextBox 1"/>
+          <p:cNvSpPr txBox="1"/>
+          <p:nvPr/>
+        </p:nvSpPr>
+        <p:spPr>
+          <a:xfrm>
+            <a:off x="7207833" y="530063"/>
+            <a:ext cx="2216645" cy="923330"/>
+          </a:xfrm>
+          <a:prstGeom prst="rect">
+            <a:avLst/>
+          </a:prstGeom>
+          <a:solidFill>
+            <a:srgbClr val="E07602"/>
+          </a:solidFill>
+          <a:ln w="6350" cmpd="sng">
+            <a:solidFill>
+              <a:schemeClr val="tx1"/>
+            </a:solidFill>
+          </a:ln>
+        </p:spPr>
+        <p:txBody>
+          <a:bodyPr wrap="square" rtlCol="0">
+            <a:spAutoFit/>
+          </a:bodyPr>
+          <a:lstStyle/>
+          <a:p>
+            <a:r>
+              <a:rPr lang="en-US" dirty="0"/>
+              <a:t>Produce the highest possible average rated movie</a:t>
+            </a:r>
+          </a:p>
+        </p:txBody>
+      </p:sp>
+      <p:sp>
+        <p:nvSpPr>
+          <p:cNvPr id="4" name="TextBox 3"/>
+          <p:cNvSpPr txBox="1"/>
+          <p:nvPr/>
+        </p:nvSpPr>
+        <p:spPr>
+          <a:xfrm>
+            <a:off x="6279271" y="1845587"/>
+            <a:ext cx="1435177" cy="369332"/>
+          </a:xfrm>
+          <a:prstGeom prst="rect">
+            <a:avLst/>
+          </a:prstGeom>
+          <a:solidFill>
+            <a:srgbClr val="E07602"/>
+          </a:solidFill>
+        </p:spPr>
+        <p:txBody>
+          <a:bodyPr wrap="square" rtlCol="0">
+            <a:spAutoFit/>
+          </a:bodyPr>
+          <a:lstStyle/>
+          <a:p>
+            <a:pPr algn="ctr"/>
+            <a:r>
+              <a:rPr lang="en-US" dirty="0"/>
+              <a:t>Movie</a:t>
+            </a:r>
+          </a:p>
+        </p:txBody>
+      </p:sp>
+      <p:sp>
+        <p:nvSpPr>
+          <p:cNvPr id="5" name="TextBox 4"/>
+          <p:cNvSpPr txBox="1"/>
+          <p:nvPr/>
+        </p:nvSpPr>
+        <p:spPr>
+          <a:xfrm>
+            <a:off x="8548438" y="1833372"/>
+            <a:ext cx="1435177" cy="369332"/>
+          </a:xfrm>
+          <a:prstGeom prst="rect">
+            <a:avLst/>
+          </a:prstGeom>
+          <a:solidFill>
+            <a:schemeClr val="bg2">
+              <a:lumMod val="25000"/>
+            </a:schemeClr>
+          </a:solidFill>
+        </p:spPr>
+        <p:style>
+          <a:lnRef idx="2">
+            <a:schemeClr val="dk1">
+              <a:shade val="50000"/>
+            </a:schemeClr>
+          </a:lnRef>
+          <a:fillRef idx="1">
+            <a:schemeClr val="dk1"/>
+          </a:fillRef>
+          <a:effectRef idx="0">
+            <a:schemeClr val="dk1"/>
+          </a:effectRef>
+          <a:fontRef idx="minor">
+            <a:schemeClr val="lt1"/>
+          </a:fontRef>
+        </p:style>
+        <p:txBody>
+          <a:bodyPr wrap="square" rtlCol="0">
+            <a:spAutoFit/>
+          </a:bodyPr>
+          <a:lstStyle/>
+          <a:p>
+            <a:pPr algn="ctr"/>
+            <a:r>
+              <a:rPr lang="en-US" dirty="0"/>
+              <a:t>Non-Movie</a:t>
+            </a:r>
+          </a:p>
+        </p:txBody>
+      </p:sp>
+      <p:sp>
+        <p:nvSpPr>
+          <p:cNvPr id="6" name="TextBox 5"/>
+          <p:cNvSpPr txBox="1"/>
+          <p:nvPr/>
+        </p:nvSpPr>
+        <p:spPr>
+          <a:xfrm>
+            <a:off x="5138090" y="2550625"/>
+            <a:ext cx="1435177" cy="369332"/>
+          </a:xfrm>
+          <a:prstGeom prst="rect">
+            <a:avLst/>
+          </a:prstGeom>
+          <a:solidFill>
+            <a:srgbClr val="E07602"/>
+          </a:solidFill>
+        </p:spPr>
+        <p:txBody>
+          <a:bodyPr wrap="square" rtlCol="0">
+            <a:spAutoFit/>
+          </a:bodyPr>
+          <a:lstStyle/>
+          <a:p>
+            <a:pPr algn="ctr"/>
+            <a:r>
+              <a:rPr lang="en-US" dirty="0"/>
+              <a:t>Non-Adult </a:t>
+            </a:r>
+          </a:p>
+        </p:txBody>
+      </p:sp>
+      <p:sp>
+        <p:nvSpPr>
+          <p:cNvPr id="7" name="TextBox 6"/>
+          <p:cNvSpPr txBox="1"/>
+          <p:nvPr/>
+        </p:nvSpPr>
+        <p:spPr>
+          <a:xfrm>
+            <a:off x="7407257" y="2538410"/>
+            <a:ext cx="1435177" cy="369332"/>
+          </a:xfrm>
+          <a:prstGeom prst="rect">
+            <a:avLst/>
+          </a:prstGeom>
+          <a:solidFill>
+            <a:schemeClr val="bg2">
+              <a:lumMod val="25000"/>
+            </a:schemeClr>
+          </a:solidFill>
+        </p:spPr>
+        <p:style>
+          <a:lnRef idx="2">
+            <a:schemeClr val="dk1">
+              <a:shade val="50000"/>
+            </a:schemeClr>
+          </a:lnRef>
+          <a:fillRef idx="1">
+            <a:schemeClr val="dk1"/>
+          </a:fillRef>
+          <a:effectRef idx="0">
+            <a:schemeClr val="dk1"/>
+          </a:effectRef>
+          <a:fontRef idx="minor">
+            <a:schemeClr val="lt1"/>
+          </a:fontRef>
+        </p:style>
+        <p:txBody>
+          <a:bodyPr wrap="square" rtlCol="0">
+            <a:spAutoFit/>
+          </a:bodyPr>
+          <a:lstStyle/>
+          <a:p>
+            <a:pPr algn="ctr"/>
+            <a:r>
+              <a:rPr lang="en-US" dirty="0"/>
+              <a:t>Adult</a:t>
+            </a:r>
+          </a:p>
+        </p:txBody>
+      </p:sp>
+      <p:sp>
+        <p:nvSpPr>
+          <p:cNvPr id="8" name="TextBox 7"/>
+          <p:cNvSpPr txBox="1"/>
+          <p:nvPr/>
+        </p:nvSpPr>
+        <p:spPr>
+          <a:xfrm>
+            <a:off x="3961631" y="3290937"/>
+            <a:ext cx="1435177" cy="369332"/>
+          </a:xfrm>
+          <a:prstGeom prst="rect">
+            <a:avLst/>
+          </a:prstGeom>
+          <a:solidFill>
+            <a:srgbClr val="E07602"/>
+          </a:solidFill>
+        </p:spPr>
+        <p:txBody>
+          <a:bodyPr wrap="square" rtlCol="0">
+            <a:spAutoFit/>
+          </a:bodyPr>
+          <a:lstStyle/>
+          <a:p>
+            <a:pPr algn="ctr"/>
+            <a:r>
+              <a:rPr lang="en-US" dirty="0"/>
+              <a:t>&gt;=1920</a:t>
+            </a:r>
+          </a:p>
+        </p:txBody>
+      </p:sp>
+      <p:sp>
+        <p:nvSpPr>
+          <p:cNvPr id="9" name="TextBox 8"/>
+          <p:cNvSpPr txBox="1"/>
+          <p:nvPr/>
+        </p:nvSpPr>
+        <p:spPr>
+          <a:xfrm>
+            <a:off x="6230798" y="3278722"/>
+            <a:ext cx="1435177" cy="369332"/>
+          </a:xfrm>
+          <a:prstGeom prst="rect">
+            <a:avLst/>
+          </a:prstGeom>
+          <a:solidFill>
+            <a:schemeClr val="bg2">
+              <a:lumMod val="25000"/>
+            </a:schemeClr>
+          </a:solidFill>
+        </p:spPr>
+        <p:style>
+          <a:lnRef idx="2">
+            <a:schemeClr val="dk1">
+              <a:shade val="50000"/>
+            </a:schemeClr>
+          </a:lnRef>
+          <a:fillRef idx="1">
+            <a:schemeClr val="dk1"/>
+          </a:fillRef>
+          <a:effectRef idx="0">
+            <a:schemeClr val="dk1"/>
+          </a:effectRef>
+          <a:fontRef idx="minor">
+            <a:schemeClr val="lt1"/>
+          </a:fontRef>
+        </p:style>
+        <p:txBody>
+          <a:bodyPr wrap="square" rtlCol="0">
+            <a:spAutoFit/>
+          </a:bodyPr>
+          <a:lstStyle/>
+          <a:p>
+            <a:pPr algn="ctr"/>
+            <a:r>
+              <a:rPr lang="en-US" dirty="0"/>
+              <a:t>&lt; 1920</a:t>
+            </a:r>
+          </a:p>
+        </p:txBody>
+      </p:sp>
+      <p:sp>
+        <p:nvSpPr>
+          <p:cNvPr id="10" name="TextBox 9"/>
+          <p:cNvSpPr txBox="1"/>
+          <p:nvPr/>
+        </p:nvSpPr>
+        <p:spPr>
+          <a:xfrm>
+            <a:off x="2420616" y="4231140"/>
+            <a:ext cx="1761158" cy="369332"/>
+          </a:xfrm>
+          <a:prstGeom prst="rect">
+            <a:avLst/>
+          </a:prstGeom>
+          <a:solidFill>
+            <a:srgbClr val="E07602"/>
+          </a:solidFill>
+        </p:spPr>
+        <p:txBody>
+          <a:bodyPr wrap="square" rtlCol="0">
+            <a:spAutoFit/>
+          </a:bodyPr>
+          <a:lstStyle/>
+          <a:p>
+            <a:pPr algn="ctr"/>
+            <a:r>
+              <a:rPr lang="en-US" dirty="0"/>
+              <a:t>No Genre Filter</a:t>
+            </a:r>
+          </a:p>
+        </p:txBody>
+      </p:sp>
+      <p:sp>
+        <p:nvSpPr>
+          <p:cNvPr id="11" name="TextBox 10"/>
+          <p:cNvSpPr txBox="1"/>
+          <p:nvPr/>
+        </p:nvSpPr>
+        <p:spPr>
+          <a:xfrm>
+            <a:off x="4689783" y="4218925"/>
+            <a:ext cx="1435177" cy="369332"/>
+          </a:xfrm>
+          <a:prstGeom prst="rect">
+            <a:avLst/>
+          </a:prstGeom>
+          <a:solidFill>
+            <a:schemeClr val="bg2">
+              <a:lumMod val="25000"/>
+            </a:schemeClr>
+          </a:solidFill>
+        </p:spPr>
+        <p:style>
+          <a:lnRef idx="2">
+            <a:schemeClr val="dk1">
+              <a:shade val="50000"/>
+            </a:schemeClr>
+          </a:lnRef>
+          <a:fillRef idx="1">
+            <a:schemeClr val="dk1"/>
+          </a:fillRef>
+          <a:effectRef idx="0">
+            <a:schemeClr val="dk1"/>
+          </a:effectRef>
+          <a:fontRef idx="minor">
+            <a:schemeClr val="lt1"/>
+          </a:fontRef>
+        </p:style>
+        <p:txBody>
+          <a:bodyPr wrap="square" rtlCol="0">
+            <a:spAutoFit/>
+          </a:bodyPr>
+          <a:lstStyle/>
+          <a:p>
+            <a:pPr algn="ctr"/>
+            <a:r>
+              <a:rPr lang="en-US" dirty="0"/>
+              <a:t>Filter Genre</a:t>
+            </a:r>
+          </a:p>
+        </p:txBody>
+      </p:sp>
+      <p:cxnSp>
+        <p:nvCxnSpPr>
+          <p:cNvPr id="13" name="Straight Arrow Connector 12"/>
+          <p:cNvCxnSpPr>
+            <a:endCxn id="4" idx="0"/>
+          </p:cNvCxnSpPr>
+          <p:nvPr/>
+        </p:nvCxnSpPr>
+        <p:spPr>
+          <a:xfrm flipH="1">
+            <a:off x="6996860" y="1471300"/>
+            <a:ext cx="716189" cy="374287"/>
+          </a:xfrm>
+          <a:prstGeom prst="straightConnector1">
+            <a:avLst/>
+          </a:prstGeom>
+          <a:ln>
+            <a:tailEnd type="arrow"/>
+          </a:ln>
+        </p:spPr>
+        <p:style>
+          <a:lnRef idx="2">
+            <a:schemeClr val="accent1"/>
+          </a:lnRef>
+          <a:fillRef idx="0">
+            <a:schemeClr val="accent1"/>
+          </a:fillRef>
+          <a:effectRef idx="1">
+            <a:schemeClr val="accent1"/>
+          </a:effectRef>
+          <a:fontRef idx="minor">
+            <a:schemeClr val="tx1"/>
+          </a:fontRef>
+        </p:style>
+      </p:cxnSp>
+      <p:cxnSp>
+        <p:nvCxnSpPr>
+          <p:cNvPr id="15" name="Straight Arrow Connector 14"/>
+          <p:cNvCxnSpPr>
+            <a:endCxn id="5" idx="0"/>
+          </p:cNvCxnSpPr>
+          <p:nvPr/>
+        </p:nvCxnSpPr>
+        <p:spPr>
+          <a:xfrm>
+            <a:off x="8559800" y="1473200"/>
+            <a:ext cx="706227" cy="360172"/>
+          </a:xfrm>
+          <a:prstGeom prst="straightConnector1">
+            <a:avLst/>
+          </a:prstGeom>
+          <a:ln>
+            <a:tailEnd type="arrow"/>
+          </a:ln>
+        </p:spPr>
+        <p:style>
+          <a:lnRef idx="2">
+            <a:schemeClr val="accent1"/>
+          </a:lnRef>
+          <a:fillRef idx="0">
+            <a:schemeClr val="accent1"/>
+          </a:fillRef>
+          <a:effectRef idx="1">
+            <a:schemeClr val="accent1"/>
+          </a:effectRef>
+          <a:fontRef idx="minor">
+            <a:schemeClr val="tx1"/>
+          </a:fontRef>
+        </p:style>
+      </p:cxnSp>
+      <p:cxnSp>
+        <p:nvCxnSpPr>
+          <p:cNvPr id="16" name="Straight Arrow Connector 15"/>
+          <p:cNvCxnSpPr>
+            <a:endCxn id="6" idx="0"/>
+          </p:cNvCxnSpPr>
+          <p:nvPr/>
+        </p:nvCxnSpPr>
+        <p:spPr>
+          <a:xfrm flipH="1">
+            <a:off x="5855679" y="2209800"/>
+            <a:ext cx="697521" cy="340825"/>
+          </a:xfrm>
+          <a:prstGeom prst="straightConnector1">
+            <a:avLst/>
+          </a:prstGeom>
+          <a:ln>
+            <a:tailEnd type="arrow"/>
+          </a:ln>
+        </p:spPr>
+        <p:style>
+          <a:lnRef idx="2">
+            <a:schemeClr val="accent1"/>
+          </a:lnRef>
+          <a:fillRef idx="0">
+            <a:schemeClr val="accent1"/>
+          </a:fillRef>
+          <a:effectRef idx="1">
+            <a:schemeClr val="accent1"/>
+          </a:effectRef>
+          <a:fontRef idx="minor">
+            <a:schemeClr val="tx1"/>
+          </a:fontRef>
+        </p:style>
+      </p:cxnSp>
+      <p:cxnSp>
+        <p:nvCxnSpPr>
+          <p:cNvPr id="17" name="Straight Arrow Connector 16"/>
+          <p:cNvCxnSpPr>
+            <a:endCxn id="7" idx="0"/>
+          </p:cNvCxnSpPr>
+          <p:nvPr/>
+        </p:nvCxnSpPr>
+        <p:spPr>
+          <a:xfrm>
+            <a:off x="7264401" y="2184400"/>
+            <a:ext cx="860445" cy="354010"/>
+          </a:xfrm>
+          <a:prstGeom prst="straightConnector1">
+            <a:avLst/>
+          </a:prstGeom>
+          <a:ln>
+            <a:tailEnd type="arrow"/>
+          </a:ln>
+        </p:spPr>
+        <p:style>
+          <a:lnRef idx="2">
+            <a:schemeClr val="accent1"/>
+          </a:lnRef>
+          <a:fillRef idx="0">
+            <a:schemeClr val="accent1"/>
+          </a:fillRef>
+          <a:effectRef idx="1">
+            <a:schemeClr val="accent1"/>
+          </a:effectRef>
+          <a:fontRef idx="minor">
+            <a:schemeClr val="tx1"/>
+          </a:fontRef>
+        </p:style>
+      </p:cxnSp>
+      <p:cxnSp>
+        <p:nvCxnSpPr>
+          <p:cNvPr id="23" name="Straight Arrow Connector 22"/>
+          <p:cNvCxnSpPr/>
+          <p:nvPr/>
+        </p:nvCxnSpPr>
+        <p:spPr>
+          <a:xfrm flipH="1">
+            <a:off x="4723560" y="2908300"/>
+            <a:ext cx="712040" cy="410487"/>
+          </a:xfrm>
+          <a:prstGeom prst="straightConnector1">
+            <a:avLst/>
+          </a:prstGeom>
+          <a:ln>
+            <a:tailEnd type="arrow"/>
+          </a:ln>
+        </p:spPr>
+        <p:style>
+          <a:lnRef idx="2">
+            <a:schemeClr val="accent1"/>
+          </a:lnRef>
+          <a:fillRef idx="0">
+            <a:schemeClr val="accent1"/>
+          </a:fillRef>
+          <a:effectRef idx="1">
+            <a:schemeClr val="accent1"/>
+          </a:effectRef>
+          <a:fontRef idx="minor">
+            <a:schemeClr val="tx1"/>
+          </a:fontRef>
+        </p:style>
+      </p:cxnSp>
+      <p:cxnSp>
+        <p:nvCxnSpPr>
+          <p:cNvPr id="24" name="Straight Arrow Connector 23"/>
+          <p:cNvCxnSpPr/>
+          <p:nvPr/>
+        </p:nvCxnSpPr>
+        <p:spPr>
+          <a:xfrm>
+            <a:off x="6286500" y="2946400"/>
+            <a:ext cx="706227" cy="360172"/>
+          </a:xfrm>
+          <a:prstGeom prst="straightConnector1">
+            <a:avLst/>
+          </a:prstGeom>
+          <a:ln>
+            <a:tailEnd type="arrow"/>
+          </a:ln>
+        </p:spPr>
+        <p:style>
+          <a:lnRef idx="2">
+            <a:schemeClr val="accent1"/>
+          </a:lnRef>
+          <a:fillRef idx="0">
+            <a:schemeClr val="accent1"/>
+          </a:fillRef>
+          <a:effectRef idx="1">
+            <a:schemeClr val="accent1"/>
+          </a:effectRef>
+          <a:fontRef idx="minor">
+            <a:schemeClr val="tx1"/>
+          </a:fontRef>
+        </p:style>
+      </p:cxnSp>
+      <p:cxnSp>
+        <p:nvCxnSpPr>
+          <p:cNvPr id="25" name="Straight Arrow Connector 24"/>
+          <p:cNvCxnSpPr>
+            <a:endCxn id="10" idx="0"/>
+          </p:cNvCxnSpPr>
+          <p:nvPr/>
+        </p:nvCxnSpPr>
+        <p:spPr>
+          <a:xfrm flipH="1">
+            <a:off x="3301195" y="3670300"/>
+            <a:ext cx="826306" cy="560840"/>
+          </a:xfrm>
+          <a:prstGeom prst="straightConnector1">
+            <a:avLst/>
+          </a:prstGeom>
+          <a:ln>
+            <a:tailEnd type="arrow"/>
+          </a:ln>
+        </p:spPr>
+        <p:style>
+          <a:lnRef idx="2">
+            <a:schemeClr val="accent1"/>
+          </a:lnRef>
+          <a:fillRef idx="0">
+            <a:schemeClr val="accent1"/>
+          </a:fillRef>
+          <a:effectRef idx="1">
+            <a:schemeClr val="accent1"/>
+          </a:effectRef>
+          <a:fontRef idx="minor">
+            <a:schemeClr val="tx1"/>
+          </a:fontRef>
+        </p:style>
+      </p:cxnSp>
+      <p:cxnSp>
+        <p:nvCxnSpPr>
+          <p:cNvPr id="26" name="Straight Arrow Connector 25"/>
+          <p:cNvCxnSpPr>
+            <a:endCxn id="11" idx="0"/>
+          </p:cNvCxnSpPr>
+          <p:nvPr/>
+        </p:nvCxnSpPr>
+        <p:spPr>
+          <a:xfrm>
+            <a:off x="4902200" y="3683000"/>
+            <a:ext cx="505172" cy="535925"/>
+          </a:xfrm>
+          <a:prstGeom prst="straightConnector1">
+            <a:avLst/>
+          </a:prstGeom>
+          <a:ln>
+            <a:tailEnd type="arrow"/>
+          </a:ln>
+        </p:spPr>
+        <p:style>
+          <a:lnRef idx="2">
+            <a:schemeClr val="accent1"/>
+          </a:lnRef>
+          <a:fillRef idx="0">
+            <a:schemeClr val="accent1"/>
+          </a:fillRef>
+          <a:effectRef idx="1">
+            <a:schemeClr val="accent1"/>
+          </a:effectRef>
+          <a:fontRef idx="minor">
+            <a:schemeClr val="tx1"/>
+          </a:fontRef>
+        </p:style>
+      </p:cxnSp>
+      <p:sp>
+        <p:nvSpPr>
+          <p:cNvPr id="30" name="TextBox 29"/>
+          <p:cNvSpPr txBox="1"/>
+          <p:nvPr/>
+        </p:nvSpPr>
+        <p:spPr>
+          <a:xfrm>
+            <a:off x="439416" y="5564640"/>
+            <a:ext cx="1435177" cy="369332"/>
+          </a:xfrm>
+          <a:prstGeom prst="rect">
+            <a:avLst/>
+          </a:prstGeom>
+          <a:solidFill>
+            <a:srgbClr val="E07602"/>
+          </a:solidFill>
+        </p:spPr>
+        <p:txBody>
+          <a:bodyPr wrap="square" rtlCol="0">
+            <a:spAutoFit/>
+          </a:bodyPr>
+          <a:lstStyle/>
+          <a:p>
+            <a:pPr algn="ctr"/>
+            <a:r>
+              <a:rPr lang="en-US" dirty="0"/>
+              <a:t>Actors</a:t>
+            </a:r>
+          </a:p>
+        </p:txBody>
+      </p:sp>
+      <p:sp>
+        <p:nvSpPr>
+          <p:cNvPr id="31" name="TextBox 30"/>
+          <p:cNvSpPr txBox="1"/>
+          <p:nvPr/>
+        </p:nvSpPr>
+        <p:spPr>
+          <a:xfrm>
+            <a:off x="2166616" y="5564640"/>
+            <a:ext cx="1435177" cy="369332"/>
+          </a:xfrm>
+          <a:prstGeom prst="rect">
+            <a:avLst/>
+          </a:prstGeom>
+          <a:solidFill>
+            <a:srgbClr val="E07602"/>
+          </a:solidFill>
+        </p:spPr>
+        <p:txBody>
+          <a:bodyPr wrap="square" rtlCol="0">
+            <a:spAutoFit/>
+          </a:bodyPr>
+          <a:lstStyle/>
+          <a:p>
+            <a:pPr algn="ctr"/>
+            <a:r>
+              <a:rPr lang="en-US" dirty="0"/>
+              <a:t>Producer</a:t>
+            </a:r>
+          </a:p>
+        </p:txBody>
+      </p:sp>
+      <p:sp>
+        <p:nvSpPr>
+          <p:cNvPr id="32" name="TextBox 31"/>
+          <p:cNvSpPr txBox="1"/>
+          <p:nvPr/>
+        </p:nvSpPr>
+        <p:spPr>
+          <a:xfrm>
+            <a:off x="3868416" y="5564640"/>
+            <a:ext cx="1435177" cy="369332"/>
+          </a:xfrm>
+          <a:prstGeom prst="rect">
+            <a:avLst/>
+          </a:prstGeom>
+          <a:solidFill>
+            <a:srgbClr val="E07602"/>
+          </a:solidFill>
+        </p:spPr>
+        <p:txBody>
+          <a:bodyPr wrap="square" rtlCol="0">
+            <a:spAutoFit/>
+          </a:bodyPr>
+          <a:lstStyle/>
+          <a:p>
+            <a:pPr algn="ctr"/>
+            <a:r>
+              <a:rPr lang="en-US" dirty="0"/>
+              <a:t>Director</a:t>
+            </a:r>
+          </a:p>
+        </p:txBody>
+      </p:sp>
+      <p:sp>
+        <p:nvSpPr>
+          <p:cNvPr id="33" name="TextBox 32"/>
+          <p:cNvSpPr txBox="1"/>
+          <p:nvPr/>
+        </p:nvSpPr>
+        <p:spPr>
+          <a:xfrm>
+            <a:off x="5709916" y="5577340"/>
+            <a:ext cx="1435177" cy="369332"/>
+          </a:xfrm>
+          <a:prstGeom prst="rect">
+            <a:avLst/>
+          </a:prstGeom>
+          <a:solidFill>
+            <a:srgbClr val="E07602"/>
+          </a:solidFill>
+        </p:spPr>
+        <p:txBody>
+          <a:bodyPr wrap="square" rtlCol="0">
+            <a:spAutoFit/>
+          </a:bodyPr>
+          <a:lstStyle/>
+          <a:p>
+            <a:pPr algn="ctr"/>
+            <a:r>
+              <a:rPr lang="en-US" dirty="0"/>
+              <a:t>Writer</a:t>
+            </a:r>
+          </a:p>
+        </p:txBody>
+      </p:sp>
+      <p:cxnSp>
+        <p:nvCxnSpPr>
+          <p:cNvPr id="38" name="Straight Arrow Connector 37"/>
+          <p:cNvCxnSpPr>
+            <a:endCxn id="30" idx="0"/>
+          </p:cNvCxnSpPr>
+          <p:nvPr/>
+        </p:nvCxnSpPr>
+        <p:spPr>
+          <a:xfrm flipH="1">
+            <a:off x="1157005" y="4597400"/>
+            <a:ext cx="1522695" cy="967240"/>
+          </a:xfrm>
+          <a:prstGeom prst="straightConnector1">
+            <a:avLst/>
+          </a:prstGeom>
+          <a:ln>
+            <a:tailEnd type="arrow"/>
+          </a:ln>
+        </p:spPr>
+        <p:style>
+          <a:lnRef idx="2">
+            <a:schemeClr val="accent1"/>
+          </a:lnRef>
+          <a:fillRef idx="0">
+            <a:schemeClr val="accent1"/>
+          </a:fillRef>
+          <a:effectRef idx="1">
+            <a:schemeClr val="accent1"/>
+          </a:effectRef>
+          <a:fontRef idx="minor">
+            <a:schemeClr val="tx1"/>
+          </a:fontRef>
+        </p:style>
+      </p:cxnSp>
+      <p:cxnSp>
+        <p:nvCxnSpPr>
+          <p:cNvPr id="41" name="Straight Arrow Connector 40"/>
+          <p:cNvCxnSpPr>
+            <a:endCxn id="33" idx="0"/>
+          </p:cNvCxnSpPr>
+          <p:nvPr/>
+        </p:nvCxnSpPr>
+        <p:spPr>
+          <a:xfrm>
+            <a:off x="3670668" y="4607492"/>
+            <a:ext cx="2756837" cy="969848"/>
+          </a:xfrm>
+          <a:prstGeom prst="straightConnector1">
+            <a:avLst/>
+          </a:prstGeom>
+          <a:ln>
+            <a:tailEnd type="arrow"/>
+          </a:ln>
+        </p:spPr>
+        <p:style>
+          <a:lnRef idx="2">
+            <a:schemeClr val="accent1"/>
+          </a:lnRef>
+          <a:fillRef idx="0">
+            <a:schemeClr val="accent1"/>
+          </a:fillRef>
+          <a:effectRef idx="1">
+            <a:schemeClr val="accent1"/>
+          </a:effectRef>
+          <a:fontRef idx="minor">
+            <a:schemeClr val="tx1"/>
+          </a:fontRef>
+        </p:style>
+      </p:cxnSp>
+      <p:cxnSp>
+        <p:nvCxnSpPr>
+          <p:cNvPr id="46" name="Straight Arrow Connector 45"/>
+          <p:cNvCxnSpPr>
+            <a:stCxn id="10" idx="2"/>
+          </p:cNvCxnSpPr>
+          <p:nvPr/>
+        </p:nvCxnSpPr>
+        <p:spPr>
+          <a:xfrm>
+            <a:off x="3301195" y="4600472"/>
+            <a:ext cx="1245405" cy="987528"/>
+          </a:xfrm>
+          <a:prstGeom prst="straightConnector1">
+            <a:avLst/>
+          </a:prstGeom>
+          <a:ln>
+            <a:tailEnd type="arrow"/>
+          </a:ln>
+        </p:spPr>
+        <p:style>
+          <a:lnRef idx="2">
+            <a:schemeClr val="accent1"/>
+          </a:lnRef>
+          <a:fillRef idx="0">
+            <a:schemeClr val="accent1"/>
+          </a:fillRef>
+          <a:effectRef idx="1">
+            <a:schemeClr val="accent1"/>
+          </a:effectRef>
+          <a:fontRef idx="minor">
+            <a:schemeClr val="tx1"/>
+          </a:fontRef>
+        </p:style>
+      </p:cxnSp>
+      <p:cxnSp>
+        <p:nvCxnSpPr>
+          <p:cNvPr id="48" name="Straight Arrow Connector 47"/>
+          <p:cNvCxnSpPr>
+            <a:endCxn id="31" idx="0"/>
+          </p:cNvCxnSpPr>
+          <p:nvPr/>
+        </p:nvCxnSpPr>
+        <p:spPr>
+          <a:xfrm>
+            <a:off x="2870200" y="4597400"/>
+            <a:ext cx="14005" cy="967240"/>
+          </a:xfrm>
+          <a:prstGeom prst="straightConnector1">
+            <a:avLst/>
+          </a:prstGeom>
+          <a:ln>
+            <a:tailEnd type="arrow"/>
+          </a:ln>
+        </p:spPr>
+        <p:style>
+          <a:lnRef idx="2">
+            <a:schemeClr val="accent1"/>
+          </a:lnRef>
+          <a:fillRef idx="0">
+            <a:schemeClr val="accent1"/>
+          </a:fillRef>
+          <a:effectRef idx="1">
+            <a:schemeClr val="accent1"/>
+          </a:effectRef>
+          <a:fontRef idx="minor">
+            <a:schemeClr val="tx1"/>
+          </a:fontRef>
+        </p:style>
+      </p:cxnSp>
+      <p:sp>
+        <p:nvSpPr>
+          <p:cNvPr id="27" name="Down Arrow 7">
+            <a:extLst>
+              <a:ext uri="{FF2B5EF4-FFF2-40B4-BE49-F238E27FC236}">
+                <a16:creationId xmlns:a16="http://schemas.microsoft.com/office/drawing/2014/main" id="{A74B3BB9-7320-4C7D-876F-931A7DC2C478}"/>
+              </a:ext>
+              <a:ext uri="{C183D7F6-B498-43B3-948B-1728B52AA6E4}">
+                <adec:decorative xmlns:adec="http://schemas.microsoft.com/office/drawing/2017/decorative" xmlns="" val="1"/>
+              </a:ext>
+            </a:extLst>
+          </p:cNvPr>
+          <p:cNvSpPr>
+            <a:spLocks noGrp="1" noRot="1" noChangeAspect="1" noMove="1" noResize="1" noEditPoints="1" noAdjustHandles="1" noChangeArrowheads="1" noChangeShapeType="1" noTextEdit="1"/>
+          </p:cNvSpPr>
+          <p:nvPr>
+            <p:extLst>
+              <p:ext uri="{386F3935-93C4-4BCD-93E2-E3B085C9AB24}">
+                <p16:designElem xmlns:p16="http://schemas.microsoft.com/office/powerpoint/2015/main" val="1"/>
+              </p:ext>
+            </p:extLst>
+          </p:nvPr>
+        </p:nvSpPr>
+        <p:spPr>
+          <a:xfrm>
+            <a:off x="800100" y="-4763"/>
+            <a:ext cx="3333749" cy="3338514"/>
+          </a:xfrm>
+          <a:prstGeom prst="downArrow">
+            <a:avLst>
+              <a:gd name="adj1" fmla="val 100000"/>
+              <a:gd name="adj2" fmla="val 26890"/>
+            </a:avLst>
+          </a:prstGeom>
+          <a:solidFill>
+            <a:schemeClr val="bg2">
+              <a:lumMod val="25000"/>
+            </a:schemeClr>
+          </a:solidFill>
+          <a:ln w="53975">
+            <a:noFill/>
+          </a:ln>
+        </p:spPr>
+        <p:style>
+          <a:lnRef idx="2">
+            <a:schemeClr val="accent1">
+              <a:shade val="50000"/>
+            </a:schemeClr>
+          </a:lnRef>
+          <a:fillRef idx="1">
+            <a:schemeClr val="accent1"/>
+          </a:fillRef>
+          <a:effectRef idx="0">
+            <a:schemeClr val="accent1"/>
+          </a:effectRef>
+          <a:fontRef idx="minor">
+            <a:schemeClr val="lt1"/>
+          </a:fontRef>
+        </p:style>
+        <p:txBody>
+          <a:bodyPr rtlCol="0" anchor="ctr"/>
+          <a:lstStyle/>
+          <a:p>
+            <a:pPr algn="ctr"/>
+            <a:endParaRPr lang="en-US"/>
+          </a:p>
+        </p:txBody>
+      </p:sp>
+      <p:sp>
+        <p:nvSpPr>
+          <p:cNvPr id="3" name="TextBox 2">
+            <a:extLst>
+              <a:ext uri="{FF2B5EF4-FFF2-40B4-BE49-F238E27FC236}">
+                <a16:creationId xmlns:a16="http://schemas.microsoft.com/office/drawing/2014/main" id="{C262E671-79C4-42DE-A046-6C1762128301}"/>
+              </a:ext>
+            </a:extLst>
+          </p:cNvPr>
+          <p:cNvSpPr txBox="1"/>
+          <p:nvPr/>
+        </p:nvSpPr>
+        <p:spPr>
+          <a:xfrm>
+            <a:off x="1111268" y="530063"/>
+            <a:ext cx="2711411" cy="1754326"/>
+          </a:xfrm>
+          <a:prstGeom prst="rect">
+            <a:avLst/>
+          </a:prstGeom>
+          <a:noFill/>
+        </p:spPr>
+        <p:txBody>
+          <a:bodyPr wrap="square" rtlCol="0">
+            <a:spAutoFit/>
+          </a:bodyPr>
+          <a:lstStyle/>
+          <a:p>
+            <a:pPr algn="ctr"/>
+            <a:r>
+              <a:rPr lang="en-US" sz="5400" dirty="0">
+                <a:solidFill>
+                  <a:schemeClr val="bg1"/>
+                </a:solidFill>
+              </a:rPr>
+              <a:t>Decision Tree</a:t>
+            </a:r>
+          </a:p>
+        </p:txBody>
+      </p:sp>
+    </p:spTree>
+    <p:extLst>
+      <p:ext uri="{BB962C8B-B14F-4D97-AF65-F5344CB8AC3E}">
+        <p14:creationId xmlns:p14="http://schemas.microsoft.com/office/powerpoint/2010/main" val="3692493110"/>
+      </p:ext>
+    </p:extLst>
+  </p:cSld>
+  <p:clrMapOvr>
+    <a:masterClrMapping/>
+  </p:clrMapOvr>
+</p:sld>
+</file>
+
+<file path=ppt/slides/slide22.xml><?xml version="1.0" encoding="utf-8"?>
+<p:sld xmlns:a="http://schemas.openxmlformats.org/drawingml/2006/main" xmlns:r="http://schemas.openxmlformats.org/officeDocument/2006/relationships" xmlns:p="http://schemas.openxmlformats.org/presentationml/2006/main">
+  <p:cSld>
+    <p:bg>
+      <p:bgPr>
+        <a:solidFill>
+          <a:schemeClr val="bg1">
+            <a:tint val="95000"/>
+            <a:satMod val="170000"/>
+          </a:schemeClr>
+        </a:solidFill>
+        <a:effectLst/>
+      </p:bgPr>
+    </p:bg>
+    <p:spTree>
+      <p:nvGrpSpPr>
+        <p:cNvPr id="1" name=""/>
+        <p:cNvGrpSpPr/>
+        <p:nvPr/>
+      </p:nvGrpSpPr>
+      <p:grpSpPr>
+        <a:xfrm>
+          <a:off x="0" y="0"/>
+          <a:ext cx="0" cy="0"/>
+          <a:chOff x="0" y="0"/>
+          <a:chExt cx="0" cy="0"/>
+        </a:xfrm>
+      </p:grpSpPr>
+      <p:sp>
+        <p:nvSpPr>
+          <p:cNvPr id="2" name="TextBox 1">
+            <a:extLst>
+              <a:ext uri="{FF2B5EF4-FFF2-40B4-BE49-F238E27FC236}">
+                <a16:creationId xmlns:a16="http://schemas.microsoft.com/office/drawing/2014/main" id="{9A5B267B-DC99-48D5-AAE4-0080DA632EE8}"/>
+              </a:ext>
+            </a:extLst>
+          </p:cNvPr>
+          <p:cNvSpPr txBox="1"/>
+          <p:nvPr/>
+        </p:nvSpPr>
+        <p:spPr>
+          <a:xfrm>
+            <a:off x="6053668" y="803325"/>
+            <a:ext cx="5314536" cy="1325563"/>
+          </a:xfrm>
+          <a:prstGeom prst="rect">
+            <a:avLst/>
+          </a:prstGeom>
+        </p:spPr>
+        <p:txBody>
+          <a:bodyPr vert="horz" lIns="91440" tIns="45720" rIns="91440" bIns="45720" rtlCol="0" anchor="ctr">
+            <a:normAutofit/>
+          </a:bodyPr>
+          <a:lstStyle/>
+          <a:p>
+            <a:pPr algn="ctr">
+              <a:lnSpc>
+                <a:spcPct val="90000"/>
+              </a:lnSpc>
+              <a:spcBef>
+                <a:spcPct val="0"/>
+              </a:spcBef>
+              <a:spcAft>
+                <a:spcPts val="600"/>
+              </a:spcAft>
+            </a:pPr>
+            <a:r>
+              <a:rPr lang="en-US" sz="4400" kern="1200" dirty="0">
+                <a:solidFill>
+                  <a:schemeClr val="accent2">
+                    <a:lumMod val="75000"/>
+                  </a:schemeClr>
                 </a:solidFill>
                 <a:latin typeface="+mj-lt"/>
                 <a:ea typeface="+mj-ea"/>
@@ -4934,7 +8478,7 @@
                 <a16:creationId xmlns:a16="http://schemas.microsoft.com/office/drawing/2014/main" id="{E0D60ECE-8986-45DC-B7FE-EC7699B466B8}"/>
               </a:ext>
               <a:ext uri="{C183D7F6-B498-43B3-948B-1728B52AA6E4}">
-                <adec:decorative xmlns="" xmlns:adec="http://schemas.microsoft.com/office/drawing/2017/decorative" val="1"/>
+                <adec:decorative xmlns:adec="http://schemas.microsoft.com/office/drawing/2017/decorative" xmlns="" val="1"/>
               </a:ext>
             </a:extLst>
           </p:cNvPr>
@@ -5103,7 +8647,7 @@
                 <a16:creationId xmlns:a16="http://schemas.microsoft.com/office/drawing/2014/main" id="{96964194-5878-40D2-8EC0-DDC58387FA56}"/>
               </a:ext>
               <a:ext uri="{C183D7F6-B498-43B3-948B-1728B52AA6E4}">
-                <adec:decorative xmlns="" xmlns:adec="http://schemas.microsoft.com/office/drawing/2017/decorative" val="1"/>
+                <adec:decorative xmlns:adec="http://schemas.microsoft.com/office/drawing/2017/decorative" xmlns="" val="1"/>
               </a:ext>
             </a:extLst>
           </p:cNvPr>
@@ -5422,7 +8966,7 @@
 </p:sld>
 </file>
 
-<file path=ppt/slides/slide19.xml><?xml version="1.0" encoding="utf-8"?>
+<file path=ppt/slides/slide23.xml><?xml version="1.0" encoding="utf-8"?>
 <p:sld xmlns:a="http://schemas.openxmlformats.org/drawingml/2006/main" xmlns:r="http://schemas.openxmlformats.org/officeDocument/2006/relationships" xmlns:p="http://schemas.openxmlformats.org/presentationml/2006/main">
   <p:cSld>
     <p:spTree>
@@ -5439,46 +8983,46 @@
           <a:chExt cx="0" cy="0"/>
         </a:xfrm>
       </p:grpSpPr>
-      <p:sp>
-        <p:nvSpPr>
-          <p:cNvPr id="2" name="TextBox 1">
-            <a:extLst>
-              <a:ext uri="{FF2B5EF4-FFF2-40B4-BE49-F238E27FC236}">
-                <a16:creationId xmlns:a16="http://schemas.microsoft.com/office/drawing/2014/main" id="{9A5B267B-DC99-48D5-AAE4-0080DA632EE8}"/>
-              </a:ext>
-            </a:extLst>
-          </p:cNvPr>
-          <p:cNvSpPr txBox="1"/>
+      <p:pic>
+        <p:nvPicPr>
+          <p:cNvPr id="3" name="Picture 2">
+            <a:extLst>
+              <a:ext uri="{FF2B5EF4-FFF2-40B4-BE49-F238E27FC236}">
+                <a16:creationId xmlns:a16="http://schemas.microsoft.com/office/drawing/2014/main" id="{271AABA0-8A35-4427-987D-CF2F01C5BB99}"/>
+              </a:ext>
+            </a:extLst>
+          </p:cNvPr>
+          <p:cNvPicPr>
+            <a:picLocks noChangeAspect="1"/>
+          </p:cNvPicPr>
           <p:nvPr/>
-        </p:nvSpPr>
-        <p:spPr>
-          <a:xfrm>
-            <a:off x="2330824" y="699246"/>
-            <a:ext cx="8444753" cy="923330"/>
+        </p:nvPicPr>
+        <p:blipFill>
+          <a:blip r:embed="rId2">
+            <a:extLst>
+              <a:ext uri="{28A0092B-C50C-407E-A947-70E740481C1C}">
+                <a14:useLocalDpi xmlns:a14="http://schemas.microsoft.com/office/drawing/2010/main" val="0"/>
+              </a:ext>
+            </a:extLst>
+          </a:blip>
+          <a:stretch>
+            <a:fillRect/>
+          </a:stretch>
+        </p:blipFill>
+        <p:spPr>
+          <a:xfrm>
+            <a:off x="125640" y="431117"/>
+            <a:ext cx="11940720" cy="5995766"/>
           </a:xfrm>
           <a:prstGeom prst="rect">
             <a:avLst/>
           </a:prstGeom>
-          <a:noFill/>
-        </p:spPr>
-        <p:txBody>
-          <a:bodyPr wrap="square" rtlCol="0">
-            <a:spAutoFit/>
-          </a:bodyPr>
-          <a:lstStyle/>
-          <a:p>
-            <a:pPr algn="ctr"/>
-            <a:r>
-              <a:rPr lang="en-US" sz="5400" dirty="0"/>
-              <a:t>Lessons Learned</a:t>
-            </a:r>
-          </a:p>
-        </p:txBody>
-      </p:sp>
+        </p:spPr>
+      </p:pic>
     </p:spTree>
     <p:extLst>
       <p:ext uri="{BB962C8B-B14F-4D97-AF65-F5344CB8AC3E}">
-        <p14:creationId xmlns:p14="http://schemas.microsoft.com/office/powerpoint/2010/main" val="998873274"/>
+        <p14:creationId xmlns:p14="http://schemas.microsoft.com/office/powerpoint/2010/main" val="3084361659"/>
       </p:ext>
     </p:extLst>
   </p:cSld>
@@ -5488,7 +9032,7 @@
 </p:sld>
 </file>
 
-<file path=ppt/slides/slide2.xml><?xml version="1.0" encoding="utf-8"?>
+<file path=ppt/slides/slide24.xml><?xml version="1.0" encoding="utf-8"?>
 <p:sld xmlns:a="http://schemas.openxmlformats.org/drawingml/2006/main" xmlns:r="http://schemas.openxmlformats.org/officeDocument/2006/relationships" xmlns:p="http://schemas.openxmlformats.org/presentationml/2006/main">
   <p:cSld>
     <p:bg>
@@ -5515,10 +9059,10 @@
       </p:grpSpPr>
       <p:sp>
         <p:nvSpPr>
-          <p:cNvPr id="11" name="Rectangle 10">
-            <a:extLst>
-              <a:ext uri="{FF2B5EF4-FFF2-40B4-BE49-F238E27FC236}">
-                <a16:creationId xmlns:a16="http://schemas.microsoft.com/office/drawing/2014/main" id="{4038CB10-1F5C-4D54-9DF7-12586DE5B007}"/>
+          <p:cNvPr id="9" name="Rectangle 8">
+            <a:extLst>
+              <a:ext uri="{FF2B5EF4-FFF2-40B4-BE49-F238E27FC236}">
+                <a16:creationId xmlns:a16="http://schemas.microsoft.com/office/drawing/2014/main" id="{6753252F-4873-4F63-801D-CC719279A7D5}"/>
               </a:ext>
               <a:ext uri="{C183D7F6-B498-43B3-948B-1728B52AA6E4}">
                 <adec:decorative xmlns="" xmlns:adec="http://schemas.microsoft.com/office/drawing/2017/decorative" val="1"/>
@@ -5538,14 +9082,14 @@
         </p:nvSpPr>
         <p:spPr>
           <a:xfrm>
-            <a:off x="327546" y="4572000"/>
-            <a:ext cx="7058307" cy="1964266"/>
+            <a:off x="0" y="0"/>
+            <a:ext cx="12192000" cy="6858000"/>
           </a:xfrm>
           <a:prstGeom prst="rect">
             <a:avLst/>
           </a:prstGeom>
           <a:solidFill>
-            <a:srgbClr val="BB8577"/>
+            <a:srgbClr val="FFFFFF"/>
           </a:solidFill>
           <a:ln>
             <a:noFill/>
@@ -5571,133 +9115,17 @@
           <a:bodyPr rtlCol="0" anchor="ctr"/>
           <a:lstStyle/>
           <a:p>
-            <a:pPr marL="0" marR="0" lvl="0" indent="0" algn="ctr" defTabSz="914400" rtl="0" eaLnBrk="1" fontAlgn="auto" latinLnBrk="0" hangingPunct="1">
-              <a:lnSpc>
-                <a:spcPct val="100000"/>
-              </a:lnSpc>
-              <a:spcBef>
-                <a:spcPts val="0"/>
-              </a:spcBef>
-              <a:spcAft>
-                <a:spcPts val="0"/>
-              </a:spcAft>
-              <a:buClrTx/>
-              <a:buSzTx/>
-              <a:buFontTx/>
-              <a:buNone/>
-              <a:tabLst/>
-              <a:defRPr/>
-            </a:pPr>
-            <a:endParaRPr kumimoji="0" lang="en-US" sz="1800" b="0" i="0" u="none" strike="noStrike" kern="1200" cap="none" spc="0" normalizeH="0" baseline="0" noProof="0">
-              <a:ln>
-                <a:noFill/>
-              </a:ln>
-              <a:solidFill>
-                <a:prstClr val="white"/>
-              </a:solidFill>
-              <a:effectLst/>
-              <a:uLnTx/>
-              <a:uFillTx/>
-              <a:latin typeface="Calibri" panose="020F0502020204030204"/>
-              <a:ea typeface="+mn-ea"/>
-              <a:cs typeface="+mn-cs"/>
-            </a:endParaRPr>
-          </a:p>
-        </p:txBody>
-      </p:sp>
-      <p:sp>
-        <p:nvSpPr>
-          <p:cNvPr id="2" name="TextBox 1">
-            <a:extLst>
-              <a:ext uri="{FF2B5EF4-FFF2-40B4-BE49-F238E27FC236}">
-                <a16:creationId xmlns:a16="http://schemas.microsoft.com/office/drawing/2014/main" id="{9A5B267B-DC99-48D5-AAE4-0080DA632EE8}"/>
-              </a:ext>
-            </a:extLst>
-          </p:cNvPr>
-          <p:cNvSpPr txBox="1"/>
-          <p:nvPr/>
-        </p:nvSpPr>
-        <p:spPr>
-          <a:xfrm>
-            <a:off x="524256" y="4767072"/>
-            <a:ext cx="6594189" cy="1625210"/>
-          </a:xfrm>
-          <a:prstGeom prst="rect">
-            <a:avLst/>
-          </a:prstGeom>
-        </p:spPr>
-        <p:txBody>
-          <a:bodyPr vert="horz" lIns="91440" tIns="45720" rIns="91440" bIns="45720" rtlCol="0" anchor="ctr">
-            <a:normAutofit/>
-          </a:bodyPr>
-          <a:lstStyle/>
-          <a:p>
-            <a:pPr algn="r">
-              <a:lnSpc>
-                <a:spcPct val="90000"/>
-              </a:lnSpc>
-              <a:spcBef>
-                <a:spcPct val="0"/>
-              </a:spcBef>
-              <a:spcAft>
-                <a:spcPts val="600"/>
-              </a:spcAft>
-            </a:pPr>
-            <a:r>
-              <a:rPr lang="en-US" sz="4400">
-                <a:solidFill>
-                  <a:srgbClr val="FFFFFF"/>
-                </a:solidFill>
-                <a:latin typeface="+mj-lt"/>
-                <a:ea typeface="+mj-ea"/>
-                <a:cs typeface="+mj-cs"/>
-              </a:rPr>
-              <a:t>Narrative</a:t>
-            </a:r>
-          </a:p>
-        </p:txBody>
-      </p:sp>
-      <p:pic>
-        <p:nvPicPr>
-          <p:cNvPr id="6" name="Picture 5">
-            <a:extLst>
-              <a:ext uri="{FF2B5EF4-FFF2-40B4-BE49-F238E27FC236}">
-                <a16:creationId xmlns:a16="http://schemas.microsoft.com/office/drawing/2014/main" id="{48D482F4-FAC7-4F34-B519-1AFCACD84A50}"/>
-              </a:ext>
-            </a:extLst>
-          </p:cNvPr>
-          <p:cNvPicPr>
-            <a:picLocks noChangeAspect="1"/>
-          </p:cNvPicPr>
-          <p:nvPr/>
-        </p:nvPicPr>
-        <p:blipFill rotWithShape="1">
-          <a:blip r:embed="rId2">
-            <a:extLst>
-              <a:ext uri="{28A0092B-C50C-407E-A947-70E740481C1C}">
-                <a14:useLocalDpi xmlns:a14="http://schemas.microsoft.com/office/drawing/2010/main" val="0"/>
-              </a:ext>
-            </a:extLst>
-          </a:blip>
-          <a:srcRect l="12990" r="-1" b="-1"/>
-          <a:stretch/>
-        </p:blipFill>
-        <p:spPr>
-          <a:xfrm>
-            <a:off x="327547" y="321733"/>
-            <a:ext cx="7058306" cy="4107392"/>
-          </a:xfrm>
-          <a:prstGeom prst="rect">
-            <a:avLst/>
-          </a:prstGeom>
-        </p:spPr>
-      </p:pic>
-      <p:sp>
-        <p:nvSpPr>
-          <p:cNvPr id="13" name="Rectangle 12">
-            <a:extLst>
-              <a:ext uri="{FF2B5EF4-FFF2-40B4-BE49-F238E27FC236}">
-                <a16:creationId xmlns:a16="http://schemas.microsoft.com/office/drawing/2014/main" id="{73ED6512-6858-4552-B699-9A97FE9A4EA2}"/>
+            <a:pPr algn="ctr"/>
+            <a:endParaRPr lang="en-US"/>
+          </a:p>
+        </p:txBody>
+      </p:sp>
+      <p:sp>
+        <p:nvSpPr>
+          <p:cNvPr id="11" name="Rectangle 10">
+            <a:extLst>
+              <a:ext uri="{FF2B5EF4-FFF2-40B4-BE49-F238E27FC236}">
+                <a16:creationId xmlns:a16="http://schemas.microsoft.com/office/drawing/2014/main" id="{047C8CCB-F95D-4249-92DD-651249D3535A}"/>
               </a:ext>
               <a:ext uri="{C183D7F6-B498-43B3-948B-1728B52AA6E4}">
                 <adec:decorative xmlns="" xmlns:adec="http://schemas.microsoft.com/office/drawing/2017/decorative" val="1"/>
@@ -5717,14 +9145,16 @@
         </p:nvSpPr>
         <p:spPr>
           <a:xfrm>
-            <a:off x="7534655" y="321732"/>
-            <a:ext cx="4335613" cy="6214534"/>
+            <a:off x="0" y="0"/>
+            <a:ext cx="2013557" cy="6858000"/>
           </a:xfrm>
           <a:prstGeom prst="rect">
             <a:avLst/>
           </a:prstGeom>
           <a:solidFill>
-            <a:srgbClr val="404040"/>
+            <a:schemeClr val="accent2">
+              <a:lumMod val="75000"/>
+            </a:schemeClr>
           </a:solidFill>
           <a:ln>
             <a:noFill/>
@@ -5750,46 +9180,17 @@
           <a:bodyPr rtlCol="0" anchor="ctr"/>
           <a:lstStyle/>
           <a:p>
-            <a:pPr marL="0" marR="0" lvl="0" indent="0" algn="ctr" defTabSz="914400" rtl="0" eaLnBrk="1" fontAlgn="auto" latinLnBrk="0" hangingPunct="1">
-              <a:lnSpc>
-                <a:spcPct val="100000"/>
-              </a:lnSpc>
-              <a:spcBef>
-                <a:spcPts val="0"/>
-              </a:spcBef>
-              <a:spcAft>
-                <a:spcPts val="0"/>
-              </a:spcAft>
-              <a:buClrTx/>
-              <a:buSzTx/>
-              <a:buFontTx/>
-              <a:buNone/>
-              <a:tabLst/>
-              <a:defRPr/>
-            </a:pPr>
-            <a:endParaRPr kumimoji="0" lang="en-US" sz="1800" b="0" i="0" u="none" strike="noStrike" kern="1200" cap="none" spc="0" normalizeH="0" baseline="0" noProof="0">
-              <a:ln>
-                <a:noFill/>
-              </a:ln>
-              <a:solidFill>
-                <a:prstClr val="white"/>
-              </a:solidFill>
-              <a:effectLst/>
-              <a:uLnTx/>
-              <a:uFillTx/>
-              <a:latin typeface="Calibri" panose="020F0502020204030204"/>
-              <a:ea typeface="+mn-ea"/>
-              <a:cs typeface="+mn-cs"/>
-            </a:endParaRPr>
-          </a:p>
-        </p:txBody>
-      </p:sp>
-      <p:sp>
-        <p:nvSpPr>
-          <p:cNvPr id="3" name="TextBox 2">
-            <a:extLst>
-              <a:ext uri="{FF2B5EF4-FFF2-40B4-BE49-F238E27FC236}">
-                <a16:creationId xmlns:a16="http://schemas.microsoft.com/office/drawing/2014/main" id="{B73F6C98-15CD-4670-AE38-F58E18427A3C}"/>
+            <a:pPr algn="ctr"/>
+            <a:endParaRPr lang="en-US"/>
+          </a:p>
+        </p:txBody>
+      </p:sp>
+      <p:sp>
+        <p:nvSpPr>
+          <p:cNvPr id="4" name="TextBox 3">
+            <a:extLst>
+              <a:ext uri="{FF2B5EF4-FFF2-40B4-BE49-F238E27FC236}">
+                <a16:creationId xmlns:a16="http://schemas.microsoft.com/office/drawing/2014/main" id="{DAF7F211-C31D-46CF-8174-3F958BFE5341}"/>
               </a:ext>
             </a:extLst>
           </p:cNvPr>
@@ -5798,12 +9199,24 @@
         </p:nvSpPr>
         <p:spPr>
           <a:xfrm>
-            <a:off x="8029319" y="917725"/>
-            <a:ext cx="3424739" cy="4852362"/>
-          </a:xfrm>
-          <a:prstGeom prst="rect">
+            <a:off x="640080" y="2074363"/>
+            <a:ext cx="2752354" cy="2709275"/>
+          </a:xfrm>
+          <a:prstGeom prst="ellipse">
             <a:avLst/>
           </a:prstGeom>
+          <a:solidFill>
+            <a:schemeClr val="bg2">
+              <a:lumMod val="25000"/>
+            </a:schemeClr>
+          </a:solidFill>
+          <a:ln w="174625" cmpd="thinThick">
+            <a:solidFill>
+              <a:schemeClr val="bg2">
+                <a:lumMod val="25000"/>
+              </a:schemeClr>
+            </a:solidFill>
+          </a:ln>
         </p:spPr>
         <p:txBody>
           <a:bodyPr vert="horz" lIns="91440" tIns="45720" rIns="91440" bIns="45720" rtlCol="0" anchor="ctr">
@@ -5811,80 +9224,71 @@
           </a:bodyPr>
           <a:lstStyle/>
           <a:p>
-            <a:pPr>
+            <a:pPr algn="ctr">
               <a:lnSpc>
                 <a:spcPct val="90000"/>
               </a:lnSpc>
+              <a:spcBef>
+                <a:spcPct val="0"/>
+              </a:spcBef>
               <a:spcAft>
                 <a:spcPts val="600"/>
               </a:spcAft>
             </a:pPr>
             <a:r>
-              <a:rPr lang="en-US" sz="2000" dirty="0">
+              <a:rPr lang="en-US" sz="2600" kern="1200" dirty="0">
                 <a:solidFill>
                   <a:srgbClr val="FFFFFF"/>
                 </a:solidFill>
+                <a:latin typeface="+mj-lt"/>
+                <a:ea typeface="+mj-ea"/>
+                <a:cs typeface="+mj-cs"/>
               </a:rPr>
-              <a:t>After winning the lottery we want to start a movie business to produce movies. </a:t>
-            </a:r>
-          </a:p>
-          <a:p>
-            <a:pPr>
-              <a:lnSpc>
-                <a:spcPct val="90000"/>
-              </a:lnSpc>
-              <a:spcAft>
-                <a:spcPts val="600"/>
-              </a:spcAft>
-            </a:pPr>
-            <a:endParaRPr lang="en-US" sz="2000" dirty="0">
-              <a:solidFill>
-                <a:srgbClr val="FFFFFF"/>
-              </a:solidFill>
-            </a:endParaRPr>
-          </a:p>
-          <a:p>
-            <a:pPr>
-              <a:lnSpc>
-                <a:spcPct val="90000"/>
-              </a:lnSpc>
-              <a:spcAft>
-                <a:spcPts val="600"/>
-              </a:spcAft>
-            </a:pPr>
-            <a:r>
-              <a:rPr lang="en-US" sz="2000" dirty="0">
-                <a:solidFill>
-                  <a:srgbClr val="FFFFFF"/>
-                </a:solidFill>
-              </a:rPr>
-              <a:t>GOAL:</a:t>
-            </a:r>
-          </a:p>
-          <a:p>
-            <a:pPr>
-              <a:lnSpc>
-                <a:spcPct val="90000"/>
-              </a:lnSpc>
-              <a:spcAft>
-                <a:spcPts val="600"/>
-              </a:spcAft>
-            </a:pPr>
-            <a:r>
-              <a:rPr lang="en-US" sz="2000" dirty="0">
-                <a:solidFill>
-                  <a:srgbClr val="FFFFFF"/>
-                </a:solidFill>
-              </a:rPr>
-              <a:t>Produce the highest possible average rated movies.</a:t>
-            </a:r>
-          </a:p>
-        </p:txBody>
-      </p:sp>
+              <a:t>Q&amp;A</a:t>
+            </a:r>
+          </a:p>
+        </p:txBody>
+      </p:sp>
+      <p:pic>
+        <p:nvPicPr>
+          <p:cNvPr id="3" name="Picture 2">
+            <a:extLst>
+              <a:ext uri="{FF2B5EF4-FFF2-40B4-BE49-F238E27FC236}">
+                <a16:creationId xmlns:a16="http://schemas.microsoft.com/office/drawing/2014/main" id="{2E0B9825-9105-4C04-AE73-9344FC349BC5}"/>
+              </a:ext>
+            </a:extLst>
+          </p:cNvPr>
+          <p:cNvPicPr>
+            <a:picLocks noChangeAspect="1"/>
+          </p:cNvPicPr>
+          <p:nvPr/>
+        </p:nvPicPr>
+        <p:blipFill>
+          <a:blip r:embed="rId2">
+            <a:extLst>
+              <a:ext uri="{28A0092B-C50C-407E-A947-70E740481C1C}">
+                <a14:useLocalDpi xmlns:a14="http://schemas.microsoft.com/office/drawing/2010/main" val="0"/>
+              </a:ext>
+            </a:extLst>
+          </a:blip>
+          <a:stretch>
+            <a:fillRect/>
+          </a:stretch>
+        </p:blipFill>
+        <p:spPr>
+          <a:xfrm>
+            <a:off x="4391527" y="1094874"/>
+            <a:ext cx="6355090" cy="4760183"/>
+          </a:xfrm>
+          <a:prstGeom prst="rect">
+            <a:avLst/>
+          </a:prstGeom>
+        </p:spPr>
+      </p:pic>
     </p:spTree>
     <p:extLst>
       <p:ext uri="{BB962C8B-B14F-4D97-AF65-F5344CB8AC3E}">
-        <p14:creationId xmlns:p14="http://schemas.microsoft.com/office/powerpoint/2010/main" val="858000049"/>
+        <p14:creationId xmlns:p14="http://schemas.microsoft.com/office/powerpoint/2010/main" val="2394762111"/>
       </p:ext>
     </p:extLst>
   </p:cSld>
@@ -5894,7 +9298,7 @@
 </p:sld>
 </file>
 
-<file path=ppt/slides/slide20.xml><?xml version="1.0" encoding="utf-8"?>
+<file path=ppt/slides/slide25.xml><?xml version="1.0" encoding="utf-8"?>
 <p:sld xmlns:a="http://schemas.openxmlformats.org/drawingml/2006/main" xmlns:r="http://schemas.openxmlformats.org/officeDocument/2006/relationships" xmlns:p="http://schemas.openxmlformats.org/presentationml/2006/main">
   <p:cSld>
     <p:spTree>
@@ -5911,444 +9315,6 @@
           <a:chExt cx="0" cy="0"/>
         </a:xfrm>
       </p:grpSpPr>
-      <p:pic>
-        <p:nvPicPr>
-          <p:cNvPr id="3" name="Picture 2">
-            <a:extLst>
-              <a:ext uri="{FF2B5EF4-FFF2-40B4-BE49-F238E27FC236}">
-                <a16:creationId xmlns:a16="http://schemas.microsoft.com/office/drawing/2014/main" id="{271AABA0-8A35-4427-987D-CF2F01C5BB99}"/>
-              </a:ext>
-            </a:extLst>
-          </p:cNvPr>
-          <p:cNvPicPr>
-            <a:picLocks noChangeAspect="1"/>
-          </p:cNvPicPr>
-          <p:nvPr/>
-        </p:nvPicPr>
-        <p:blipFill>
-          <a:blip r:embed="rId2">
-            <a:extLst>
-              <a:ext uri="{28A0092B-C50C-407E-A947-70E740481C1C}">
-                <a14:useLocalDpi xmlns:a14="http://schemas.microsoft.com/office/drawing/2010/main" val="0"/>
-              </a:ext>
-            </a:extLst>
-          </a:blip>
-          <a:stretch>
-            <a:fillRect/>
-          </a:stretch>
-        </p:blipFill>
-        <p:spPr>
-          <a:xfrm>
-            <a:off x="125640" y="431117"/>
-            <a:ext cx="11940720" cy="5995766"/>
-          </a:xfrm>
-          <a:prstGeom prst="rect">
-            <a:avLst/>
-          </a:prstGeom>
-        </p:spPr>
-      </p:pic>
-    </p:spTree>
-    <p:extLst>
-      <p:ext uri="{BB962C8B-B14F-4D97-AF65-F5344CB8AC3E}">
-        <p14:creationId xmlns:p14="http://schemas.microsoft.com/office/powerpoint/2010/main" val="3084361659"/>
-      </p:ext>
-    </p:extLst>
-  </p:cSld>
-  <p:clrMapOvr>
-    <a:masterClrMapping/>
-  </p:clrMapOvr>
-</p:sld>
-</file>
-
-<file path=ppt/slides/slide21.xml><?xml version="1.0" encoding="utf-8"?>
-<p:sld xmlns:a="http://schemas.openxmlformats.org/drawingml/2006/main" xmlns:r="http://schemas.openxmlformats.org/officeDocument/2006/relationships" xmlns:p="http://schemas.openxmlformats.org/presentationml/2006/main">
-  <p:cSld>
-    <p:bg>
-      <p:bgPr>
-        <a:solidFill>
-          <a:schemeClr val="bg1"/>
-        </a:solidFill>
-        <a:effectLst/>
-      </p:bgPr>
-    </p:bg>
-    <p:spTree>
-      <p:nvGrpSpPr>
-        <p:cNvPr id="1" name=""/>
-        <p:cNvGrpSpPr/>
-        <p:nvPr/>
-      </p:nvGrpSpPr>
-      <p:grpSpPr>
-        <a:xfrm>
-          <a:off x="0" y="0"/>
-          <a:ext cx="0" cy="0"/>
-          <a:chOff x="0" y="0"/>
-          <a:chExt cx="0" cy="0"/>
-        </a:xfrm>
-      </p:grpSpPr>
-      <p:sp>
-        <p:nvSpPr>
-          <p:cNvPr id="8" name="Rectangle 7">
-            <a:extLst>
-              <a:ext uri="{FF2B5EF4-FFF2-40B4-BE49-F238E27FC236}">
-                <a16:creationId xmlns:a16="http://schemas.microsoft.com/office/drawing/2014/main" id="{57845966-6EFC-468A-9CC7-BAB4B95854E7}"/>
-              </a:ext>
-              <a:ext uri="{C183D7F6-B498-43B3-948B-1728B52AA6E4}">
-                <adec:decorative xmlns="" xmlns:adec="http://schemas.microsoft.com/office/drawing/2017/decorative" val="1"/>
-              </a:ext>
-            </a:extLst>
-          </p:cNvPr>
-          <p:cNvSpPr>
-            <a:spLocks noGrp="1" noRot="1" noChangeAspect="1" noMove="1" noResize="1" noEditPoints="1" noAdjustHandles="1" noChangeArrowheads="1" noChangeShapeType="1" noTextEdit="1"/>
-          </p:cNvSpPr>
-          <p:nvPr>
-            <p:extLst>
-              <p:ext uri="{386F3935-93C4-4BCD-93E2-E3B085C9AB24}">
-                <p16:designElem xmlns:p16="http://schemas.microsoft.com/office/powerpoint/2015/main" val="1"/>
-              </p:ext>
-            </p:extLst>
-          </p:nvPr>
-        </p:nvSpPr>
-        <p:spPr>
-          <a:xfrm>
-            <a:off x="1354372" y="0"/>
-            <a:ext cx="9483256" cy="6858000"/>
-          </a:xfrm>
-          <a:prstGeom prst="rect">
-            <a:avLst/>
-          </a:prstGeom>
-          <a:solidFill>
-            <a:srgbClr val="6E4F4B"/>
-          </a:solidFill>
-          <a:ln>
-            <a:noFill/>
-          </a:ln>
-        </p:spPr>
-        <p:style>
-          <a:lnRef idx="2">
-            <a:schemeClr val="accent1">
-              <a:shade val="50000"/>
-            </a:schemeClr>
-          </a:lnRef>
-          <a:fillRef idx="1">
-            <a:schemeClr val="accent1"/>
-          </a:fillRef>
-          <a:effectRef idx="0">
-            <a:schemeClr val="accent1"/>
-          </a:effectRef>
-          <a:fontRef idx="minor">
-            <a:schemeClr val="lt1"/>
-          </a:fontRef>
-        </p:style>
-        <p:txBody>
-          <a:bodyPr rtlCol="0" anchor="ctr"/>
-          <a:lstStyle/>
-          <a:p>
-            <a:pPr algn="ctr"/>
-            <a:endParaRPr lang="en-US"/>
-          </a:p>
-        </p:txBody>
-      </p:sp>
-      <p:pic>
-        <p:nvPicPr>
-          <p:cNvPr id="10" name="Picture 9">
-            <a:extLst>
-              <a:ext uri="{FF2B5EF4-FFF2-40B4-BE49-F238E27FC236}">
-                <a16:creationId xmlns:a16="http://schemas.microsoft.com/office/drawing/2014/main" id="{75554383-98AF-4A47-BB65-705FAAA4BE6A}"/>
-              </a:ext>
-              <a:ext uri="{C183D7F6-B498-43B3-948B-1728B52AA6E4}">
-                <adec:decorative xmlns="" xmlns:adec="http://schemas.microsoft.com/office/drawing/2017/decorative" val="1"/>
-              </a:ext>
-            </a:extLst>
-          </p:cNvPr>
-          <p:cNvPicPr>
-            <a:picLocks noGrp="1" noRot="1" noChangeAspect="1" noMove="1" noResize="1" noEditPoints="1" noAdjustHandles="1" noChangeArrowheads="1" noChangeShapeType="1" noCrop="1"/>
-          </p:cNvPicPr>
-          <p:nvPr>
-            <p:extLst>
-              <p:ext uri="{386F3935-93C4-4BCD-93E2-E3B085C9AB24}">
-                <p16:designElem xmlns:p16="http://schemas.microsoft.com/office/powerpoint/2015/main" val="1"/>
-              </p:ext>
-            </p:extLst>
-          </p:nvPr>
-        </p:nvPicPr>
-        <p:blipFill>
-          <a:blip r:embed="rId2">
-            <a:extLst>
-              <a:ext uri="{28A0092B-C50C-407E-A947-70E740481C1C}">
-                <a14:useLocalDpi xmlns:a14="http://schemas.microsoft.com/office/drawing/2010/main" val="0"/>
-              </a:ext>
-            </a:extLst>
-          </a:blip>
-          <a:stretch>
-            <a:fillRect/>
-          </a:stretch>
-        </p:blipFill>
-        <p:spPr>
-          <a:xfrm>
-            <a:off x="0" y="0"/>
-            <a:ext cx="12192000" cy="6858000"/>
-          </a:xfrm>
-          <a:prstGeom prst="rect">
-            <a:avLst/>
-          </a:prstGeom>
-        </p:spPr>
-      </p:pic>
-      <p:sp>
-        <p:nvSpPr>
-          <p:cNvPr id="12" name="Freeform: Shape 11">
-            <a:extLst>
-              <a:ext uri="{FF2B5EF4-FFF2-40B4-BE49-F238E27FC236}">
-                <a16:creationId xmlns:a16="http://schemas.microsoft.com/office/drawing/2014/main" id="{ADAD1991-FFD1-4E94-ABAB-7560D33008E4}"/>
-              </a:ext>
-              <a:ext uri="{C183D7F6-B498-43B3-948B-1728B52AA6E4}">
-                <adec:decorative xmlns="" xmlns:adec="http://schemas.microsoft.com/office/drawing/2017/decorative" val="1"/>
-              </a:ext>
-            </a:extLst>
-          </p:cNvPr>
-          <p:cNvSpPr>
-            <a:spLocks noGrp="1" noRot="1" noChangeAspect="1" noMove="1" noResize="1" noEditPoints="1" noAdjustHandles="1" noChangeArrowheads="1" noChangeShapeType="1" noTextEdit="1"/>
-          </p:cNvSpPr>
-          <p:nvPr>
-            <p:extLst>
-              <p:ext uri="{386F3935-93C4-4BCD-93E2-E3B085C9AB24}">
-                <p16:designElem xmlns:p16="http://schemas.microsoft.com/office/powerpoint/2015/main" val="1"/>
-              </p:ext>
-            </p:extLst>
-          </p:nvPr>
-        </p:nvSpPr>
-        <p:spPr>
-          <a:xfrm>
-            <a:off x="2144484" y="0"/>
-            <a:ext cx="7837716" cy="6858000"/>
-          </a:xfrm>
-          <a:custGeom>
-            <a:avLst/>
-            <a:gdLst>
-              <a:gd name="connsiteX0" fmla="*/ 2232159 w 7837716"/>
-              <a:gd name="connsiteY0" fmla="*/ 0 h 6858000"/>
-              <a:gd name="connsiteX1" fmla="*/ 5605557 w 7837716"/>
-              <a:gd name="connsiteY1" fmla="*/ 0 h 6858000"/>
-              <a:gd name="connsiteX2" fmla="*/ 5617845 w 7837716"/>
-              <a:gd name="connsiteY2" fmla="*/ 5384 h 6858000"/>
-              <a:gd name="connsiteX3" fmla="*/ 7837716 w 7837716"/>
-              <a:gd name="connsiteY3" fmla="*/ 3429000 h 6858000"/>
-              <a:gd name="connsiteX4" fmla="*/ 5617845 w 7837716"/>
-              <a:gd name="connsiteY4" fmla="*/ 6852616 h 6858000"/>
-              <a:gd name="connsiteX5" fmla="*/ 5605557 w 7837716"/>
-              <a:gd name="connsiteY5" fmla="*/ 6858000 h 6858000"/>
-              <a:gd name="connsiteX6" fmla="*/ 2232159 w 7837716"/>
-              <a:gd name="connsiteY6" fmla="*/ 6858000 h 6858000"/>
-              <a:gd name="connsiteX7" fmla="*/ 2219871 w 7837716"/>
-              <a:gd name="connsiteY7" fmla="*/ 6852616 h 6858000"/>
-              <a:gd name="connsiteX8" fmla="*/ 0 w 7837716"/>
-              <a:gd name="connsiteY8" fmla="*/ 3429000 h 6858000"/>
-              <a:gd name="connsiteX9" fmla="*/ 2219871 w 7837716"/>
-              <a:gd name="connsiteY9" fmla="*/ 5384 h 6858000"/>
-            </a:gdLst>
-            <a:ahLst/>
-            <a:cxnLst>
-              <a:cxn ang="0">
-                <a:pos x="connsiteX0" y="connsiteY0"/>
-              </a:cxn>
-              <a:cxn ang="0">
-                <a:pos x="connsiteX1" y="connsiteY1"/>
-              </a:cxn>
-              <a:cxn ang="0">
-                <a:pos x="connsiteX2" y="connsiteY2"/>
-              </a:cxn>
-              <a:cxn ang="0">
-                <a:pos x="connsiteX3" y="connsiteY3"/>
-              </a:cxn>
-              <a:cxn ang="0">
-                <a:pos x="connsiteX4" y="connsiteY4"/>
-              </a:cxn>
-              <a:cxn ang="0">
-                <a:pos x="connsiteX5" y="connsiteY5"/>
-              </a:cxn>
-              <a:cxn ang="0">
-                <a:pos x="connsiteX6" y="connsiteY6"/>
-              </a:cxn>
-              <a:cxn ang="0">
-                <a:pos x="connsiteX7" y="connsiteY7"/>
-              </a:cxn>
-              <a:cxn ang="0">
-                <a:pos x="connsiteX8" y="connsiteY8"/>
-              </a:cxn>
-              <a:cxn ang="0">
-                <a:pos x="connsiteX9" y="connsiteY9"/>
-              </a:cxn>
-            </a:cxnLst>
-            <a:rect l="l" t="t" r="r" b="b"/>
-            <a:pathLst>
-              <a:path w="7837716" h="6858000">
-                <a:moveTo>
-                  <a:pt x="2232159" y="0"/>
-                </a:moveTo>
-                <a:lnTo>
-                  <a:pt x="5605557" y="0"/>
-                </a:lnTo>
-                <a:lnTo>
-                  <a:pt x="5617845" y="5384"/>
-                </a:lnTo>
-                <a:cubicBezTo>
-                  <a:pt x="6931322" y="618789"/>
-                  <a:pt x="7837716" y="1921305"/>
-                  <a:pt x="7837716" y="3429000"/>
-                </a:cubicBezTo>
-                <a:cubicBezTo>
-                  <a:pt x="7837716" y="4936696"/>
-                  <a:pt x="6931322" y="6239212"/>
-                  <a:pt x="5617845" y="6852616"/>
-                </a:cubicBezTo>
-                <a:lnTo>
-                  <a:pt x="5605557" y="6858000"/>
-                </a:lnTo>
-                <a:lnTo>
-                  <a:pt x="2232159" y="6858000"/>
-                </a:lnTo>
-                <a:lnTo>
-                  <a:pt x="2219871" y="6852616"/>
-                </a:lnTo>
-                <a:cubicBezTo>
-                  <a:pt x="906394" y="6239212"/>
-                  <a:pt x="0" y="4936696"/>
-                  <a:pt x="0" y="3429000"/>
-                </a:cubicBezTo>
-                <a:cubicBezTo>
-                  <a:pt x="0" y="1921305"/>
-                  <a:pt x="906394" y="618789"/>
-                  <a:pt x="2219871" y="5384"/>
-                </a:cubicBezTo>
-                <a:close/>
-              </a:path>
-            </a:pathLst>
-          </a:custGeom>
-          <a:solidFill>
-            <a:schemeClr val="bg1"/>
-          </a:solidFill>
-          <a:ln>
-            <a:gradFill>
-              <a:gsLst>
-                <a:gs pos="0">
-                  <a:schemeClr val="accent1">
-                    <a:lumMod val="40000"/>
-                    <a:lumOff val="60000"/>
-                  </a:schemeClr>
-                </a:gs>
-                <a:gs pos="23000">
-                  <a:schemeClr val="accent1">
-                    <a:lumMod val="45000"/>
-                    <a:lumOff val="55000"/>
-                  </a:schemeClr>
-                </a:gs>
-                <a:gs pos="83000">
-                  <a:schemeClr val="bg2">
-                    <a:lumMod val="82000"/>
-                  </a:schemeClr>
-                </a:gs>
-                <a:gs pos="100000">
-                  <a:schemeClr val="bg2">
-                    <a:lumMod val="87000"/>
-                  </a:schemeClr>
-                </a:gs>
-              </a:gsLst>
-              <a:lin ang="5400000" scaled="1"/>
-            </a:gradFill>
-          </a:ln>
-        </p:spPr>
-        <p:style>
-          <a:lnRef idx="2">
-            <a:schemeClr val="accent1">
-              <a:shade val="50000"/>
-            </a:schemeClr>
-          </a:lnRef>
-          <a:fillRef idx="1">
-            <a:schemeClr val="accent1"/>
-          </a:fillRef>
-          <a:effectRef idx="0">
-            <a:schemeClr val="accent1"/>
-          </a:effectRef>
-          <a:fontRef idx="minor">
-            <a:schemeClr val="lt1"/>
-          </a:fontRef>
-        </p:style>
-        <p:txBody>
-          <a:bodyPr wrap="square" rtlCol="0" anchor="ctr">
-            <a:noAutofit/>
-          </a:bodyPr>
-          <a:lstStyle/>
-          <a:p>
-            <a:pPr algn="ctr"/>
-            <a:endParaRPr lang="en-US"/>
-          </a:p>
-        </p:txBody>
-      </p:sp>
-      <p:pic>
-        <p:nvPicPr>
-          <p:cNvPr id="3" name="Picture 2">
-            <a:extLst>
-              <a:ext uri="{FF2B5EF4-FFF2-40B4-BE49-F238E27FC236}">
-                <a16:creationId xmlns:a16="http://schemas.microsoft.com/office/drawing/2014/main" id="{5E9ED014-A14B-4A03-AC3F-7EE100270CBC}"/>
-              </a:ext>
-            </a:extLst>
-          </p:cNvPr>
-          <p:cNvPicPr>
-            <a:picLocks noChangeAspect="1"/>
-          </p:cNvPicPr>
-          <p:nvPr/>
-        </p:nvPicPr>
-        <p:blipFill>
-          <a:blip r:embed="rId3">
-            <a:extLst>
-              <a:ext uri="{28A0092B-C50C-407E-A947-70E740481C1C}">
-                <a14:useLocalDpi xmlns:a14="http://schemas.microsoft.com/office/drawing/2010/main" val="0"/>
-              </a:ext>
-            </a:extLst>
-          </a:blip>
-          <a:stretch>
-            <a:fillRect/>
-          </a:stretch>
-        </p:blipFill>
-        <p:spPr>
-          <a:xfrm>
-            <a:off x="3236181" y="1405048"/>
-            <a:ext cx="5462546" cy="4091636"/>
-          </a:xfrm>
-          <a:prstGeom prst="rect">
-            <a:avLst/>
-          </a:prstGeom>
-        </p:spPr>
-      </p:pic>
-    </p:spTree>
-    <p:extLst>
-      <p:ext uri="{BB962C8B-B14F-4D97-AF65-F5344CB8AC3E}">
-        <p14:creationId xmlns:p14="http://schemas.microsoft.com/office/powerpoint/2010/main" val="4004820307"/>
-      </p:ext>
-    </p:extLst>
-  </p:cSld>
-  <p:clrMapOvr>
-    <a:masterClrMapping/>
-  </p:clrMapOvr>
-</p:sld>
-</file>
-
-<file path=ppt/slides/slide22.xml><?xml version="1.0" encoding="utf-8"?>
-<p:sld xmlns:a="http://schemas.openxmlformats.org/drawingml/2006/main" xmlns:r="http://schemas.openxmlformats.org/officeDocument/2006/relationships" xmlns:p="http://schemas.openxmlformats.org/presentationml/2006/main">
-  <p:cSld>
-    <p:spTree>
-      <p:nvGrpSpPr>
-        <p:cNvPr id="1" name=""/>
-        <p:cNvGrpSpPr/>
-        <p:nvPr/>
-      </p:nvGrpSpPr>
-      <p:grpSpPr>
-        <a:xfrm>
-          <a:off x="0" y="0"/>
-          <a:ext cx="0" cy="0"/>
-          <a:chOff x="0" y="0"/>
-          <a:chExt cx="0" cy="0"/>
-        </a:xfrm>
-      </p:grpSpPr>
       <p:sp>
         <p:nvSpPr>
           <p:cNvPr id="2" name="TextBox 1">
@@ -6364,7 +9330,7 @@
         <p:spPr>
           <a:xfrm>
             <a:off x="2272767" y="655703"/>
-            <a:ext cx="8444753" cy="4339650"/>
+            <a:ext cx="8444753" cy="4708981"/>
           </a:xfrm>
           <a:prstGeom prst="rect">
             <a:avLst/>
@@ -6429,15 +9395,7 @@
             </a:r>
             <a:r>
               <a:rPr lang="en-US" sz="1200" dirty="0"/>
-              <a:t>=http%3A%2F%2Fgiantleap.in%2Fwp-content%2Fuploads%2F2016%2F01%2Fexplore-icon.jpg&amp;imgrefurl=http%3A%2F%2Fgiantleap.in%2Fexplore-the-explorer-in-you%2F&amp;docid=</a:t>
-            </a:r>
-            <a:r>
-              <a:rPr lang="en-US" sz="1200" dirty="0" err="1"/>
-              <a:t>kViiLITvIvWUbM&amp;tbnid</a:t>
-            </a:r>
-            <a:r>
-              <a:rPr lang="en-US" sz="1200" dirty="0"/>
-              <a:t>=QnhjoFuVAgZ5SM%3A&amp;vet=10ahUKEwjp7se21eDcAhXk34MKHdk3Ci4QMwg1KAIwAg..i&amp;w=1600&amp;h=1236&amp;bih=515&amp;biw=1269&amp;q=</a:t>
+              <a:t>=https%3A%2F%2Fwww.joshuanhook.com%2Fwp-content%2Fuploads%2F2017%2F07%2Fexplore.jpg&amp;imgrefurl=https%3A%2F%2Fwww.joshuanhook.com%2Fexplore-and-experiment%2F&amp;docid=Y4238KXw-HaI-M&amp;tbnid=6HIfzclSNc0KIM%3A&amp;vet=10ahUKEwj_uJjFk-PcAhXi34MKHTmrCtwQMwgzKAAwAA..i&amp;w=1920&amp;h=1080&amp;bih=498&amp;biw=1256&amp;q=</a:t>
             </a:r>
             <a:r>
               <a:rPr lang="en-US" sz="1200" dirty="0" err="1"/>
@@ -6445,7 +9403,7 @@
             </a:r>
             <a:r>
               <a:rPr lang="en-US" sz="1200" dirty="0"/>
-              <a:t>=0ahUKEwjp7se21eDcAhXk34MKHdk3Ci4QMwg1KAIwAg&amp;iact=</a:t>
+              <a:t>=0ahUKEwj_uJjFk-PcAhXi34MKHTmrCtwQMwgzKAAwAA&amp;iact=</a:t>
             </a:r>
             <a:r>
               <a:rPr lang="en-US" sz="1200" dirty="0" err="1"/>
@@ -6508,6 +9466,13 @@
           <a:p>
             <a:pPr algn="ctr"/>
             <a:endParaRPr lang="en-US" sz="1200" dirty="0"/>
+          </a:p>
+          <a:p>
+            <a:pPr algn="ctr"/>
+            <a:r>
+              <a:rPr lang="en-US" sz="1200" dirty="0"/>
+              <a:t>https://www.techiexpert.com/wp-content/uploads/2018/06/What-can-data-do-for-students3.png</a:t>
+            </a:r>
           </a:p>
         </p:txBody>
       </p:sp>
@@ -6530,7 +9495,9 @@
     <p:bg>
       <p:bgPr>
         <a:solidFill>
-          <a:schemeClr val="bg1"/>
+          <a:schemeClr val="accent2">
+            <a:lumMod val="75000"/>
+          </a:schemeClr>
         </a:solidFill>
         <a:effectLst/>
       </p:bgPr>
@@ -6557,7 +9524,7 @@
                 <a16:creationId xmlns:a16="http://schemas.microsoft.com/office/drawing/2014/main" id="{B547373F-AF2E-4907-B442-9F902B387FD0}"/>
               </a:ext>
               <a:ext uri="{C183D7F6-B498-43B3-948B-1728B52AA6E4}">
-                <adec:decorative xmlns="" xmlns:adec="http://schemas.microsoft.com/office/drawing/2017/decorative" val="1"/>
+                <adec:decorative xmlns:adec="http://schemas.microsoft.com/office/drawing/2017/decorative" xmlns="" val="1"/>
               </a:ext>
             </a:extLst>
           </p:cNvPr>
@@ -6584,9 +9551,8 @@
             </a:avLst>
           </a:prstGeom>
           <a:solidFill>
-            <a:schemeClr val="tx1">
-              <a:lumMod val="85000"/>
-              <a:lumOff val="15000"/>
+            <a:schemeClr val="bg2">
+              <a:lumMod val="25000"/>
             </a:schemeClr>
           </a:solidFill>
           <a:ln w="53975">
@@ -6700,25 +9666,41 @@
           <a:lstStyle/>
           <a:p>
             <a:r>
-              <a:rPr lang="en-US" sz="3600" dirty="0"/>
+              <a:rPr lang="en-US" sz="3600" dirty="0">
+                <a:solidFill>
+                  <a:schemeClr val="bg1"/>
+                </a:solidFill>
+              </a:rPr>
               <a:t>What factors have the highest impact on the rating of a movie?</a:t>
             </a:r>
           </a:p>
           <a:p>
             <a:r>
-              <a:rPr lang="en-US" sz="3600" dirty="0"/>
+              <a:rPr lang="en-US" sz="3600" dirty="0">
+                <a:solidFill>
+                  <a:schemeClr val="bg1"/>
+                </a:solidFill>
+              </a:rPr>
               <a:t>	- Do we limit the date range for 	analysis?</a:t>
             </a:r>
           </a:p>
           <a:p>
             <a:r>
-              <a:rPr lang="en-US" sz="3600" dirty="0"/>
+              <a:rPr lang="en-US" sz="3600" dirty="0">
+                <a:solidFill>
+                  <a:schemeClr val="bg1"/>
+                </a:solidFill>
+              </a:rPr>
               <a:t>	- Do genres influence ratings?</a:t>
             </a:r>
           </a:p>
           <a:p>
             <a:r>
-              <a:rPr lang="en-US" sz="3600" dirty="0"/>
+              <a:rPr lang="en-US" sz="3600" dirty="0">
+                <a:solidFill>
+                  <a:schemeClr val="bg1"/>
+                </a:solidFill>
+              </a:rPr>
               <a:t>	- Do roles influence ratings?</a:t>
             </a:r>
           </a:p>
@@ -7001,7 +9983,7 @@
                 <a16:creationId xmlns:a16="http://schemas.microsoft.com/office/drawing/2014/main" id="{CF62D2A7-8207-488C-9F46-316BA81A16C8}"/>
               </a:ext>
               <a:ext uri="{C183D7F6-B498-43B3-948B-1728B52AA6E4}">
-                <adec:decorative xmlns="" xmlns:adec="http://schemas.microsoft.com/office/drawing/2017/decorative" val="1"/>
+                <adec:decorative xmlns:adec="http://schemas.microsoft.com/office/drawing/2017/decorative" xmlns="" val="1"/>
               </a:ext>
             </a:extLst>
           </p:cNvPr>
@@ -7168,7 +10150,7 @@
                 <a16:creationId xmlns:a16="http://schemas.microsoft.com/office/drawing/2014/main" id="{52AC6D7F-F068-4E11-BB06-F601D89BB980}"/>
               </a:ext>
               <a:ext uri="{C183D7F6-B498-43B3-948B-1728B52AA6E4}">
-                <adec:decorative xmlns="" xmlns:adec="http://schemas.microsoft.com/office/drawing/2017/decorative" val="1"/>
+                <adec:decorative xmlns:adec="http://schemas.microsoft.com/office/drawing/2017/decorative" xmlns="" val="1"/>
               </a:ext>
             </a:extLst>
           </p:cNvPr>
@@ -7462,7 +10444,7 @@
                 <a16:creationId xmlns:a16="http://schemas.microsoft.com/office/drawing/2014/main" id="{E0D60ECE-8986-45DC-B7FE-EC7699B466B8}"/>
               </a:ext>
               <a:ext uri="{C183D7F6-B498-43B3-948B-1728B52AA6E4}">
-                <adec:decorative xmlns="" xmlns:adec="http://schemas.microsoft.com/office/drawing/2017/decorative" val="1"/>
+                <adec:decorative xmlns:adec="http://schemas.microsoft.com/office/drawing/2017/decorative" xmlns="" val="1"/>
               </a:ext>
             </a:extLst>
           </p:cNvPr>
@@ -7631,7 +10613,7 @@
                 <a16:creationId xmlns:a16="http://schemas.microsoft.com/office/drawing/2014/main" id="{96964194-5878-40D2-8EC0-DDC58387FA56}"/>
               </a:ext>
               <a:ext uri="{C183D7F6-B498-43B3-948B-1728B52AA6E4}">
-                <adec:decorative xmlns="" xmlns:adec="http://schemas.microsoft.com/office/drawing/2017/decorative" val="1"/>
+                <adec:decorative xmlns:adec="http://schemas.microsoft.com/office/drawing/2017/decorative" xmlns="" val="1"/>
               </a:ext>
             </a:extLst>
           </p:cNvPr>
@@ -8074,10 +11056,10 @@
       </p:grpSpPr>
       <p:sp>
         <p:nvSpPr>
-          <p:cNvPr id="9" name="Rectangle 8">
-            <a:extLst>
-              <a:ext uri="{FF2B5EF4-FFF2-40B4-BE49-F238E27FC236}">
-                <a16:creationId xmlns:a16="http://schemas.microsoft.com/office/drawing/2014/main" id="{57845966-6EFC-468A-9CC7-BAB4B95854E7}"/>
+          <p:cNvPr id="10" name="Rectangle 9">
+            <a:extLst>
+              <a:ext uri="{FF2B5EF4-FFF2-40B4-BE49-F238E27FC236}">
+                <a16:creationId xmlns:a16="http://schemas.microsoft.com/office/drawing/2014/main" id="{6753252F-4873-4F63-801D-CC719279A7D5}"/>
               </a:ext>
               <a:ext uri="{C183D7F6-B498-43B3-948B-1728B52AA6E4}">
                 <adec:decorative xmlns="" xmlns:adec="http://schemas.microsoft.com/office/drawing/2017/decorative" val="1"/>
@@ -8097,14 +11079,14 @@
         </p:nvSpPr>
         <p:spPr>
           <a:xfrm>
-            <a:off x="1354372" y="0"/>
-            <a:ext cx="9483256" cy="6858000"/>
+            <a:off x="0" y="0"/>
+            <a:ext cx="12192000" cy="6858000"/>
           </a:xfrm>
           <a:prstGeom prst="rect">
             <a:avLst/>
           </a:prstGeom>
           <a:solidFill>
-            <a:srgbClr val="5F7C3B"/>
+            <a:srgbClr val="FFFFFF"/>
           </a:solidFill>
           <a:ln>
             <a:noFill/>
@@ -8135,57 +11117,12 @@
           </a:p>
         </p:txBody>
       </p:sp>
-      <p:pic>
-        <p:nvPicPr>
-          <p:cNvPr id="11" name="Picture 10">
-            <a:extLst>
-              <a:ext uri="{FF2B5EF4-FFF2-40B4-BE49-F238E27FC236}">
-                <a16:creationId xmlns:a16="http://schemas.microsoft.com/office/drawing/2014/main" id="{75554383-98AF-4A47-BB65-705FAAA4BE6A}"/>
-              </a:ext>
-              <a:ext uri="{C183D7F6-B498-43B3-948B-1728B52AA6E4}">
-                <adec:decorative xmlns="" xmlns:adec="http://schemas.microsoft.com/office/drawing/2017/decorative" val="1"/>
-              </a:ext>
-            </a:extLst>
-          </p:cNvPr>
-          <p:cNvPicPr>
-            <a:picLocks noGrp="1" noRot="1" noChangeAspect="1" noMove="1" noResize="1" noEditPoints="1" noAdjustHandles="1" noChangeArrowheads="1" noChangeShapeType="1" noCrop="1"/>
-          </p:cNvPicPr>
-          <p:nvPr>
-            <p:extLst>
-              <p:ext uri="{386F3935-93C4-4BCD-93E2-E3B085C9AB24}">
-                <p16:designElem xmlns:p16="http://schemas.microsoft.com/office/powerpoint/2015/main" val="1"/>
-              </p:ext>
-            </p:extLst>
-          </p:nvPr>
-        </p:nvPicPr>
-        <p:blipFill>
-          <a:blip r:embed="rId2">
-            <a:extLst>
-              <a:ext uri="{28A0092B-C50C-407E-A947-70E740481C1C}">
-                <a14:useLocalDpi xmlns:a14="http://schemas.microsoft.com/office/drawing/2010/main" val="0"/>
-              </a:ext>
-            </a:extLst>
-          </a:blip>
-          <a:stretch>
-            <a:fillRect/>
-          </a:stretch>
-        </p:blipFill>
-        <p:spPr>
-          <a:xfrm>
-            <a:off x="0" y="0"/>
-            <a:ext cx="12192000" cy="6858000"/>
-          </a:xfrm>
-          <a:prstGeom prst="rect">
-            <a:avLst/>
-          </a:prstGeom>
-        </p:spPr>
-      </p:pic>
-      <p:sp>
-        <p:nvSpPr>
-          <p:cNvPr id="13" name="Freeform: Shape 12">
-            <a:extLst>
-              <a:ext uri="{FF2B5EF4-FFF2-40B4-BE49-F238E27FC236}">
-                <a16:creationId xmlns:a16="http://schemas.microsoft.com/office/drawing/2014/main" id="{ADAD1991-FFD1-4E94-ABAB-7560D33008E4}"/>
+      <p:sp>
+        <p:nvSpPr>
+          <p:cNvPr id="12" name="Rectangle 11">
+            <a:extLst>
+              <a:ext uri="{FF2B5EF4-FFF2-40B4-BE49-F238E27FC236}">
+                <a16:creationId xmlns:a16="http://schemas.microsoft.com/office/drawing/2014/main" id="{047C8CCB-F95D-4249-92DD-651249D3535A}"/>
               </a:ext>
               <a:ext uri="{C183D7F6-B498-43B3-948B-1728B52AA6E4}">
                 <adec:decorative xmlns="" xmlns:adec="http://schemas.microsoft.com/office/drawing/2017/decorative" val="1"/>
@@ -8205,142 +11142,20 @@
         </p:nvSpPr>
         <p:spPr>
           <a:xfrm>
-            <a:off x="2144484" y="0"/>
-            <a:ext cx="7837716" cy="6858000"/>
-          </a:xfrm>
-          <a:custGeom>
+            <a:off x="0" y="0"/>
+            <a:ext cx="2013557" cy="6858000"/>
+          </a:xfrm>
+          <a:prstGeom prst="rect">
             <a:avLst/>
-            <a:gdLst>
-              <a:gd name="connsiteX0" fmla="*/ 2232159 w 7837716"/>
-              <a:gd name="connsiteY0" fmla="*/ 0 h 6858000"/>
-              <a:gd name="connsiteX1" fmla="*/ 5605557 w 7837716"/>
-              <a:gd name="connsiteY1" fmla="*/ 0 h 6858000"/>
-              <a:gd name="connsiteX2" fmla="*/ 5617845 w 7837716"/>
-              <a:gd name="connsiteY2" fmla="*/ 5384 h 6858000"/>
-              <a:gd name="connsiteX3" fmla="*/ 7837716 w 7837716"/>
-              <a:gd name="connsiteY3" fmla="*/ 3429000 h 6858000"/>
-              <a:gd name="connsiteX4" fmla="*/ 5617845 w 7837716"/>
-              <a:gd name="connsiteY4" fmla="*/ 6852616 h 6858000"/>
-              <a:gd name="connsiteX5" fmla="*/ 5605557 w 7837716"/>
-              <a:gd name="connsiteY5" fmla="*/ 6858000 h 6858000"/>
-              <a:gd name="connsiteX6" fmla="*/ 2232159 w 7837716"/>
-              <a:gd name="connsiteY6" fmla="*/ 6858000 h 6858000"/>
-              <a:gd name="connsiteX7" fmla="*/ 2219871 w 7837716"/>
-              <a:gd name="connsiteY7" fmla="*/ 6852616 h 6858000"/>
-              <a:gd name="connsiteX8" fmla="*/ 0 w 7837716"/>
-              <a:gd name="connsiteY8" fmla="*/ 3429000 h 6858000"/>
-              <a:gd name="connsiteX9" fmla="*/ 2219871 w 7837716"/>
-              <a:gd name="connsiteY9" fmla="*/ 5384 h 6858000"/>
-            </a:gdLst>
-            <a:ahLst/>
-            <a:cxnLst>
-              <a:cxn ang="0">
-                <a:pos x="connsiteX0" y="connsiteY0"/>
-              </a:cxn>
-              <a:cxn ang="0">
-                <a:pos x="connsiteX1" y="connsiteY1"/>
-              </a:cxn>
-              <a:cxn ang="0">
-                <a:pos x="connsiteX2" y="connsiteY2"/>
-              </a:cxn>
-              <a:cxn ang="0">
-                <a:pos x="connsiteX3" y="connsiteY3"/>
-              </a:cxn>
-              <a:cxn ang="0">
-                <a:pos x="connsiteX4" y="connsiteY4"/>
-              </a:cxn>
-              <a:cxn ang="0">
-                <a:pos x="connsiteX5" y="connsiteY5"/>
-              </a:cxn>
-              <a:cxn ang="0">
-                <a:pos x="connsiteX6" y="connsiteY6"/>
-              </a:cxn>
-              <a:cxn ang="0">
-                <a:pos x="connsiteX7" y="connsiteY7"/>
-              </a:cxn>
-              <a:cxn ang="0">
-                <a:pos x="connsiteX8" y="connsiteY8"/>
-              </a:cxn>
-              <a:cxn ang="0">
-                <a:pos x="connsiteX9" y="connsiteY9"/>
-              </a:cxn>
-            </a:cxnLst>
-            <a:rect l="l" t="t" r="r" b="b"/>
-            <a:pathLst>
-              <a:path w="7837716" h="6858000">
-                <a:moveTo>
-                  <a:pt x="2232159" y="0"/>
-                </a:moveTo>
-                <a:lnTo>
-                  <a:pt x="5605557" y="0"/>
-                </a:lnTo>
-                <a:lnTo>
-                  <a:pt x="5617845" y="5384"/>
-                </a:lnTo>
-                <a:cubicBezTo>
-                  <a:pt x="6931322" y="618789"/>
-                  <a:pt x="7837716" y="1921305"/>
-                  <a:pt x="7837716" y="3429000"/>
-                </a:cubicBezTo>
-                <a:cubicBezTo>
-                  <a:pt x="7837716" y="4936696"/>
-                  <a:pt x="6931322" y="6239212"/>
-                  <a:pt x="5617845" y="6852616"/>
-                </a:cubicBezTo>
-                <a:lnTo>
-                  <a:pt x="5605557" y="6858000"/>
-                </a:lnTo>
-                <a:lnTo>
-                  <a:pt x="2232159" y="6858000"/>
-                </a:lnTo>
-                <a:lnTo>
-                  <a:pt x="2219871" y="6852616"/>
-                </a:lnTo>
-                <a:cubicBezTo>
-                  <a:pt x="906394" y="6239212"/>
-                  <a:pt x="0" y="4936696"/>
-                  <a:pt x="0" y="3429000"/>
-                </a:cubicBezTo>
-                <a:cubicBezTo>
-                  <a:pt x="0" y="1921305"/>
-                  <a:pt x="906394" y="618789"/>
-                  <a:pt x="2219871" y="5384"/>
-                </a:cubicBezTo>
-                <a:close/>
-              </a:path>
-            </a:pathLst>
-          </a:custGeom>
+          </a:prstGeom>
           <a:solidFill>
-            <a:schemeClr val="bg1"/>
+            <a:schemeClr val="tx1">
+              <a:lumMod val="50000"/>
+              <a:lumOff val="50000"/>
+            </a:schemeClr>
           </a:solidFill>
           <a:ln>
-            <a:gradFill>
-              <a:gsLst>
-                <a:gs pos="0">
-                  <a:schemeClr val="accent1">
-                    <a:lumMod val="40000"/>
-                    <a:lumOff val="60000"/>
-                  </a:schemeClr>
-                </a:gs>
-                <a:gs pos="23000">
-                  <a:schemeClr val="accent1">
-                    <a:lumMod val="45000"/>
-                    <a:lumOff val="55000"/>
-                  </a:schemeClr>
-                </a:gs>
-                <a:gs pos="83000">
-                  <a:schemeClr val="bg2">
-                    <a:lumMod val="82000"/>
-                  </a:schemeClr>
-                </a:gs>
-                <a:gs pos="100000">
-                  <a:schemeClr val="bg2">
-                    <a:lumMod val="87000"/>
-                  </a:schemeClr>
-                </a:gs>
-              </a:gsLst>
-              <a:lin ang="5400000" scaled="1"/>
-            </a:gradFill>
+            <a:noFill/>
           </a:ln>
         </p:spPr>
         <p:style>
@@ -8360,22 +11175,84 @@
           </a:fontRef>
         </p:style>
         <p:txBody>
-          <a:bodyPr wrap="square" rtlCol="0" anchor="ctr">
-            <a:noAutofit/>
+          <a:bodyPr rtlCol="0" anchor="ctr"/>
+          <a:lstStyle/>
+          <a:p>
+            <a:pPr algn="ctr"/>
+            <a:endParaRPr lang="en-US"/>
+          </a:p>
+        </p:txBody>
+      </p:sp>
+      <p:sp>
+        <p:nvSpPr>
+          <p:cNvPr id="5" name="TextBox 4">
+            <a:extLst>
+              <a:ext uri="{FF2B5EF4-FFF2-40B4-BE49-F238E27FC236}">
+                <a16:creationId xmlns:a16="http://schemas.microsoft.com/office/drawing/2014/main" id="{C8535558-B51C-40E2-9AE0-361B3C8281F8}"/>
+              </a:ext>
+            </a:extLst>
+          </p:cNvPr>
+          <p:cNvSpPr txBox="1"/>
+          <p:nvPr/>
+        </p:nvSpPr>
+        <p:spPr>
+          <a:xfrm>
+            <a:off x="640080" y="2074363"/>
+            <a:ext cx="2752354" cy="2709275"/>
+          </a:xfrm>
+          <a:prstGeom prst="ellipse">
+            <a:avLst/>
+          </a:prstGeom>
+          <a:solidFill>
+            <a:schemeClr val="bg2">
+              <a:lumMod val="25000"/>
+            </a:schemeClr>
+          </a:solidFill>
+          <a:ln w="174625" cmpd="thinThick">
+            <a:solidFill>
+              <a:schemeClr val="bg2">
+                <a:lumMod val="25000"/>
+              </a:schemeClr>
+            </a:solidFill>
+          </a:ln>
+        </p:spPr>
+        <p:txBody>
+          <a:bodyPr vert="horz" lIns="91440" tIns="45720" rIns="91440" bIns="45720" rtlCol="0" anchor="ctr">
+            <a:normAutofit/>
           </a:bodyPr>
           <a:lstStyle/>
           <a:p>
-            <a:pPr algn="ctr"/>
-            <a:endParaRPr lang="en-US"/>
+            <a:pPr algn="ctr">
+              <a:lnSpc>
+                <a:spcPct val="90000"/>
+              </a:lnSpc>
+              <a:spcBef>
+                <a:spcPct val="0"/>
+              </a:spcBef>
+              <a:spcAft>
+                <a:spcPts val="600"/>
+              </a:spcAft>
+            </a:pPr>
+            <a:r>
+              <a:rPr lang="en-US" sz="2600" kern="1200">
+                <a:solidFill>
+                  <a:srgbClr val="FFFFFF"/>
+                </a:solidFill>
+                <a:latin typeface="+mj-lt"/>
+                <a:ea typeface="+mj-ea"/>
+                <a:cs typeface="+mj-cs"/>
+              </a:rPr>
+              <a:t>Targeted Tables</a:t>
+            </a:r>
           </a:p>
         </p:txBody>
       </p:sp>
       <p:pic>
         <p:nvPicPr>
-          <p:cNvPr id="4" name="Picture 3">
-            <a:extLst>
-              <a:ext uri="{FF2B5EF4-FFF2-40B4-BE49-F238E27FC236}">
-                <a16:creationId xmlns:a16="http://schemas.microsoft.com/office/drawing/2014/main" id="{C9F5EF3E-C111-4411-B704-0B27AD064D5C}"/>
+          <p:cNvPr id="3" name="Picture 2">
+            <a:extLst>
+              <a:ext uri="{FF2B5EF4-FFF2-40B4-BE49-F238E27FC236}">
+                <a16:creationId xmlns:a16="http://schemas.microsoft.com/office/drawing/2014/main" id="{4FC27DC3-3E8F-4637-B9F8-1A85175B9ED0}"/>
               </a:ext>
             </a:extLst>
           </p:cNvPr>
@@ -8385,7 +11262,7 @@
           <p:nvPr/>
         </p:nvPicPr>
         <p:blipFill>
-          <a:blip r:embed="rId3">
+          <a:blip r:embed="rId2">
             <a:extLst>
               <a:ext uri="{28A0092B-C50C-407E-A947-70E740481C1C}">
                 <a14:useLocalDpi xmlns:a14="http://schemas.microsoft.com/office/drawing/2010/main" val="0"/>
@@ -8398,8 +11275,8 @@
         </p:blipFill>
         <p:spPr>
           <a:xfrm>
-            <a:off x="3236181" y="1340824"/>
-            <a:ext cx="5462546" cy="4220084"/>
+            <a:off x="3687795" y="223520"/>
+            <a:ext cx="7815027" cy="6467898"/>
           </a:xfrm>
           <a:prstGeom prst="rect">
             <a:avLst/>
@@ -8409,7 +11286,7 @@
     </p:spTree>
     <p:extLst>
       <p:ext uri="{BB962C8B-B14F-4D97-AF65-F5344CB8AC3E}">
-        <p14:creationId xmlns:p14="http://schemas.microsoft.com/office/powerpoint/2010/main" val="2809840340"/>
+        <p14:creationId xmlns:p14="http://schemas.microsoft.com/office/powerpoint/2010/main" val="2128687772"/>
       </p:ext>
     </p:extLst>
   </p:cSld>
@@ -8422,6 +11299,14 @@
 <file path=ppt/slides/slide7.xml><?xml version="1.0" encoding="utf-8"?>
 <p:sld xmlns:a="http://schemas.openxmlformats.org/drawingml/2006/main" xmlns:r="http://schemas.openxmlformats.org/officeDocument/2006/relationships" xmlns:p="http://schemas.openxmlformats.org/presentationml/2006/main">
   <p:cSld>
+    <p:bg>
+      <p:bgPr>
+        <a:solidFill>
+          <a:schemeClr val="bg1"/>
+        </a:solidFill>
+        <a:effectLst/>
+      </p:bgPr>
+    </p:bg>
     <p:spTree>
       <p:nvGrpSpPr>
         <p:cNvPr id="1" name=""/>
@@ -8436,12 +11321,204 @@
           <a:chExt cx="0" cy="0"/>
         </a:xfrm>
       </p:grpSpPr>
+      <p:sp>
+        <p:nvSpPr>
+          <p:cNvPr id="9" name="Rectangle 8">
+            <a:extLst>
+              <a:ext uri="{FF2B5EF4-FFF2-40B4-BE49-F238E27FC236}">
+                <a16:creationId xmlns:a16="http://schemas.microsoft.com/office/drawing/2014/main" id="{6753252F-4873-4F63-801D-CC719279A7D5}"/>
+              </a:ext>
+              <a:ext uri="{C183D7F6-B498-43B3-948B-1728B52AA6E4}">
+                <adec:decorative xmlns="" xmlns:adec="http://schemas.microsoft.com/office/drawing/2017/decorative" val="1"/>
+              </a:ext>
+            </a:extLst>
+          </p:cNvPr>
+          <p:cNvSpPr>
+            <a:spLocks noGrp="1" noRot="1" noChangeAspect="1" noMove="1" noResize="1" noEditPoints="1" noAdjustHandles="1" noChangeArrowheads="1" noChangeShapeType="1" noTextEdit="1"/>
+          </p:cNvSpPr>
+          <p:nvPr>
+            <p:extLst>
+              <p:ext uri="{386F3935-93C4-4BCD-93E2-E3B085C9AB24}">
+                <p16:designElem xmlns:p16="http://schemas.microsoft.com/office/powerpoint/2015/main" val="1"/>
+              </p:ext>
+            </p:extLst>
+          </p:nvPr>
+        </p:nvSpPr>
+        <p:spPr>
+          <a:xfrm>
+            <a:off x="0" y="0"/>
+            <a:ext cx="12192000" cy="6858000"/>
+          </a:xfrm>
+          <a:prstGeom prst="rect">
+            <a:avLst/>
+          </a:prstGeom>
+          <a:solidFill>
+            <a:srgbClr val="FFFFFF"/>
+          </a:solidFill>
+          <a:ln>
+            <a:noFill/>
+          </a:ln>
+        </p:spPr>
+        <p:style>
+          <a:lnRef idx="2">
+            <a:schemeClr val="accent1">
+              <a:shade val="50000"/>
+            </a:schemeClr>
+          </a:lnRef>
+          <a:fillRef idx="1">
+            <a:schemeClr val="accent1"/>
+          </a:fillRef>
+          <a:effectRef idx="0">
+            <a:schemeClr val="accent1"/>
+          </a:effectRef>
+          <a:fontRef idx="minor">
+            <a:schemeClr val="lt1"/>
+          </a:fontRef>
+        </p:style>
+        <p:txBody>
+          <a:bodyPr rtlCol="0" anchor="ctr"/>
+          <a:lstStyle/>
+          <a:p>
+            <a:pPr algn="ctr"/>
+            <a:endParaRPr lang="en-US"/>
+          </a:p>
+        </p:txBody>
+      </p:sp>
+      <p:sp>
+        <p:nvSpPr>
+          <p:cNvPr id="11" name="Rectangle 10">
+            <a:extLst>
+              <a:ext uri="{FF2B5EF4-FFF2-40B4-BE49-F238E27FC236}">
+                <a16:creationId xmlns:a16="http://schemas.microsoft.com/office/drawing/2014/main" id="{047C8CCB-F95D-4249-92DD-651249D3535A}"/>
+              </a:ext>
+              <a:ext uri="{C183D7F6-B498-43B3-948B-1728B52AA6E4}">
+                <adec:decorative xmlns="" xmlns:adec="http://schemas.microsoft.com/office/drawing/2017/decorative" val="1"/>
+              </a:ext>
+            </a:extLst>
+          </p:cNvPr>
+          <p:cNvSpPr>
+            <a:spLocks noGrp="1" noRot="1" noChangeAspect="1" noMove="1" noResize="1" noEditPoints="1" noAdjustHandles="1" noChangeArrowheads="1" noChangeShapeType="1" noTextEdit="1"/>
+          </p:cNvSpPr>
+          <p:nvPr>
+            <p:extLst>
+              <p:ext uri="{386F3935-93C4-4BCD-93E2-E3B085C9AB24}">
+                <p16:designElem xmlns:p16="http://schemas.microsoft.com/office/powerpoint/2015/main" val="1"/>
+              </p:ext>
+            </p:extLst>
+          </p:nvPr>
+        </p:nvSpPr>
+        <p:spPr>
+          <a:xfrm>
+            <a:off x="0" y="0"/>
+            <a:ext cx="2013557" cy="6858000"/>
+          </a:xfrm>
+          <a:prstGeom prst="rect">
+            <a:avLst/>
+          </a:prstGeom>
+          <a:solidFill>
+            <a:schemeClr val="accent2">
+              <a:lumMod val="75000"/>
+            </a:schemeClr>
+          </a:solidFill>
+          <a:ln>
+            <a:noFill/>
+          </a:ln>
+        </p:spPr>
+        <p:style>
+          <a:lnRef idx="2">
+            <a:schemeClr val="accent1">
+              <a:shade val="50000"/>
+            </a:schemeClr>
+          </a:lnRef>
+          <a:fillRef idx="1">
+            <a:schemeClr val="accent1"/>
+          </a:fillRef>
+          <a:effectRef idx="0">
+            <a:schemeClr val="accent1"/>
+          </a:effectRef>
+          <a:fontRef idx="minor">
+            <a:schemeClr val="lt1"/>
+          </a:fontRef>
+        </p:style>
+        <p:txBody>
+          <a:bodyPr rtlCol="0" anchor="ctr"/>
+          <a:lstStyle/>
+          <a:p>
+            <a:pPr algn="ctr"/>
+            <a:endParaRPr lang="en-US"/>
+          </a:p>
+        </p:txBody>
+      </p:sp>
+      <p:sp>
+        <p:nvSpPr>
+          <p:cNvPr id="4" name="TextBox 3">
+            <a:extLst>
+              <a:ext uri="{FF2B5EF4-FFF2-40B4-BE49-F238E27FC236}">
+                <a16:creationId xmlns:a16="http://schemas.microsoft.com/office/drawing/2014/main" id="{1A4EFBA0-356B-441B-B52B-98CE36C7836B}"/>
+              </a:ext>
+            </a:extLst>
+          </p:cNvPr>
+          <p:cNvSpPr txBox="1"/>
+          <p:nvPr/>
+        </p:nvSpPr>
+        <p:spPr>
+          <a:xfrm>
+            <a:off x="640080" y="2074363"/>
+            <a:ext cx="2752354" cy="2709275"/>
+          </a:xfrm>
+          <a:prstGeom prst="ellipse">
+            <a:avLst/>
+          </a:prstGeom>
+          <a:solidFill>
+            <a:schemeClr val="bg2">
+              <a:lumMod val="25000"/>
+            </a:schemeClr>
+          </a:solidFill>
+          <a:ln w="174625" cmpd="thinThick">
+            <a:solidFill>
+              <a:schemeClr val="bg2">
+                <a:lumMod val="25000"/>
+              </a:schemeClr>
+            </a:solidFill>
+          </a:ln>
+        </p:spPr>
+        <p:txBody>
+          <a:bodyPr vert="horz" lIns="91440" tIns="45720" rIns="91440" bIns="45720" rtlCol="0" anchor="ctr">
+            <a:normAutofit/>
+          </a:bodyPr>
+          <a:lstStyle/>
+          <a:p>
+            <a:pPr algn="ctr">
+              <a:lnSpc>
+                <a:spcPct val="90000"/>
+              </a:lnSpc>
+              <a:spcBef>
+                <a:spcPct val="0"/>
+              </a:spcBef>
+              <a:spcAft>
+                <a:spcPts val="600"/>
+              </a:spcAft>
+            </a:pPr>
+            <a:r>
+              <a:rPr lang="en-US" sz="2600" kern="1200">
+                <a:solidFill>
+                  <a:srgbClr val="FFFFFF"/>
+                </a:solidFill>
+                <a:latin typeface="+mj-lt"/>
+                <a:ea typeface="+mj-ea"/>
+                <a:cs typeface="+mj-cs"/>
+              </a:rPr>
+              <a:t>Exploration</a:t>
+            </a:r>
+          </a:p>
+        </p:txBody>
+      </p:sp>
       <p:pic>
         <p:nvPicPr>
           <p:cNvPr id="3" name="Picture 2">
             <a:extLst>
               <a:ext uri="{FF2B5EF4-FFF2-40B4-BE49-F238E27FC236}">
-                <a16:creationId xmlns:a16="http://schemas.microsoft.com/office/drawing/2014/main" id="{4FC27DC3-3E8F-4637-B9F8-1A85175B9ED0}"/>
+                <a16:creationId xmlns:a16="http://schemas.microsoft.com/office/drawing/2014/main" id="{E63FBF67-00BB-42A7-80E6-76EBA88D6C83}"/>
               </a:ext>
             </a:extLst>
           </p:cNvPr>
@@ -8450,7 +11527,7 @@
           </p:cNvPicPr>
           <p:nvPr/>
         </p:nvPicPr>
-        <p:blipFill rotWithShape="1">
+        <p:blipFill>
           <a:blip r:embed="rId2">
             <a:extLst>
               <a:ext uri="{28A0092B-C50C-407E-A947-70E740481C1C}">
@@ -8458,58 +11535,24 @@
               </a:ext>
             </a:extLst>
           </a:blip>
-          <a:srcRect l="10202" t="3560" r="13692" b="16964"/>
-          <a:stretch/>
+          <a:stretch>
+            <a:fillRect/>
+          </a:stretch>
         </p:blipFill>
         <p:spPr>
           <a:xfrm>
-            <a:off x="2409372" y="203201"/>
-            <a:ext cx="8699962" cy="6392606"/>
+            <a:off x="4038600" y="1414610"/>
+            <a:ext cx="7188199" cy="4025391"/>
           </a:xfrm>
           <a:prstGeom prst="rect">
             <a:avLst/>
           </a:prstGeom>
         </p:spPr>
       </p:pic>
-      <p:sp>
-        <p:nvSpPr>
-          <p:cNvPr id="5" name="TextBox 4">
-            <a:extLst>
-              <a:ext uri="{FF2B5EF4-FFF2-40B4-BE49-F238E27FC236}">
-                <a16:creationId xmlns:a16="http://schemas.microsoft.com/office/drawing/2014/main" id="{C8535558-B51C-40E2-9AE0-361B3C8281F8}"/>
-              </a:ext>
-            </a:extLst>
-          </p:cNvPr>
-          <p:cNvSpPr txBox="1"/>
-          <p:nvPr/>
-        </p:nvSpPr>
-        <p:spPr>
-          <a:xfrm>
-            <a:off x="551542" y="2910624"/>
-            <a:ext cx="2525486" cy="1200329"/>
-          </a:xfrm>
-          <a:prstGeom prst="rect">
-            <a:avLst/>
-          </a:prstGeom>
-          <a:noFill/>
-        </p:spPr>
-        <p:txBody>
-          <a:bodyPr wrap="square" rtlCol="0">
-            <a:spAutoFit/>
-          </a:bodyPr>
-          <a:lstStyle/>
-          <a:p>
-            <a:r>
-              <a:rPr lang="en-US" sz="3600" dirty="0"/>
-              <a:t>Targeted Tables</a:t>
-            </a:r>
-          </a:p>
-        </p:txBody>
-      </p:sp>
     </p:spTree>
     <p:extLst>
       <p:ext uri="{BB962C8B-B14F-4D97-AF65-F5344CB8AC3E}">
-        <p14:creationId xmlns:p14="http://schemas.microsoft.com/office/powerpoint/2010/main" val="2128687772"/>
+        <p14:creationId xmlns:p14="http://schemas.microsoft.com/office/powerpoint/2010/main" val="515271973"/>
       </p:ext>
     </p:extLst>
   </p:cSld>
@@ -8546,10 +11589,10 @@
       </p:grpSpPr>
       <p:sp>
         <p:nvSpPr>
-          <p:cNvPr id="10" name="Rectangle 9">
-            <a:extLst>
-              <a:ext uri="{FF2B5EF4-FFF2-40B4-BE49-F238E27FC236}">
-                <a16:creationId xmlns:a16="http://schemas.microsoft.com/office/drawing/2014/main" id="{5F9CFCE6-877F-4858-B8BD-2C52CA8AFBC4}"/>
+          <p:cNvPr id="19" name="Rectangle 18">
+            <a:extLst>
+              <a:ext uri="{FF2B5EF4-FFF2-40B4-BE49-F238E27FC236}">
+                <a16:creationId xmlns:a16="http://schemas.microsoft.com/office/drawing/2014/main" id="{823AC064-BC96-4F32-8AE1-B2FD38754823}"/>
               </a:ext>
               <a:ext uri="{C183D7F6-B498-43B3-948B-1728B52AA6E4}">
                 <adec:decorative xmlns="" xmlns:adec="http://schemas.microsoft.com/office/drawing/2017/decorative" val="1"/>
@@ -8567,19 +11610,21 @@
             </p:extLst>
           </p:nvPr>
         </p:nvSpPr>
-        <p:spPr>
-          <a:xfrm>
-            <a:off x="0" y="0"/>
-            <a:ext cx="12192000" cy="6858000"/>
+        <p:spPr bwMode="ltGray">
+          <a:xfrm>
+            <a:off x="396882" y="280374"/>
+            <a:ext cx="11438793" cy="1844256"/>
           </a:xfrm>
           <a:prstGeom prst="rect">
             <a:avLst/>
           </a:prstGeom>
           <a:solidFill>
-            <a:srgbClr val="4E4E4E"/>
+            <a:srgbClr val="404040"/>
           </a:solidFill>
-          <a:ln>
-            <a:noFill/>
+          <a:ln w="127000" cap="sq" cmpd="thinThick">
+            <a:solidFill>
+              <a:srgbClr val="404040"/>
+            </a:solidFill>
           </a:ln>
         </p:spPr>
         <p:style>
@@ -8609,19 +11654,71 @@
       </p:sp>
       <p:sp>
         <p:nvSpPr>
-          <p:cNvPr id="12" name="Rectangle 11">
-            <a:extLst>
-              <a:ext uri="{FF2B5EF4-FFF2-40B4-BE49-F238E27FC236}">
-                <a16:creationId xmlns:a16="http://schemas.microsoft.com/office/drawing/2014/main" id="{8213F8A0-12AE-4514-8372-0DD766EC28EE}"/>
+          <p:cNvPr id="6" name="TextBox 5">
+            <a:extLst>
+              <a:ext uri="{FF2B5EF4-FFF2-40B4-BE49-F238E27FC236}">
+                <a16:creationId xmlns:a16="http://schemas.microsoft.com/office/drawing/2014/main" id="{2F4AC530-3CBE-4AAD-B6DA-3C9C4553376F}"/>
+              </a:ext>
+            </a:extLst>
+          </p:cNvPr>
+          <p:cNvSpPr txBox="1"/>
+          <p:nvPr/>
+        </p:nvSpPr>
+        <p:spPr>
+          <a:xfrm>
+            <a:off x="546351" y="433545"/>
+            <a:ext cx="11139854" cy="930447"/>
+          </a:xfrm>
+          <a:prstGeom prst="rect">
+            <a:avLst/>
+          </a:prstGeom>
+        </p:spPr>
+        <p:txBody>
+          <a:bodyPr vert="horz" lIns="91440" tIns="45720" rIns="91440" bIns="45720" rtlCol="0" anchor="b">
+            <a:normAutofit/>
+          </a:bodyPr>
+          <a:lstStyle/>
+          <a:p>
+            <a:pPr algn="ctr">
+              <a:lnSpc>
+                <a:spcPct val="90000"/>
+              </a:lnSpc>
+              <a:spcBef>
+                <a:spcPct val="0"/>
+              </a:spcBef>
+              <a:spcAft>
+                <a:spcPts val="600"/>
+              </a:spcAft>
+            </a:pPr>
+            <a:r>
+              <a:rPr lang="en-US" sz="5400">
+                <a:solidFill>
+                  <a:srgbClr val="FFFFFF"/>
+                </a:solidFill>
+                <a:latin typeface="+mj-lt"/>
+                <a:ea typeface="+mj-ea"/>
+                <a:cs typeface="+mj-cs"/>
+              </a:rPr>
+              <a:t>Movie Start Year</a:t>
+            </a:r>
+          </a:p>
+        </p:txBody>
+      </p:sp>
+      <p:cxnSp>
+        <p:nvCxnSpPr>
+          <p:cNvPr id="21" name="Straight Connector 20">
+            <a:extLst>
+              <a:ext uri="{FF2B5EF4-FFF2-40B4-BE49-F238E27FC236}">
+                <a16:creationId xmlns:a16="http://schemas.microsoft.com/office/drawing/2014/main" id="{7E7C77BC-7138-40B1-A15B-20F57A494629}"/>
               </a:ext>
               <a:ext uri="{C183D7F6-B498-43B3-948B-1728B52AA6E4}">
                 <adec:decorative xmlns="" xmlns:adec="http://schemas.microsoft.com/office/drawing/2017/decorative" val="1"/>
               </a:ext>
             </a:extLst>
           </p:cNvPr>
-          <p:cNvSpPr>
-            <a:spLocks noGrp="1" noRot="1" noChangeAspect="1" noMove="1" noResize="1" noEditPoints="1" noAdjustHandles="1" noChangeArrowheads="1" noChangeShapeType="1" noTextEdit="1"/>
-          </p:cNvSpPr>
+          <p:cNvCxnSpPr>
+            <a:cxnSpLocks noGrp="1" noRot="1" noChangeAspect="1" noMove="1" noResize="1" noEditPoints="1" noAdjustHandles="1" noChangeArrowheads="1" noChangeShapeType="1"/>
+          </p:cNvCxnSpPr>
           <p:nvPr>
             <p:extLst>
               <p:ext uri="{386F3935-93C4-4BCD-93E2-E3B085C9AB24}">
@@ -8629,47 +11726,36 @@
               </p:ext>
             </p:extLst>
           </p:nvPr>
-        </p:nvSpPr>
-        <p:spPr>
-          <a:xfrm>
-            <a:off x="6256866" y="480060"/>
-            <a:ext cx="5458122" cy="5897880"/>
-          </a:xfrm>
-          <a:prstGeom prst="rect">
+        </p:nvCxnSpPr>
+        <p:spPr>
+          <a:xfrm>
+            <a:off x="2230078" y="1522292"/>
+            <a:ext cx="7772400" cy="0"/>
+          </a:xfrm>
+          <a:prstGeom prst="line">
             <a:avLst/>
           </a:prstGeom>
-          <a:solidFill>
-            <a:srgbClr val="FFFFFF"/>
-          </a:solidFill>
-          <a:ln>
-            <a:noFill/>
+          <a:ln w="22225">
+            <a:solidFill>
+              <a:srgbClr val="D9D9D9"/>
+            </a:solidFill>
           </a:ln>
         </p:spPr>
         <p:style>
-          <a:lnRef idx="2">
-            <a:schemeClr val="accent1">
-              <a:shade val="50000"/>
-            </a:schemeClr>
+          <a:lnRef idx="1">
+            <a:schemeClr val="accent1"/>
           </a:lnRef>
-          <a:fillRef idx="1">
+          <a:fillRef idx="0">
             <a:schemeClr val="accent1"/>
           </a:fillRef>
           <a:effectRef idx="0">
             <a:schemeClr val="accent1"/>
           </a:effectRef>
           <a:fontRef idx="minor">
-            <a:schemeClr val="lt1"/>
+            <a:schemeClr val="tx1"/>
           </a:fontRef>
         </p:style>
-        <p:txBody>
-          <a:bodyPr rtlCol="0" anchor="ctr"/>
-          <a:lstStyle/>
-          <a:p>
-            <a:pPr algn="ctr"/>
-            <a:endParaRPr lang="en-US"/>
-          </a:p>
-        </p:txBody>
-      </p:sp>
+      </p:cxnSp>
       <p:pic>
         <p:nvPicPr>
           <p:cNvPr id="5" name="Picture 4">
@@ -8698,29 +11784,29 @@
         </p:blipFill>
         <p:spPr>
           <a:xfrm>
-            <a:off x="6421035" y="1111753"/>
-            <a:ext cx="5129784" cy="4634494"/>
+            <a:off x="6223819" y="2277802"/>
+            <a:ext cx="5611856" cy="4316672"/>
           </a:xfrm>
           <a:prstGeom prst="rect">
             <a:avLst/>
           </a:prstGeom>
         </p:spPr>
       </p:pic>
-      <p:sp>
-        <p:nvSpPr>
-          <p:cNvPr id="14" name="Rectangle 13">
-            <a:extLst>
-              <a:ext uri="{FF2B5EF4-FFF2-40B4-BE49-F238E27FC236}">
-                <a16:creationId xmlns:a16="http://schemas.microsoft.com/office/drawing/2014/main" id="{9EFF17D4-9A8C-4CE5-B096-D8CCD4400437}"/>
+      <p:cxnSp>
+        <p:nvCxnSpPr>
+          <p:cNvPr id="23" name="Straight Connector 22">
+            <a:extLst>
+              <a:ext uri="{FF2B5EF4-FFF2-40B4-BE49-F238E27FC236}">
+                <a16:creationId xmlns:a16="http://schemas.microsoft.com/office/drawing/2014/main" id="{DB146403-F3D6-484B-B2ED-97F9565D0370}"/>
               </a:ext>
               <a:ext uri="{C183D7F6-B498-43B3-948B-1728B52AA6E4}">
                 <adec:decorative xmlns="" xmlns:adec="http://schemas.microsoft.com/office/drawing/2017/decorative" val="1"/>
               </a:ext>
             </a:extLst>
           </p:cNvPr>
-          <p:cNvSpPr>
-            <a:spLocks noGrp="1" noRot="1" noChangeAspect="1" noMove="1" noResize="1" noEditPoints="1" noAdjustHandles="1" noChangeArrowheads="1" noChangeShapeType="1" noTextEdit="1"/>
-          </p:cNvSpPr>
+          <p:cNvCxnSpPr>
+            <a:cxnSpLocks noGrp="1" noRot="1" noChangeAspect="1" noMove="1" noResize="1" noEditPoints="1" noAdjustHandles="1" noChangeArrowheads="1" noChangeShapeType="1"/>
+          </p:cNvCxnSpPr>
           <p:nvPr>
             <p:extLst>
               <p:ext uri="{386F3935-93C4-4BCD-93E2-E3B085C9AB24}">
@@ -8728,47 +11814,36 @@
               </p:ext>
             </p:extLst>
           </p:nvPr>
-        </p:nvSpPr>
-        <p:spPr>
-          <a:xfrm>
-            <a:off x="477012" y="480060"/>
-            <a:ext cx="5458121" cy="5897880"/>
-          </a:xfrm>
-          <a:prstGeom prst="rect">
+        </p:nvCxnSpPr>
+        <p:spPr>
+          <a:xfrm>
+            <a:off x="6116278" y="2596836"/>
+            <a:ext cx="0" cy="3657600"/>
+          </a:xfrm>
+          <a:prstGeom prst="line">
             <a:avLst/>
           </a:prstGeom>
-          <a:solidFill>
-            <a:srgbClr val="FFFFFF"/>
-          </a:solidFill>
-          <a:ln>
-            <a:noFill/>
+          <a:ln w="101600" cmpd="dbl">
+            <a:solidFill>
+              <a:srgbClr val="595959"/>
+            </a:solidFill>
           </a:ln>
         </p:spPr>
         <p:style>
-          <a:lnRef idx="2">
-            <a:schemeClr val="accent1">
-              <a:shade val="50000"/>
-            </a:schemeClr>
+          <a:lnRef idx="1">
+            <a:schemeClr val="accent1"/>
           </a:lnRef>
-          <a:fillRef idx="1">
+          <a:fillRef idx="0">
             <a:schemeClr val="accent1"/>
           </a:fillRef>
           <a:effectRef idx="0">
             <a:schemeClr val="accent1"/>
           </a:effectRef>
           <a:fontRef idx="minor">
-            <a:schemeClr val="lt1"/>
+            <a:schemeClr val="tx1"/>
           </a:fontRef>
         </p:style>
-        <p:txBody>
-          <a:bodyPr rtlCol="0" anchor="ctr"/>
-          <a:lstStyle/>
-          <a:p>
-            <a:pPr algn="ctr"/>
-            <a:endParaRPr lang="en-US"/>
-          </a:p>
-        </p:txBody>
-      </p:sp>
+      </p:cxnSp>
       <p:pic>
         <p:nvPicPr>
           <p:cNvPr id="3" name="Picture 2">
@@ -8797,54 +11872,14 @@
         </p:blipFill>
         <p:spPr>
           <a:xfrm>
-            <a:off x="641180" y="1322636"/>
-            <a:ext cx="5129784" cy="4212727"/>
+            <a:off x="324465" y="2369574"/>
+            <a:ext cx="5684273" cy="4224899"/>
           </a:xfrm>
           <a:prstGeom prst="rect">
             <a:avLst/>
           </a:prstGeom>
         </p:spPr>
       </p:pic>
-      <p:sp>
-        <p:nvSpPr>
-          <p:cNvPr id="6" name="TextBox 5">
-            <a:extLst>
-              <a:ext uri="{FF2B5EF4-FFF2-40B4-BE49-F238E27FC236}">
-                <a16:creationId xmlns:a16="http://schemas.microsoft.com/office/drawing/2014/main" id="{2F4AC530-3CBE-4AAD-B6DA-3C9C4553376F}"/>
-              </a:ext>
-            </a:extLst>
-          </p:cNvPr>
-          <p:cNvSpPr txBox="1"/>
-          <p:nvPr/>
-        </p:nvSpPr>
-        <p:spPr>
-          <a:xfrm>
-            <a:off x="3135824" y="0"/>
-            <a:ext cx="5920352" cy="584775"/>
-          </a:xfrm>
-          <a:prstGeom prst="rect">
-            <a:avLst/>
-          </a:prstGeom>
-          <a:noFill/>
-        </p:spPr>
-        <p:txBody>
-          <a:bodyPr wrap="square" rtlCol="0">
-            <a:spAutoFit/>
-          </a:bodyPr>
-          <a:lstStyle/>
-          <a:p>
-            <a:pPr algn="ctr"/>
-            <a:r>
-              <a:rPr lang="en-US" sz="3200" dirty="0">
-                <a:solidFill>
-                  <a:schemeClr val="bg1"/>
-                </a:solidFill>
-              </a:rPr>
-              <a:t>Movie Start Year</a:t>
-            </a:r>
-          </a:p>
-        </p:txBody>
-      </p:sp>
     </p:spTree>
     <p:extLst>
       <p:ext uri="{BB962C8B-B14F-4D97-AF65-F5344CB8AC3E}">
@@ -8891,7 +11926,7 @@
                 <a16:creationId xmlns:a16="http://schemas.microsoft.com/office/drawing/2014/main" id="{DB146403-F3D6-484B-B2ED-97F9565D0370}"/>
               </a:ext>
               <a:ext uri="{C183D7F6-B498-43B3-948B-1728B52AA6E4}">
-                <adec:decorative xmlns="" xmlns:adec="http://schemas.microsoft.com/office/drawing/2017/decorative" val="1"/>
+                <adec:decorative xmlns:adec="http://schemas.microsoft.com/office/drawing/2017/decorative" xmlns="" val="1"/>
               </a:ext>
             </a:extLst>
           </p:cNvPr>
@@ -8943,7 +11978,7 @@
                 <a16:creationId xmlns:a16="http://schemas.microsoft.com/office/drawing/2014/main" id="{823AC064-BC96-4F32-8AE1-B2FD38754823}"/>
               </a:ext>
               <a:ext uri="{C183D7F6-B498-43B3-948B-1728B52AA6E4}">
-                <adec:decorative xmlns="" xmlns:adec="http://schemas.microsoft.com/office/drawing/2017/decorative" val="1"/>
+                <adec:decorative xmlns:adec="http://schemas.microsoft.com/office/drawing/2017/decorative" xmlns="" val="1"/>
               </a:ext>
             </a:extLst>
           </p:cNvPr>
@@ -9132,7 +12167,7 @@
                 <a16:creationId xmlns:a16="http://schemas.microsoft.com/office/drawing/2014/main" id="{7E7C77BC-7138-40B1-A15B-20F57A494629}"/>
               </a:ext>
               <a:ext uri="{C183D7F6-B498-43B3-948B-1728B52AA6E4}">
-                <adec:decorative xmlns="" xmlns:adec="http://schemas.microsoft.com/office/drawing/2017/decorative" val="1"/>
+                <adec:decorative xmlns:adec="http://schemas.microsoft.com/office/drawing/2017/decorative" xmlns="" val="1"/>
               </a:ext>
             </a:extLst>
           </p:cNvPr>

--- a/Presentation/ScrumLords_Capstone.pptx
+++ b/Presentation/ScrumLords_Capstone.pptx
@@ -5,7 +5,7 @@
     <p:sldMasterId id="2147483648" r:id="rId1"/>
   </p:sldMasterIdLst>
   <p:notesMasterIdLst>
-    <p:notesMasterId r:id="rId31"/>
+    <p:notesMasterId r:id="rId30"/>
   </p:notesMasterIdLst>
   <p:sldIdLst>
     <p:sldId id="256" r:id="rId2"/>
@@ -23,20 +23,19 @@
     <p:sldId id="295" r:id="rId14"/>
     <p:sldId id="279" r:id="rId15"/>
     <p:sldId id="280" r:id="rId16"/>
-    <p:sldId id="281" r:id="rId17"/>
-    <p:sldId id="282" r:id="rId18"/>
-    <p:sldId id="283" r:id="rId19"/>
-    <p:sldId id="292" r:id="rId20"/>
-    <p:sldId id="284" r:id="rId21"/>
-    <p:sldId id="297" r:id="rId22"/>
-    <p:sldId id="293" r:id="rId23"/>
-    <p:sldId id="288" r:id="rId24"/>
-    <p:sldId id="290" r:id="rId25"/>
-    <p:sldId id="271" r:id="rId26"/>
-    <p:sldId id="287" r:id="rId27"/>
-    <p:sldId id="278" r:id="rId28"/>
-    <p:sldId id="286" r:id="rId29"/>
-    <p:sldId id="274" r:id="rId30"/>
+    <p:sldId id="282" r:id="rId17"/>
+    <p:sldId id="283" r:id="rId18"/>
+    <p:sldId id="292" r:id="rId19"/>
+    <p:sldId id="284" r:id="rId20"/>
+    <p:sldId id="297" r:id="rId21"/>
+    <p:sldId id="293" r:id="rId22"/>
+    <p:sldId id="288" r:id="rId23"/>
+    <p:sldId id="290" r:id="rId24"/>
+    <p:sldId id="271" r:id="rId25"/>
+    <p:sldId id="287" r:id="rId26"/>
+    <p:sldId id="278" r:id="rId27"/>
+    <p:sldId id="286" r:id="rId28"/>
+    <p:sldId id="274" r:id="rId29"/>
   </p:sldIdLst>
   <p:sldSz cx="12192000" cy="6858000"/>
   <p:notesSz cx="6858000" cy="9144000"/>
@@ -229,7 +228,7 @@
           <a:p>
             <a:fld id="{0AD31C94-D579-422E-8298-49FD8293048C}" type="datetimeFigureOut">
               <a:rPr lang="en-US" smtClean="0"/>
-              <a:t>8/13/2018</a:t>
+              <a:t>8/15/2018</a:t>
             </a:fld>
             <a:endParaRPr lang="en-US"/>
           </a:p>
@@ -1190,7 +1189,15 @@
             </a:pPr>
             <a:r>
               <a:rPr lang="en-US" dirty="0"/>
-              <a:t>Dave</a:t>
+              <a:t>Dave:  Next we wanted to explore the </a:t>
+            </a:r>
+            <a:r>
+              <a:rPr lang="en-US" dirty="0" err="1"/>
+              <a:t>titlePrincipals</a:t>
+            </a:r>
+            <a:r>
+              <a:rPr lang="en-US" dirty="0"/>
+              <a:t> table</a:t>
             </a:r>
           </a:p>
           <a:p>
@@ -1211,7 +1218,10 @@
               <a:tabLst/>
               <a:defRPr/>
             </a:pPr>
-            <a:endParaRPr lang="en-US" dirty="0"/>
+            <a:r>
+              <a:rPr lang="en-US" dirty="0"/>
+              <a:t>To Determine if the strength of the people filling key roles on the movie drive the overall movie rating</a:t>
+            </a:r>
           </a:p>
           <a:p>
             <a:pPr marL="0" marR="0" lvl="0" indent="0" algn="l" defTabSz="914400" rtl="0" eaLnBrk="1" fontAlgn="auto" latinLnBrk="0" hangingPunct="1">
@@ -1233,7 +1243,46 @@
             </a:pPr>
             <a:r>
               <a:rPr lang="en-US" dirty="0"/>
-              <a:t>Manufacture data by inner joining ratings by principle by movie. </a:t>
+              <a:t>Step 1:  inner join with </a:t>
+            </a:r>
+            <a:r>
+              <a:rPr lang="en-US" dirty="0" err="1"/>
+              <a:t>titleRatings</a:t>
+            </a:r>
+            <a:r>
+              <a:rPr lang="en-US" dirty="0"/>
+              <a:t> to associate the average rating with each </a:t>
+            </a:r>
+            <a:r>
+              <a:rPr lang="en-US" dirty="0" err="1"/>
+              <a:t>titlePrincipal</a:t>
+            </a:r>
+            <a:r>
+              <a:rPr lang="en-US" dirty="0"/>
+              <a:t> row</a:t>
+            </a:r>
+          </a:p>
+          <a:p>
+            <a:pPr marL="0" marR="0" lvl="0" indent="0" algn="l" defTabSz="914400" rtl="0" eaLnBrk="1" fontAlgn="auto" latinLnBrk="0" hangingPunct="1">
+              <a:lnSpc>
+                <a:spcPct val="100000"/>
+              </a:lnSpc>
+              <a:spcBef>
+                <a:spcPts val="0"/>
+              </a:spcBef>
+              <a:spcAft>
+                <a:spcPts val="0"/>
+              </a:spcAft>
+              <a:buClrTx/>
+              <a:buSzTx/>
+              <a:buFontTx/>
+              <a:buNone/>
+              <a:tabLst/>
+              <a:defRPr/>
+            </a:pPr>
+            <a:r>
+              <a:rPr lang="en-US" dirty="0"/>
+              <a:t>Example data:  1 movie – many people - all roles associated with 8.5</a:t>
             </a:r>
           </a:p>
         </p:txBody>
@@ -1337,7 +1386,7 @@
             </a:pPr>
             <a:r>
               <a:rPr lang="en-US" dirty="0"/>
-              <a:t>Dave</a:t>
+              <a:t>Dave:  Step 2 we grouped the ratings by Person by Category</a:t>
             </a:r>
           </a:p>
           <a:p>
@@ -1358,7 +1407,10 @@
               <a:tabLst/>
               <a:defRPr/>
             </a:pPr>
-            <a:endParaRPr lang="en-US" dirty="0"/>
+            <a:r>
+              <a:rPr lang="en-US" dirty="0"/>
+              <a:t>This produced a historic view of how well the person has performed in the role historically</a:t>
+            </a:r>
           </a:p>
           <a:p>
             <a:pPr marL="0" marR="0" lvl="0" indent="0" algn="l" defTabSz="914400" rtl="0" eaLnBrk="1" fontAlgn="auto" latinLnBrk="0" hangingPunct="1">
@@ -1380,23 +1432,30 @@
             </a:pPr>
             <a:r>
               <a:rPr lang="en-US" dirty="0"/>
-              <a:t>Rolled up each category for each person to get an </a:t>
-            </a:r>
-            <a:r>
-              <a:rPr lang="en-US" dirty="0" err="1"/>
-              <a:t>avg</a:t>
-            </a:r>
+              <a:t>Example data:  first 3 rows – same person – different roles</a:t>
+            </a:r>
+          </a:p>
+          <a:p>
+            <a:pPr marL="0" marR="0" lvl="0" indent="0" algn="l" defTabSz="914400" rtl="0" eaLnBrk="1" fontAlgn="auto" latinLnBrk="0" hangingPunct="1">
+              <a:lnSpc>
+                <a:spcPct val="100000"/>
+              </a:lnSpc>
+              <a:spcBef>
+                <a:spcPts val="0"/>
+              </a:spcBef>
+              <a:spcAft>
+                <a:spcPts val="0"/>
+              </a:spcAft>
+              <a:buClrTx/>
+              <a:buSzTx/>
+              <a:buFontTx/>
+              <a:buNone/>
+              <a:tabLst/>
+              <a:defRPr/>
+            </a:pPr>
             <a:r>
               <a:rPr lang="en-US" dirty="0"/>
-              <a:t> </a:t>
-            </a:r>
-            <a:r>
-              <a:rPr lang="en-US" dirty="0" err="1"/>
-              <a:t>avg</a:t>
-            </a:r>
-            <a:r>
-              <a:rPr lang="en-US" dirty="0"/>
-              <a:t> rating for that individual.</a:t>
+              <a:t>We wanted to put this type of intelligence to work for us</a:t>
             </a:r>
           </a:p>
         </p:txBody>
@@ -1483,24 +1542,25 @@
           <a:p>
             <a:r>
               <a:rPr lang="en-US" dirty="0"/>
-              <a:t>Dave</a:t>
-            </a:r>
-          </a:p>
-          <a:p>
-            <a:endParaRPr lang="en-US" dirty="0"/>
+              <a:t>Dave:  Our last step was to associate our data back to the movie rating through left outer joins</a:t>
+            </a:r>
           </a:p>
           <a:p>
             <a:r>
               <a:rPr lang="en-US" dirty="0"/>
-              <a:t>Deal with the problem of multiple roles on each movie. Rolled up to produce one </a:t>
-            </a:r>
-            <a:r>
-              <a:rPr lang="en-US" dirty="0" err="1"/>
-              <a:t>avg</a:t>
-            </a:r>
+              <a:t>This gives us a single row with a view of the strength of each role </a:t>
+            </a:r>
+          </a:p>
+          <a:p>
             <a:r>
               <a:rPr lang="en-US" dirty="0"/>
-              <a:t> for each and every role for that movie.</a:t>
+              <a:t>DECISION:  produce 1 role rating by grouping all people who served in the role (3 writers, actor/actress/self)</a:t>
+            </a:r>
+          </a:p>
+          <a:p>
+            <a:r>
+              <a:rPr lang="en-US" dirty="0"/>
+              <a:t>Example data:  move was 6.7…</a:t>
             </a:r>
           </a:p>
         </p:txBody>
@@ -1531,7 +1591,7 @@
     </p:spTree>
     <p:extLst>
       <p:ext uri="{BB962C8B-B14F-4D97-AF65-F5344CB8AC3E}">
-        <p14:creationId xmlns:p14="http://schemas.microsoft.com/office/powerpoint/2010/main" val="1715265188"/>
+        <p14:creationId xmlns:p14="http://schemas.microsoft.com/office/powerpoint/2010/main" val="1426036148"/>
       </p:ext>
     </p:extLst>
   </p:cSld>
@@ -1587,48 +1647,45 @@
           <a:p>
             <a:r>
               <a:rPr lang="en-US" dirty="0"/>
-              <a:t>Dave</a:t>
+              <a:t>Dave:  we then reviewed the correlations of our new variables back to the </a:t>
+            </a:r>
+            <a:r>
+              <a:rPr lang="en-US" dirty="0" err="1"/>
+              <a:t>averageRating</a:t>
+            </a:r>
+            <a:r>
+              <a:rPr lang="en-US" dirty="0"/>
+              <a:t> of the movie</a:t>
+            </a:r>
+          </a:p>
+          <a:p>
+            <a:r>
+              <a:rPr lang="en-US" dirty="0"/>
+              <a:t>We also included the Non Null Count to assist in our decision making</a:t>
+            </a:r>
+          </a:p>
+          <a:p>
+            <a:r>
+              <a:rPr lang="en-US" dirty="0"/>
+              <a:t>Writer, Producer, Director, Actor had strong correlation as well as a complete set of data</a:t>
+            </a:r>
+          </a:p>
+          <a:p>
+            <a:r>
+              <a:rPr lang="en-US" dirty="0"/>
+              <a:t>All other values had either a weaker correlation or a lot of null data</a:t>
+            </a:r>
+          </a:p>
+          <a:p>
+            <a:r>
+              <a:rPr lang="en-US" dirty="0"/>
+              <a:t>This led to our decision to model with Writer, Producer, Director &amp; Actor</a:t>
             </a:r>
           </a:p>
           <a:p>
             <a:endParaRPr lang="en-US" dirty="0"/>
           </a:p>
           <a:p>
-            <a:r>
-              <a:rPr lang="en-US" sz="1200" dirty="0">
-                <a:latin typeface="Calibri Light (Headings)"/>
-              </a:rPr>
-              <a:t>Left Outer Join Each </a:t>
-            </a:r>
-            <a:r>
-              <a:rPr lang="en-US" sz="1200" dirty="0" err="1">
-                <a:latin typeface="Calibri Light (Headings)"/>
-              </a:rPr>
-              <a:t>titlePrincipal</a:t>
-            </a:r>
-            <a:r>
-              <a:rPr lang="en-US" sz="1200" dirty="0">
-                <a:latin typeface="Calibri Light (Headings)"/>
-              </a:rPr>
-              <a:t> Category Average Rating to Movie Average Rating</a:t>
-            </a:r>
-          </a:p>
-          <a:p>
-            <a:endParaRPr lang="en-US" sz="1200" dirty="0">
-              <a:latin typeface="Calibri Light (Headings)"/>
-            </a:endParaRPr>
-          </a:p>
-          <a:p>
-            <a:r>
-              <a:rPr lang="en-US" sz="1200" dirty="0">
-                <a:latin typeface="Calibri Light (Headings)"/>
-              </a:rPr>
-              <a:t>Step 4: </a:t>
-            </a:r>
-            <a:r>
-              <a:rPr lang="en-US" sz="1200" dirty="0"/>
-              <a:t>Produce Average Ratings For Each Role by Movie</a:t>
-            </a:r>
             <a:endParaRPr lang="en-US" dirty="0"/>
           </a:p>
         </p:txBody>
@@ -1659,7 +1716,7 @@
     </p:spTree>
     <p:extLst>
       <p:ext uri="{BB962C8B-B14F-4D97-AF65-F5344CB8AC3E}">
-        <p14:creationId xmlns:p14="http://schemas.microsoft.com/office/powerpoint/2010/main" val="1426036148"/>
+        <p14:creationId xmlns:p14="http://schemas.microsoft.com/office/powerpoint/2010/main" val="1813260227"/>
       </p:ext>
     </p:extLst>
   </p:cSld>
@@ -1715,14 +1772,8 @@
           <a:p>
             <a:r>
               <a:rPr lang="en-US" dirty="0"/>
-              <a:t>Dave</a:t>
-            </a:r>
-          </a:p>
-          <a:p>
-            <a:endParaRPr lang="en-US" dirty="0"/>
-          </a:p>
-          <a:p>
-            <a:endParaRPr lang="en-US" dirty="0"/>
+              <a:t>Genevieve</a:t>
+            </a:r>
           </a:p>
         </p:txBody>
       </p:sp>
@@ -1752,7 +1803,7 @@
     </p:spTree>
     <p:extLst>
       <p:ext uri="{BB962C8B-B14F-4D97-AF65-F5344CB8AC3E}">
-        <p14:creationId xmlns:p14="http://schemas.microsoft.com/office/powerpoint/2010/main" val="1813260227"/>
+        <p14:creationId xmlns:p14="http://schemas.microsoft.com/office/powerpoint/2010/main" val="1203339384"/>
       </p:ext>
     </p:extLst>
   </p:cSld>
@@ -1808,7 +1859,16 @@
           <a:p>
             <a:r>
               <a:rPr lang="en-US" dirty="0"/>
-              <a:t>Genevieve</a:t>
+              <a:t>Cierra</a:t>
+            </a:r>
+          </a:p>
+          <a:p>
+            <a:endParaRPr lang="en-US" dirty="0"/>
+          </a:p>
+          <a:p>
+            <a:r>
+              <a:rPr lang="en-US" dirty="0"/>
+              <a:t>Now that we’ve cleansed and refined our dataset we transitioned into modeling.</a:t>
             </a:r>
           </a:p>
         </p:txBody>
@@ -1839,7 +1899,7 @@
     </p:spTree>
     <p:extLst>
       <p:ext uri="{BB962C8B-B14F-4D97-AF65-F5344CB8AC3E}">
-        <p14:creationId xmlns:p14="http://schemas.microsoft.com/office/powerpoint/2010/main" val="1203339384"/>
+        <p14:creationId xmlns:p14="http://schemas.microsoft.com/office/powerpoint/2010/main" val="1950231834"/>
       </p:ext>
     </p:extLst>
   </p:cSld>
@@ -1980,6 +2040,23 @@
           <a:bodyPr/>
           <a:lstStyle/>
           <a:p>
+            <a:pPr marL="0" marR="0" lvl="0" indent="0" algn="l" defTabSz="914400" rtl="0" eaLnBrk="1" fontAlgn="auto" latinLnBrk="0" hangingPunct="1">
+              <a:lnSpc>
+                <a:spcPct val="100000"/>
+              </a:lnSpc>
+              <a:spcBef>
+                <a:spcPts val="0"/>
+              </a:spcBef>
+              <a:spcAft>
+                <a:spcPts val="0"/>
+              </a:spcAft>
+              <a:buClrTx/>
+              <a:buSzTx/>
+              <a:buFontTx/>
+              <a:buNone/>
+              <a:tabLst/>
+              <a:defRPr/>
+            </a:pPr>
             <a:r>
               <a:rPr lang="en-US" dirty="0"/>
               <a:t>Cierra</a:t>
@@ -1991,8 +2068,51 @@
           <a:p>
             <a:r>
               <a:rPr lang="en-US" dirty="0"/>
-              <a:t>Now that we’ve cleansed and refined our dataset we transitioned into modeling.</a:t>
-            </a:r>
+              <a:t>Similar to genre we used </a:t>
+            </a:r>
+            <a:r>
+              <a:rPr lang="en-US" dirty="0" err="1"/>
+              <a:t>avgRating</a:t>
+            </a:r>
+            <a:r>
+              <a:rPr lang="en-US" dirty="0"/>
+              <a:t> for the Prediction Target, title Principals for predictors. </a:t>
+            </a:r>
+          </a:p>
+          <a:p>
+            <a:endParaRPr lang="en-US" dirty="0"/>
+          </a:p>
+          <a:p>
+            <a:r>
+              <a:rPr lang="en-US" dirty="0"/>
+              <a:t>As Dave mentioned, we only modeled the four roles due to non NULLS</a:t>
+            </a:r>
+          </a:p>
+          <a:p>
+            <a:endParaRPr lang="en-US" dirty="0"/>
+          </a:p>
+          <a:p>
+            <a:r>
+              <a:rPr lang="en-US" dirty="0"/>
+              <a:t>NOTE: Test size = 0.33 or 33%</a:t>
+            </a:r>
+          </a:p>
+          <a:p>
+            <a:r>
+              <a:rPr lang="en-US" dirty="0"/>
+              <a:t>            </a:t>
+            </a:r>
+            <a:r>
+              <a:rPr lang="en-US" dirty="0" err="1"/>
+              <a:t>RandomState</a:t>
+            </a:r>
+            <a:r>
+              <a:rPr lang="en-US" dirty="0"/>
+              <a:t> = 0</a:t>
+            </a:r>
+          </a:p>
+          <a:p>
+            <a:endParaRPr lang="en-US" dirty="0"/>
           </a:p>
         </p:txBody>
       </p:sp>
@@ -2022,7 +2142,7 @@
     </p:spTree>
     <p:extLst>
       <p:ext uri="{BB962C8B-B14F-4D97-AF65-F5344CB8AC3E}">
-        <p14:creationId xmlns:p14="http://schemas.microsoft.com/office/powerpoint/2010/main" val="1950231834"/>
+        <p14:creationId xmlns:p14="http://schemas.microsoft.com/office/powerpoint/2010/main" val="4144755846"/>
       </p:ext>
     </p:extLst>
   </p:cSld>
@@ -2104,51 +2224,8 @@
           <a:p>
             <a:r>
               <a:rPr lang="en-US" dirty="0"/>
-              <a:t>Similar to genre we used </a:t>
-            </a:r>
-            <a:r>
-              <a:rPr lang="en-US" dirty="0" err="1"/>
-              <a:t>avgRating</a:t>
-            </a:r>
-            <a:r>
-              <a:rPr lang="en-US" dirty="0"/>
-              <a:t> for the Prediction Target, title Principals for predictors. </a:t>
-            </a:r>
-          </a:p>
-          <a:p>
-            <a:endParaRPr lang="en-US" dirty="0"/>
-          </a:p>
-          <a:p>
-            <a:r>
-              <a:rPr lang="en-US" dirty="0"/>
-              <a:t>As Dave mentioned, we only modeled the four roles due to non NULLS</a:t>
-            </a:r>
-          </a:p>
-          <a:p>
-            <a:endParaRPr lang="en-US" dirty="0"/>
-          </a:p>
-          <a:p>
-            <a:r>
-              <a:rPr lang="en-US" dirty="0"/>
-              <a:t>NOTE: Test size = 0.33 or 33%</a:t>
-            </a:r>
-          </a:p>
-          <a:p>
-            <a:r>
-              <a:rPr lang="en-US" dirty="0"/>
-              <a:t>            </a:t>
-            </a:r>
-            <a:r>
-              <a:rPr lang="en-US" dirty="0" err="1"/>
-              <a:t>RandomState</a:t>
-            </a:r>
-            <a:r>
-              <a:rPr lang="en-US" dirty="0"/>
-              <a:t> = 0</a:t>
-            </a:r>
-          </a:p>
-          <a:p>
-            <a:endParaRPr lang="en-US" dirty="0"/>
+              <a:t>Looking at a visual of the models they appear to be very similar </a:t>
+            </a:r>
           </a:p>
         </p:txBody>
       </p:sp>
@@ -2178,7 +2255,7 @@
     </p:spTree>
     <p:extLst>
       <p:ext uri="{BB962C8B-B14F-4D97-AF65-F5344CB8AC3E}">
-        <p14:creationId xmlns:p14="http://schemas.microsoft.com/office/powerpoint/2010/main" val="4144755846"/>
+        <p14:creationId xmlns:p14="http://schemas.microsoft.com/office/powerpoint/2010/main" val="1172805177"/>
       </p:ext>
     </p:extLst>
   </p:cSld>
@@ -2255,12 +2332,29 @@
             </a:r>
           </a:p>
           <a:p>
+            <a:pPr marL="0" marR="0" lvl="0" indent="0" algn="l" defTabSz="914400" rtl="0" eaLnBrk="1" fontAlgn="auto" latinLnBrk="0" hangingPunct="1">
+              <a:lnSpc>
+                <a:spcPct val="100000"/>
+              </a:lnSpc>
+              <a:spcBef>
+                <a:spcPts val="0"/>
+              </a:spcBef>
+              <a:spcAft>
+                <a:spcPts val="0"/>
+              </a:spcAft>
+              <a:buClrTx/>
+              <a:buSzTx/>
+              <a:buFontTx/>
+              <a:buNone/>
+              <a:tabLst/>
+              <a:defRPr/>
+            </a:pPr>
             <a:endParaRPr lang="en-US" dirty="0"/>
           </a:p>
           <a:p>
             <a:r>
               <a:rPr lang="en-US" dirty="0"/>
-              <a:t>Looking at a visual of the models they appear to be very similar </a:t>
+              <a:t>Based on the variance score and Mean Squared Error Random Forest had the best performance outputs. The variance score of 1 denotes perfect. Mean squared error as close to zero is desired.</a:t>
             </a:r>
           </a:p>
         </p:txBody>
@@ -2291,7 +2385,7 @@
     </p:spTree>
     <p:extLst>
       <p:ext uri="{BB962C8B-B14F-4D97-AF65-F5344CB8AC3E}">
-        <p14:creationId xmlns:p14="http://schemas.microsoft.com/office/powerpoint/2010/main" val="1172805177"/>
+        <p14:creationId xmlns:p14="http://schemas.microsoft.com/office/powerpoint/2010/main" val="667244554"/>
       </p:ext>
     </p:extLst>
   </p:cSld>
@@ -2368,29 +2462,21 @@
             </a:r>
           </a:p>
           <a:p>
-            <a:pPr marL="0" marR="0" lvl="0" indent="0" algn="l" defTabSz="914400" rtl="0" eaLnBrk="1" fontAlgn="auto" latinLnBrk="0" hangingPunct="1">
-              <a:lnSpc>
-                <a:spcPct val="100000"/>
-              </a:lnSpc>
-              <a:spcBef>
-                <a:spcPts val="0"/>
-              </a:spcBef>
-              <a:spcAft>
-                <a:spcPts val="0"/>
-              </a:spcAft>
-              <a:buClrTx/>
-              <a:buSzTx/>
-              <a:buFontTx/>
-              <a:buNone/>
-              <a:tabLst/>
-              <a:defRPr/>
-            </a:pPr>
             <a:endParaRPr lang="en-US" dirty="0"/>
           </a:p>
           <a:p>
             <a:r>
               <a:rPr lang="en-US" dirty="0"/>
-              <a:t>Based on the variance score and Mean Squared Error Random Forest had the best performance outputs. The variance score of 1 denotes perfect. Mean squared error as close to zero is desired.</a:t>
+              <a:t>Separated 2018 data for validation.</a:t>
+            </a:r>
+          </a:p>
+          <a:p>
+            <a:endParaRPr lang="en-US" dirty="0"/>
+          </a:p>
+          <a:p>
+            <a:r>
+              <a:rPr lang="en-US" dirty="0"/>
+              <a:t>Refinement of the model.</a:t>
             </a:r>
           </a:p>
         </p:txBody>
@@ -2421,7 +2507,7 @@
     </p:spTree>
     <p:extLst>
       <p:ext uri="{BB962C8B-B14F-4D97-AF65-F5344CB8AC3E}">
-        <p14:creationId xmlns:p14="http://schemas.microsoft.com/office/powerpoint/2010/main" val="667244554"/>
+        <p14:creationId xmlns:p14="http://schemas.microsoft.com/office/powerpoint/2010/main" val="607496555"/>
       </p:ext>
     </p:extLst>
   </p:cSld>
@@ -2475,44 +2561,9 @@
           <a:bodyPr/>
           <a:lstStyle/>
           <a:p>
-            <a:pPr marL="0" marR="0" lvl="0" indent="0" algn="l" defTabSz="914400" rtl="0" eaLnBrk="1" fontAlgn="auto" latinLnBrk="0" hangingPunct="1">
-              <a:lnSpc>
-                <a:spcPct val="100000"/>
-              </a:lnSpc>
-              <a:spcBef>
-                <a:spcPts val="0"/>
-              </a:spcBef>
-              <a:spcAft>
-                <a:spcPts val="0"/>
-              </a:spcAft>
-              <a:buClrTx/>
-              <a:buSzTx/>
-              <a:buFontTx/>
-              <a:buNone/>
-              <a:tabLst/>
-              <a:defRPr/>
-            </a:pPr>
             <a:r>
               <a:rPr lang="en-US" dirty="0"/>
               <a:t>Cierra</a:t>
-            </a:r>
-          </a:p>
-          <a:p>
-            <a:endParaRPr lang="en-US" dirty="0"/>
-          </a:p>
-          <a:p>
-            <a:r>
-              <a:rPr lang="en-US" dirty="0"/>
-              <a:t>Separated 2018 data for validation.</a:t>
-            </a:r>
-          </a:p>
-          <a:p>
-            <a:endParaRPr lang="en-US" dirty="0"/>
-          </a:p>
-          <a:p>
-            <a:r>
-              <a:rPr lang="en-US" dirty="0"/>
-              <a:t>Refinement of the model.</a:t>
             </a:r>
           </a:p>
         </p:txBody>
@@ -2543,7 +2594,7 @@
     </p:spTree>
     <p:extLst>
       <p:ext uri="{BB962C8B-B14F-4D97-AF65-F5344CB8AC3E}">
-        <p14:creationId xmlns:p14="http://schemas.microsoft.com/office/powerpoint/2010/main" val="607496555"/>
+        <p14:creationId xmlns:p14="http://schemas.microsoft.com/office/powerpoint/2010/main" val="2299535842"/>
       </p:ext>
     </p:extLst>
   </p:cSld>
@@ -2599,7 +2650,7 @@
           <a:p>
             <a:r>
               <a:rPr lang="en-US" dirty="0"/>
-              <a:t>Cierra</a:t>
+              <a:t>Ashish</a:t>
             </a:r>
           </a:p>
         </p:txBody>
@@ -2622,93 +2673,6 @@
             <a:fld id="{674B3118-0A71-43F8-A6F9-A05C3FA5027E}" type="slidenum">
               <a:rPr lang="en-US" smtClean="0"/>
               <a:t>25</a:t>
-            </a:fld>
-            <a:endParaRPr lang="en-US"/>
-          </a:p>
-        </p:txBody>
-      </p:sp>
-    </p:spTree>
-    <p:extLst>
-      <p:ext uri="{BB962C8B-B14F-4D97-AF65-F5344CB8AC3E}">
-        <p14:creationId xmlns:p14="http://schemas.microsoft.com/office/powerpoint/2010/main" val="2299535842"/>
-      </p:ext>
-    </p:extLst>
-  </p:cSld>
-  <p:clrMapOvr>
-    <a:masterClrMapping/>
-  </p:clrMapOvr>
-</p:notes>
-</file>
-
-<file path=ppt/notesSlides/notesSlide26.xml><?xml version="1.0" encoding="utf-8"?>
-<p:notes xmlns:a="http://schemas.openxmlformats.org/drawingml/2006/main" xmlns:r="http://schemas.openxmlformats.org/officeDocument/2006/relationships" xmlns:p="http://schemas.openxmlformats.org/presentationml/2006/main">
-  <p:cSld>
-    <p:spTree>
-      <p:nvGrpSpPr>
-        <p:cNvPr id="1" name=""/>
-        <p:cNvGrpSpPr/>
-        <p:nvPr/>
-      </p:nvGrpSpPr>
-      <p:grpSpPr>
-        <a:xfrm>
-          <a:off x="0" y="0"/>
-          <a:ext cx="0" cy="0"/>
-          <a:chOff x="0" y="0"/>
-          <a:chExt cx="0" cy="0"/>
-        </a:xfrm>
-      </p:grpSpPr>
-      <p:sp>
-        <p:nvSpPr>
-          <p:cNvPr id="2" name="Slide Image Placeholder 1"/>
-          <p:cNvSpPr>
-            <a:spLocks noGrp="1" noRot="1" noChangeAspect="1"/>
-          </p:cNvSpPr>
-          <p:nvPr>
-            <p:ph type="sldImg"/>
-          </p:nvPr>
-        </p:nvSpPr>
-        <p:spPr/>
-      </p:sp>
-      <p:sp>
-        <p:nvSpPr>
-          <p:cNvPr id="3" name="Notes Placeholder 2"/>
-          <p:cNvSpPr>
-            <a:spLocks noGrp="1"/>
-          </p:cNvSpPr>
-          <p:nvPr>
-            <p:ph type="body" idx="1"/>
-          </p:nvPr>
-        </p:nvSpPr>
-        <p:spPr/>
-        <p:txBody>
-          <a:bodyPr/>
-          <a:lstStyle/>
-          <a:p>
-            <a:r>
-              <a:rPr lang="en-US" dirty="0"/>
-              <a:t>Ashish</a:t>
-            </a:r>
-          </a:p>
-        </p:txBody>
-      </p:sp>
-      <p:sp>
-        <p:nvSpPr>
-          <p:cNvPr id="4" name="Slide Number Placeholder 3"/>
-          <p:cNvSpPr>
-            <a:spLocks noGrp="1"/>
-          </p:cNvSpPr>
-          <p:nvPr>
-            <p:ph type="sldNum" sz="quarter" idx="10"/>
-          </p:nvPr>
-        </p:nvSpPr>
-        <p:spPr/>
-        <p:txBody>
-          <a:bodyPr/>
-          <a:lstStyle/>
-          <a:p>
-            <a:fld id="{674B3118-0A71-43F8-A6F9-A05C3FA5027E}" type="slidenum">
-              <a:rPr lang="en-US" smtClean="0"/>
-              <a:t>26</a:t>
             </a:fld>
             <a:endParaRPr lang="en-US"/>
           </a:p>
@@ -3891,7 +3855,7 @@
           <a:p>
             <a:fld id="{38A050F6-C4A4-4D93-BB5B-76D71472723B}" type="datetimeFigureOut">
               <a:rPr lang="en-US" smtClean="0"/>
-              <a:t>8/13/2018</a:t>
+              <a:t>8/15/2018</a:t>
             </a:fld>
             <a:endParaRPr lang="en-US"/>
           </a:p>
@@ -4089,7 +4053,7 @@
           <a:p>
             <a:fld id="{38A050F6-C4A4-4D93-BB5B-76D71472723B}" type="datetimeFigureOut">
               <a:rPr lang="en-US" smtClean="0"/>
-              <a:t>8/13/2018</a:t>
+              <a:t>8/15/2018</a:t>
             </a:fld>
             <a:endParaRPr lang="en-US"/>
           </a:p>
@@ -4297,7 +4261,7 @@
           <a:p>
             <a:fld id="{38A050F6-C4A4-4D93-BB5B-76D71472723B}" type="datetimeFigureOut">
               <a:rPr lang="en-US" smtClean="0"/>
-              <a:t>8/13/2018</a:t>
+              <a:t>8/15/2018</a:t>
             </a:fld>
             <a:endParaRPr lang="en-US"/>
           </a:p>
@@ -4495,7 +4459,7 @@
           <a:p>
             <a:fld id="{38A050F6-C4A4-4D93-BB5B-76D71472723B}" type="datetimeFigureOut">
               <a:rPr lang="en-US" smtClean="0"/>
-              <a:t>8/13/2018</a:t>
+              <a:t>8/15/2018</a:t>
             </a:fld>
             <a:endParaRPr lang="en-US"/>
           </a:p>
@@ -4770,7 +4734,7 @@
           <a:p>
             <a:fld id="{38A050F6-C4A4-4D93-BB5B-76D71472723B}" type="datetimeFigureOut">
               <a:rPr lang="en-US" smtClean="0"/>
-              <a:t>8/13/2018</a:t>
+              <a:t>8/15/2018</a:t>
             </a:fld>
             <a:endParaRPr lang="en-US"/>
           </a:p>
@@ -5035,7 +4999,7 @@
           <a:p>
             <a:fld id="{38A050F6-C4A4-4D93-BB5B-76D71472723B}" type="datetimeFigureOut">
               <a:rPr lang="en-US" smtClean="0"/>
-              <a:t>8/13/2018</a:t>
+              <a:t>8/15/2018</a:t>
             </a:fld>
             <a:endParaRPr lang="en-US"/>
           </a:p>
@@ -5447,7 +5411,7 @@
           <a:p>
             <a:fld id="{38A050F6-C4A4-4D93-BB5B-76D71472723B}" type="datetimeFigureOut">
               <a:rPr lang="en-US" smtClean="0"/>
-              <a:t>8/13/2018</a:t>
+              <a:t>8/15/2018</a:t>
             </a:fld>
             <a:endParaRPr lang="en-US"/>
           </a:p>
@@ -5588,7 +5552,7 @@
           <a:p>
             <a:fld id="{38A050F6-C4A4-4D93-BB5B-76D71472723B}" type="datetimeFigureOut">
               <a:rPr lang="en-US" smtClean="0"/>
-              <a:t>8/13/2018</a:t>
+              <a:t>8/15/2018</a:t>
             </a:fld>
             <a:endParaRPr lang="en-US"/>
           </a:p>
@@ -5701,7 +5665,7 @@
           <a:p>
             <a:fld id="{38A050F6-C4A4-4D93-BB5B-76D71472723B}" type="datetimeFigureOut">
               <a:rPr lang="en-US" smtClean="0"/>
-              <a:t>8/13/2018</a:t>
+              <a:t>8/15/2018</a:t>
             </a:fld>
             <a:endParaRPr lang="en-US"/>
           </a:p>
@@ -6012,7 +5976,7 @@
           <a:p>
             <a:fld id="{38A050F6-C4A4-4D93-BB5B-76D71472723B}" type="datetimeFigureOut">
               <a:rPr lang="en-US" smtClean="0"/>
-              <a:t>8/13/2018</a:t>
+              <a:t>8/15/2018</a:t>
             </a:fld>
             <a:endParaRPr lang="en-US"/>
           </a:p>
@@ -6300,7 +6264,7 @@
           <a:p>
             <a:fld id="{38A050F6-C4A4-4D93-BB5B-76D71472723B}" type="datetimeFigureOut">
               <a:rPr lang="en-US" smtClean="0"/>
-              <a:t>8/13/2018</a:t>
+              <a:t>8/15/2018</a:t>
             </a:fld>
             <a:endParaRPr lang="en-US"/>
           </a:p>
@@ -6541,7 +6505,7 @@
           <a:p>
             <a:fld id="{38A050F6-C4A4-4D93-BB5B-76D71472723B}" type="datetimeFigureOut">
               <a:rPr lang="en-US" smtClean="0"/>
-              <a:t>8/13/2018</a:t>
+              <a:t>8/15/2018</a:t>
             </a:fld>
             <a:endParaRPr lang="en-US"/>
           </a:p>
@@ -6977,7 +6941,7 @@
                 <a16:creationId xmlns:a16="http://schemas.microsoft.com/office/drawing/2014/main" id="{482BD70C-C4A0-46C4-9518-A731098B419A}"/>
               </a:ext>
               <a:ext uri="{C183D7F6-B498-43B3-948B-1728B52AA6E4}">
-                <adec:decorative xmlns:adec="http://schemas.microsoft.com/office/drawing/2017/decorative" xmlns="" val="1"/>
+                <adec:decorative xmlns="" xmlns:adec="http://schemas.microsoft.com/office/drawing/2017/decorative" val="1"/>
               </a:ext>
             </a:extLst>
           </p:cNvPr>
@@ -7210,7 +7174,7 @@
                 <a16:creationId xmlns:a16="http://schemas.microsoft.com/office/drawing/2014/main" id="{39B74A45-BDDD-4892-B8C0-B290C0944FCB}"/>
               </a:ext>
               <a:ext uri="{C183D7F6-B498-43B3-948B-1728B52AA6E4}">
-                <adec:decorative xmlns:adec="http://schemas.microsoft.com/office/drawing/2017/decorative" xmlns="" val="1"/>
+                <adec:decorative xmlns="" xmlns:adec="http://schemas.microsoft.com/office/drawing/2017/decorative" val="1"/>
               </a:ext>
             </a:extLst>
           </p:cNvPr>
@@ -7405,7 +7369,7 @@
                 <a16:creationId xmlns:a16="http://schemas.microsoft.com/office/drawing/2014/main" id="{C516C73E-9465-4C9E-9B86-9E58FB326B6B}"/>
               </a:ext>
               <a:ext uri="{C183D7F6-B498-43B3-948B-1728B52AA6E4}">
-                <adec:decorative xmlns:adec="http://schemas.microsoft.com/office/drawing/2017/decorative" xmlns="" val="1"/>
+                <adec:decorative xmlns="" xmlns:adec="http://schemas.microsoft.com/office/drawing/2017/decorative" val="1"/>
               </a:ext>
             </a:extLst>
           </p:cNvPr>
@@ -7673,7 +7637,7 @@
                 <a16:creationId xmlns:a16="http://schemas.microsoft.com/office/drawing/2014/main" id="{6753252F-4873-4F63-801D-CC719279A7D5}"/>
               </a:ext>
               <a:ext uri="{C183D7F6-B498-43B3-948B-1728B52AA6E4}">
-                <adec:decorative xmlns="" xmlns:adec="http://schemas.microsoft.com/office/drawing/2017/decorative" val="1"/>
+                <adec:decorative xmlns:adec="http://schemas.microsoft.com/office/drawing/2017/decorative" xmlns="" val="1"/>
               </a:ext>
             </a:extLst>
           </p:cNvPr>
@@ -7736,7 +7700,7 @@
                 <a16:creationId xmlns:a16="http://schemas.microsoft.com/office/drawing/2014/main" id="{047C8CCB-F95D-4249-92DD-651249D3535A}"/>
               </a:ext>
               <a:ext uri="{C183D7F6-B498-43B3-948B-1728B52AA6E4}">
-                <adec:decorative xmlns="" xmlns:adec="http://schemas.microsoft.com/office/drawing/2017/decorative" val="1"/>
+                <adec:decorative xmlns:adec="http://schemas.microsoft.com/office/drawing/2017/decorative" xmlns="" val="1"/>
               </a:ext>
             </a:extLst>
           </p:cNvPr>
@@ -8133,7 +8097,7 @@
                 <a16:creationId xmlns:a16="http://schemas.microsoft.com/office/drawing/2014/main" id="{081FF5F3-D973-4367-9851-C04740586B84}"/>
               </a:ext>
               <a:ext uri="{C183D7F6-B498-43B3-948B-1728B52AA6E4}">
-                <adec:decorative xmlns="" xmlns:adec="http://schemas.microsoft.com/office/drawing/2017/decorative" val="1"/>
+                <adec:decorative xmlns:adec="http://schemas.microsoft.com/office/drawing/2017/decorative" xmlns="" val="1"/>
               </a:ext>
             </a:extLst>
           </p:cNvPr>
@@ -8315,7 +8279,7 @@
                 <a16:creationId xmlns:a16="http://schemas.microsoft.com/office/drawing/2014/main" id="{B1ED02B1-1BC5-458F-9994-627281CFE7C4}"/>
               </a:ext>
               <a:ext uri="{C183D7F6-B498-43B3-948B-1728B52AA6E4}">
-                <adec:decorative xmlns:adec="http://schemas.microsoft.com/office/drawing/2017/decorative" xmlns="" val="1"/>
+                <adec:decorative xmlns="" xmlns:adec="http://schemas.microsoft.com/office/drawing/2017/decorative" val="1"/>
               </a:ext>
             </a:extLst>
           </p:cNvPr>
@@ -8517,7 +8481,7 @@
                 <a16:creationId xmlns:a16="http://schemas.microsoft.com/office/drawing/2014/main" id="{5F9CFCE6-877F-4858-B8BD-2C52CA8AFBC4}"/>
               </a:ext>
               <a:ext uri="{C183D7F6-B498-43B3-948B-1728B52AA6E4}">
-                <adec:decorative xmlns="" xmlns:adec="http://schemas.microsoft.com/office/drawing/2017/decorative" val="1"/>
+                <adec:decorative xmlns:adec="http://schemas.microsoft.com/office/drawing/2017/decorative" xmlns="" val="1"/>
               </a:ext>
             </a:extLst>
           </p:cNvPr>
@@ -8580,7 +8544,7 @@
                 <a16:creationId xmlns:a16="http://schemas.microsoft.com/office/drawing/2014/main" id="{8213F8A0-12AE-4514-8372-0DD766EC28EE}"/>
               </a:ext>
               <a:ext uri="{C183D7F6-B498-43B3-948B-1728B52AA6E4}">
-                <adec:decorative xmlns="" xmlns:adec="http://schemas.microsoft.com/office/drawing/2017/decorative" val="1"/>
+                <adec:decorative xmlns:adec="http://schemas.microsoft.com/office/drawing/2017/decorative" xmlns="" val="1"/>
               </a:ext>
             </a:extLst>
           </p:cNvPr>
@@ -8679,7 +8643,7 @@
                 <a16:creationId xmlns:a16="http://schemas.microsoft.com/office/drawing/2014/main" id="{9EFF17D4-9A8C-4CE5-B096-D8CCD4400437}"/>
               </a:ext>
               <a:ext uri="{C183D7F6-B498-43B3-948B-1728B52AA6E4}">
-                <adec:decorative xmlns="" xmlns:adec="http://schemas.microsoft.com/office/drawing/2017/decorative" val="1"/>
+                <adec:decorative xmlns:adec="http://schemas.microsoft.com/office/drawing/2017/decorative" xmlns="" val="1"/>
               </a:ext>
             </a:extLst>
           </p:cNvPr>
@@ -8888,7 +8852,7 @@
                 <a16:creationId xmlns:a16="http://schemas.microsoft.com/office/drawing/2014/main" id="{72257994-BD97-4691-8B89-198A6D2BABDC}"/>
               </a:ext>
               <a:ext uri="{C183D7F6-B498-43B3-948B-1728B52AA6E4}">
-                <adec:decorative xmlns="" xmlns:adec="http://schemas.microsoft.com/office/drawing/2017/decorative" val="1"/>
+                <adec:decorative xmlns:adec="http://schemas.microsoft.com/office/drawing/2017/decorative" xmlns="" val="1"/>
               </a:ext>
             </a:extLst>
           </p:cNvPr>
@@ -9014,7 +8978,15 @@
             </a:r>
             <a:r>
               <a:rPr lang="en-US" sz="2200" dirty="0"/>
-              <a:t>Inner Join to Produce Rating by Principal by Movie</a:t>
+              <a:t>Associate average movie rating to each </a:t>
+            </a:r>
+            <a:r>
+              <a:rPr lang="en-US" sz="2200" dirty="0" err="1"/>
+              <a:t>titlePrincipal</a:t>
+            </a:r>
+            <a:r>
+              <a:rPr lang="en-US" sz="2200" dirty="0"/>
+              <a:t> row</a:t>
             </a:r>
             <a:endParaRPr lang="en-US" sz="2200" dirty="0">
               <a:solidFill>
@@ -9136,7 +9108,7 @@
                 <a16:creationId xmlns:a16="http://schemas.microsoft.com/office/drawing/2014/main" id="{AB45A142-4255-493C-8284-5D566C121B10}"/>
               </a:ext>
               <a:ext uri="{C183D7F6-B498-43B3-948B-1728B52AA6E4}">
-                <adec:decorative xmlns="" xmlns:adec="http://schemas.microsoft.com/office/drawing/2017/decorative" val="1"/>
+                <adec:decorative xmlns:adec="http://schemas.microsoft.com/office/drawing/2017/decorative" xmlns="" val="1"/>
               </a:ext>
             </a:extLst>
           </p:cNvPr>
@@ -9221,7 +9193,7 @@
         </p:spPr>
         <p:txBody>
           <a:bodyPr vert="horz" lIns="91440" tIns="45720" rIns="91440" bIns="45720" rtlCol="0" anchor="b">
-            <a:normAutofit fontScale="90000"/>
+            <a:normAutofit/>
           </a:bodyPr>
           <a:lstStyle/>
           <a:p>
@@ -9250,63 +9222,12 @@
               </a:rPr>
             </a:br>
             <a:r>
-              <a:rPr lang="en-US" sz="3700" kern="1200" dirty="0">
+              <a:rPr lang="en-US" sz="3700" dirty="0">
                 <a:solidFill>
                   <a:srgbClr val="FFFFFF"/>
                 </a:solidFill>
-                <a:effectLst/>
-                <a:latin typeface="+mj-lt"/>
-                <a:ea typeface="+mj-ea"/>
-                <a:cs typeface="+mj-cs"/>
               </a:rPr>
-              <a:t>Aggregate Average </a:t>
-            </a:r>
-            <a:r>
-              <a:rPr lang="en-US" sz="3700" kern="1200" dirty="0">
-                <a:solidFill>
-                  <a:srgbClr val="FFFFFF"/>
-                </a:solidFill>
-                <a:latin typeface="+mj-lt"/>
-                <a:ea typeface="+mj-ea"/>
-                <a:cs typeface="+mj-cs"/>
-              </a:rPr>
-              <a:t>R</a:t>
-            </a:r>
-            <a:r>
-              <a:rPr lang="en-US" sz="3700" kern="1200" dirty="0">
-                <a:solidFill>
-                  <a:srgbClr val="FFFFFF"/>
-                </a:solidFill>
-                <a:effectLst/>
-                <a:latin typeface="+mj-lt"/>
-                <a:ea typeface="+mj-ea"/>
-                <a:cs typeface="+mj-cs"/>
-              </a:rPr>
-              <a:t>atings by Name by </a:t>
-            </a:r>
-            <a:r>
-              <a:rPr lang="en-US" sz="3700" kern="1200" dirty="0" err="1">
-                <a:solidFill>
-                  <a:srgbClr val="FFFFFF"/>
-                </a:solidFill>
-                <a:effectLst/>
-                <a:latin typeface="+mj-lt"/>
-                <a:ea typeface="+mj-ea"/>
-                <a:cs typeface="+mj-cs"/>
-              </a:rPr>
-              <a:t>title.Principal</a:t>
-            </a:r>
-            <a:r>
-              <a:rPr lang="en-US" sz="3700" kern="1200" dirty="0">
-                <a:solidFill>
-                  <a:srgbClr val="FFFFFF"/>
-                </a:solidFill>
-                <a:effectLst/>
-                <a:latin typeface="+mj-lt"/>
-                <a:ea typeface="+mj-ea"/>
-                <a:cs typeface="+mj-cs"/>
-              </a:rPr>
-              <a:t> Category</a:t>
+              <a:t>Group Ratings by Person &amp; Category</a:t>
             </a:r>
             <a:endParaRPr lang="en-US" sz="3700" kern="1200" dirty="0">
               <a:solidFill>
@@ -9327,7 +9248,7 @@
                 <a16:creationId xmlns:a16="http://schemas.microsoft.com/office/drawing/2014/main" id="{38FB9660-F42F-4313-BBC4-47C007FE484C}"/>
               </a:ext>
               <a:ext uri="{C183D7F6-B498-43B3-948B-1728B52AA6E4}">
-                <adec:decorative xmlns="" xmlns:adec="http://schemas.microsoft.com/office/drawing/2017/decorative" val="1"/>
+                <adec:decorative xmlns:adec="http://schemas.microsoft.com/office/drawing/2017/decorative" xmlns="" val="1"/>
               </a:ext>
             </a:extLst>
           </p:cNvPr>
@@ -9464,17 +9385,24 @@
               <a:rPr lang="en-US" sz="3300" dirty="0">
                 <a:latin typeface="Calibri Light (Headings)"/>
               </a:rPr>
-              <a:t>Step 3:  Aggregate Each Role by Movie</a:t>
-            </a:r>
+              <a:t>Step 3: </a:t>
+            </a:r>
+            <a:r>
+              <a:rPr lang="en-US" sz="3600" dirty="0"/>
+              <a:t>Produce Final Dataset (by Movie)</a:t>
+            </a:r>
+            <a:endParaRPr lang="en-US" sz="3300" dirty="0">
+              <a:latin typeface="Calibri Light (Headings)"/>
+            </a:endParaRPr>
           </a:p>
         </p:txBody>
       </p:sp>
       <p:pic>
         <p:nvPicPr>
-          <p:cNvPr id="3" name="Picture 2">
-            <a:extLst>
-              <a:ext uri="{FF2B5EF4-FFF2-40B4-BE49-F238E27FC236}">
-                <a16:creationId xmlns:a16="http://schemas.microsoft.com/office/drawing/2014/main" id="{EFFED29F-BCDF-404E-B57E-5733D1EF8786}"/>
+          <p:cNvPr id="5" name="Picture 4">
+            <a:extLst>
+              <a:ext uri="{FF2B5EF4-FFF2-40B4-BE49-F238E27FC236}">
+                <a16:creationId xmlns:a16="http://schemas.microsoft.com/office/drawing/2014/main" id="{C80877AC-DE35-47B6-937A-50F96D3AE036}"/>
               </a:ext>
             </a:extLst>
           </p:cNvPr>
@@ -9484,15 +9412,21 @@
           <p:nvPr/>
         </p:nvPicPr>
         <p:blipFill>
-          <a:blip r:embed="rId3"/>
+          <a:blip r:embed="rId3">
+            <a:extLst>
+              <a:ext uri="{28A0092B-C50C-407E-A947-70E740481C1C}">
+                <a14:useLocalDpi xmlns:a14="http://schemas.microsoft.com/office/drawing/2010/main" val="0"/>
+              </a:ext>
+            </a:extLst>
+          </a:blip>
           <a:stretch>
             <a:fillRect/>
           </a:stretch>
         </p:blipFill>
         <p:spPr>
           <a:xfrm>
-            <a:off x="5765121" y="4940870"/>
-            <a:ext cx="2504762" cy="1676574"/>
+            <a:off x="4102917" y="1801437"/>
+            <a:ext cx="3463650" cy="1799550"/>
           </a:xfrm>
           <a:prstGeom prst="rect">
             <a:avLst/>
@@ -9501,10 +9435,10 @@
       </p:pic>
       <p:pic>
         <p:nvPicPr>
-          <p:cNvPr id="5" name="Picture 4">
-            <a:extLst>
-              <a:ext uri="{FF2B5EF4-FFF2-40B4-BE49-F238E27FC236}">
-                <a16:creationId xmlns:a16="http://schemas.microsoft.com/office/drawing/2014/main" id="{045F3756-B062-47A9-9ED7-F651E0855E44}"/>
+          <p:cNvPr id="6" name="Picture 5">
+            <a:extLst>
+              <a:ext uri="{FF2B5EF4-FFF2-40B4-BE49-F238E27FC236}">
+                <a16:creationId xmlns:a16="http://schemas.microsoft.com/office/drawing/2014/main" id="{A80DD1F6-3792-4513-96A5-50F8C5F7D733}"/>
               </a:ext>
             </a:extLst>
           </p:cNvPr>
@@ -9521,299 +9455,8 @@
         </p:blipFill>
         <p:spPr>
           <a:xfrm>
-            <a:off x="8856894" y="5084111"/>
-            <a:ext cx="2952381" cy="1485714"/>
-          </a:xfrm>
-          <a:prstGeom prst="rect">
-            <a:avLst/>
-          </a:prstGeom>
-        </p:spPr>
-      </p:pic>
-      <p:pic>
-        <p:nvPicPr>
-          <p:cNvPr id="6" name="Picture 5">
-            <a:extLst>
-              <a:ext uri="{FF2B5EF4-FFF2-40B4-BE49-F238E27FC236}">
-                <a16:creationId xmlns:a16="http://schemas.microsoft.com/office/drawing/2014/main" id="{21205EAD-5D40-4174-AF82-0788C9F08028}"/>
-              </a:ext>
-            </a:extLst>
-          </p:cNvPr>
-          <p:cNvPicPr>
-            <a:picLocks noChangeAspect="1"/>
-          </p:cNvPicPr>
-          <p:nvPr/>
-        </p:nvPicPr>
-        <p:blipFill>
-          <a:blip r:embed="rId5"/>
-          <a:stretch>
-            <a:fillRect/>
-          </a:stretch>
-        </p:blipFill>
-        <p:spPr>
-          <a:xfrm>
-            <a:off x="8923175" y="3246516"/>
-            <a:ext cx="2619048" cy="1485714"/>
-          </a:xfrm>
-          <a:prstGeom prst="rect">
-            <a:avLst/>
-          </a:prstGeom>
-        </p:spPr>
-      </p:pic>
-      <p:pic>
-        <p:nvPicPr>
-          <p:cNvPr id="7" name="Picture 6">
-            <a:extLst>
-              <a:ext uri="{FF2B5EF4-FFF2-40B4-BE49-F238E27FC236}">
-                <a16:creationId xmlns:a16="http://schemas.microsoft.com/office/drawing/2014/main" id="{A6776662-DC70-45AB-B0BB-5085D4745D8F}"/>
-              </a:ext>
-            </a:extLst>
-          </p:cNvPr>
-          <p:cNvPicPr>
-            <a:picLocks noChangeAspect="1"/>
-          </p:cNvPicPr>
-          <p:nvPr/>
-        </p:nvPicPr>
-        <p:blipFill>
-          <a:blip r:embed="rId6"/>
-          <a:stretch>
-            <a:fillRect/>
-          </a:stretch>
-        </p:blipFill>
-        <p:spPr>
-          <a:xfrm>
-            <a:off x="5765120" y="3246516"/>
-            <a:ext cx="2504762" cy="1552381"/>
-          </a:xfrm>
-          <a:prstGeom prst="rect">
-            <a:avLst/>
-          </a:prstGeom>
-        </p:spPr>
-      </p:pic>
-      <p:pic>
-        <p:nvPicPr>
-          <p:cNvPr id="8" name="Picture 7">
-            <a:extLst>
-              <a:ext uri="{FF2B5EF4-FFF2-40B4-BE49-F238E27FC236}">
-                <a16:creationId xmlns:a16="http://schemas.microsoft.com/office/drawing/2014/main" id="{67CD8306-7F9A-4526-934E-0B6505132788}"/>
-              </a:ext>
-            </a:extLst>
-          </p:cNvPr>
-          <p:cNvPicPr>
-            <a:picLocks noChangeAspect="1"/>
-          </p:cNvPicPr>
-          <p:nvPr/>
-        </p:nvPicPr>
-        <p:blipFill>
-          <a:blip r:embed="rId7"/>
-          <a:stretch>
-            <a:fillRect/>
-          </a:stretch>
-        </p:blipFill>
-        <p:spPr>
-          <a:xfrm>
-            <a:off x="8856894" y="1472734"/>
-            <a:ext cx="2409524" cy="1533333"/>
-          </a:xfrm>
-          <a:prstGeom prst="rect">
-            <a:avLst/>
-          </a:prstGeom>
-        </p:spPr>
-      </p:pic>
-      <p:pic>
-        <p:nvPicPr>
-          <p:cNvPr id="9" name="Picture 8">
-            <a:extLst>
-              <a:ext uri="{FF2B5EF4-FFF2-40B4-BE49-F238E27FC236}">
-                <a16:creationId xmlns:a16="http://schemas.microsoft.com/office/drawing/2014/main" id="{7253371C-AB28-4982-9C38-EDC62DB99B08}"/>
-              </a:ext>
-            </a:extLst>
-          </p:cNvPr>
-          <p:cNvPicPr>
-            <a:picLocks noChangeAspect="1"/>
-          </p:cNvPicPr>
-          <p:nvPr/>
-        </p:nvPicPr>
-        <p:blipFill>
-          <a:blip r:embed="rId8"/>
-          <a:stretch>
-            <a:fillRect/>
-          </a:stretch>
-        </p:blipFill>
-        <p:spPr>
-          <a:xfrm>
-            <a:off x="5717501" y="1463210"/>
-            <a:ext cx="2552381" cy="1542857"/>
-          </a:xfrm>
-          <a:prstGeom prst="rect">
-            <a:avLst/>
-          </a:prstGeom>
-        </p:spPr>
-      </p:pic>
-      <p:pic>
-        <p:nvPicPr>
-          <p:cNvPr id="11" name="Picture 10">
-            <a:extLst>
-              <a:ext uri="{FF2B5EF4-FFF2-40B4-BE49-F238E27FC236}">
-                <a16:creationId xmlns:a16="http://schemas.microsoft.com/office/drawing/2014/main" id="{4C7E1CD2-E24A-44BF-AC3F-6C4A584B3E82}"/>
-              </a:ext>
-            </a:extLst>
-          </p:cNvPr>
-          <p:cNvPicPr>
-            <a:picLocks noChangeAspect="1"/>
-          </p:cNvPicPr>
-          <p:nvPr/>
-        </p:nvPicPr>
-        <p:blipFill>
-          <a:blip r:embed="rId9"/>
-          <a:stretch>
-            <a:fillRect/>
-          </a:stretch>
-        </p:blipFill>
-        <p:spPr>
-          <a:xfrm>
-            <a:off x="1458839" y="1496921"/>
-            <a:ext cx="2851903" cy="5072904"/>
-          </a:xfrm>
-          <a:prstGeom prst="rect">
-            <a:avLst/>
-          </a:prstGeom>
-        </p:spPr>
-      </p:pic>
-    </p:spTree>
-    <p:extLst>
-      <p:ext uri="{BB962C8B-B14F-4D97-AF65-F5344CB8AC3E}">
-        <p14:creationId xmlns:p14="http://schemas.microsoft.com/office/powerpoint/2010/main" val="70073816"/>
-      </p:ext>
-    </p:extLst>
-  </p:cSld>
-  <p:clrMapOvr>
-    <a:masterClrMapping/>
-  </p:clrMapOvr>
-</p:sld>
-</file>
-
-<file path=ppt/slides/slide17.xml><?xml version="1.0" encoding="utf-8"?>
-<p:sld xmlns:a="http://schemas.openxmlformats.org/drawingml/2006/main" xmlns:r="http://schemas.openxmlformats.org/officeDocument/2006/relationships" xmlns:p="http://schemas.openxmlformats.org/presentationml/2006/main">
-  <p:cSld>
-    <p:spTree>
-      <p:nvGrpSpPr>
-        <p:cNvPr id="1" name=""/>
-        <p:cNvGrpSpPr/>
-        <p:nvPr/>
-      </p:nvGrpSpPr>
-      <p:grpSpPr>
-        <a:xfrm>
-          <a:off x="0" y="0"/>
-          <a:ext cx="0" cy="0"/>
-          <a:chOff x="0" y="0"/>
-          <a:chExt cx="0" cy="0"/>
-        </a:xfrm>
-      </p:grpSpPr>
-      <p:sp>
-        <p:nvSpPr>
-          <p:cNvPr id="4" name="Title 3">
-            <a:extLst>
-              <a:ext uri="{FF2B5EF4-FFF2-40B4-BE49-F238E27FC236}">
-                <a16:creationId xmlns:a16="http://schemas.microsoft.com/office/drawing/2014/main" id="{5B7E3840-057E-4505-8882-F0D695DD5FCB}"/>
-              </a:ext>
-            </a:extLst>
-          </p:cNvPr>
-          <p:cNvSpPr>
-            <a:spLocks noGrp="1"/>
-          </p:cNvSpPr>
-          <p:nvPr>
-            <p:ph type="title"/>
-          </p:nvPr>
-        </p:nvSpPr>
-        <p:spPr>
-          <a:xfrm>
-            <a:off x="360784" y="137647"/>
-            <a:ext cx="11501249" cy="1325563"/>
-          </a:xfrm>
-        </p:spPr>
-        <p:txBody>
-          <a:bodyPr>
-            <a:normAutofit/>
-          </a:bodyPr>
-          <a:lstStyle/>
-          <a:p>
-            <a:pPr algn="ctr"/>
-            <a:r>
-              <a:rPr lang="en-US" sz="3300" dirty="0">
-                <a:latin typeface="Calibri Light (Headings)"/>
-              </a:rPr>
-              <a:t>Step 4: </a:t>
-            </a:r>
-            <a:r>
-              <a:rPr lang="en-US" sz="3600" dirty="0"/>
-              <a:t>Produce Final Dataset (by Movie)</a:t>
-            </a:r>
-            <a:endParaRPr lang="en-US" sz="3300" dirty="0">
-              <a:latin typeface="Calibri Light (Headings)"/>
-            </a:endParaRPr>
-          </a:p>
-        </p:txBody>
-      </p:sp>
-      <p:pic>
-        <p:nvPicPr>
-          <p:cNvPr id="5" name="Picture 4">
-            <a:extLst>
-              <a:ext uri="{FF2B5EF4-FFF2-40B4-BE49-F238E27FC236}">
-                <a16:creationId xmlns:a16="http://schemas.microsoft.com/office/drawing/2014/main" id="{C80877AC-DE35-47B6-937A-50F96D3AE036}"/>
-              </a:ext>
-            </a:extLst>
-          </p:cNvPr>
-          <p:cNvPicPr>
-            <a:picLocks noChangeAspect="1"/>
-          </p:cNvPicPr>
-          <p:nvPr/>
-        </p:nvPicPr>
-        <p:blipFill>
-          <a:blip r:embed="rId3">
-            <a:extLst>
-              <a:ext uri="{28A0092B-C50C-407E-A947-70E740481C1C}">
-                <a14:useLocalDpi xmlns:a14="http://schemas.microsoft.com/office/drawing/2010/main" val="0"/>
-              </a:ext>
-            </a:extLst>
-          </a:blip>
-          <a:stretch>
-            <a:fillRect/>
-          </a:stretch>
-        </p:blipFill>
-        <p:spPr>
-          <a:xfrm>
-            <a:off x="4102917" y="1801437"/>
-            <a:ext cx="3463650" cy="1799550"/>
-          </a:xfrm>
-          <a:prstGeom prst="rect">
-            <a:avLst/>
-          </a:prstGeom>
-        </p:spPr>
-      </p:pic>
-      <p:pic>
-        <p:nvPicPr>
-          <p:cNvPr id="6" name="Picture 5">
-            <a:extLst>
-              <a:ext uri="{FF2B5EF4-FFF2-40B4-BE49-F238E27FC236}">
-                <a16:creationId xmlns:a16="http://schemas.microsoft.com/office/drawing/2014/main" id="{A80DD1F6-3792-4513-96A5-50F8C5F7D733}"/>
-              </a:ext>
-            </a:extLst>
-          </p:cNvPr>
-          <p:cNvPicPr>
-            <a:picLocks noChangeAspect="1"/>
-          </p:cNvPicPr>
-          <p:nvPr/>
-        </p:nvPicPr>
-        <p:blipFill>
-          <a:blip r:embed="rId4"/>
-          <a:stretch>
-            <a:fillRect/>
-          </a:stretch>
-        </p:blipFill>
-        <p:spPr>
-          <a:xfrm>
-            <a:off x="1451018" y="4085735"/>
-            <a:ext cx="9495238" cy="1485714"/>
+            <a:off x="441457" y="4147379"/>
+            <a:ext cx="11315543" cy="1770536"/>
           </a:xfrm>
           <a:prstGeom prst="rect">
             <a:avLst/>
@@ -9833,7 +9476,7 @@
 </p:sld>
 </file>
 
-<file path=ppt/slides/slide18.xml><?xml version="1.0" encoding="utf-8"?>
+<file path=ppt/slides/slide17.xml><?xml version="1.0" encoding="utf-8"?>
 <p:sld xmlns:a="http://schemas.openxmlformats.org/drawingml/2006/main" xmlns:r="http://schemas.openxmlformats.org/officeDocument/2006/relationships" xmlns:p="http://schemas.openxmlformats.org/presentationml/2006/main">
   <p:cSld>
     <p:bg>
@@ -9866,7 +9509,7 @@
                 <a16:creationId xmlns:a16="http://schemas.microsoft.com/office/drawing/2014/main" id="{AB45A142-4255-493C-8284-5D566C121B10}"/>
               </a:ext>
               <a:ext uri="{C183D7F6-B498-43B3-948B-1728B52AA6E4}">
-                <adec:decorative xmlns="" xmlns:adec="http://schemas.microsoft.com/office/drawing/2017/decorative" val="1"/>
+                <adec:decorative xmlns:adec="http://schemas.microsoft.com/office/drawing/2017/decorative" xmlns="" val="1"/>
               </a:ext>
             </a:extLst>
           </p:cNvPr>
@@ -9957,7 +9600,7 @@
           <a:p>
             <a:pPr algn="ctr"/>
             <a:r>
-              <a:rPr lang="en-US" kern="1200">
+              <a:rPr lang="en-US" kern="1200" dirty="0">
                 <a:solidFill>
                   <a:srgbClr val="FFFFFF"/>
                 </a:solidFill>
@@ -9965,8 +9608,27 @@
                 <a:ea typeface="+mj-ea"/>
                 <a:cs typeface="+mj-cs"/>
               </a:rPr>
-              <a:t> Correlation to averageRating &amp; non Null Count</a:t>
-            </a:r>
+              <a:t> Correlation to </a:t>
+            </a:r>
+            <a:r>
+              <a:rPr lang="en-US" kern="1200" dirty="0" err="1">
+                <a:solidFill>
+                  <a:srgbClr val="FFFFFF"/>
+                </a:solidFill>
+                <a:latin typeface="+mj-lt"/>
+                <a:ea typeface="+mj-ea"/>
+                <a:cs typeface="+mj-cs"/>
+              </a:rPr>
+              <a:t>averageRating</a:t>
+            </a:r>
+            <a:endParaRPr lang="en-US" kern="1200" dirty="0">
+              <a:solidFill>
+                <a:srgbClr val="FFFFFF"/>
+              </a:solidFill>
+              <a:latin typeface="+mj-lt"/>
+              <a:ea typeface="+mj-ea"/>
+              <a:cs typeface="+mj-cs"/>
+            </a:endParaRPr>
           </a:p>
         </p:txBody>
       </p:sp>
@@ -9978,7 +9640,7 @@
                 <a16:creationId xmlns:a16="http://schemas.microsoft.com/office/drawing/2014/main" id="{38FB9660-F42F-4313-BBC4-47C007FE484C}"/>
               </a:ext>
               <a:ext uri="{C183D7F6-B498-43B3-948B-1728B52AA6E4}">
-                <adec:decorative xmlns="" xmlns:adec="http://schemas.microsoft.com/office/drawing/2017/decorative" val="1"/>
+                <adec:decorative xmlns:adec="http://schemas.microsoft.com/office/drawing/2017/decorative" xmlns="" val="1"/>
               </a:ext>
             </a:extLst>
           </p:cNvPr>
@@ -10065,7 +9727,7 @@
 </p:sld>
 </file>
 
-<file path=ppt/slides/slide19.xml><?xml version="1.0" encoding="utf-8"?>
+<file path=ppt/slides/slide18.xml><?xml version="1.0" encoding="utf-8"?>
 <p:sld xmlns:a="http://schemas.openxmlformats.org/drawingml/2006/main" xmlns:r="http://schemas.openxmlformats.org/officeDocument/2006/relationships" xmlns:p="http://schemas.openxmlformats.org/presentationml/2006/main">
   <p:cSld>
     <p:spTree>
@@ -10998,7 +10660,7 @@
                 <a16:creationId xmlns:a16="http://schemas.microsoft.com/office/drawing/2014/main" id="{A74B3BB9-7320-4C7D-876F-931A7DC2C478}"/>
               </a:ext>
               <a:ext uri="{C183D7F6-B498-43B3-948B-1728B52AA6E4}">
-                <adec:decorative xmlns="" xmlns:adec="http://schemas.microsoft.com/office/drawing/2017/decorative" val="1"/>
+                <adec:decorative xmlns:adec="http://schemas.microsoft.com/office/drawing/2017/decorative" xmlns="" val="1"/>
               </a:ext>
             </a:extLst>
           </p:cNvPr>
@@ -11102,6 +10764,272 @@
     <p:extLst>
       <p:ext uri="{BB962C8B-B14F-4D97-AF65-F5344CB8AC3E}">
         <p14:creationId xmlns:p14="http://schemas.microsoft.com/office/powerpoint/2010/main" val="3692493110"/>
+      </p:ext>
+    </p:extLst>
+  </p:cSld>
+  <p:clrMapOvr>
+    <a:masterClrMapping/>
+  </p:clrMapOvr>
+</p:sld>
+</file>
+
+<file path=ppt/slides/slide19.xml><?xml version="1.0" encoding="utf-8"?>
+<p:sld xmlns:a="http://schemas.openxmlformats.org/drawingml/2006/main" xmlns:r="http://schemas.openxmlformats.org/officeDocument/2006/relationships" xmlns:p="http://schemas.openxmlformats.org/presentationml/2006/main">
+  <p:cSld>
+    <p:bg>
+      <p:bgPr>
+        <a:solidFill>
+          <a:schemeClr val="bg1"/>
+        </a:solidFill>
+        <a:effectLst/>
+      </p:bgPr>
+    </p:bg>
+    <p:spTree>
+      <p:nvGrpSpPr>
+        <p:cNvPr id="1" name=""/>
+        <p:cNvGrpSpPr/>
+        <p:nvPr/>
+      </p:nvGrpSpPr>
+      <p:grpSpPr>
+        <a:xfrm>
+          <a:off x="0" y="0"/>
+          <a:ext cx="0" cy="0"/>
+          <a:chOff x="0" y="0"/>
+          <a:chExt cx="0" cy="0"/>
+        </a:xfrm>
+      </p:grpSpPr>
+      <p:sp>
+        <p:nvSpPr>
+          <p:cNvPr id="9" name="Rectangle 8">
+            <a:extLst>
+              <a:ext uri="{FF2B5EF4-FFF2-40B4-BE49-F238E27FC236}">
+                <a16:creationId xmlns:a16="http://schemas.microsoft.com/office/drawing/2014/main" id="{6753252F-4873-4F63-801D-CC719279A7D5}"/>
+              </a:ext>
+              <a:ext uri="{C183D7F6-B498-43B3-948B-1728B52AA6E4}">
+                <adec:decorative xmlns="" xmlns:adec="http://schemas.microsoft.com/office/drawing/2017/decorative" val="1"/>
+              </a:ext>
+            </a:extLst>
+          </p:cNvPr>
+          <p:cNvSpPr>
+            <a:spLocks noGrp="1" noRot="1" noChangeAspect="1" noMove="1" noResize="1" noEditPoints="1" noAdjustHandles="1" noChangeArrowheads="1" noChangeShapeType="1" noTextEdit="1"/>
+          </p:cNvSpPr>
+          <p:nvPr>
+            <p:extLst>
+              <p:ext uri="{386F3935-93C4-4BCD-93E2-E3B085C9AB24}">
+                <p16:designElem xmlns:p16="http://schemas.microsoft.com/office/powerpoint/2015/main" val="1"/>
+              </p:ext>
+            </p:extLst>
+          </p:nvPr>
+        </p:nvSpPr>
+        <p:spPr>
+          <a:xfrm>
+            <a:off x="0" y="0"/>
+            <a:ext cx="12192000" cy="6858000"/>
+          </a:xfrm>
+          <a:prstGeom prst="rect">
+            <a:avLst/>
+          </a:prstGeom>
+          <a:solidFill>
+            <a:srgbClr val="FFFFFF"/>
+          </a:solidFill>
+          <a:ln>
+            <a:noFill/>
+          </a:ln>
+        </p:spPr>
+        <p:style>
+          <a:lnRef idx="2">
+            <a:schemeClr val="accent1">
+              <a:shade val="50000"/>
+            </a:schemeClr>
+          </a:lnRef>
+          <a:fillRef idx="1">
+            <a:schemeClr val="accent1"/>
+          </a:fillRef>
+          <a:effectRef idx="0">
+            <a:schemeClr val="accent1"/>
+          </a:effectRef>
+          <a:fontRef idx="minor">
+            <a:schemeClr val="lt1"/>
+          </a:fontRef>
+        </p:style>
+        <p:txBody>
+          <a:bodyPr rtlCol="0" anchor="ctr"/>
+          <a:lstStyle/>
+          <a:p>
+            <a:pPr algn="ctr"/>
+            <a:endParaRPr lang="en-US"/>
+          </a:p>
+        </p:txBody>
+      </p:sp>
+      <p:sp>
+        <p:nvSpPr>
+          <p:cNvPr id="11" name="Rectangle 10">
+            <a:extLst>
+              <a:ext uri="{FF2B5EF4-FFF2-40B4-BE49-F238E27FC236}">
+                <a16:creationId xmlns:a16="http://schemas.microsoft.com/office/drawing/2014/main" id="{047C8CCB-F95D-4249-92DD-651249D3535A}"/>
+              </a:ext>
+              <a:ext uri="{C183D7F6-B498-43B3-948B-1728B52AA6E4}">
+                <adec:decorative xmlns="" xmlns:adec="http://schemas.microsoft.com/office/drawing/2017/decorative" val="1"/>
+              </a:ext>
+            </a:extLst>
+          </p:cNvPr>
+          <p:cNvSpPr>
+            <a:spLocks noGrp="1" noRot="1" noChangeAspect="1" noMove="1" noResize="1" noEditPoints="1" noAdjustHandles="1" noChangeArrowheads="1" noChangeShapeType="1" noTextEdit="1"/>
+          </p:cNvSpPr>
+          <p:nvPr>
+            <p:extLst>
+              <p:ext uri="{386F3935-93C4-4BCD-93E2-E3B085C9AB24}">
+                <p16:designElem xmlns:p16="http://schemas.microsoft.com/office/powerpoint/2015/main" val="1"/>
+              </p:ext>
+            </p:extLst>
+          </p:nvPr>
+        </p:nvSpPr>
+        <p:spPr>
+          <a:xfrm>
+            <a:off x="0" y="0"/>
+            <a:ext cx="2013557" cy="6858000"/>
+          </a:xfrm>
+          <a:prstGeom prst="rect">
+            <a:avLst/>
+          </a:prstGeom>
+          <a:solidFill>
+            <a:schemeClr val="accent2">
+              <a:lumMod val="75000"/>
+            </a:schemeClr>
+          </a:solidFill>
+          <a:ln>
+            <a:noFill/>
+          </a:ln>
+        </p:spPr>
+        <p:style>
+          <a:lnRef idx="2">
+            <a:schemeClr val="accent1">
+              <a:shade val="50000"/>
+            </a:schemeClr>
+          </a:lnRef>
+          <a:fillRef idx="1">
+            <a:schemeClr val="accent1"/>
+          </a:fillRef>
+          <a:effectRef idx="0">
+            <a:schemeClr val="accent1"/>
+          </a:effectRef>
+          <a:fontRef idx="minor">
+            <a:schemeClr val="lt1"/>
+          </a:fontRef>
+        </p:style>
+        <p:txBody>
+          <a:bodyPr rtlCol="0" anchor="ctr"/>
+          <a:lstStyle/>
+          <a:p>
+            <a:pPr algn="ctr"/>
+            <a:endParaRPr lang="en-US"/>
+          </a:p>
+        </p:txBody>
+      </p:sp>
+      <p:sp>
+        <p:nvSpPr>
+          <p:cNvPr id="4" name="TextBox 3">
+            <a:extLst>
+              <a:ext uri="{FF2B5EF4-FFF2-40B4-BE49-F238E27FC236}">
+                <a16:creationId xmlns:a16="http://schemas.microsoft.com/office/drawing/2014/main" id="{DAF7F211-C31D-46CF-8174-3F958BFE5341}"/>
+              </a:ext>
+            </a:extLst>
+          </p:cNvPr>
+          <p:cNvSpPr txBox="1"/>
+          <p:nvPr/>
+        </p:nvSpPr>
+        <p:spPr>
+          <a:xfrm>
+            <a:off x="640080" y="2074363"/>
+            <a:ext cx="2752354" cy="2709275"/>
+          </a:xfrm>
+          <a:prstGeom prst="ellipse">
+            <a:avLst/>
+          </a:prstGeom>
+          <a:solidFill>
+            <a:schemeClr val="bg2">
+              <a:lumMod val="25000"/>
+            </a:schemeClr>
+          </a:solidFill>
+          <a:ln w="174625" cmpd="thinThick">
+            <a:solidFill>
+              <a:schemeClr val="bg2">
+                <a:lumMod val="25000"/>
+              </a:schemeClr>
+            </a:solidFill>
+          </a:ln>
+        </p:spPr>
+        <p:txBody>
+          <a:bodyPr vert="horz" lIns="91440" tIns="45720" rIns="91440" bIns="45720" rtlCol="0" anchor="ctr">
+            <a:normAutofit/>
+          </a:bodyPr>
+          <a:lstStyle/>
+          <a:p>
+            <a:pPr algn="ctr">
+              <a:lnSpc>
+                <a:spcPct val="90000"/>
+              </a:lnSpc>
+              <a:spcBef>
+                <a:spcPct val="0"/>
+              </a:spcBef>
+              <a:spcAft>
+                <a:spcPts val="600"/>
+              </a:spcAft>
+            </a:pPr>
+            <a:r>
+              <a:rPr lang="en-US" sz="2600" kern="1200" dirty="0">
+                <a:solidFill>
+                  <a:srgbClr val="FFFFFF"/>
+                </a:solidFill>
+                <a:latin typeface="+mj-lt"/>
+                <a:ea typeface="+mj-ea"/>
+                <a:cs typeface="+mj-cs"/>
+              </a:rPr>
+              <a:t>Modeling</a:t>
+            </a:r>
+          </a:p>
+        </p:txBody>
+      </p:sp>
+      <p:pic>
+        <p:nvPicPr>
+          <p:cNvPr id="3" name="Picture 2">
+            <a:extLst>
+              <a:ext uri="{FF2B5EF4-FFF2-40B4-BE49-F238E27FC236}">
+                <a16:creationId xmlns:a16="http://schemas.microsoft.com/office/drawing/2014/main" id="{2E0B9825-9105-4C04-AE73-9344FC349BC5}"/>
+              </a:ext>
+            </a:extLst>
+          </p:cNvPr>
+          <p:cNvPicPr>
+            <a:picLocks noChangeAspect="1"/>
+          </p:cNvPicPr>
+          <p:nvPr/>
+        </p:nvPicPr>
+        <p:blipFill>
+          <a:blip r:embed="rId3">
+            <a:extLst>
+              <a:ext uri="{28A0092B-C50C-407E-A947-70E740481C1C}">
+                <a14:useLocalDpi xmlns:a14="http://schemas.microsoft.com/office/drawing/2010/main" val="0"/>
+              </a:ext>
+            </a:extLst>
+          </a:blip>
+          <a:stretch>
+            <a:fillRect/>
+          </a:stretch>
+        </p:blipFill>
+        <p:spPr>
+          <a:xfrm>
+            <a:off x="4038600" y="1418972"/>
+            <a:ext cx="7188199" cy="4016667"/>
+          </a:xfrm>
+          <a:prstGeom prst="rect">
+            <a:avLst/>
+          </a:prstGeom>
+        </p:spPr>
+      </p:pic>
+    </p:spTree>
+    <p:extLst>
+      <p:ext uri="{BB962C8B-B14F-4D97-AF65-F5344CB8AC3E}">
+        <p14:creationId xmlns:p14="http://schemas.microsoft.com/office/powerpoint/2010/main" val="1432094505"/>
       </p:ext>
     </p:extLst>
   </p:cSld>
@@ -11144,7 +11072,7 @@
                 <a16:creationId xmlns:a16="http://schemas.microsoft.com/office/drawing/2014/main" id="{4038CB10-1F5C-4D54-9DF7-12586DE5B007}"/>
               </a:ext>
               <a:ext uri="{C183D7F6-B498-43B3-948B-1728B52AA6E4}">
-                <adec:decorative xmlns="" xmlns:adec="http://schemas.microsoft.com/office/drawing/2017/decorative" val="1"/>
+                <adec:decorative xmlns:adec="http://schemas.microsoft.com/office/drawing/2017/decorative" xmlns="" val="1"/>
               </a:ext>
             </a:extLst>
           </p:cNvPr>
@@ -11325,7 +11253,7 @@
                 <a16:creationId xmlns:a16="http://schemas.microsoft.com/office/drawing/2014/main" id="{73ED6512-6858-4552-B699-9A97FE9A4EA2}"/>
               </a:ext>
               <a:ext uri="{C183D7F6-B498-43B3-948B-1728B52AA6E4}">
-                <adec:decorative xmlns="" xmlns:adec="http://schemas.microsoft.com/office/drawing/2017/decorative" val="1"/>
+                <adec:decorative xmlns:adec="http://schemas.microsoft.com/office/drawing/2017/decorative" xmlns="" val="1"/>
               </a:ext>
             </a:extLst>
           </p:cNvPr>
@@ -11525,272 +11453,6 @@
     <p:bg>
       <p:bgPr>
         <a:solidFill>
-          <a:schemeClr val="bg1"/>
-        </a:solidFill>
-        <a:effectLst/>
-      </p:bgPr>
-    </p:bg>
-    <p:spTree>
-      <p:nvGrpSpPr>
-        <p:cNvPr id="1" name=""/>
-        <p:cNvGrpSpPr/>
-        <p:nvPr/>
-      </p:nvGrpSpPr>
-      <p:grpSpPr>
-        <a:xfrm>
-          <a:off x="0" y="0"/>
-          <a:ext cx="0" cy="0"/>
-          <a:chOff x="0" y="0"/>
-          <a:chExt cx="0" cy="0"/>
-        </a:xfrm>
-      </p:grpSpPr>
-      <p:sp>
-        <p:nvSpPr>
-          <p:cNvPr id="9" name="Rectangle 8">
-            <a:extLst>
-              <a:ext uri="{FF2B5EF4-FFF2-40B4-BE49-F238E27FC236}">
-                <a16:creationId xmlns:a16="http://schemas.microsoft.com/office/drawing/2014/main" id="{6753252F-4873-4F63-801D-CC719279A7D5}"/>
-              </a:ext>
-              <a:ext uri="{C183D7F6-B498-43B3-948B-1728B52AA6E4}">
-                <adec:decorative xmlns:adec="http://schemas.microsoft.com/office/drawing/2017/decorative" xmlns="" val="1"/>
-              </a:ext>
-            </a:extLst>
-          </p:cNvPr>
-          <p:cNvSpPr>
-            <a:spLocks noGrp="1" noRot="1" noChangeAspect="1" noMove="1" noResize="1" noEditPoints="1" noAdjustHandles="1" noChangeArrowheads="1" noChangeShapeType="1" noTextEdit="1"/>
-          </p:cNvSpPr>
-          <p:nvPr>
-            <p:extLst>
-              <p:ext uri="{386F3935-93C4-4BCD-93E2-E3B085C9AB24}">
-                <p16:designElem xmlns:p16="http://schemas.microsoft.com/office/powerpoint/2015/main" val="1"/>
-              </p:ext>
-            </p:extLst>
-          </p:nvPr>
-        </p:nvSpPr>
-        <p:spPr>
-          <a:xfrm>
-            <a:off x="0" y="0"/>
-            <a:ext cx="12192000" cy="6858000"/>
-          </a:xfrm>
-          <a:prstGeom prst="rect">
-            <a:avLst/>
-          </a:prstGeom>
-          <a:solidFill>
-            <a:srgbClr val="FFFFFF"/>
-          </a:solidFill>
-          <a:ln>
-            <a:noFill/>
-          </a:ln>
-        </p:spPr>
-        <p:style>
-          <a:lnRef idx="2">
-            <a:schemeClr val="accent1">
-              <a:shade val="50000"/>
-            </a:schemeClr>
-          </a:lnRef>
-          <a:fillRef idx="1">
-            <a:schemeClr val="accent1"/>
-          </a:fillRef>
-          <a:effectRef idx="0">
-            <a:schemeClr val="accent1"/>
-          </a:effectRef>
-          <a:fontRef idx="minor">
-            <a:schemeClr val="lt1"/>
-          </a:fontRef>
-        </p:style>
-        <p:txBody>
-          <a:bodyPr rtlCol="0" anchor="ctr"/>
-          <a:lstStyle/>
-          <a:p>
-            <a:pPr algn="ctr"/>
-            <a:endParaRPr lang="en-US"/>
-          </a:p>
-        </p:txBody>
-      </p:sp>
-      <p:sp>
-        <p:nvSpPr>
-          <p:cNvPr id="11" name="Rectangle 10">
-            <a:extLst>
-              <a:ext uri="{FF2B5EF4-FFF2-40B4-BE49-F238E27FC236}">
-                <a16:creationId xmlns:a16="http://schemas.microsoft.com/office/drawing/2014/main" id="{047C8CCB-F95D-4249-92DD-651249D3535A}"/>
-              </a:ext>
-              <a:ext uri="{C183D7F6-B498-43B3-948B-1728B52AA6E4}">
-                <adec:decorative xmlns:adec="http://schemas.microsoft.com/office/drawing/2017/decorative" xmlns="" val="1"/>
-              </a:ext>
-            </a:extLst>
-          </p:cNvPr>
-          <p:cNvSpPr>
-            <a:spLocks noGrp="1" noRot="1" noChangeAspect="1" noMove="1" noResize="1" noEditPoints="1" noAdjustHandles="1" noChangeArrowheads="1" noChangeShapeType="1" noTextEdit="1"/>
-          </p:cNvSpPr>
-          <p:nvPr>
-            <p:extLst>
-              <p:ext uri="{386F3935-93C4-4BCD-93E2-E3B085C9AB24}">
-                <p16:designElem xmlns:p16="http://schemas.microsoft.com/office/powerpoint/2015/main" val="1"/>
-              </p:ext>
-            </p:extLst>
-          </p:nvPr>
-        </p:nvSpPr>
-        <p:spPr>
-          <a:xfrm>
-            <a:off x="0" y="0"/>
-            <a:ext cx="2013557" cy="6858000"/>
-          </a:xfrm>
-          <a:prstGeom prst="rect">
-            <a:avLst/>
-          </a:prstGeom>
-          <a:solidFill>
-            <a:schemeClr val="accent2">
-              <a:lumMod val="75000"/>
-            </a:schemeClr>
-          </a:solidFill>
-          <a:ln>
-            <a:noFill/>
-          </a:ln>
-        </p:spPr>
-        <p:style>
-          <a:lnRef idx="2">
-            <a:schemeClr val="accent1">
-              <a:shade val="50000"/>
-            </a:schemeClr>
-          </a:lnRef>
-          <a:fillRef idx="1">
-            <a:schemeClr val="accent1"/>
-          </a:fillRef>
-          <a:effectRef idx="0">
-            <a:schemeClr val="accent1"/>
-          </a:effectRef>
-          <a:fontRef idx="minor">
-            <a:schemeClr val="lt1"/>
-          </a:fontRef>
-        </p:style>
-        <p:txBody>
-          <a:bodyPr rtlCol="0" anchor="ctr"/>
-          <a:lstStyle/>
-          <a:p>
-            <a:pPr algn="ctr"/>
-            <a:endParaRPr lang="en-US"/>
-          </a:p>
-        </p:txBody>
-      </p:sp>
-      <p:sp>
-        <p:nvSpPr>
-          <p:cNvPr id="4" name="TextBox 3">
-            <a:extLst>
-              <a:ext uri="{FF2B5EF4-FFF2-40B4-BE49-F238E27FC236}">
-                <a16:creationId xmlns:a16="http://schemas.microsoft.com/office/drawing/2014/main" id="{DAF7F211-C31D-46CF-8174-3F958BFE5341}"/>
-              </a:ext>
-            </a:extLst>
-          </p:cNvPr>
-          <p:cNvSpPr txBox="1"/>
-          <p:nvPr/>
-        </p:nvSpPr>
-        <p:spPr>
-          <a:xfrm>
-            <a:off x="640080" y="2074363"/>
-            <a:ext cx="2752354" cy="2709275"/>
-          </a:xfrm>
-          <a:prstGeom prst="ellipse">
-            <a:avLst/>
-          </a:prstGeom>
-          <a:solidFill>
-            <a:schemeClr val="bg2">
-              <a:lumMod val="25000"/>
-            </a:schemeClr>
-          </a:solidFill>
-          <a:ln w="174625" cmpd="thinThick">
-            <a:solidFill>
-              <a:schemeClr val="bg2">
-                <a:lumMod val="25000"/>
-              </a:schemeClr>
-            </a:solidFill>
-          </a:ln>
-        </p:spPr>
-        <p:txBody>
-          <a:bodyPr vert="horz" lIns="91440" tIns="45720" rIns="91440" bIns="45720" rtlCol="0" anchor="ctr">
-            <a:normAutofit/>
-          </a:bodyPr>
-          <a:lstStyle/>
-          <a:p>
-            <a:pPr algn="ctr">
-              <a:lnSpc>
-                <a:spcPct val="90000"/>
-              </a:lnSpc>
-              <a:spcBef>
-                <a:spcPct val="0"/>
-              </a:spcBef>
-              <a:spcAft>
-                <a:spcPts val="600"/>
-              </a:spcAft>
-            </a:pPr>
-            <a:r>
-              <a:rPr lang="en-US" sz="2600" kern="1200" dirty="0">
-                <a:solidFill>
-                  <a:srgbClr val="FFFFFF"/>
-                </a:solidFill>
-                <a:latin typeface="+mj-lt"/>
-                <a:ea typeface="+mj-ea"/>
-                <a:cs typeface="+mj-cs"/>
-              </a:rPr>
-              <a:t>Modeling</a:t>
-            </a:r>
-          </a:p>
-        </p:txBody>
-      </p:sp>
-      <p:pic>
-        <p:nvPicPr>
-          <p:cNvPr id="3" name="Picture 2">
-            <a:extLst>
-              <a:ext uri="{FF2B5EF4-FFF2-40B4-BE49-F238E27FC236}">
-                <a16:creationId xmlns:a16="http://schemas.microsoft.com/office/drawing/2014/main" id="{2E0B9825-9105-4C04-AE73-9344FC349BC5}"/>
-              </a:ext>
-            </a:extLst>
-          </p:cNvPr>
-          <p:cNvPicPr>
-            <a:picLocks noChangeAspect="1"/>
-          </p:cNvPicPr>
-          <p:nvPr/>
-        </p:nvPicPr>
-        <p:blipFill>
-          <a:blip r:embed="rId3">
-            <a:extLst>
-              <a:ext uri="{28A0092B-C50C-407E-A947-70E740481C1C}">
-                <a14:useLocalDpi xmlns:a14="http://schemas.microsoft.com/office/drawing/2010/main" val="0"/>
-              </a:ext>
-            </a:extLst>
-          </a:blip>
-          <a:stretch>
-            <a:fillRect/>
-          </a:stretch>
-        </p:blipFill>
-        <p:spPr>
-          <a:xfrm>
-            <a:off x="4038600" y="1418972"/>
-            <a:ext cx="7188199" cy="4016667"/>
-          </a:xfrm>
-          <a:prstGeom prst="rect">
-            <a:avLst/>
-          </a:prstGeom>
-        </p:spPr>
-      </p:pic>
-    </p:spTree>
-    <p:extLst>
-      <p:ext uri="{BB962C8B-B14F-4D97-AF65-F5344CB8AC3E}">
-        <p14:creationId xmlns:p14="http://schemas.microsoft.com/office/powerpoint/2010/main" val="1432094505"/>
-      </p:ext>
-    </p:extLst>
-  </p:cSld>
-  <p:clrMapOvr>
-    <a:masterClrMapping/>
-  </p:clrMapOvr>
-</p:sld>
-</file>
-
-<file path=ppt/slides/slide21.xml><?xml version="1.0" encoding="utf-8"?>
-<p:sld xmlns:a="http://schemas.openxmlformats.org/drawingml/2006/main" xmlns:r="http://schemas.openxmlformats.org/officeDocument/2006/relationships" xmlns:p="http://schemas.openxmlformats.org/presentationml/2006/main">
-  <p:cSld>
-    <p:bg>
-      <p:bgPr>
-        <a:solidFill>
           <a:schemeClr val="accent2">
             <a:lumMod val="75000"/>
           </a:schemeClr>
@@ -11963,7 +11625,7 @@
                 <a16:creationId xmlns:a16="http://schemas.microsoft.com/office/drawing/2014/main" id="{081FF5F3-D973-4367-9851-C04740586B84}"/>
               </a:ext>
               <a:ext uri="{C183D7F6-B498-43B3-948B-1728B52AA6E4}">
-                <adec:decorative xmlns="" xmlns:adec="http://schemas.microsoft.com/office/drawing/2017/decorative" val="1"/>
+                <adec:decorative xmlns:adec="http://schemas.microsoft.com/office/drawing/2017/decorative" xmlns="" val="1"/>
               </a:ext>
             </a:extLst>
           </p:cNvPr>
@@ -12067,6 +11729,392 @@
     <p:extLst>
       <p:ext uri="{BB962C8B-B14F-4D97-AF65-F5344CB8AC3E}">
         <p14:creationId xmlns:p14="http://schemas.microsoft.com/office/powerpoint/2010/main" val="1773138623"/>
+      </p:ext>
+    </p:extLst>
+  </p:cSld>
+  <p:clrMapOvr>
+    <a:masterClrMapping/>
+  </p:clrMapOvr>
+</p:sld>
+</file>
+
+<file path=ppt/slides/slide21.xml><?xml version="1.0" encoding="utf-8"?>
+<p:sld xmlns:a="http://schemas.openxmlformats.org/drawingml/2006/main" xmlns:r="http://schemas.openxmlformats.org/officeDocument/2006/relationships" xmlns:p="http://schemas.openxmlformats.org/presentationml/2006/main">
+  <p:cSld>
+    <p:bg>
+      <p:bgPr>
+        <a:solidFill>
+          <a:schemeClr val="bg1"/>
+        </a:solidFill>
+        <a:effectLst/>
+      </p:bgPr>
+    </p:bg>
+    <p:spTree>
+      <p:nvGrpSpPr>
+        <p:cNvPr id="1" name=""/>
+        <p:cNvGrpSpPr/>
+        <p:nvPr/>
+      </p:nvGrpSpPr>
+      <p:grpSpPr>
+        <a:xfrm>
+          <a:off x="0" y="0"/>
+          <a:ext cx="0" cy="0"/>
+          <a:chOff x="0" y="0"/>
+          <a:chExt cx="0" cy="0"/>
+        </a:xfrm>
+      </p:grpSpPr>
+      <p:pic>
+        <p:nvPicPr>
+          <p:cNvPr id="7" name="Picture 6">
+            <a:extLst>
+              <a:ext uri="{FF2B5EF4-FFF2-40B4-BE49-F238E27FC236}">
+                <a16:creationId xmlns:a16="http://schemas.microsoft.com/office/drawing/2014/main" id="{7C4CF693-45C7-49D6-ADE0-24A2CB045384}"/>
+              </a:ext>
+            </a:extLst>
+          </p:cNvPr>
+          <p:cNvPicPr>
+            <a:picLocks noChangeAspect="1"/>
+          </p:cNvPicPr>
+          <p:nvPr/>
+        </p:nvPicPr>
+        <p:blipFill>
+          <a:blip r:embed="rId3">
+            <a:extLst>
+              <a:ext uri="{28A0092B-C50C-407E-A947-70E740481C1C}">
+                <a14:useLocalDpi xmlns:a14="http://schemas.microsoft.com/office/drawing/2010/main" val="0"/>
+              </a:ext>
+            </a:extLst>
+          </a:blip>
+          <a:stretch>
+            <a:fillRect/>
+          </a:stretch>
+        </p:blipFill>
+        <p:spPr>
+          <a:xfrm>
+            <a:off x="1862318" y="104508"/>
+            <a:ext cx="3871652" cy="3252187"/>
+          </a:xfrm>
+          <a:prstGeom prst="rect">
+            <a:avLst/>
+          </a:prstGeom>
+        </p:spPr>
+      </p:pic>
+      <p:pic>
+        <p:nvPicPr>
+          <p:cNvPr id="9" name="Picture 8">
+            <a:extLst>
+              <a:ext uri="{FF2B5EF4-FFF2-40B4-BE49-F238E27FC236}">
+                <a16:creationId xmlns:a16="http://schemas.microsoft.com/office/drawing/2014/main" id="{3507F636-416A-4D56-A553-83560D2C08EC}"/>
+              </a:ext>
+            </a:extLst>
+          </p:cNvPr>
+          <p:cNvPicPr>
+            <a:picLocks noChangeAspect="1"/>
+          </p:cNvPicPr>
+          <p:nvPr/>
+        </p:nvPicPr>
+        <p:blipFill>
+          <a:blip r:embed="rId4">
+            <a:extLst>
+              <a:ext uri="{28A0092B-C50C-407E-A947-70E740481C1C}">
+                <a14:useLocalDpi xmlns:a14="http://schemas.microsoft.com/office/drawing/2010/main" val="0"/>
+              </a:ext>
+            </a:extLst>
+          </a:blip>
+          <a:stretch>
+            <a:fillRect/>
+          </a:stretch>
+        </p:blipFill>
+        <p:spPr>
+          <a:xfrm>
+            <a:off x="1487090" y="3583227"/>
+            <a:ext cx="4246880" cy="3259481"/>
+          </a:xfrm>
+          <a:prstGeom prst="rect">
+            <a:avLst/>
+          </a:prstGeom>
+        </p:spPr>
+      </p:pic>
+      <p:sp>
+        <p:nvSpPr>
+          <p:cNvPr id="28" name="Rectangle 23">
+            <a:extLst>
+              <a:ext uri="{FF2B5EF4-FFF2-40B4-BE49-F238E27FC236}">
+                <a16:creationId xmlns:a16="http://schemas.microsoft.com/office/drawing/2014/main" id="{799448F2-0E5B-42DA-B2D1-11A14E947BD4}"/>
+              </a:ext>
+              <a:ext uri="{C183D7F6-B498-43B3-948B-1728B52AA6E4}">
+                <adec:decorative xmlns:adec="http://schemas.microsoft.com/office/drawing/2017/decorative" xmlns="" val="1"/>
+              </a:ext>
+            </a:extLst>
+          </p:cNvPr>
+          <p:cNvSpPr>
+            <a:spLocks noGrp="1" noRot="1" noChangeAspect="1" noMove="1" noResize="1" noEditPoints="1" noAdjustHandles="1" noChangeArrowheads="1" noChangeShapeType="1" noTextEdit="1"/>
+          </p:cNvSpPr>
+          <p:nvPr>
+            <p:extLst>
+              <p:ext uri="{386F3935-93C4-4BCD-93E2-E3B085C9AB24}">
+                <p16:designElem xmlns:p16="http://schemas.microsoft.com/office/powerpoint/2015/main" val="1"/>
+              </p:ext>
+            </p:extLst>
+          </p:nvPr>
+        </p:nvSpPr>
+        <p:spPr>
+          <a:xfrm>
+            <a:off x="6050280" y="0"/>
+            <a:ext cx="91440" cy="6858000"/>
+          </a:xfrm>
+          <a:prstGeom prst="rect">
+            <a:avLst/>
+          </a:prstGeom>
+          <a:solidFill>
+            <a:schemeClr val="tx1">
+              <a:lumMod val="75000"/>
+              <a:lumOff val="25000"/>
+            </a:schemeClr>
+          </a:solidFill>
+          <a:ln>
+            <a:noFill/>
+          </a:ln>
+        </p:spPr>
+        <p:style>
+          <a:lnRef idx="2">
+            <a:schemeClr val="accent1">
+              <a:shade val="50000"/>
+            </a:schemeClr>
+          </a:lnRef>
+          <a:fillRef idx="1">
+            <a:schemeClr val="accent1"/>
+          </a:fillRef>
+          <a:effectRef idx="0">
+            <a:schemeClr val="accent1"/>
+          </a:effectRef>
+          <a:fontRef idx="minor">
+            <a:schemeClr val="lt1"/>
+          </a:fontRef>
+        </p:style>
+        <p:txBody>
+          <a:bodyPr rtlCol="0" anchor="ctr"/>
+          <a:lstStyle/>
+          <a:p>
+            <a:pPr algn="ctr"/>
+            <a:endParaRPr lang="en-US"/>
+          </a:p>
+        </p:txBody>
+      </p:sp>
+      <p:sp>
+        <p:nvSpPr>
+          <p:cNvPr id="29" name="Rectangle 25">
+            <a:extLst>
+              <a:ext uri="{FF2B5EF4-FFF2-40B4-BE49-F238E27FC236}">
+                <a16:creationId xmlns:a16="http://schemas.microsoft.com/office/drawing/2014/main" id="{4E8A7552-20E1-4F34-ADAB-C1DB6634D47E}"/>
+              </a:ext>
+              <a:ext uri="{C183D7F6-B498-43B3-948B-1728B52AA6E4}">
+                <adec:decorative xmlns:adec="http://schemas.microsoft.com/office/drawing/2017/decorative" xmlns="" val="1"/>
+              </a:ext>
+            </a:extLst>
+          </p:cNvPr>
+          <p:cNvSpPr>
+            <a:spLocks noGrp="1" noRot="1" noChangeAspect="1" noMove="1" noResize="1" noEditPoints="1" noAdjustHandles="1" noChangeArrowheads="1" noChangeShapeType="1" noTextEdit="1"/>
+          </p:cNvSpPr>
+          <p:nvPr>
+            <p:extLst>
+              <p:ext uri="{386F3935-93C4-4BCD-93E2-E3B085C9AB24}">
+                <p16:designElem xmlns:p16="http://schemas.microsoft.com/office/powerpoint/2015/main" val="1"/>
+              </p:ext>
+            </p:extLst>
+          </p:nvPr>
+        </p:nvSpPr>
+        <p:spPr>
+          <a:xfrm>
+            <a:off x="0" y="3383280"/>
+            <a:ext cx="6126480" cy="91440"/>
+          </a:xfrm>
+          <a:prstGeom prst="rect">
+            <a:avLst/>
+          </a:prstGeom>
+          <a:solidFill>
+            <a:schemeClr val="tx1">
+              <a:lumMod val="75000"/>
+              <a:lumOff val="25000"/>
+            </a:schemeClr>
+          </a:solidFill>
+          <a:ln>
+            <a:noFill/>
+          </a:ln>
+        </p:spPr>
+        <p:style>
+          <a:lnRef idx="2">
+            <a:schemeClr val="accent1">
+              <a:shade val="50000"/>
+            </a:schemeClr>
+          </a:lnRef>
+          <a:fillRef idx="1">
+            <a:schemeClr val="accent1"/>
+          </a:fillRef>
+          <a:effectRef idx="0">
+            <a:schemeClr val="accent1"/>
+          </a:effectRef>
+          <a:fontRef idx="minor">
+            <a:schemeClr val="lt1"/>
+          </a:fontRef>
+        </p:style>
+        <p:txBody>
+          <a:bodyPr rtlCol="0" anchor="ctr"/>
+          <a:lstStyle/>
+          <a:p>
+            <a:pPr algn="ctr"/>
+            <a:endParaRPr lang="en-US"/>
+          </a:p>
+        </p:txBody>
+      </p:sp>
+      <p:pic>
+        <p:nvPicPr>
+          <p:cNvPr id="3" name="Picture 2">
+            <a:extLst>
+              <a:ext uri="{FF2B5EF4-FFF2-40B4-BE49-F238E27FC236}">
+                <a16:creationId xmlns:a16="http://schemas.microsoft.com/office/drawing/2014/main" id="{26D18934-E358-4FB6-84AB-524AF7512004}"/>
+              </a:ext>
+            </a:extLst>
+          </p:cNvPr>
+          <p:cNvPicPr>
+            <a:picLocks noChangeAspect="1"/>
+          </p:cNvPicPr>
+          <p:nvPr/>
+        </p:nvPicPr>
+        <p:blipFill>
+          <a:blip r:embed="rId5">
+            <a:extLst>
+              <a:ext uri="{28A0092B-C50C-407E-A947-70E740481C1C}">
+                <a14:useLocalDpi xmlns:a14="http://schemas.microsoft.com/office/drawing/2010/main" val="0"/>
+              </a:ext>
+            </a:extLst>
+          </a:blip>
+          <a:stretch>
+            <a:fillRect/>
+          </a:stretch>
+        </p:blipFill>
+        <p:spPr>
+          <a:xfrm>
+            <a:off x="6308034" y="1077455"/>
+            <a:ext cx="5426764" cy="4558480"/>
+          </a:xfrm>
+          <a:prstGeom prst="rect">
+            <a:avLst/>
+          </a:prstGeom>
+        </p:spPr>
+      </p:pic>
+      <p:sp>
+        <p:nvSpPr>
+          <p:cNvPr id="10" name="TextBox 9">
+            <a:extLst>
+              <a:ext uri="{FF2B5EF4-FFF2-40B4-BE49-F238E27FC236}">
+                <a16:creationId xmlns:a16="http://schemas.microsoft.com/office/drawing/2014/main" id="{10999A82-D92D-4BF0-9A9E-851CA8E885CE}"/>
+              </a:ext>
+            </a:extLst>
+          </p:cNvPr>
+          <p:cNvSpPr txBox="1"/>
+          <p:nvPr/>
+        </p:nvSpPr>
+        <p:spPr>
+          <a:xfrm>
+            <a:off x="162560" y="284480"/>
+            <a:ext cx="615553" cy="2621280"/>
+          </a:xfrm>
+          <a:prstGeom prst="rect">
+            <a:avLst/>
+          </a:prstGeom>
+          <a:noFill/>
+        </p:spPr>
+        <p:txBody>
+          <a:bodyPr vert="vert270" wrap="square" rtlCol="0">
+            <a:spAutoFit/>
+          </a:bodyPr>
+          <a:lstStyle/>
+          <a:p>
+            <a:pPr algn="ctr"/>
+            <a:r>
+              <a:rPr lang="en-US" sz="2800" dirty="0"/>
+              <a:t>Decision Tree</a:t>
+            </a:r>
+          </a:p>
+        </p:txBody>
+      </p:sp>
+      <p:sp>
+        <p:nvSpPr>
+          <p:cNvPr id="21" name="TextBox 20">
+            <a:extLst>
+              <a:ext uri="{FF2B5EF4-FFF2-40B4-BE49-F238E27FC236}">
+                <a16:creationId xmlns:a16="http://schemas.microsoft.com/office/drawing/2014/main" id="{EBEBCB0C-50EB-4373-9A10-2183C7E2D528}"/>
+              </a:ext>
+            </a:extLst>
+          </p:cNvPr>
+          <p:cNvSpPr txBox="1"/>
+          <p:nvPr/>
+        </p:nvSpPr>
+        <p:spPr>
+          <a:xfrm>
+            <a:off x="0" y="3755115"/>
+            <a:ext cx="1046440" cy="2621280"/>
+          </a:xfrm>
+          <a:prstGeom prst="rect">
+            <a:avLst/>
+          </a:prstGeom>
+          <a:noFill/>
+        </p:spPr>
+        <p:txBody>
+          <a:bodyPr vert="vert270" wrap="square" rtlCol="0">
+            <a:spAutoFit/>
+          </a:bodyPr>
+          <a:lstStyle/>
+          <a:p>
+            <a:pPr algn="ctr"/>
+            <a:r>
+              <a:rPr lang="en-US" sz="2800" dirty="0"/>
+              <a:t>Linear Regression</a:t>
+            </a:r>
+          </a:p>
+        </p:txBody>
+      </p:sp>
+      <p:sp>
+        <p:nvSpPr>
+          <p:cNvPr id="22" name="TextBox 21">
+            <a:extLst>
+              <a:ext uri="{FF2B5EF4-FFF2-40B4-BE49-F238E27FC236}">
+                <a16:creationId xmlns:a16="http://schemas.microsoft.com/office/drawing/2014/main" id="{7CBE6586-3C5F-4768-9E31-A22E5196D0DE}"/>
+              </a:ext>
+            </a:extLst>
+          </p:cNvPr>
+          <p:cNvSpPr txBox="1"/>
+          <p:nvPr/>
+        </p:nvSpPr>
+        <p:spPr>
+          <a:xfrm>
+            <a:off x="7484029" y="5853175"/>
+            <a:ext cx="3074774" cy="523220"/>
+          </a:xfrm>
+          <a:prstGeom prst="rect">
+            <a:avLst/>
+          </a:prstGeom>
+          <a:noFill/>
+        </p:spPr>
+        <p:txBody>
+          <a:bodyPr vert="horz" wrap="square" rtlCol="0">
+            <a:spAutoFit/>
+          </a:bodyPr>
+          <a:lstStyle/>
+          <a:p>
+            <a:pPr algn="ctr"/>
+            <a:r>
+              <a:rPr lang="en-US" sz="2800" dirty="0"/>
+              <a:t>Random Forest</a:t>
+            </a:r>
+          </a:p>
+        </p:txBody>
+      </p:sp>
+    </p:spTree>
+    <p:extLst>
+      <p:ext uri="{BB962C8B-B14F-4D97-AF65-F5344CB8AC3E}">
+        <p14:creationId xmlns:p14="http://schemas.microsoft.com/office/powerpoint/2010/main" val="995200606"/>
       </p:ext>
     </p:extLst>
   </p:cSld>
@@ -12101,84 +12149,12 @@
           <a:chExt cx="0" cy="0"/>
         </a:xfrm>
       </p:grpSpPr>
-      <p:pic>
-        <p:nvPicPr>
-          <p:cNvPr id="7" name="Picture 6">
-            <a:extLst>
-              <a:ext uri="{FF2B5EF4-FFF2-40B4-BE49-F238E27FC236}">
-                <a16:creationId xmlns:a16="http://schemas.microsoft.com/office/drawing/2014/main" id="{7C4CF693-45C7-49D6-ADE0-24A2CB045384}"/>
-              </a:ext>
-            </a:extLst>
-          </p:cNvPr>
-          <p:cNvPicPr>
-            <a:picLocks noChangeAspect="1"/>
-          </p:cNvPicPr>
-          <p:nvPr/>
-        </p:nvPicPr>
-        <p:blipFill>
-          <a:blip r:embed="rId3">
-            <a:extLst>
-              <a:ext uri="{28A0092B-C50C-407E-A947-70E740481C1C}">
-                <a14:useLocalDpi xmlns:a14="http://schemas.microsoft.com/office/drawing/2010/main" val="0"/>
-              </a:ext>
-            </a:extLst>
-          </a:blip>
-          <a:stretch>
-            <a:fillRect/>
-          </a:stretch>
-        </p:blipFill>
-        <p:spPr>
-          <a:xfrm>
-            <a:off x="1862318" y="104508"/>
-            <a:ext cx="3871652" cy="3252187"/>
-          </a:xfrm>
-          <a:prstGeom prst="rect">
-            <a:avLst/>
-          </a:prstGeom>
-        </p:spPr>
-      </p:pic>
-      <p:pic>
-        <p:nvPicPr>
-          <p:cNvPr id="9" name="Picture 8">
-            <a:extLst>
-              <a:ext uri="{FF2B5EF4-FFF2-40B4-BE49-F238E27FC236}">
-                <a16:creationId xmlns:a16="http://schemas.microsoft.com/office/drawing/2014/main" id="{3507F636-416A-4D56-A553-83560D2C08EC}"/>
-              </a:ext>
-            </a:extLst>
-          </p:cNvPr>
-          <p:cNvPicPr>
-            <a:picLocks noChangeAspect="1"/>
-          </p:cNvPicPr>
-          <p:nvPr/>
-        </p:nvPicPr>
-        <p:blipFill>
-          <a:blip r:embed="rId4">
-            <a:extLst>
-              <a:ext uri="{28A0092B-C50C-407E-A947-70E740481C1C}">
-                <a14:useLocalDpi xmlns:a14="http://schemas.microsoft.com/office/drawing/2010/main" val="0"/>
-              </a:ext>
-            </a:extLst>
-          </a:blip>
-          <a:stretch>
-            <a:fillRect/>
-          </a:stretch>
-        </p:blipFill>
-        <p:spPr>
-          <a:xfrm>
-            <a:off x="1487090" y="3583227"/>
-            <a:ext cx="4246880" cy="3259481"/>
-          </a:xfrm>
-          <a:prstGeom prst="rect">
-            <a:avLst/>
-          </a:prstGeom>
-        </p:spPr>
-      </p:pic>
-      <p:sp>
-        <p:nvSpPr>
-          <p:cNvPr id="28" name="Rectangle 23">
-            <a:extLst>
-              <a:ext uri="{FF2B5EF4-FFF2-40B4-BE49-F238E27FC236}">
-                <a16:creationId xmlns:a16="http://schemas.microsoft.com/office/drawing/2014/main" id="{799448F2-0E5B-42DA-B2D1-11A14E947BD4}"/>
+      <p:sp>
+        <p:nvSpPr>
+          <p:cNvPr id="44" name="Rectangle 12">
+            <a:extLst>
+              <a:ext uri="{FF2B5EF4-FFF2-40B4-BE49-F238E27FC236}">
+                <a16:creationId xmlns:a16="http://schemas.microsoft.com/office/drawing/2014/main" id="{B1ED02B1-1BC5-458F-9994-627281CFE7C4}"/>
               </a:ext>
               <a:ext uri="{C183D7F6-B498-43B3-948B-1728B52AA6E4}">
                 <adec:decorative xmlns="" xmlns:adec="http://schemas.microsoft.com/office/drawing/2017/decorative" val="1"/>
@@ -12198,16 +12174,15 @@
         </p:nvSpPr>
         <p:spPr>
           <a:xfrm>
-            <a:off x="6050280" y="0"/>
-            <a:ext cx="91440" cy="6858000"/>
+            <a:off x="0" y="4923691"/>
+            <a:ext cx="12192000" cy="1934309"/>
           </a:xfrm>
           <a:prstGeom prst="rect">
             <a:avLst/>
           </a:prstGeom>
           <a:solidFill>
-            <a:schemeClr val="tx1">
+            <a:schemeClr val="accent2">
               <a:lumMod val="75000"/>
-              <a:lumOff val="25000"/>
             </a:schemeClr>
           </a:solidFill>
           <a:ln>
@@ -12241,67 +12216,64 @@
       </p:sp>
       <p:sp>
         <p:nvSpPr>
-          <p:cNvPr id="29" name="Rectangle 25">
-            <a:extLst>
-              <a:ext uri="{FF2B5EF4-FFF2-40B4-BE49-F238E27FC236}">
-                <a16:creationId xmlns:a16="http://schemas.microsoft.com/office/drawing/2014/main" id="{4E8A7552-20E1-4F34-ADAB-C1DB6634D47E}"/>
-              </a:ext>
-              <a:ext uri="{C183D7F6-B498-43B3-948B-1728B52AA6E4}">
-                <adec:decorative xmlns="" xmlns:adec="http://schemas.microsoft.com/office/drawing/2017/decorative" val="1"/>
-              </a:ext>
-            </a:extLst>
-          </p:cNvPr>
-          <p:cNvSpPr>
-            <a:spLocks noGrp="1" noRot="1" noChangeAspect="1" noMove="1" noResize="1" noEditPoints="1" noAdjustHandles="1" noChangeArrowheads="1" noChangeShapeType="1" noTextEdit="1"/>
-          </p:cNvSpPr>
-          <p:nvPr>
-            <p:extLst>
-              <p:ext uri="{386F3935-93C4-4BCD-93E2-E3B085C9AB24}">
-                <p16:designElem xmlns:p16="http://schemas.microsoft.com/office/powerpoint/2015/main" val="1"/>
-              </p:ext>
-            </p:extLst>
-          </p:nvPr>
+          <p:cNvPr id="8" name="TextBox 7">
+            <a:extLst>
+              <a:ext uri="{FF2B5EF4-FFF2-40B4-BE49-F238E27FC236}">
+                <a16:creationId xmlns:a16="http://schemas.microsoft.com/office/drawing/2014/main" id="{4B1E0101-6957-4329-A8AD-D1F84D446BD3}"/>
+              </a:ext>
+            </a:extLst>
+          </p:cNvPr>
+          <p:cNvSpPr txBox="1"/>
+          <p:nvPr/>
         </p:nvSpPr>
         <p:spPr>
           <a:xfrm>
-            <a:off x="0" y="3383280"/>
-            <a:ext cx="6126480" cy="91440"/>
+            <a:off x="2231136" y="4388020"/>
+            <a:ext cx="7729728" cy="1188720"/>
           </a:xfrm>
           <a:prstGeom prst="rect">
             <a:avLst/>
           </a:prstGeom>
           <a:solidFill>
-            <a:schemeClr val="tx1">
-              <a:lumMod val="75000"/>
-              <a:lumOff val="25000"/>
-            </a:schemeClr>
+            <a:schemeClr val="bg1"/>
           </a:solidFill>
-          <a:ln>
-            <a:noFill/>
+          <a:ln w="31750">
+            <a:solidFill>
+              <a:schemeClr val="tx1">
+                <a:lumMod val="75000"/>
+                <a:lumOff val="25000"/>
+              </a:schemeClr>
+            </a:solidFill>
           </a:ln>
         </p:spPr>
-        <p:style>
-          <a:lnRef idx="2">
-            <a:schemeClr val="accent1">
-              <a:shade val="50000"/>
-            </a:schemeClr>
-          </a:lnRef>
-          <a:fillRef idx="1">
-            <a:schemeClr val="accent1"/>
-          </a:fillRef>
-          <a:effectRef idx="0">
-            <a:schemeClr val="accent1"/>
-          </a:effectRef>
-          <a:fontRef idx="minor">
-            <a:schemeClr val="lt1"/>
-          </a:fontRef>
-        </p:style>
-        <p:txBody>
-          <a:bodyPr rtlCol="0" anchor="ctr"/>
-          <a:lstStyle/>
-          <a:p>
-            <a:pPr algn="ctr"/>
-            <a:endParaRPr lang="en-US"/>
+        <p:txBody>
+          <a:bodyPr vert="horz" lIns="91440" tIns="45720" rIns="91440" bIns="45720" rtlCol="0" anchor="ctr">
+            <a:normAutofit/>
+          </a:bodyPr>
+          <a:lstStyle/>
+          <a:p>
+            <a:pPr algn="ctr">
+              <a:lnSpc>
+                <a:spcPct val="90000"/>
+              </a:lnSpc>
+              <a:spcBef>
+                <a:spcPct val="0"/>
+              </a:spcBef>
+              <a:spcAft>
+                <a:spcPts val="600"/>
+              </a:spcAft>
+            </a:pPr>
+            <a:r>
+              <a:rPr lang="en-US" sz="3200" kern="1200" dirty="0">
+                <a:solidFill>
+                  <a:schemeClr val="tx1"/>
+                </a:solidFill>
+                <a:latin typeface="+mj-lt"/>
+                <a:ea typeface="+mj-ea"/>
+                <a:cs typeface="+mj-cs"/>
+              </a:rPr>
+              <a:t>Title Principal Model Comparison</a:t>
+            </a:r>
           </a:p>
         </p:txBody>
       </p:sp>
@@ -12310,7 +12282,7 @@
           <p:cNvPr id="3" name="Picture 2">
             <a:extLst>
               <a:ext uri="{FF2B5EF4-FFF2-40B4-BE49-F238E27FC236}">
-                <a16:creationId xmlns:a16="http://schemas.microsoft.com/office/drawing/2014/main" id="{26D18934-E358-4FB6-84AB-524AF7512004}"/>
+                <a16:creationId xmlns:a16="http://schemas.microsoft.com/office/drawing/2014/main" id="{FD322C82-B067-4DDF-B672-3E8E9581F573}"/>
               </a:ext>
             </a:extLst>
           </p:cNvPr>
@@ -12320,7 +12292,7 @@
           <p:nvPr/>
         </p:nvPicPr>
         <p:blipFill>
-          <a:blip r:embed="rId5">
+          <a:blip r:embed="rId3">
             <a:extLst>
               <a:ext uri="{28A0092B-C50C-407E-A947-70E740481C1C}">
                 <a14:useLocalDpi xmlns:a14="http://schemas.microsoft.com/office/drawing/2010/main" val="0"/>
@@ -12333,126 +12305,18 @@
         </p:blipFill>
         <p:spPr>
           <a:xfrm>
-            <a:off x="6308034" y="1077455"/>
-            <a:ext cx="5426764" cy="4558480"/>
+            <a:off x="1024280" y="1167062"/>
+            <a:ext cx="10139997" cy="2218123"/>
           </a:xfrm>
           <a:prstGeom prst="rect">
             <a:avLst/>
           </a:prstGeom>
         </p:spPr>
       </p:pic>
-      <p:sp>
-        <p:nvSpPr>
-          <p:cNvPr id="10" name="TextBox 9">
-            <a:extLst>
-              <a:ext uri="{FF2B5EF4-FFF2-40B4-BE49-F238E27FC236}">
-                <a16:creationId xmlns:a16="http://schemas.microsoft.com/office/drawing/2014/main" id="{10999A82-D92D-4BF0-9A9E-851CA8E885CE}"/>
-              </a:ext>
-            </a:extLst>
-          </p:cNvPr>
-          <p:cNvSpPr txBox="1"/>
-          <p:nvPr/>
-        </p:nvSpPr>
-        <p:spPr>
-          <a:xfrm>
-            <a:off x="162560" y="284480"/>
-            <a:ext cx="615553" cy="2621280"/>
-          </a:xfrm>
-          <a:prstGeom prst="rect">
-            <a:avLst/>
-          </a:prstGeom>
-          <a:noFill/>
-        </p:spPr>
-        <p:txBody>
-          <a:bodyPr vert="vert270" wrap="square" rtlCol="0">
-            <a:spAutoFit/>
-          </a:bodyPr>
-          <a:lstStyle/>
-          <a:p>
-            <a:pPr algn="ctr"/>
-            <a:r>
-              <a:rPr lang="en-US" sz="2800" dirty="0"/>
-              <a:t>Decision Tree</a:t>
-            </a:r>
-          </a:p>
-        </p:txBody>
-      </p:sp>
-      <p:sp>
-        <p:nvSpPr>
-          <p:cNvPr id="21" name="TextBox 20">
-            <a:extLst>
-              <a:ext uri="{FF2B5EF4-FFF2-40B4-BE49-F238E27FC236}">
-                <a16:creationId xmlns:a16="http://schemas.microsoft.com/office/drawing/2014/main" id="{EBEBCB0C-50EB-4373-9A10-2183C7E2D528}"/>
-              </a:ext>
-            </a:extLst>
-          </p:cNvPr>
-          <p:cNvSpPr txBox="1"/>
-          <p:nvPr/>
-        </p:nvSpPr>
-        <p:spPr>
-          <a:xfrm>
-            <a:off x="0" y="3755115"/>
-            <a:ext cx="1046440" cy="2621280"/>
-          </a:xfrm>
-          <a:prstGeom prst="rect">
-            <a:avLst/>
-          </a:prstGeom>
-          <a:noFill/>
-        </p:spPr>
-        <p:txBody>
-          <a:bodyPr vert="vert270" wrap="square" rtlCol="0">
-            <a:spAutoFit/>
-          </a:bodyPr>
-          <a:lstStyle/>
-          <a:p>
-            <a:pPr algn="ctr"/>
-            <a:r>
-              <a:rPr lang="en-US" sz="2800" dirty="0"/>
-              <a:t>Linear Regression</a:t>
-            </a:r>
-          </a:p>
-        </p:txBody>
-      </p:sp>
-      <p:sp>
-        <p:nvSpPr>
-          <p:cNvPr id="22" name="TextBox 21">
-            <a:extLst>
-              <a:ext uri="{FF2B5EF4-FFF2-40B4-BE49-F238E27FC236}">
-                <a16:creationId xmlns:a16="http://schemas.microsoft.com/office/drawing/2014/main" id="{7CBE6586-3C5F-4768-9E31-A22E5196D0DE}"/>
-              </a:ext>
-            </a:extLst>
-          </p:cNvPr>
-          <p:cNvSpPr txBox="1"/>
-          <p:nvPr/>
-        </p:nvSpPr>
-        <p:spPr>
-          <a:xfrm>
-            <a:off x="7484029" y="5853175"/>
-            <a:ext cx="3074774" cy="523220"/>
-          </a:xfrm>
-          <a:prstGeom prst="rect">
-            <a:avLst/>
-          </a:prstGeom>
-          <a:noFill/>
-        </p:spPr>
-        <p:txBody>
-          <a:bodyPr vert="horz" wrap="square" rtlCol="0">
-            <a:spAutoFit/>
-          </a:bodyPr>
-          <a:lstStyle/>
-          <a:p>
-            <a:pPr algn="ctr"/>
-            <a:r>
-              <a:rPr lang="en-US" sz="2800" dirty="0"/>
-              <a:t>Random Forest</a:t>
-            </a:r>
-          </a:p>
-        </p:txBody>
-      </p:sp>
     </p:spTree>
     <p:extLst>
       <p:ext uri="{BB962C8B-B14F-4D97-AF65-F5344CB8AC3E}">
-        <p14:creationId xmlns:p14="http://schemas.microsoft.com/office/powerpoint/2010/main" val="995200606"/>
+        <p14:creationId xmlns:p14="http://schemas.microsoft.com/office/powerpoint/2010/main" val="2736808539"/>
       </p:ext>
     </p:extLst>
   </p:cSld>
@@ -12468,7 +12332,10 @@
     <p:bg>
       <p:bgPr>
         <a:solidFill>
-          <a:schemeClr val="bg1"/>
+          <a:schemeClr val="bg1">
+            <a:tint val="95000"/>
+            <a:satMod val="170000"/>
+          </a:schemeClr>
         </a:solidFill>
         <a:effectLst/>
       </p:bgPr>
@@ -12487,44 +12354,109 @@
           <a:chExt cx="0" cy="0"/>
         </a:xfrm>
       </p:grpSpPr>
-      <p:sp>
-        <p:nvSpPr>
-          <p:cNvPr id="44" name="Rectangle 12">
-            <a:extLst>
-              <a:ext uri="{FF2B5EF4-FFF2-40B4-BE49-F238E27FC236}">
-                <a16:creationId xmlns:a16="http://schemas.microsoft.com/office/drawing/2014/main" id="{B1ED02B1-1BC5-458F-9994-627281CFE7C4}"/>
-              </a:ext>
-              <a:ext uri="{C183D7F6-B498-43B3-948B-1728B52AA6E4}">
-                <adec:decorative xmlns:adec="http://schemas.microsoft.com/office/drawing/2017/decorative" xmlns="" val="1"/>
-              </a:ext>
-            </a:extLst>
-          </p:cNvPr>
-          <p:cNvSpPr>
-            <a:spLocks noGrp="1" noRot="1" noChangeAspect="1" noMove="1" noResize="1" noEditPoints="1" noAdjustHandles="1" noChangeArrowheads="1" noChangeShapeType="1" noTextEdit="1"/>
-          </p:cNvSpPr>
-          <p:nvPr>
-            <p:extLst>
-              <p:ext uri="{386F3935-93C4-4BCD-93E2-E3B085C9AB24}">
-                <p16:designElem xmlns:p16="http://schemas.microsoft.com/office/powerpoint/2015/main" val="1"/>
-              </p:ext>
-            </p:extLst>
-          </p:nvPr>
-        </p:nvSpPr>
+      <p:pic>
+        <p:nvPicPr>
+          <p:cNvPr id="3" name="Picture 2">
+            <a:extLst>
+              <a:ext uri="{FF2B5EF4-FFF2-40B4-BE49-F238E27FC236}">
+                <a16:creationId xmlns:a16="http://schemas.microsoft.com/office/drawing/2014/main" id="{B822ACAD-7AE6-4D8B-B9D4-16E868253332}"/>
+              </a:ext>
+            </a:extLst>
+          </p:cNvPr>
+          <p:cNvPicPr>
+            <a:picLocks noChangeAspect="1"/>
+          </p:cNvPicPr>
+          <p:nvPr/>
+        </p:nvPicPr>
+        <p:blipFill>
+          <a:blip r:embed="rId3">
+            <a:extLst>
+              <a:ext uri="{28A0092B-C50C-407E-A947-70E740481C1C}">
+                <a14:useLocalDpi xmlns:a14="http://schemas.microsoft.com/office/drawing/2010/main" val="0"/>
+              </a:ext>
+            </a:extLst>
+          </a:blip>
+          <a:stretch>
+            <a:fillRect/>
+          </a:stretch>
+        </p:blipFill>
         <p:spPr>
           <a:xfrm>
-            <a:off x="0" y="4923691"/>
-            <a:ext cx="12192000" cy="1934309"/>
+            <a:off x="1490401" y="1691264"/>
+            <a:ext cx="2051811" cy="4601031"/>
+          </a:xfrm>
+          <a:prstGeom prst="rect">
+            <a:avLst/>
+          </a:prstGeom>
+        </p:spPr>
+      </p:pic>
+      <p:pic>
+        <p:nvPicPr>
+          <p:cNvPr id="5" name="Picture 4">
+            <a:extLst>
+              <a:ext uri="{FF2B5EF4-FFF2-40B4-BE49-F238E27FC236}">
+                <a16:creationId xmlns:a16="http://schemas.microsoft.com/office/drawing/2014/main" id="{C868F8DD-335B-469C-8DF4-95E349B2C687}"/>
+              </a:ext>
+            </a:extLst>
+          </p:cNvPr>
+          <p:cNvPicPr>
+            <a:picLocks noChangeAspect="1"/>
+          </p:cNvPicPr>
+          <p:nvPr/>
+        </p:nvPicPr>
+        <p:blipFill>
+          <a:blip r:embed="rId4">
+            <a:extLst>
+              <a:ext uri="{28A0092B-C50C-407E-A947-70E740481C1C}">
+                <a14:useLocalDpi xmlns:a14="http://schemas.microsoft.com/office/drawing/2010/main" val="0"/>
+              </a:ext>
+            </a:extLst>
+          </a:blip>
+          <a:stretch>
+            <a:fillRect/>
+          </a:stretch>
+        </p:blipFill>
+        <p:spPr>
+          <a:xfrm>
+            <a:off x="5313900" y="756745"/>
+            <a:ext cx="6583810" cy="5535550"/>
+          </a:xfrm>
+          <a:prstGeom prst="rect">
+            <a:avLst/>
+          </a:prstGeom>
+        </p:spPr>
+      </p:pic>
+      <p:sp>
+        <p:nvSpPr>
+          <p:cNvPr id="8" name="Rectangle 7">
+            <a:extLst>
+              <a:ext uri="{FF2B5EF4-FFF2-40B4-BE49-F238E27FC236}">
+                <a16:creationId xmlns:a16="http://schemas.microsoft.com/office/drawing/2014/main" id="{B47F926D-6488-41D9-8E12-BB17CDF9B4D0}"/>
+              </a:ext>
+            </a:extLst>
+          </p:cNvPr>
+          <p:cNvSpPr/>
+          <p:nvPr/>
+        </p:nvSpPr>
+        <p:spPr>
+          <a:xfrm>
+            <a:off x="4969565" y="0"/>
+            <a:ext cx="75401" cy="6858000"/>
           </a:xfrm>
           <a:prstGeom prst="rect">
             <a:avLst/>
           </a:prstGeom>
           <a:solidFill>
-            <a:schemeClr val="accent2">
-              <a:lumMod val="75000"/>
+            <a:schemeClr val="bg2">
+              <a:lumMod val="25000"/>
             </a:schemeClr>
           </a:solidFill>
           <a:ln>
-            <a:noFill/>
+            <a:solidFill>
+              <a:schemeClr val="bg2">
+                <a:lumMod val="25000"/>
+              </a:schemeClr>
+            </a:solidFill>
           </a:ln>
         </p:spPr>
         <p:style>
@@ -12554,10 +12486,10 @@
       </p:sp>
       <p:sp>
         <p:nvSpPr>
-          <p:cNvPr id="8" name="TextBox 7">
-            <a:extLst>
-              <a:ext uri="{FF2B5EF4-FFF2-40B4-BE49-F238E27FC236}">
-                <a16:creationId xmlns:a16="http://schemas.microsoft.com/office/drawing/2014/main" id="{4B1E0101-6957-4329-A8AD-D1F84D446BD3}"/>
+          <p:cNvPr id="14" name="TextBox 13">
+            <a:extLst>
+              <a:ext uri="{FF2B5EF4-FFF2-40B4-BE49-F238E27FC236}">
+                <a16:creationId xmlns:a16="http://schemas.microsoft.com/office/drawing/2014/main" id="{AF946A19-3472-44F3-91F0-35E0343F11A5}"/>
               </a:ext>
             </a:extLst>
           </p:cNvPr>
@@ -12566,95 +12498,90 @@
         </p:nvSpPr>
         <p:spPr>
           <a:xfrm>
-            <a:off x="2231136" y="4388020"/>
-            <a:ext cx="7729728" cy="1188720"/>
+            <a:off x="347974" y="218136"/>
+            <a:ext cx="4225159" cy="1077218"/>
+          </a:xfrm>
+          <a:prstGeom prst="rect">
+            <a:avLst/>
+          </a:prstGeom>
+          <a:noFill/>
+        </p:spPr>
+        <p:txBody>
+          <a:bodyPr wrap="square" rtlCol="0">
+            <a:spAutoFit/>
+          </a:bodyPr>
+          <a:lstStyle/>
+          <a:p>
+            <a:pPr algn="ctr"/>
+            <a:r>
+              <a:rPr lang="en-US" sz="3200" dirty="0"/>
+              <a:t>2018 Prediction Accuracy </a:t>
+            </a:r>
+          </a:p>
+        </p:txBody>
+      </p:sp>
+      <p:sp>
+        <p:nvSpPr>
+          <p:cNvPr id="15" name="Rectangle 14">
+            <a:extLst>
+              <a:ext uri="{FF2B5EF4-FFF2-40B4-BE49-F238E27FC236}">
+                <a16:creationId xmlns:a16="http://schemas.microsoft.com/office/drawing/2014/main" id="{A5DBB6ED-D4BA-438D-81A1-8ACD33A9F750}"/>
+              </a:ext>
+            </a:extLst>
+          </p:cNvPr>
+          <p:cNvSpPr/>
+          <p:nvPr/>
+        </p:nvSpPr>
+        <p:spPr>
+          <a:xfrm rot="5400000">
+            <a:off x="2393789" y="-1220872"/>
+            <a:ext cx="59504" cy="5092048"/>
           </a:xfrm>
           <a:prstGeom prst="rect">
             <a:avLst/>
           </a:prstGeom>
           <a:solidFill>
-            <a:schemeClr val="bg1"/>
+            <a:schemeClr val="bg2">
+              <a:lumMod val="25000"/>
+            </a:schemeClr>
           </a:solidFill>
-          <a:ln w="31750">
+          <a:ln>
             <a:solidFill>
-              <a:schemeClr val="tx1">
-                <a:lumMod val="75000"/>
-                <a:lumOff val="25000"/>
+              <a:schemeClr val="bg2">
+                <a:lumMod val="25000"/>
               </a:schemeClr>
             </a:solidFill>
           </a:ln>
         </p:spPr>
-        <p:txBody>
-          <a:bodyPr vert="horz" lIns="91440" tIns="45720" rIns="91440" bIns="45720" rtlCol="0" anchor="ctr">
-            <a:normAutofit/>
-          </a:bodyPr>
-          <a:lstStyle/>
-          <a:p>
-            <a:pPr algn="ctr">
-              <a:lnSpc>
-                <a:spcPct val="90000"/>
-              </a:lnSpc>
-              <a:spcBef>
-                <a:spcPct val="0"/>
-              </a:spcBef>
-              <a:spcAft>
-                <a:spcPts val="600"/>
-              </a:spcAft>
-            </a:pPr>
-            <a:r>
-              <a:rPr lang="en-US" sz="3200" kern="1200" dirty="0">
-                <a:solidFill>
-                  <a:schemeClr val="tx1"/>
-                </a:solidFill>
-                <a:latin typeface="+mj-lt"/>
-                <a:ea typeface="+mj-ea"/>
-                <a:cs typeface="+mj-cs"/>
-              </a:rPr>
-              <a:t>Title Principal Model Comparison</a:t>
-            </a:r>
-          </a:p>
-        </p:txBody>
-      </p:sp>
-      <p:pic>
-        <p:nvPicPr>
-          <p:cNvPr id="3" name="Picture 2">
-            <a:extLst>
-              <a:ext uri="{FF2B5EF4-FFF2-40B4-BE49-F238E27FC236}">
-                <a16:creationId xmlns:a16="http://schemas.microsoft.com/office/drawing/2014/main" id="{FD322C82-B067-4DDF-B672-3E8E9581F573}"/>
-              </a:ext>
-            </a:extLst>
-          </p:cNvPr>
-          <p:cNvPicPr>
-            <a:picLocks noChangeAspect="1"/>
-          </p:cNvPicPr>
-          <p:nvPr/>
-        </p:nvPicPr>
-        <p:blipFill>
-          <a:blip r:embed="rId3">
-            <a:extLst>
-              <a:ext uri="{28A0092B-C50C-407E-A947-70E740481C1C}">
-                <a14:useLocalDpi xmlns:a14="http://schemas.microsoft.com/office/drawing/2010/main" val="0"/>
-              </a:ext>
-            </a:extLst>
-          </a:blip>
-          <a:stretch>
-            <a:fillRect/>
-          </a:stretch>
-        </p:blipFill>
-        <p:spPr>
-          <a:xfrm>
-            <a:off x="1024280" y="1167062"/>
-            <a:ext cx="10139997" cy="2218123"/>
-          </a:xfrm>
-          <a:prstGeom prst="rect">
-            <a:avLst/>
-          </a:prstGeom>
-        </p:spPr>
-      </p:pic>
+        <p:style>
+          <a:lnRef idx="2">
+            <a:schemeClr val="accent1">
+              <a:shade val="50000"/>
+            </a:schemeClr>
+          </a:lnRef>
+          <a:fillRef idx="1">
+            <a:schemeClr val="accent1"/>
+          </a:fillRef>
+          <a:effectRef idx="0">
+            <a:schemeClr val="accent1"/>
+          </a:effectRef>
+          <a:fontRef idx="minor">
+            <a:schemeClr val="lt1"/>
+          </a:fontRef>
+        </p:style>
+        <p:txBody>
+          <a:bodyPr rtlCol="0" anchor="ctr"/>
+          <a:lstStyle/>
+          <a:p>
+            <a:pPr algn="ctr"/>
+            <a:endParaRPr lang="en-US"/>
+          </a:p>
+        </p:txBody>
+      </p:sp>
     </p:spTree>
     <p:extLst>
       <p:ext uri="{BB962C8B-B14F-4D97-AF65-F5344CB8AC3E}">
-        <p14:creationId xmlns:p14="http://schemas.microsoft.com/office/powerpoint/2010/main" val="2736808539"/>
+        <p14:creationId xmlns:p14="http://schemas.microsoft.com/office/powerpoint/2010/main" val="577737166"/>
       </p:ext>
     </p:extLst>
   </p:cSld>
@@ -12692,271 +12619,6 @@
           <a:chExt cx="0" cy="0"/>
         </a:xfrm>
       </p:grpSpPr>
-      <p:pic>
-        <p:nvPicPr>
-          <p:cNvPr id="3" name="Picture 2">
-            <a:extLst>
-              <a:ext uri="{FF2B5EF4-FFF2-40B4-BE49-F238E27FC236}">
-                <a16:creationId xmlns:a16="http://schemas.microsoft.com/office/drawing/2014/main" id="{B822ACAD-7AE6-4D8B-B9D4-16E868253332}"/>
-              </a:ext>
-            </a:extLst>
-          </p:cNvPr>
-          <p:cNvPicPr>
-            <a:picLocks noChangeAspect="1"/>
-          </p:cNvPicPr>
-          <p:nvPr/>
-        </p:nvPicPr>
-        <p:blipFill>
-          <a:blip r:embed="rId3">
-            <a:extLst>
-              <a:ext uri="{28A0092B-C50C-407E-A947-70E740481C1C}">
-                <a14:useLocalDpi xmlns:a14="http://schemas.microsoft.com/office/drawing/2010/main" val="0"/>
-              </a:ext>
-            </a:extLst>
-          </a:blip>
-          <a:stretch>
-            <a:fillRect/>
-          </a:stretch>
-        </p:blipFill>
-        <p:spPr>
-          <a:xfrm>
-            <a:off x="1490401" y="1691264"/>
-            <a:ext cx="2051811" cy="4601031"/>
-          </a:xfrm>
-          <a:prstGeom prst="rect">
-            <a:avLst/>
-          </a:prstGeom>
-        </p:spPr>
-      </p:pic>
-      <p:pic>
-        <p:nvPicPr>
-          <p:cNvPr id="5" name="Picture 4">
-            <a:extLst>
-              <a:ext uri="{FF2B5EF4-FFF2-40B4-BE49-F238E27FC236}">
-                <a16:creationId xmlns:a16="http://schemas.microsoft.com/office/drawing/2014/main" id="{C868F8DD-335B-469C-8DF4-95E349B2C687}"/>
-              </a:ext>
-            </a:extLst>
-          </p:cNvPr>
-          <p:cNvPicPr>
-            <a:picLocks noChangeAspect="1"/>
-          </p:cNvPicPr>
-          <p:nvPr/>
-        </p:nvPicPr>
-        <p:blipFill>
-          <a:blip r:embed="rId4">
-            <a:extLst>
-              <a:ext uri="{28A0092B-C50C-407E-A947-70E740481C1C}">
-                <a14:useLocalDpi xmlns:a14="http://schemas.microsoft.com/office/drawing/2010/main" val="0"/>
-              </a:ext>
-            </a:extLst>
-          </a:blip>
-          <a:stretch>
-            <a:fillRect/>
-          </a:stretch>
-        </p:blipFill>
-        <p:spPr>
-          <a:xfrm>
-            <a:off x="5313900" y="756745"/>
-            <a:ext cx="6583810" cy="5535550"/>
-          </a:xfrm>
-          <a:prstGeom prst="rect">
-            <a:avLst/>
-          </a:prstGeom>
-        </p:spPr>
-      </p:pic>
-      <p:sp>
-        <p:nvSpPr>
-          <p:cNvPr id="8" name="Rectangle 7">
-            <a:extLst>
-              <a:ext uri="{FF2B5EF4-FFF2-40B4-BE49-F238E27FC236}">
-                <a16:creationId xmlns:a16="http://schemas.microsoft.com/office/drawing/2014/main" id="{B47F926D-6488-41D9-8E12-BB17CDF9B4D0}"/>
-              </a:ext>
-            </a:extLst>
-          </p:cNvPr>
-          <p:cNvSpPr/>
-          <p:nvPr/>
-        </p:nvSpPr>
-        <p:spPr>
-          <a:xfrm>
-            <a:off x="4969565" y="0"/>
-            <a:ext cx="75401" cy="6858000"/>
-          </a:xfrm>
-          <a:prstGeom prst="rect">
-            <a:avLst/>
-          </a:prstGeom>
-          <a:solidFill>
-            <a:schemeClr val="bg2">
-              <a:lumMod val="25000"/>
-            </a:schemeClr>
-          </a:solidFill>
-          <a:ln>
-            <a:solidFill>
-              <a:schemeClr val="bg2">
-                <a:lumMod val="25000"/>
-              </a:schemeClr>
-            </a:solidFill>
-          </a:ln>
-        </p:spPr>
-        <p:style>
-          <a:lnRef idx="2">
-            <a:schemeClr val="accent1">
-              <a:shade val="50000"/>
-            </a:schemeClr>
-          </a:lnRef>
-          <a:fillRef idx="1">
-            <a:schemeClr val="accent1"/>
-          </a:fillRef>
-          <a:effectRef idx="0">
-            <a:schemeClr val="accent1"/>
-          </a:effectRef>
-          <a:fontRef idx="minor">
-            <a:schemeClr val="lt1"/>
-          </a:fontRef>
-        </p:style>
-        <p:txBody>
-          <a:bodyPr rtlCol="0" anchor="ctr"/>
-          <a:lstStyle/>
-          <a:p>
-            <a:pPr algn="ctr"/>
-            <a:endParaRPr lang="en-US"/>
-          </a:p>
-        </p:txBody>
-      </p:sp>
-      <p:sp>
-        <p:nvSpPr>
-          <p:cNvPr id="14" name="TextBox 13">
-            <a:extLst>
-              <a:ext uri="{FF2B5EF4-FFF2-40B4-BE49-F238E27FC236}">
-                <a16:creationId xmlns:a16="http://schemas.microsoft.com/office/drawing/2014/main" id="{AF946A19-3472-44F3-91F0-35E0343F11A5}"/>
-              </a:ext>
-            </a:extLst>
-          </p:cNvPr>
-          <p:cNvSpPr txBox="1"/>
-          <p:nvPr/>
-        </p:nvSpPr>
-        <p:spPr>
-          <a:xfrm>
-            <a:off x="347974" y="218136"/>
-            <a:ext cx="4225159" cy="1077218"/>
-          </a:xfrm>
-          <a:prstGeom prst="rect">
-            <a:avLst/>
-          </a:prstGeom>
-          <a:noFill/>
-        </p:spPr>
-        <p:txBody>
-          <a:bodyPr wrap="square" rtlCol="0">
-            <a:spAutoFit/>
-          </a:bodyPr>
-          <a:lstStyle/>
-          <a:p>
-            <a:pPr algn="ctr"/>
-            <a:r>
-              <a:rPr lang="en-US" sz="3200" dirty="0"/>
-              <a:t>2018 Prediction Accuracy </a:t>
-            </a:r>
-          </a:p>
-        </p:txBody>
-      </p:sp>
-      <p:sp>
-        <p:nvSpPr>
-          <p:cNvPr id="15" name="Rectangle 14">
-            <a:extLst>
-              <a:ext uri="{FF2B5EF4-FFF2-40B4-BE49-F238E27FC236}">
-                <a16:creationId xmlns:a16="http://schemas.microsoft.com/office/drawing/2014/main" id="{A5DBB6ED-D4BA-438D-81A1-8ACD33A9F750}"/>
-              </a:ext>
-            </a:extLst>
-          </p:cNvPr>
-          <p:cNvSpPr/>
-          <p:nvPr/>
-        </p:nvSpPr>
-        <p:spPr>
-          <a:xfrm rot="5400000">
-            <a:off x="2393789" y="-1220872"/>
-            <a:ext cx="59504" cy="5092048"/>
-          </a:xfrm>
-          <a:prstGeom prst="rect">
-            <a:avLst/>
-          </a:prstGeom>
-          <a:solidFill>
-            <a:schemeClr val="bg2">
-              <a:lumMod val="25000"/>
-            </a:schemeClr>
-          </a:solidFill>
-          <a:ln>
-            <a:solidFill>
-              <a:schemeClr val="bg2">
-                <a:lumMod val="25000"/>
-              </a:schemeClr>
-            </a:solidFill>
-          </a:ln>
-        </p:spPr>
-        <p:style>
-          <a:lnRef idx="2">
-            <a:schemeClr val="accent1">
-              <a:shade val="50000"/>
-            </a:schemeClr>
-          </a:lnRef>
-          <a:fillRef idx="1">
-            <a:schemeClr val="accent1"/>
-          </a:fillRef>
-          <a:effectRef idx="0">
-            <a:schemeClr val="accent1"/>
-          </a:effectRef>
-          <a:fontRef idx="minor">
-            <a:schemeClr val="lt1"/>
-          </a:fontRef>
-        </p:style>
-        <p:txBody>
-          <a:bodyPr rtlCol="0" anchor="ctr"/>
-          <a:lstStyle/>
-          <a:p>
-            <a:pPr algn="ctr"/>
-            <a:endParaRPr lang="en-US"/>
-          </a:p>
-        </p:txBody>
-      </p:sp>
-    </p:spTree>
-    <p:extLst>
-      <p:ext uri="{BB962C8B-B14F-4D97-AF65-F5344CB8AC3E}">
-        <p14:creationId xmlns:p14="http://schemas.microsoft.com/office/powerpoint/2010/main" val="577737166"/>
-      </p:ext>
-    </p:extLst>
-  </p:cSld>
-  <p:clrMapOvr>
-    <a:masterClrMapping/>
-  </p:clrMapOvr>
-</p:sld>
-</file>
-
-<file path=ppt/slides/slide25.xml><?xml version="1.0" encoding="utf-8"?>
-<p:sld xmlns:a="http://schemas.openxmlformats.org/drawingml/2006/main" xmlns:r="http://schemas.openxmlformats.org/officeDocument/2006/relationships" xmlns:p="http://schemas.openxmlformats.org/presentationml/2006/main">
-  <p:cSld>
-    <p:bg>
-      <p:bgPr>
-        <a:solidFill>
-          <a:schemeClr val="bg1">
-            <a:tint val="95000"/>
-            <a:satMod val="170000"/>
-          </a:schemeClr>
-        </a:solidFill>
-        <a:effectLst/>
-      </p:bgPr>
-    </p:bg>
-    <p:spTree>
-      <p:nvGrpSpPr>
-        <p:cNvPr id="1" name=""/>
-        <p:cNvGrpSpPr/>
-        <p:nvPr/>
-      </p:nvGrpSpPr>
-      <p:grpSpPr>
-        <a:xfrm>
-          <a:off x="0" y="0"/>
-          <a:ext cx="0" cy="0"/>
-          <a:chOff x="0" y="0"/>
-          <a:chExt cx="0" cy="0"/>
-        </a:xfrm>
-      </p:grpSpPr>
       <p:sp>
         <p:nvSpPr>
           <p:cNvPr id="2" name="TextBox 1">
@@ -13019,7 +12681,7 @@
                 <a16:creationId xmlns:a16="http://schemas.microsoft.com/office/drawing/2014/main" id="{E0D60ECE-8986-45DC-B7FE-EC7699B466B8}"/>
               </a:ext>
               <a:ext uri="{C183D7F6-B498-43B3-948B-1728B52AA6E4}">
-                <adec:decorative xmlns="" xmlns:adec="http://schemas.microsoft.com/office/drawing/2017/decorative" val="1"/>
+                <adec:decorative xmlns:adec="http://schemas.microsoft.com/office/drawing/2017/decorative" xmlns="" val="1"/>
               </a:ext>
             </a:extLst>
           </p:cNvPr>
@@ -13188,7 +12850,7 @@
                 <a16:creationId xmlns:a16="http://schemas.microsoft.com/office/drawing/2014/main" id="{96964194-5878-40D2-8EC0-DDC58387FA56}"/>
               </a:ext>
               <a:ext uri="{C183D7F6-B498-43B3-948B-1728B52AA6E4}">
-                <adec:decorative xmlns="" xmlns:adec="http://schemas.microsoft.com/office/drawing/2017/decorative" val="1"/>
+                <adec:decorative xmlns:adec="http://schemas.microsoft.com/office/drawing/2017/decorative" xmlns="" val="1"/>
               </a:ext>
             </a:extLst>
           </p:cNvPr>
@@ -13539,7 +13201,7 @@
 </p:sld>
 </file>
 
-<file path=ppt/slides/slide26.xml><?xml version="1.0" encoding="utf-8"?>
+<file path=ppt/slides/slide25.xml><?xml version="1.0" encoding="utf-8"?>
 <p:sld xmlns:a="http://schemas.openxmlformats.org/drawingml/2006/main" xmlns:r="http://schemas.openxmlformats.org/officeDocument/2006/relationships" xmlns:p="http://schemas.openxmlformats.org/presentationml/2006/main" show="0">
   <p:cSld>
     <p:bg>
@@ -13574,7 +13236,7 @@
                 <a16:creationId xmlns:a16="http://schemas.microsoft.com/office/drawing/2014/main" id="{B547373F-AF2E-4907-B442-9F902B387FD0}"/>
               </a:ext>
               <a:ext uri="{C183D7F6-B498-43B3-948B-1728B52AA6E4}">
-                <adec:decorative xmlns="" xmlns:adec="http://schemas.microsoft.com/office/drawing/2017/decorative" val="1"/>
+                <adec:decorative xmlns:adec="http://schemas.microsoft.com/office/drawing/2017/decorative" xmlns="" val="1"/>
               </a:ext>
             </a:extLst>
           </p:cNvPr>
@@ -13782,7 +13444,7 @@
 </p:sld>
 </file>
 
-<file path=ppt/slides/slide27.xml><?xml version="1.0" encoding="utf-8"?>
+<file path=ppt/slides/slide26.xml><?xml version="1.0" encoding="utf-8"?>
 <p:sld xmlns:a="http://schemas.openxmlformats.org/drawingml/2006/main" xmlns:r="http://schemas.openxmlformats.org/officeDocument/2006/relationships" xmlns:p="http://schemas.openxmlformats.org/presentationml/2006/main">
   <p:cSld>
     <p:spTree>
@@ -13848,7 +13510,7 @@
 </p:sld>
 </file>
 
-<file path=ppt/slides/slide28.xml><?xml version="1.0" encoding="utf-8"?>
+<file path=ppt/slides/slide27.xml><?xml version="1.0" encoding="utf-8"?>
 <p:sld xmlns:a="http://schemas.openxmlformats.org/drawingml/2006/main" xmlns:r="http://schemas.openxmlformats.org/officeDocument/2006/relationships" xmlns:p="http://schemas.openxmlformats.org/presentationml/2006/main">
   <p:cSld>
     <p:bg>
@@ -13881,7 +13543,7 @@
                 <a16:creationId xmlns:a16="http://schemas.microsoft.com/office/drawing/2014/main" id="{6753252F-4873-4F63-801D-CC719279A7D5}"/>
               </a:ext>
               <a:ext uri="{C183D7F6-B498-43B3-948B-1728B52AA6E4}">
-                <adec:decorative xmlns:adec="http://schemas.microsoft.com/office/drawing/2017/decorative" xmlns="" val="1"/>
+                <adec:decorative xmlns="" xmlns:adec="http://schemas.microsoft.com/office/drawing/2017/decorative" val="1"/>
               </a:ext>
             </a:extLst>
           </p:cNvPr>
@@ -13944,7 +13606,7 @@
                 <a16:creationId xmlns:a16="http://schemas.microsoft.com/office/drawing/2014/main" id="{047C8CCB-F95D-4249-92DD-651249D3535A}"/>
               </a:ext>
               <a:ext uri="{C183D7F6-B498-43B3-948B-1728B52AA6E4}">
-                <adec:decorative xmlns:adec="http://schemas.microsoft.com/office/drawing/2017/decorative" xmlns="" val="1"/>
+                <adec:decorative xmlns="" xmlns:adec="http://schemas.microsoft.com/office/drawing/2017/decorative" val="1"/>
               </a:ext>
             </a:extLst>
           </p:cNvPr>
@@ -14114,7 +13776,7 @@
 </p:sld>
 </file>
 
-<file path=ppt/slides/slide29.xml><?xml version="1.0" encoding="utf-8"?>
+<file path=ppt/slides/slide28.xml><?xml version="1.0" encoding="utf-8"?>
 <p:sld xmlns:a="http://schemas.openxmlformats.org/drawingml/2006/main" xmlns:r="http://schemas.openxmlformats.org/officeDocument/2006/relationships" xmlns:p="http://schemas.openxmlformats.org/presentationml/2006/main" show="0">
   <p:cSld>
     <p:spTree>
@@ -14368,7 +14030,7 @@
                 <a16:creationId xmlns:a16="http://schemas.microsoft.com/office/drawing/2014/main" id="{B547373F-AF2E-4907-B442-9F902B387FD0}"/>
               </a:ext>
               <a:ext uri="{C183D7F6-B498-43B3-948B-1728B52AA6E4}">
-                <adec:decorative xmlns="" xmlns:adec="http://schemas.microsoft.com/office/drawing/2017/decorative" val="1"/>
+                <adec:decorative xmlns:adec="http://schemas.microsoft.com/office/drawing/2017/decorative" xmlns="" val="1"/>
               </a:ext>
             </a:extLst>
           </p:cNvPr>
@@ -14827,7 +14489,7 @@
                 <a16:creationId xmlns:a16="http://schemas.microsoft.com/office/drawing/2014/main" id="{CF62D2A7-8207-488C-9F46-316BA81A16C8}"/>
               </a:ext>
               <a:ext uri="{C183D7F6-B498-43B3-948B-1728B52AA6E4}">
-                <adec:decorative xmlns="" xmlns:adec="http://schemas.microsoft.com/office/drawing/2017/decorative" val="1"/>
+                <adec:decorative xmlns:adec="http://schemas.microsoft.com/office/drawing/2017/decorative" xmlns="" val="1"/>
               </a:ext>
             </a:extLst>
           </p:cNvPr>
@@ -14994,7 +14656,7 @@
                 <a16:creationId xmlns:a16="http://schemas.microsoft.com/office/drawing/2014/main" id="{52AC6D7F-F068-4E11-BB06-F601D89BB980}"/>
               </a:ext>
               <a:ext uri="{C183D7F6-B498-43B3-948B-1728B52AA6E4}">
-                <adec:decorative xmlns="" xmlns:adec="http://schemas.microsoft.com/office/drawing/2017/decorative" val="1"/>
+                <adec:decorative xmlns:adec="http://schemas.microsoft.com/office/drawing/2017/decorative" xmlns="" val="1"/>
               </a:ext>
             </a:extLst>
           </p:cNvPr>
@@ -15288,7 +14950,7 @@
                 <a16:creationId xmlns:a16="http://schemas.microsoft.com/office/drawing/2014/main" id="{E0D60ECE-8986-45DC-B7FE-EC7699B466B8}"/>
               </a:ext>
               <a:ext uri="{C183D7F6-B498-43B3-948B-1728B52AA6E4}">
-                <adec:decorative xmlns="" xmlns:adec="http://schemas.microsoft.com/office/drawing/2017/decorative" val="1"/>
+                <adec:decorative xmlns:adec="http://schemas.microsoft.com/office/drawing/2017/decorative" xmlns="" val="1"/>
               </a:ext>
             </a:extLst>
           </p:cNvPr>
@@ -15457,7 +15119,7 @@
                 <a16:creationId xmlns:a16="http://schemas.microsoft.com/office/drawing/2014/main" id="{96964194-5878-40D2-8EC0-DDC58387FA56}"/>
               </a:ext>
               <a:ext uri="{C183D7F6-B498-43B3-948B-1728B52AA6E4}">
-                <adec:decorative xmlns="" xmlns:adec="http://schemas.microsoft.com/office/drawing/2017/decorative" val="1"/>
+                <adec:decorative xmlns:adec="http://schemas.microsoft.com/office/drawing/2017/decorative" xmlns="" val="1"/>
               </a:ext>
             </a:extLst>
           </p:cNvPr>
@@ -15913,7 +15575,7 @@
                 <a16:creationId xmlns:a16="http://schemas.microsoft.com/office/drawing/2014/main" id="{6753252F-4873-4F63-801D-CC719279A7D5}"/>
               </a:ext>
               <a:ext uri="{C183D7F6-B498-43B3-948B-1728B52AA6E4}">
-                <adec:decorative xmlns:adec="http://schemas.microsoft.com/office/drawing/2017/decorative" xmlns="" val="1"/>
+                <adec:decorative xmlns="" xmlns:adec="http://schemas.microsoft.com/office/drawing/2017/decorative" val="1"/>
               </a:ext>
             </a:extLst>
           </p:cNvPr>
@@ -15976,7 +15638,7 @@
                 <a16:creationId xmlns:a16="http://schemas.microsoft.com/office/drawing/2014/main" id="{047C8CCB-F95D-4249-92DD-651249D3535A}"/>
               </a:ext>
               <a:ext uri="{C183D7F6-B498-43B3-948B-1728B52AA6E4}">
-                <adec:decorative xmlns:adec="http://schemas.microsoft.com/office/drawing/2017/decorative" xmlns="" val="1"/>
+                <adec:decorative xmlns="" xmlns:adec="http://schemas.microsoft.com/office/drawing/2017/decorative" val="1"/>
               </a:ext>
             </a:extLst>
           </p:cNvPr>
@@ -16180,7 +15842,7 @@
                 <a16:creationId xmlns:a16="http://schemas.microsoft.com/office/drawing/2014/main" id="{6753252F-4873-4F63-801D-CC719279A7D5}"/>
               </a:ext>
               <a:ext uri="{C183D7F6-B498-43B3-948B-1728B52AA6E4}">
-                <adec:decorative xmlns:adec="http://schemas.microsoft.com/office/drawing/2017/decorative" xmlns="" val="1"/>
+                <adec:decorative xmlns="" xmlns:adec="http://schemas.microsoft.com/office/drawing/2017/decorative" val="1"/>
               </a:ext>
             </a:extLst>
           </p:cNvPr>
@@ -16243,7 +15905,7 @@
                 <a16:creationId xmlns:a16="http://schemas.microsoft.com/office/drawing/2014/main" id="{047C8CCB-F95D-4249-92DD-651249D3535A}"/>
               </a:ext>
               <a:ext uri="{C183D7F6-B498-43B3-948B-1728B52AA6E4}">
-                <adec:decorative xmlns:adec="http://schemas.microsoft.com/office/drawing/2017/decorative" xmlns="" val="1"/>
+                <adec:decorative xmlns="" xmlns:adec="http://schemas.microsoft.com/office/drawing/2017/decorative" val="1"/>
               </a:ext>
             </a:extLst>
           </p:cNvPr>
@@ -16446,7 +16108,7 @@
                 <a16:creationId xmlns:a16="http://schemas.microsoft.com/office/drawing/2014/main" id="{823AC064-BC96-4F32-8AE1-B2FD38754823}"/>
               </a:ext>
               <a:ext uri="{C183D7F6-B498-43B3-948B-1728B52AA6E4}">
-                <adec:decorative xmlns:adec="http://schemas.microsoft.com/office/drawing/2017/decorative" xmlns="" val="1"/>
+                <adec:decorative xmlns="" xmlns:adec="http://schemas.microsoft.com/office/drawing/2017/decorative" val="1"/>
               </a:ext>
             </a:extLst>
           </p:cNvPr>
@@ -16563,7 +16225,7 @@
                 <a16:creationId xmlns:a16="http://schemas.microsoft.com/office/drawing/2014/main" id="{7E7C77BC-7138-40B1-A15B-20F57A494629}"/>
               </a:ext>
               <a:ext uri="{C183D7F6-B498-43B3-948B-1728B52AA6E4}">
-                <adec:decorative xmlns:adec="http://schemas.microsoft.com/office/drawing/2017/decorative" xmlns="" val="1"/>
+                <adec:decorative xmlns="" xmlns:adec="http://schemas.microsoft.com/office/drawing/2017/decorative" val="1"/>
               </a:ext>
             </a:extLst>
           </p:cNvPr>
@@ -16651,7 +16313,7 @@
                 <a16:creationId xmlns:a16="http://schemas.microsoft.com/office/drawing/2014/main" id="{DB146403-F3D6-484B-B2ED-97F9565D0370}"/>
               </a:ext>
               <a:ext uri="{C183D7F6-B498-43B3-948B-1728B52AA6E4}">
-                <adec:decorative xmlns:adec="http://schemas.microsoft.com/office/drawing/2017/decorative" xmlns="" val="1"/>
+                <adec:decorative xmlns="" xmlns:adec="http://schemas.microsoft.com/office/drawing/2017/decorative" val="1"/>
               </a:ext>
             </a:extLst>
           </p:cNvPr>
@@ -16777,7 +16439,7 @@
                 <a16:creationId xmlns:a16="http://schemas.microsoft.com/office/drawing/2014/main" id="{DB146403-F3D6-484B-B2ED-97F9565D0370}"/>
               </a:ext>
               <a:ext uri="{C183D7F6-B498-43B3-948B-1728B52AA6E4}">
-                <adec:decorative xmlns="" xmlns:adec="http://schemas.microsoft.com/office/drawing/2017/decorative" val="1"/>
+                <adec:decorative xmlns:adec="http://schemas.microsoft.com/office/drawing/2017/decorative" xmlns="" val="1"/>
               </a:ext>
             </a:extLst>
           </p:cNvPr>
@@ -16829,7 +16491,7 @@
                 <a16:creationId xmlns:a16="http://schemas.microsoft.com/office/drawing/2014/main" id="{823AC064-BC96-4F32-8AE1-B2FD38754823}"/>
               </a:ext>
               <a:ext uri="{C183D7F6-B498-43B3-948B-1728B52AA6E4}">
-                <adec:decorative xmlns="" xmlns:adec="http://schemas.microsoft.com/office/drawing/2017/decorative" val="1"/>
+                <adec:decorative xmlns:adec="http://schemas.microsoft.com/office/drawing/2017/decorative" xmlns="" val="1"/>
               </a:ext>
             </a:extLst>
           </p:cNvPr>
@@ -17018,7 +16680,7 @@
                 <a16:creationId xmlns:a16="http://schemas.microsoft.com/office/drawing/2014/main" id="{7E7C77BC-7138-40B1-A15B-20F57A494629}"/>
               </a:ext>
               <a:ext uri="{C183D7F6-B498-43B3-948B-1728B52AA6E4}">
-                <adec:decorative xmlns="" xmlns:adec="http://schemas.microsoft.com/office/drawing/2017/decorative" val="1"/>
+                <adec:decorative xmlns:adec="http://schemas.microsoft.com/office/drawing/2017/decorative" xmlns="" val="1"/>
               </a:ext>
             </a:extLst>
           </p:cNvPr>

--- a/Presentation/ScrumLords_Capstone.pptx
+++ b/Presentation/ScrumLords_Capstone.pptx
@@ -1560,7 +1560,7 @@
           <a:p>
             <a:r>
               <a:rPr lang="en-US" dirty="0"/>
-              <a:t>Example data:  move was 6.7…</a:t>
+              <a:t>Example data:  move was 9.2…</a:t>
             </a:r>
           </a:p>
         </p:txBody>
@@ -6941,7 +6941,7 @@
                 <a16:creationId xmlns:a16="http://schemas.microsoft.com/office/drawing/2014/main" id="{482BD70C-C4A0-46C4-9518-A731098B419A}"/>
               </a:ext>
               <a:ext uri="{C183D7F6-B498-43B3-948B-1728B52AA6E4}">
-                <adec:decorative xmlns="" xmlns:adec="http://schemas.microsoft.com/office/drawing/2017/decorative" val="1"/>
+                <adec:decorative xmlns:adec="http://schemas.microsoft.com/office/drawing/2017/decorative" xmlns="" val="1"/>
               </a:ext>
             </a:extLst>
           </p:cNvPr>
@@ -7174,7 +7174,7 @@
                 <a16:creationId xmlns:a16="http://schemas.microsoft.com/office/drawing/2014/main" id="{39B74A45-BDDD-4892-B8C0-B290C0944FCB}"/>
               </a:ext>
               <a:ext uri="{C183D7F6-B498-43B3-948B-1728B52AA6E4}">
-                <adec:decorative xmlns="" xmlns:adec="http://schemas.microsoft.com/office/drawing/2017/decorative" val="1"/>
+                <adec:decorative xmlns:adec="http://schemas.microsoft.com/office/drawing/2017/decorative" xmlns="" val="1"/>
               </a:ext>
             </a:extLst>
           </p:cNvPr>
@@ -7369,7 +7369,7 @@
                 <a16:creationId xmlns:a16="http://schemas.microsoft.com/office/drawing/2014/main" id="{C516C73E-9465-4C9E-9B86-9E58FB326B6B}"/>
               </a:ext>
               <a:ext uri="{C183D7F6-B498-43B3-948B-1728B52AA6E4}">
-                <adec:decorative xmlns="" xmlns:adec="http://schemas.microsoft.com/office/drawing/2017/decorative" val="1"/>
+                <adec:decorative xmlns:adec="http://schemas.microsoft.com/office/drawing/2017/decorative" xmlns="" val="1"/>
               </a:ext>
             </a:extLst>
           </p:cNvPr>
@@ -7637,7 +7637,7 @@
                 <a16:creationId xmlns:a16="http://schemas.microsoft.com/office/drawing/2014/main" id="{6753252F-4873-4F63-801D-CC719279A7D5}"/>
               </a:ext>
               <a:ext uri="{C183D7F6-B498-43B3-948B-1728B52AA6E4}">
-                <adec:decorative xmlns:adec="http://schemas.microsoft.com/office/drawing/2017/decorative" xmlns="" val="1"/>
+                <adec:decorative xmlns="" xmlns:adec="http://schemas.microsoft.com/office/drawing/2017/decorative" val="1"/>
               </a:ext>
             </a:extLst>
           </p:cNvPr>
@@ -7700,7 +7700,7 @@
                 <a16:creationId xmlns:a16="http://schemas.microsoft.com/office/drawing/2014/main" id="{047C8CCB-F95D-4249-92DD-651249D3535A}"/>
               </a:ext>
               <a:ext uri="{C183D7F6-B498-43B3-948B-1728B52AA6E4}">
-                <adec:decorative xmlns:adec="http://schemas.microsoft.com/office/drawing/2017/decorative" xmlns="" val="1"/>
+                <adec:decorative xmlns="" xmlns:adec="http://schemas.microsoft.com/office/drawing/2017/decorative" val="1"/>
               </a:ext>
             </a:extLst>
           </p:cNvPr>
@@ -8097,7 +8097,7 @@
                 <a16:creationId xmlns:a16="http://schemas.microsoft.com/office/drawing/2014/main" id="{081FF5F3-D973-4367-9851-C04740586B84}"/>
               </a:ext>
               <a:ext uri="{C183D7F6-B498-43B3-948B-1728B52AA6E4}">
-                <adec:decorative xmlns:adec="http://schemas.microsoft.com/office/drawing/2017/decorative" xmlns="" val="1"/>
+                <adec:decorative xmlns="" xmlns:adec="http://schemas.microsoft.com/office/drawing/2017/decorative" val="1"/>
               </a:ext>
             </a:extLst>
           </p:cNvPr>
@@ -8279,7 +8279,7 @@
                 <a16:creationId xmlns:a16="http://schemas.microsoft.com/office/drawing/2014/main" id="{B1ED02B1-1BC5-458F-9994-627281CFE7C4}"/>
               </a:ext>
               <a:ext uri="{C183D7F6-B498-43B3-948B-1728B52AA6E4}">
-                <adec:decorative xmlns="" xmlns:adec="http://schemas.microsoft.com/office/drawing/2017/decorative" val="1"/>
+                <adec:decorative xmlns:adec="http://schemas.microsoft.com/office/drawing/2017/decorative" xmlns="" val="1"/>
               </a:ext>
             </a:extLst>
           </p:cNvPr>
@@ -8481,7 +8481,7 @@
                 <a16:creationId xmlns:a16="http://schemas.microsoft.com/office/drawing/2014/main" id="{5F9CFCE6-877F-4858-B8BD-2C52CA8AFBC4}"/>
               </a:ext>
               <a:ext uri="{C183D7F6-B498-43B3-948B-1728B52AA6E4}">
-                <adec:decorative xmlns:adec="http://schemas.microsoft.com/office/drawing/2017/decorative" xmlns="" val="1"/>
+                <adec:decorative xmlns="" xmlns:adec="http://schemas.microsoft.com/office/drawing/2017/decorative" val="1"/>
               </a:ext>
             </a:extLst>
           </p:cNvPr>
@@ -8544,7 +8544,7 @@
                 <a16:creationId xmlns:a16="http://schemas.microsoft.com/office/drawing/2014/main" id="{8213F8A0-12AE-4514-8372-0DD766EC28EE}"/>
               </a:ext>
               <a:ext uri="{C183D7F6-B498-43B3-948B-1728B52AA6E4}">
-                <adec:decorative xmlns:adec="http://schemas.microsoft.com/office/drawing/2017/decorative" xmlns="" val="1"/>
+                <adec:decorative xmlns="" xmlns:adec="http://schemas.microsoft.com/office/drawing/2017/decorative" val="1"/>
               </a:ext>
             </a:extLst>
           </p:cNvPr>
@@ -8643,7 +8643,7 @@
                 <a16:creationId xmlns:a16="http://schemas.microsoft.com/office/drawing/2014/main" id="{9EFF17D4-9A8C-4CE5-B096-D8CCD4400437}"/>
               </a:ext>
               <a:ext uri="{C183D7F6-B498-43B3-948B-1728B52AA6E4}">
-                <adec:decorative xmlns:adec="http://schemas.microsoft.com/office/drawing/2017/decorative" xmlns="" val="1"/>
+                <adec:decorative xmlns="" xmlns:adec="http://schemas.microsoft.com/office/drawing/2017/decorative" val="1"/>
               </a:ext>
             </a:extLst>
           </p:cNvPr>
@@ -8852,7 +8852,7 @@
                 <a16:creationId xmlns:a16="http://schemas.microsoft.com/office/drawing/2014/main" id="{72257994-BD97-4691-8B89-198A6D2BABDC}"/>
               </a:ext>
               <a:ext uri="{C183D7F6-B498-43B3-948B-1728B52AA6E4}">
-                <adec:decorative xmlns:adec="http://schemas.microsoft.com/office/drawing/2017/decorative" xmlns="" val="1"/>
+                <adec:decorative xmlns="" xmlns:adec="http://schemas.microsoft.com/office/drawing/2017/decorative" val="1"/>
               </a:ext>
             </a:extLst>
           </p:cNvPr>
@@ -8998,10 +8998,10 @@
       </p:sp>
       <p:pic>
         <p:nvPicPr>
-          <p:cNvPr id="7" name="Picture 6">
-            <a:extLst>
-              <a:ext uri="{FF2B5EF4-FFF2-40B4-BE49-F238E27FC236}">
-                <a16:creationId xmlns:a16="http://schemas.microsoft.com/office/drawing/2014/main" id="{01447507-0C28-4F4F-AC17-74AE1C5A9509}"/>
+          <p:cNvPr id="3" name="Picture 2">
+            <a:extLst>
+              <a:ext uri="{FF2B5EF4-FFF2-40B4-BE49-F238E27FC236}">
+                <a16:creationId xmlns:a16="http://schemas.microsoft.com/office/drawing/2014/main" id="{DD98BD97-E9D2-4EA0-AEED-4D2C398E09A8}"/>
               </a:ext>
             </a:extLst>
           </p:cNvPr>
@@ -9011,21 +9011,15 @@
           <p:nvPr/>
         </p:nvPicPr>
         <p:blipFill>
-          <a:blip r:embed="rId3">
-            <a:extLst>
-              <a:ext uri="{28A0092B-C50C-407E-A947-70E740481C1C}">
-                <a14:useLocalDpi xmlns:a14="http://schemas.microsoft.com/office/drawing/2010/main" val="0"/>
-              </a:ext>
-            </a:extLst>
-          </a:blip>
+          <a:blip r:embed="rId3"/>
           <a:stretch>
             <a:fillRect/>
           </a:stretch>
         </p:blipFill>
         <p:spPr>
           <a:xfrm>
-            <a:off x="6487777" y="988179"/>
-            <a:ext cx="5316388" cy="2960622"/>
+            <a:off x="333925" y="293683"/>
+            <a:ext cx="5854438" cy="3885218"/>
           </a:xfrm>
           <a:prstGeom prst="rect">
             <a:avLst/>
@@ -9034,10 +9028,10 @@
       </p:pic>
       <p:pic>
         <p:nvPicPr>
-          <p:cNvPr id="3" name="Picture 2">
-            <a:extLst>
-              <a:ext uri="{FF2B5EF4-FFF2-40B4-BE49-F238E27FC236}">
-                <a16:creationId xmlns:a16="http://schemas.microsoft.com/office/drawing/2014/main" id="{DD98BD97-E9D2-4EA0-AEED-4D2C398E09A8}"/>
+          <p:cNvPr id="2" name="Picture 1">
+            <a:extLst>
+              <a:ext uri="{FF2B5EF4-FFF2-40B4-BE49-F238E27FC236}">
+                <a16:creationId xmlns:a16="http://schemas.microsoft.com/office/drawing/2014/main" id="{DC5D9947-2699-452D-B94B-887B1F473DEB}"/>
               </a:ext>
             </a:extLst>
           </p:cNvPr>
@@ -9054,8 +9048,8 @@
         </p:blipFill>
         <p:spPr>
           <a:xfrm>
-            <a:off x="333925" y="293683"/>
-            <a:ext cx="5854438" cy="3885218"/>
+            <a:off x="6752342" y="883577"/>
+            <a:ext cx="4876461" cy="2722651"/>
           </a:xfrm>
           <a:prstGeom prst="rect">
             <a:avLst/>
@@ -9108,7 +9102,7 @@
                 <a16:creationId xmlns:a16="http://schemas.microsoft.com/office/drawing/2014/main" id="{AB45A142-4255-493C-8284-5D566C121B10}"/>
               </a:ext>
               <a:ext uri="{C183D7F6-B498-43B3-948B-1728B52AA6E4}">
-                <adec:decorative xmlns:adec="http://schemas.microsoft.com/office/drawing/2017/decorative" xmlns="" val="1"/>
+                <adec:decorative xmlns="" xmlns:adec="http://schemas.microsoft.com/office/drawing/2017/decorative" val="1"/>
               </a:ext>
             </a:extLst>
           </p:cNvPr>
@@ -9248,7 +9242,7 @@
                 <a16:creationId xmlns:a16="http://schemas.microsoft.com/office/drawing/2014/main" id="{38FB9660-F42F-4313-BBC4-47C007FE484C}"/>
               </a:ext>
               <a:ext uri="{C183D7F6-B498-43B3-948B-1728B52AA6E4}">
-                <adec:decorative xmlns:adec="http://schemas.microsoft.com/office/drawing/2017/decorative" xmlns="" val="1"/>
+                <adec:decorative xmlns="" xmlns:adec="http://schemas.microsoft.com/office/drawing/2017/decorative" val="1"/>
               </a:ext>
             </a:extLst>
           </p:cNvPr>
@@ -9509,7 +9503,7 @@
                 <a16:creationId xmlns:a16="http://schemas.microsoft.com/office/drawing/2014/main" id="{AB45A142-4255-493C-8284-5D566C121B10}"/>
               </a:ext>
               <a:ext uri="{C183D7F6-B498-43B3-948B-1728B52AA6E4}">
-                <adec:decorative xmlns:adec="http://schemas.microsoft.com/office/drawing/2017/decorative" xmlns="" val="1"/>
+                <adec:decorative xmlns="" xmlns:adec="http://schemas.microsoft.com/office/drawing/2017/decorative" val="1"/>
               </a:ext>
             </a:extLst>
           </p:cNvPr>
@@ -9640,7 +9634,7 @@
                 <a16:creationId xmlns:a16="http://schemas.microsoft.com/office/drawing/2014/main" id="{38FB9660-F42F-4313-BBC4-47C007FE484C}"/>
               </a:ext>
               <a:ext uri="{C183D7F6-B498-43B3-948B-1728B52AA6E4}">
-                <adec:decorative xmlns:adec="http://schemas.microsoft.com/office/drawing/2017/decorative" xmlns="" val="1"/>
+                <adec:decorative xmlns="" xmlns:adec="http://schemas.microsoft.com/office/drawing/2017/decorative" val="1"/>
               </a:ext>
             </a:extLst>
           </p:cNvPr>
@@ -10660,7 +10654,7 @@
                 <a16:creationId xmlns:a16="http://schemas.microsoft.com/office/drawing/2014/main" id="{A74B3BB9-7320-4C7D-876F-931A7DC2C478}"/>
               </a:ext>
               <a:ext uri="{C183D7F6-B498-43B3-948B-1728B52AA6E4}">
-                <adec:decorative xmlns:adec="http://schemas.microsoft.com/office/drawing/2017/decorative" xmlns="" val="1"/>
+                <adec:decorative xmlns="" xmlns:adec="http://schemas.microsoft.com/office/drawing/2017/decorative" val="1"/>
               </a:ext>
             </a:extLst>
           </p:cNvPr>
@@ -10806,7 +10800,7 @@
                 <a16:creationId xmlns:a16="http://schemas.microsoft.com/office/drawing/2014/main" id="{6753252F-4873-4F63-801D-CC719279A7D5}"/>
               </a:ext>
               <a:ext uri="{C183D7F6-B498-43B3-948B-1728B52AA6E4}">
-                <adec:decorative xmlns="" xmlns:adec="http://schemas.microsoft.com/office/drawing/2017/decorative" val="1"/>
+                <adec:decorative xmlns:adec="http://schemas.microsoft.com/office/drawing/2017/decorative" xmlns="" val="1"/>
               </a:ext>
             </a:extLst>
           </p:cNvPr>
@@ -10869,7 +10863,7 @@
                 <a16:creationId xmlns:a16="http://schemas.microsoft.com/office/drawing/2014/main" id="{047C8CCB-F95D-4249-92DD-651249D3535A}"/>
               </a:ext>
               <a:ext uri="{C183D7F6-B498-43B3-948B-1728B52AA6E4}">
-                <adec:decorative xmlns="" xmlns:adec="http://schemas.microsoft.com/office/drawing/2017/decorative" val="1"/>
+                <adec:decorative xmlns:adec="http://schemas.microsoft.com/office/drawing/2017/decorative" xmlns="" val="1"/>
               </a:ext>
             </a:extLst>
           </p:cNvPr>
@@ -11072,7 +11066,7 @@
                 <a16:creationId xmlns:a16="http://schemas.microsoft.com/office/drawing/2014/main" id="{4038CB10-1F5C-4D54-9DF7-12586DE5B007}"/>
               </a:ext>
               <a:ext uri="{C183D7F6-B498-43B3-948B-1728B52AA6E4}">
-                <adec:decorative xmlns:adec="http://schemas.microsoft.com/office/drawing/2017/decorative" xmlns="" val="1"/>
+                <adec:decorative xmlns="" xmlns:adec="http://schemas.microsoft.com/office/drawing/2017/decorative" val="1"/>
               </a:ext>
             </a:extLst>
           </p:cNvPr>
@@ -11253,7 +11247,7 @@
                 <a16:creationId xmlns:a16="http://schemas.microsoft.com/office/drawing/2014/main" id="{73ED6512-6858-4552-B699-9A97FE9A4EA2}"/>
               </a:ext>
               <a:ext uri="{C183D7F6-B498-43B3-948B-1728B52AA6E4}">
-                <adec:decorative xmlns:adec="http://schemas.microsoft.com/office/drawing/2017/decorative" xmlns="" val="1"/>
+                <adec:decorative xmlns="" xmlns:adec="http://schemas.microsoft.com/office/drawing/2017/decorative" val="1"/>
               </a:ext>
             </a:extLst>
           </p:cNvPr>
@@ -11625,7 +11619,7 @@
                 <a16:creationId xmlns:a16="http://schemas.microsoft.com/office/drawing/2014/main" id="{081FF5F3-D973-4367-9851-C04740586B84}"/>
               </a:ext>
               <a:ext uri="{C183D7F6-B498-43B3-948B-1728B52AA6E4}">
-                <adec:decorative xmlns:adec="http://schemas.microsoft.com/office/drawing/2017/decorative" xmlns="" val="1"/>
+                <adec:decorative xmlns="" xmlns:adec="http://schemas.microsoft.com/office/drawing/2017/decorative" val="1"/>
               </a:ext>
             </a:extLst>
           </p:cNvPr>
@@ -11843,7 +11837,7 @@
                 <a16:creationId xmlns:a16="http://schemas.microsoft.com/office/drawing/2014/main" id="{799448F2-0E5B-42DA-B2D1-11A14E947BD4}"/>
               </a:ext>
               <a:ext uri="{C183D7F6-B498-43B3-948B-1728B52AA6E4}">
-                <adec:decorative xmlns:adec="http://schemas.microsoft.com/office/drawing/2017/decorative" xmlns="" val="1"/>
+                <adec:decorative xmlns="" xmlns:adec="http://schemas.microsoft.com/office/drawing/2017/decorative" val="1"/>
               </a:ext>
             </a:extLst>
           </p:cNvPr>
@@ -11909,7 +11903,7 @@
                 <a16:creationId xmlns:a16="http://schemas.microsoft.com/office/drawing/2014/main" id="{4E8A7552-20E1-4F34-ADAB-C1DB6634D47E}"/>
               </a:ext>
               <a:ext uri="{C183D7F6-B498-43B3-948B-1728B52AA6E4}">
-                <adec:decorative xmlns:adec="http://schemas.microsoft.com/office/drawing/2017/decorative" xmlns="" val="1"/>
+                <adec:decorative xmlns="" xmlns:adec="http://schemas.microsoft.com/office/drawing/2017/decorative" val="1"/>
               </a:ext>
             </a:extLst>
           </p:cNvPr>
@@ -12157,7 +12151,7 @@
                 <a16:creationId xmlns:a16="http://schemas.microsoft.com/office/drawing/2014/main" id="{B1ED02B1-1BC5-458F-9994-627281CFE7C4}"/>
               </a:ext>
               <a:ext uri="{C183D7F6-B498-43B3-948B-1728B52AA6E4}">
-                <adec:decorative xmlns="" xmlns:adec="http://schemas.microsoft.com/office/drawing/2017/decorative" val="1"/>
+                <adec:decorative xmlns:adec="http://schemas.microsoft.com/office/drawing/2017/decorative" xmlns="" val="1"/>
               </a:ext>
             </a:extLst>
           </p:cNvPr>
@@ -12681,7 +12675,7 @@
                 <a16:creationId xmlns:a16="http://schemas.microsoft.com/office/drawing/2014/main" id="{E0D60ECE-8986-45DC-B7FE-EC7699B466B8}"/>
               </a:ext>
               <a:ext uri="{C183D7F6-B498-43B3-948B-1728B52AA6E4}">
-                <adec:decorative xmlns:adec="http://schemas.microsoft.com/office/drawing/2017/decorative" xmlns="" val="1"/>
+                <adec:decorative xmlns="" xmlns:adec="http://schemas.microsoft.com/office/drawing/2017/decorative" val="1"/>
               </a:ext>
             </a:extLst>
           </p:cNvPr>
@@ -12850,7 +12844,7 @@
                 <a16:creationId xmlns:a16="http://schemas.microsoft.com/office/drawing/2014/main" id="{96964194-5878-40D2-8EC0-DDC58387FA56}"/>
               </a:ext>
               <a:ext uri="{C183D7F6-B498-43B3-948B-1728B52AA6E4}">
-                <adec:decorative xmlns:adec="http://schemas.microsoft.com/office/drawing/2017/decorative" xmlns="" val="1"/>
+                <adec:decorative xmlns="" xmlns:adec="http://schemas.microsoft.com/office/drawing/2017/decorative" val="1"/>
               </a:ext>
             </a:extLst>
           </p:cNvPr>
@@ -13236,7 +13230,7 @@
                 <a16:creationId xmlns:a16="http://schemas.microsoft.com/office/drawing/2014/main" id="{B547373F-AF2E-4907-B442-9F902B387FD0}"/>
               </a:ext>
               <a:ext uri="{C183D7F6-B498-43B3-948B-1728B52AA6E4}">
-                <adec:decorative xmlns:adec="http://schemas.microsoft.com/office/drawing/2017/decorative" xmlns="" val="1"/>
+                <adec:decorative xmlns="" xmlns:adec="http://schemas.microsoft.com/office/drawing/2017/decorative" val="1"/>
               </a:ext>
             </a:extLst>
           </p:cNvPr>
@@ -13543,7 +13537,7 @@
                 <a16:creationId xmlns:a16="http://schemas.microsoft.com/office/drawing/2014/main" id="{6753252F-4873-4F63-801D-CC719279A7D5}"/>
               </a:ext>
               <a:ext uri="{C183D7F6-B498-43B3-948B-1728B52AA6E4}">
-                <adec:decorative xmlns="" xmlns:adec="http://schemas.microsoft.com/office/drawing/2017/decorative" val="1"/>
+                <adec:decorative xmlns:adec="http://schemas.microsoft.com/office/drawing/2017/decorative" xmlns="" val="1"/>
               </a:ext>
             </a:extLst>
           </p:cNvPr>
@@ -13606,7 +13600,7 @@
                 <a16:creationId xmlns:a16="http://schemas.microsoft.com/office/drawing/2014/main" id="{047C8CCB-F95D-4249-92DD-651249D3535A}"/>
               </a:ext>
               <a:ext uri="{C183D7F6-B498-43B3-948B-1728B52AA6E4}">
-                <adec:decorative xmlns="" xmlns:adec="http://schemas.microsoft.com/office/drawing/2017/decorative" val="1"/>
+                <adec:decorative xmlns:adec="http://schemas.microsoft.com/office/drawing/2017/decorative" xmlns="" val="1"/>
               </a:ext>
             </a:extLst>
           </p:cNvPr>
@@ -14030,7 +14024,7 @@
                 <a16:creationId xmlns:a16="http://schemas.microsoft.com/office/drawing/2014/main" id="{B547373F-AF2E-4907-B442-9F902B387FD0}"/>
               </a:ext>
               <a:ext uri="{C183D7F6-B498-43B3-948B-1728B52AA6E4}">
-                <adec:decorative xmlns:adec="http://schemas.microsoft.com/office/drawing/2017/decorative" xmlns="" val="1"/>
+                <adec:decorative xmlns="" xmlns:adec="http://schemas.microsoft.com/office/drawing/2017/decorative" val="1"/>
               </a:ext>
             </a:extLst>
           </p:cNvPr>
@@ -14489,7 +14483,7 @@
                 <a16:creationId xmlns:a16="http://schemas.microsoft.com/office/drawing/2014/main" id="{CF62D2A7-8207-488C-9F46-316BA81A16C8}"/>
               </a:ext>
               <a:ext uri="{C183D7F6-B498-43B3-948B-1728B52AA6E4}">
-                <adec:decorative xmlns:adec="http://schemas.microsoft.com/office/drawing/2017/decorative" xmlns="" val="1"/>
+                <adec:decorative xmlns="" xmlns:adec="http://schemas.microsoft.com/office/drawing/2017/decorative" val="1"/>
               </a:ext>
             </a:extLst>
           </p:cNvPr>
@@ -14656,7 +14650,7 @@
                 <a16:creationId xmlns:a16="http://schemas.microsoft.com/office/drawing/2014/main" id="{52AC6D7F-F068-4E11-BB06-F601D89BB980}"/>
               </a:ext>
               <a:ext uri="{C183D7F6-B498-43B3-948B-1728B52AA6E4}">
-                <adec:decorative xmlns:adec="http://schemas.microsoft.com/office/drawing/2017/decorative" xmlns="" val="1"/>
+                <adec:decorative xmlns="" xmlns:adec="http://schemas.microsoft.com/office/drawing/2017/decorative" val="1"/>
               </a:ext>
             </a:extLst>
           </p:cNvPr>
@@ -14950,7 +14944,7 @@
                 <a16:creationId xmlns:a16="http://schemas.microsoft.com/office/drawing/2014/main" id="{E0D60ECE-8986-45DC-B7FE-EC7699B466B8}"/>
               </a:ext>
               <a:ext uri="{C183D7F6-B498-43B3-948B-1728B52AA6E4}">
-                <adec:decorative xmlns:adec="http://schemas.microsoft.com/office/drawing/2017/decorative" xmlns="" val="1"/>
+                <adec:decorative xmlns="" xmlns:adec="http://schemas.microsoft.com/office/drawing/2017/decorative" val="1"/>
               </a:ext>
             </a:extLst>
           </p:cNvPr>
@@ -15119,7 +15113,7 @@
                 <a16:creationId xmlns:a16="http://schemas.microsoft.com/office/drawing/2014/main" id="{96964194-5878-40D2-8EC0-DDC58387FA56}"/>
               </a:ext>
               <a:ext uri="{C183D7F6-B498-43B3-948B-1728B52AA6E4}">
-                <adec:decorative xmlns:adec="http://schemas.microsoft.com/office/drawing/2017/decorative" xmlns="" val="1"/>
+                <adec:decorative xmlns="" xmlns:adec="http://schemas.microsoft.com/office/drawing/2017/decorative" val="1"/>
               </a:ext>
             </a:extLst>
           </p:cNvPr>
@@ -15575,7 +15569,7 @@
                 <a16:creationId xmlns:a16="http://schemas.microsoft.com/office/drawing/2014/main" id="{6753252F-4873-4F63-801D-CC719279A7D5}"/>
               </a:ext>
               <a:ext uri="{C183D7F6-B498-43B3-948B-1728B52AA6E4}">
-                <adec:decorative xmlns="" xmlns:adec="http://schemas.microsoft.com/office/drawing/2017/decorative" val="1"/>
+                <adec:decorative xmlns:adec="http://schemas.microsoft.com/office/drawing/2017/decorative" xmlns="" val="1"/>
               </a:ext>
             </a:extLst>
           </p:cNvPr>
@@ -15638,7 +15632,7 @@
                 <a16:creationId xmlns:a16="http://schemas.microsoft.com/office/drawing/2014/main" id="{047C8CCB-F95D-4249-92DD-651249D3535A}"/>
               </a:ext>
               <a:ext uri="{C183D7F6-B498-43B3-948B-1728B52AA6E4}">
-                <adec:decorative xmlns="" xmlns:adec="http://schemas.microsoft.com/office/drawing/2017/decorative" val="1"/>
+                <adec:decorative xmlns:adec="http://schemas.microsoft.com/office/drawing/2017/decorative" xmlns="" val="1"/>
               </a:ext>
             </a:extLst>
           </p:cNvPr>
@@ -15842,7 +15836,7 @@
                 <a16:creationId xmlns:a16="http://schemas.microsoft.com/office/drawing/2014/main" id="{6753252F-4873-4F63-801D-CC719279A7D5}"/>
               </a:ext>
               <a:ext uri="{C183D7F6-B498-43B3-948B-1728B52AA6E4}">
-                <adec:decorative xmlns="" xmlns:adec="http://schemas.microsoft.com/office/drawing/2017/decorative" val="1"/>
+                <adec:decorative xmlns:adec="http://schemas.microsoft.com/office/drawing/2017/decorative" xmlns="" val="1"/>
               </a:ext>
             </a:extLst>
           </p:cNvPr>
@@ -15905,7 +15899,7 @@
                 <a16:creationId xmlns:a16="http://schemas.microsoft.com/office/drawing/2014/main" id="{047C8CCB-F95D-4249-92DD-651249D3535A}"/>
               </a:ext>
               <a:ext uri="{C183D7F6-B498-43B3-948B-1728B52AA6E4}">
-                <adec:decorative xmlns="" xmlns:adec="http://schemas.microsoft.com/office/drawing/2017/decorative" val="1"/>
+                <adec:decorative xmlns:adec="http://schemas.microsoft.com/office/drawing/2017/decorative" xmlns="" val="1"/>
               </a:ext>
             </a:extLst>
           </p:cNvPr>
@@ -16108,7 +16102,7 @@
                 <a16:creationId xmlns:a16="http://schemas.microsoft.com/office/drawing/2014/main" id="{823AC064-BC96-4F32-8AE1-B2FD38754823}"/>
               </a:ext>
               <a:ext uri="{C183D7F6-B498-43B3-948B-1728B52AA6E4}">
-                <adec:decorative xmlns="" xmlns:adec="http://schemas.microsoft.com/office/drawing/2017/decorative" val="1"/>
+                <adec:decorative xmlns:adec="http://schemas.microsoft.com/office/drawing/2017/decorative" xmlns="" val="1"/>
               </a:ext>
             </a:extLst>
           </p:cNvPr>
@@ -16225,7 +16219,7 @@
                 <a16:creationId xmlns:a16="http://schemas.microsoft.com/office/drawing/2014/main" id="{7E7C77BC-7138-40B1-A15B-20F57A494629}"/>
               </a:ext>
               <a:ext uri="{C183D7F6-B498-43B3-948B-1728B52AA6E4}">
-                <adec:decorative xmlns="" xmlns:adec="http://schemas.microsoft.com/office/drawing/2017/decorative" val="1"/>
+                <adec:decorative xmlns:adec="http://schemas.microsoft.com/office/drawing/2017/decorative" xmlns="" val="1"/>
               </a:ext>
             </a:extLst>
           </p:cNvPr>
@@ -16313,7 +16307,7 @@
                 <a16:creationId xmlns:a16="http://schemas.microsoft.com/office/drawing/2014/main" id="{DB146403-F3D6-484B-B2ED-97F9565D0370}"/>
               </a:ext>
               <a:ext uri="{C183D7F6-B498-43B3-948B-1728B52AA6E4}">
-                <adec:decorative xmlns="" xmlns:adec="http://schemas.microsoft.com/office/drawing/2017/decorative" val="1"/>
+                <adec:decorative xmlns:adec="http://schemas.microsoft.com/office/drawing/2017/decorative" xmlns="" val="1"/>
               </a:ext>
             </a:extLst>
           </p:cNvPr>
@@ -16439,7 +16433,7 @@
                 <a16:creationId xmlns:a16="http://schemas.microsoft.com/office/drawing/2014/main" id="{DB146403-F3D6-484B-B2ED-97F9565D0370}"/>
               </a:ext>
               <a:ext uri="{C183D7F6-B498-43B3-948B-1728B52AA6E4}">
-                <adec:decorative xmlns:adec="http://schemas.microsoft.com/office/drawing/2017/decorative" xmlns="" val="1"/>
+                <adec:decorative xmlns="" xmlns:adec="http://schemas.microsoft.com/office/drawing/2017/decorative" val="1"/>
               </a:ext>
             </a:extLst>
           </p:cNvPr>
@@ -16491,7 +16485,7 @@
                 <a16:creationId xmlns:a16="http://schemas.microsoft.com/office/drawing/2014/main" id="{823AC064-BC96-4F32-8AE1-B2FD38754823}"/>
               </a:ext>
               <a:ext uri="{C183D7F6-B498-43B3-948B-1728B52AA6E4}">
-                <adec:decorative xmlns:adec="http://schemas.microsoft.com/office/drawing/2017/decorative" xmlns="" val="1"/>
+                <adec:decorative xmlns="" xmlns:adec="http://schemas.microsoft.com/office/drawing/2017/decorative" val="1"/>
               </a:ext>
             </a:extLst>
           </p:cNvPr>
@@ -16680,7 +16674,7 @@
                 <a16:creationId xmlns:a16="http://schemas.microsoft.com/office/drawing/2014/main" id="{7E7C77BC-7138-40B1-A15B-20F57A494629}"/>
               </a:ext>
               <a:ext uri="{C183D7F6-B498-43B3-948B-1728B52AA6E4}">
-                <adec:decorative xmlns:adec="http://schemas.microsoft.com/office/drawing/2017/decorative" xmlns="" val="1"/>
+                <adec:decorative xmlns="" xmlns:adec="http://schemas.microsoft.com/office/drawing/2017/decorative" val="1"/>
               </a:ext>
             </a:extLst>
           </p:cNvPr>

--- a/Presentation/ScrumLords_Capstone.pptx
+++ b/Presentation/ScrumLords_Capstone.pptx
@@ -5,7 +5,7 @@
     <p:sldMasterId id="2147483648" r:id="rId1"/>
   </p:sldMasterIdLst>
   <p:notesMasterIdLst>
-    <p:notesMasterId r:id="rId30"/>
+    <p:notesMasterId r:id="rId29"/>
   </p:notesMasterIdLst>
   <p:sldIdLst>
     <p:sldId id="256" r:id="rId2"/>
@@ -19,8 +19,8 @@
     <p:sldId id="267" r:id="rId10"/>
     <p:sldId id="296" r:id="rId11"/>
     <p:sldId id="289" r:id="rId12"/>
-    <p:sldId id="294" r:id="rId13"/>
-    <p:sldId id="295" r:id="rId14"/>
+    <p:sldId id="295" r:id="rId13"/>
+    <p:sldId id="294" r:id="rId14"/>
     <p:sldId id="279" r:id="rId15"/>
     <p:sldId id="280" r:id="rId16"/>
     <p:sldId id="282" r:id="rId17"/>
@@ -32,10 +32,9 @@
     <p:sldId id="288" r:id="rId23"/>
     <p:sldId id="290" r:id="rId24"/>
     <p:sldId id="271" r:id="rId25"/>
-    <p:sldId id="287" r:id="rId26"/>
-    <p:sldId id="278" r:id="rId27"/>
-    <p:sldId id="286" r:id="rId28"/>
-    <p:sldId id="274" r:id="rId29"/>
+    <p:sldId id="278" r:id="rId26"/>
+    <p:sldId id="286" r:id="rId27"/>
+    <p:sldId id="274" r:id="rId28"/>
   </p:sldIdLst>
   <p:sldSz cx="12192000" cy="6858000"/>
   <p:notesSz cx="6858000" cy="9144000"/>
@@ -963,16 +962,7 @@
           <a:p>
             <a:r>
               <a:rPr lang="en-US" dirty="0"/>
-              <a:t>The variance score of 1 denotes perfect. Mean squared error as close to zero is desired. </a:t>
-            </a:r>
-          </a:p>
-          <a:p>
-            <a:endParaRPr lang="en-US" dirty="0"/>
-          </a:p>
-          <a:p>
-            <a:r>
-              <a:rPr lang="en-US" dirty="0"/>
-              <a:t>Both model performed poorly and below expectations.</a:t>
+              <a:t>Visual Output of model results. Should ideally follow the black line in a linear trend. </a:t>
             </a:r>
           </a:p>
         </p:txBody>
@@ -1003,7 +993,7 @@
     </p:spTree>
     <p:extLst>
       <p:ext uri="{BB962C8B-B14F-4D97-AF65-F5344CB8AC3E}">
-        <p14:creationId xmlns:p14="http://schemas.microsoft.com/office/powerpoint/2010/main" val="499677454"/>
+        <p14:creationId xmlns:p14="http://schemas.microsoft.com/office/powerpoint/2010/main" val="3994657888"/>
       </p:ext>
     </p:extLst>
   </p:cSld>
@@ -1085,7 +1075,16 @@
           <a:p>
             <a:r>
               <a:rPr lang="en-US" dirty="0"/>
-              <a:t>Visual Output of model results. Should ideally follow the black line in a linear trend. </a:t>
+              <a:t>The variance score of 1 denotes perfect. Mean squared error as close to zero is desired. </a:t>
+            </a:r>
+          </a:p>
+          <a:p>
+            <a:endParaRPr lang="en-US" dirty="0"/>
+          </a:p>
+          <a:p>
+            <a:r>
+              <a:rPr lang="en-US" dirty="0"/>
+              <a:t>Both model performed poorly and below expectations.</a:t>
             </a:r>
           </a:p>
         </p:txBody>
@@ -1116,7 +1115,7 @@
     </p:spTree>
     <p:extLst>
       <p:ext uri="{BB962C8B-B14F-4D97-AF65-F5344CB8AC3E}">
-        <p14:creationId xmlns:p14="http://schemas.microsoft.com/office/powerpoint/2010/main" val="3994657888"/>
+        <p14:creationId xmlns:p14="http://schemas.microsoft.com/office/powerpoint/2010/main" val="499677454"/>
       </p:ext>
     </p:extLst>
   </p:cSld>
@@ -2604,93 +2603,6 @@
 </p:notes>
 </file>
 
-<file path=ppt/notesSlides/notesSlide25.xml><?xml version="1.0" encoding="utf-8"?>
-<p:notes xmlns:a="http://schemas.openxmlformats.org/drawingml/2006/main" xmlns:r="http://schemas.openxmlformats.org/officeDocument/2006/relationships" xmlns:p="http://schemas.openxmlformats.org/presentationml/2006/main">
-  <p:cSld>
-    <p:spTree>
-      <p:nvGrpSpPr>
-        <p:cNvPr id="1" name=""/>
-        <p:cNvGrpSpPr/>
-        <p:nvPr/>
-      </p:nvGrpSpPr>
-      <p:grpSpPr>
-        <a:xfrm>
-          <a:off x="0" y="0"/>
-          <a:ext cx="0" cy="0"/>
-          <a:chOff x="0" y="0"/>
-          <a:chExt cx="0" cy="0"/>
-        </a:xfrm>
-      </p:grpSpPr>
-      <p:sp>
-        <p:nvSpPr>
-          <p:cNvPr id="2" name="Slide Image Placeholder 1"/>
-          <p:cNvSpPr>
-            <a:spLocks noGrp="1" noRot="1" noChangeAspect="1"/>
-          </p:cNvSpPr>
-          <p:nvPr>
-            <p:ph type="sldImg"/>
-          </p:nvPr>
-        </p:nvSpPr>
-        <p:spPr/>
-      </p:sp>
-      <p:sp>
-        <p:nvSpPr>
-          <p:cNvPr id="3" name="Notes Placeholder 2"/>
-          <p:cNvSpPr>
-            <a:spLocks noGrp="1"/>
-          </p:cNvSpPr>
-          <p:nvPr>
-            <p:ph type="body" idx="1"/>
-          </p:nvPr>
-        </p:nvSpPr>
-        <p:spPr/>
-        <p:txBody>
-          <a:bodyPr/>
-          <a:lstStyle/>
-          <a:p>
-            <a:r>
-              <a:rPr lang="en-US" dirty="0"/>
-              <a:t>Ashish</a:t>
-            </a:r>
-          </a:p>
-        </p:txBody>
-      </p:sp>
-      <p:sp>
-        <p:nvSpPr>
-          <p:cNvPr id="4" name="Slide Number Placeholder 3"/>
-          <p:cNvSpPr>
-            <a:spLocks noGrp="1"/>
-          </p:cNvSpPr>
-          <p:nvPr>
-            <p:ph type="sldNum" sz="quarter" idx="10"/>
-          </p:nvPr>
-        </p:nvSpPr>
-        <p:spPr/>
-        <p:txBody>
-          <a:bodyPr/>
-          <a:lstStyle/>
-          <a:p>
-            <a:fld id="{674B3118-0A71-43F8-A6F9-A05C3FA5027E}" type="slidenum">
-              <a:rPr lang="en-US" smtClean="0"/>
-              <a:t>25</a:t>
-            </a:fld>
-            <a:endParaRPr lang="en-US"/>
-          </a:p>
-        </p:txBody>
-      </p:sp>
-    </p:spTree>
-    <p:extLst>
-      <p:ext uri="{BB962C8B-B14F-4D97-AF65-F5344CB8AC3E}">
-        <p14:creationId xmlns:p14="http://schemas.microsoft.com/office/powerpoint/2010/main" val="3596090878"/>
-      </p:ext>
-    </p:extLst>
-  </p:cSld>
-  <p:clrMapOvr>
-    <a:masterClrMapping/>
-  </p:clrMapOvr>
-</p:notes>
-</file>
-
 <file path=ppt/notesSlides/notesSlide3.xml><?xml version="1.0" encoding="utf-8"?>
 <p:notes xmlns:a="http://schemas.openxmlformats.org/drawingml/2006/main" xmlns:r="http://schemas.openxmlformats.org/officeDocument/2006/relationships" xmlns:p="http://schemas.openxmlformats.org/presentationml/2006/main">
   <p:cSld>
@@ -3659,6 +3571,12 @@
             <a:r>
               <a:rPr lang="en-US" dirty="0"/>
               <a:t> for the black line (normalized distribution). </a:t>
+            </a:r>
+          </a:p>
+          <a:p>
+            <a:r>
+              <a:rPr lang="en-US" dirty="0"/>
+              <a:t>Right plot linearizes the Blue line of the left plot.</a:t>
             </a:r>
           </a:p>
           <a:p>
@@ -6941,7 +6859,7 @@
                 <a16:creationId xmlns:a16="http://schemas.microsoft.com/office/drawing/2014/main" id="{482BD70C-C4A0-46C4-9518-A731098B419A}"/>
               </a:ext>
               <a:ext uri="{C183D7F6-B498-43B3-948B-1728B52AA6E4}">
-                <adec:decorative xmlns:adec="http://schemas.microsoft.com/office/drawing/2017/decorative" xmlns="" val="1"/>
+                <adec:decorative xmlns="" xmlns:adec="http://schemas.microsoft.com/office/drawing/2017/decorative" val="1"/>
               </a:ext>
             </a:extLst>
           </p:cNvPr>
@@ -7174,7 +7092,7 @@
                 <a16:creationId xmlns:a16="http://schemas.microsoft.com/office/drawing/2014/main" id="{39B74A45-BDDD-4892-B8C0-B290C0944FCB}"/>
               </a:ext>
               <a:ext uri="{C183D7F6-B498-43B3-948B-1728B52AA6E4}">
-                <adec:decorative xmlns:adec="http://schemas.microsoft.com/office/drawing/2017/decorative" xmlns="" val="1"/>
+                <adec:decorative xmlns="" xmlns:adec="http://schemas.microsoft.com/office/drawing/2017/decorative" val="1"/>
               </a:ext>
             </a:extLst>
           </p:cNvPr>
@@ -7369,7 +7287,7 @@
                 <a16:creationId xmlns:a16="http://schemas.microsoft.com/office/drawing/2014/main" id="{C516C73E-9465-4C9E-9B86-9E58FB326B6B}"/>
               </a:ext>
               <a:ext uri="{C183D7F6-B498-43B3-948B-1728B52AA6E4}">
-                <adec:decorative xmlns:adec="http://schemas.microsoft.com/office/drawing/2017/decorative" xmlns="" val="1"/>
+                <adec:decorative xmlns="" xmlns:adec="http://schemas.microsoft.com/office/drawing/2017/decorative" val="1"/>
               </a:ext>
             </a:extLst>
           </p:cNvPr>
@@ -7637,7 +7555,7 @@
                 <a16:creationId xmlns:a16="http://schemas.microsoft.com/office/drawing/2014/main" id="{6753252F-4873-4F63-801D-CC719279A7D5}"/>
               </a:ext>
               <a:ext uri="{C183D7F6-B498-43B3-948B-1728B52AA6E4}">
-                <adec:decorative xmlns="" xmlns:adec="http://schemas.microsoft.com/office/drawing/2017/decorative" val="1"/>
+                <adec:decorative xmlns:adec="http://schemas.microsoft.com/office/drawing/2017/decorative" xmlns="" val="1"/>
               </a:ext>
             </a:extLst>
           </p:cNvPr>
@@ -7700,7 +7618,7 @@
                 <a16:creationId xmlns:a16="http://schemas.microsoft.com/office/drawing/2014/main" id="{047C8CCB-F95D-4249-92DD-651249D3535A}"/>
               </a:ext>
               <a:ext uri="{C183D7F6-B498-43B3-948B-1728B52AA6E4}">
-                <adec:decorative xmlns="" xmlns:adec="http://schemas.microsoft.com/office/drawing/2017/decorative" val="1"/>
+                <adec:decorative xmlns:adec="http://schemas.microsoft.com/office/drawing/2017/decorative" xmlns="" val="1"/>
               </a:ext>
             </a:extLst>
           </p:cNvPr>
@@ -8097,7 +8015,7 @@
                 <a16:creationId xmlns:a16="http://schemas.microsoft.com/office/drawing/2014/main" id="{081FF5F3-D973-4367-9851-C04740586B84}"/>
               </a:ext>
               <a:ext uri="{C183D7F6-B498-43B3-948B-1728B52AA6E4}">
-                <adec:decorative xmlns="" xmlns:adec="http://schemas.microsoft.com/office/drawing/2017/decorative" val="1"/>
+                <adec:decorative xmlns:adec="http://schemas.microsoft.com/office/drawing/2017/decorative" xmlns="" val="1"/>
               </a:ext>
             </a:extLst>
           </p:cNvPr>
@@ -8273,10 +8191,10 @@
       </p:grpSpPr>
       <p:sp>
         <p:nvSpPr>
-          <p:cNvPr id="44" name="Rectangle 12">
-            <a:extLst>
-              <a:ext uri="{FF2B5EF4-FFF2-40B4-BE49-F238E27FC236}">
-                <a16:creationId xmlns:a16="http://schemas.microsoft.com/office/drawing/2014/main" id="{B1ED02B1-1BC5-458F-9994-627281CFE7C4}"/>
+          <p:cNvPr id="21" name="Rectangle 14">
+            <a:extLst>
+              <a:ext uri="{FF2B5EF4-FFF2-40B4-BE49-F238E27FC236}">
+                <a16:creationId xmlns:a16="http://schemas.microsoft.com/office/drawing/2014/main" id="{5F9CFCE6-877F-4858-B8BD-2C52CA8AFBC4}"/>
               </a:ext>
               <a:ext uri="{C183D7F6-B498-43B3-948B-1728B52AA6E4}">
                 <adec:decorative xmlns:adec="http://schemas.microsoft.com/office/drawing/2017/decorative" xmlns="" val="1"/>
@@ -8296,16 +8214,14 @@
         </p:nvSpPr>
         <p:spPr>
           <a:xfrm>
-            <a:off x="0" y="4923691"/>
-            <a:ext cx="12192000" cy="1934309"/>
+            <a:off x="0" y="0"/>
+            <a:ext cx="12192000" cy="6858000"/>
           </a:xfrm>
           <a:prstGeom prst="rect">
             <a:avLst/>
           </a:prstGeom>
           <a:solidFill>
-            <a:schemeClr val="accent2">
-              <a:lumMod val="75000"/>
-            </a:schemeClr>
+            <a:srgbClr val="4E4E4E"/>
           </a:solidFill>
           <a:ln>
             <a:noFill/>
@@ -8338,64 +8254,64 @@
       </p:sp>
       <p:sp>
         <p:nvSpPr>
-          <p:cNvPr id="8" name="TextBox 7">
-            <a:extLst>
-              <a:ext uri="{FF2B5EF4-FFF2-40B4-BE49-F238E27FC236}">
-                <a16:creationId xmlns:a16="http://schemas.microsoft.com/office/drawing/2014/main" id="{4B1E0101-6957-4329-A8AD-D1F84D446BD3}"/>
-              </a:ext>
-            </a:extLst>
-          </p:cNvPr>
-          <p:cNvSpPr txBox="1"/>
-          <p:nvPr/>
+          <p:cNvPr id="22" name="Rectangle 16">
+            <a:extLst>
+              <a:ext uri="{FF2B5EF4-FFF2-40B4-BE49-F238E27FC236}">
+                <a16:creationId xmlns:a16="http://schemas.microsoft.com/office/drawing/2014/main" id="{8213F8A0-12AE-4514-8372-0DD766EC28EE}"/>
+              </a:ext>
+              <a:ext uri="{C183D7F6-B498-43B3-948B-1728B52AA6E4}">
+                <adec:decorative xmlns:adec="http://schemas.microsoft.com/office/drawing/2017/decorative" xmlns="" val="1"/>
+              </a:ext>
+            </a:extLst>
+          </p:cNvPr>
+          <p:cNvSpPr>
+            <a:spLocks noGrp="1" noRot="1" noChangeAspect="1" noMove="1" noResize="1" noEditPoints="1" noAdjustHandles="1" noChangeArrowheads="1" noChangeShapeType="1" noTextEdit="1"/>
+          </p:cNvSpPr>
+          <p:nvPr>
+            <p:extLst>
+              <p:ext uri="{386F3935-93C4-4BCD-93E2-E3B085C9AB24}">
+                <p16:designElem xmlns:p16="http://schemas.microsoft.com/office/powerpoint/2015/main" val="1"/>
+              </p:ext>
+            </p:extLst>
+          </p:nvPr>
         </p:nvSpPr>
         <p:spPr>
           <a:xfrm>
-            <a:off x="2231136" y="4388020"/>
-            <a:ext cx="7729728" cy="1188720"/>
+            <a:off x="6256866" y="480060"/>
+            <a:ext cx="5458122" cy="5897880"/>
           </a:xfrm>
           <a:prstGeom prst="rect">
             <a:avLst/>
           </a:prstGeom>
           <a:solidFill>
-            <a:schemeClr val="bg1"/>
+            <a:srgbClr val="FFFFFF"/>
           </a:solidFill>
-          <a:ln w="31750">
-            <a:solidFill>
-              <a:schemeClr val="tx1">
-                <a:lumMod val="75000"/>
-                <a:lumOff val="25000"/>
-              </a:schemeClr>
-            </a:solidFill>
+          <a:ln>
+            <a:noFill/>
           </a:ln>
         </p:spPr>
-        <p:txBody>
-          <a:bodyPr vert="horz" lIns="91440" tIns="45720" rIns="91440" bIns="45720" rtlCol="0" anchor="ctr">
-            <a:normAutofit/>
-          </a:bodyPr>
-          <a:lstStyle/>
-          <a:p>
-            <a:pPr algn="ctr">
-              <a:lnSpc>
-                <a:spcPct val="90000"/>
-              </a:lnSpc>
-              <a:spcBef>
-                <a:spcPct val="0"/>
-              </a:spcBef>
-              <a:spcAft>
-                <a:spcPts val="600"/>
-              </a:spcAft>
-            </a:pPr>
-            <a:r>
-              <a:rPr lang="en-US" sz="3200" kern="1200" dirty="0">
-                <a:solidFill>
-                  <a:schemeClr val="tx1"/>
-                </a:solidFill>
-                <a:latin typeface="+mj-lt"/>
-                <a:ea typeface="+mj-ea"/>
-                <a:cs typeface="+mj-cs"/>
-              </a:rPr>
-              <a:t>Genre Model Comparison</a:t>
-            </a:r>
+        <p:style>
+          <a:lnRef idx="2">
+            <a:schemeClr val="accent1">
+              <a:shade val="50000"/>
+            </a:schemeClr>
+          </a:lnRef>
+          <a:fillRef idx="1">
+            <a:schemeClr val="accent1"/>
+          </a:fillRef>
+          <a:effectRef idx="0">
+            <a:schemeClr val="accent1"/>
+          </a:effectRef>
+          <a:fontRef idx="minor">
+            <a:schemeClr val="lt1"/>
+          </a:fontRef>
+        </p:style>
+        <p:txBody>
+          <a:bodyPr rtlCol="0" anchor="ctr"/>
+          <a:lstStyle/>
+          <a:p>
+            <a:pPr algn="ctr"/>
+            <a:endParaRPr lang="en-US"/>
           </a:p>
         </p:txBody>
       </p:sp>
@@ -8404,7 +8320,7 @@
           <p:cNvPr id="4" name="Picture 3">
             <a:extLst>
               <a:ext uri="{FF2B5EF4-FFF2-40B4-BE49-F238E27FC236}">
-                <a16:creationId xmlns:a16="http://schemas.microsoft.com/office/drawing/2014/main" id="{08A1BEA9-F296-4F4E-9089-281C3A058AEF}"/>
+                <a16:creationId xmlns:a16="http://schemas.microsoft.com/office/drawing/2014/main" id="{71933D94-9E80-4589-AA88-3E0AC79C6826}"/>
               </a:ext>
             </a:extLst>
           </p:cNvPr>
@@ -8427,18 +8343,189 @@
         </p:blipFill>
         <p:spPr>
           <a:xfrm>
-            <a:off x="814066" y="1729939"/>
-            <a:ext cx="10519207" cy="1559171"/>
+            <a:off x="6421035" y="1274491"/>
+            <a:ext cx="5129784" cy="4309017"/>
           </a:xfrm>
           <a:prstGeom prst="rect">
             <a:avLst/>
           </a:prstGeom>
         </p:spPr>
       </p:pic>
+      <p:sp>
+        <p:nvSpPr>
+          <p:cNvPr id="23" name="Rectangle 18">
+            <a:extLst>
+              <a:ext uri="{FF2B5EF4-FFF2-40B4-BE49-F238E27FC236}">
+                <a16:creationId xmlns:a16="http://schemas.microsoft.com/office/drawing/2014/main" id="{9EFF17D4-9A8C-4CE5-B096-D8CCD4400437}"/>
+              </a:ext>
+              <a:ext uri="{C183D7F6-B498-43B3-948B-1728B52AA6E4}">
+                <adec:decorative xmlns:adec="http://schemas.microsoft.com/office/drawing/2017/decorative" xmlns="" val="1"/>
+              </a:ext>
+            </a:extLst>
+          </p:cNvPr>
+          <p:cNvSpPr>
+            <a:spLocks noGrp="1" noRot="1" noChangeAspect="1" noMove="1" noResize="1" noEditPoints="1" noAdjustHandles="1" noChangeArrowheads="1" noChangeShapeType="1" noTextEdit="1"/>
+          </p:cNvSpPr>
+          <p:nvPr>
+            <p:extLst>
+              <p:ext uri="{386F3935-93C4-4BCD-93E2-E3B085C9AB24}">
+                <p16:designElem xmlns:p16="http://schemas.microsoft.com/office/powerpoint/2015/main" val="1"/>
+              </p:ext>
+            </p:extLst>
+          </p:nvPr>
+        </p:nvSpPr>
+        <p:spPr>
+          <a:xfrm>
+            <a:off x="477012" y="480060"/>
+            <a:ext cx="5458121" cy="5897880"/>
+          </a:xfrm>
+          <a:prstGeom prst="rect">
+            <a:avLst/>
+          </a:prstGeom>
+          <a:solidFill>
+            <a:srgbClr val="FFFFFF"/>
+          </a:solidFill>
+          <a:ln>
+            <a:noFill/>
+          </a:ln>
+        </p:spPr>
+        <p:style>
+          <a:lnRef idx="2">
+            <a:schemeClr val="accent1">
+              <a:shade val="50000"/>
+            </a:schemeClr>
+          </a:lnRef>
+          <a:fillRef idx="1">
+            <a:schemeClr val="accent1"/>
+          </a:fillRef>
+          <a:effectRef idx="0">
+            <a:schemeClr val="accent1"/>
+          </a:effectRef>
+          <a:fontRef idx="minor">
+            <a:schemeClr val="lt1"/>
+          </a:fontRef>
+        </p:style>
+        <p:txBody>
+          <a:bodyPr rtlCol="0" anchor="ctr"/>
+          <a:lstStyle/>
+          <a:p>
+            <a:pPr algn="ctr"/>
+            <a:endParaRPr lang="en-US"/>
+          </a:p>
+        </p:txBody>
+      </p:sp>
+      <p:pic>
+        <p:nvPicPr>
+          <p:cNvPr id="7" name="Picture 6">
+            <a:extLst>
+              <a:ext uri="{FF2B5EF4-FFF2-40B4-BE49-F238E27FC236}">
+                <a16:creationId xmlns:a16="http://schemas.microsoft.com/office/drawing/2014/main" id="{D077D200-B65F-4018-986E-355297A88A74}"/>
+              </a:ext>
+            </a:extLst>
+          </p:cNvPr>
+          <p:cNvPicPr>
+            <a:picLocks noChangeAspect="1"/>
+          </p:cNvPicPr>
+          <p:nvPr/>
+        </p:nvPicPr>
+        <p:blipFill>
+          <a:blip r:embed="rId4">
+            <a:extLst>
+              <a:ext uri="{28A0092B-C50C-407E-A947-70E740481C1C}">
+                <a14:useLocalDpi xmlns:a14="http://schemas.microsoft.com/office/drawing/2010/main" val="0"/>
+              </a:ext>
+            </a:extLst>
+          </a:blip>
+          <a:stretch>
+            <a:fillRect/>
+          </a:stretch>
+        </p:blipFill>
+        <p:spPr>
+          <a:xfrm>
+            <a:off x="641180" y="1274491"/>
+            <a:ext cx="5129784" cy="4309017"/>
+          </a:xfrm>
+          <a:prstGeom prst="rect">
+            <a:avLst/>
+          </a:prstGeom>
+        </p:spPr>
+      </p:pic>
+      <p:sp>
+        <p:nvSpPr>
+          <p:cNvPr id="16" name="TextBox 15">
+            <a:extLst>
+              <a:ext uri="{FF2B5EF4-FFF2-40B4-BE49-F238E27FC236}">
+                <a16:creationId xmlns:a16="http://schemas.microsoft.com/office/drawing/2014/main" id="{035F69F4-4DCB-4A05-AE9C-EF586C1537EF}"/>
+              </a:ext>
+            </a:extLst>
+          </p:cNvPr>
+          <p:cNvSpPr txBox="1"/>
+          <p:nvPr/>
+        </p:nvSpPr>
+        <p:spPr>
+          <a:xfrm>
+            <a:off x="477012" y="480059"/>
+            <a:ext cx="5458121" cy="523220"/>
+          </a:xfrm>
+          <a:prstGeom prst="rect">
+            <a:avLst/>
+          </a:prstGeom>
+          <a:noFill/>
+        </p:spPr>
+        <p:txBody>
+          <a:bodyPr vert="horz" wrap="square" rtlCol="0">
+            <a:spAutoFit/>
+          </a:bodyPr>
+          <a:lstStyle/>
+          <a:p>
+            <a:pPr algn="ctr"/>
+            <a:r>
+              <a:rPr lang="en-US" sz="2800" dirty="0"/>
+              <a:t>Decision Tree</a:t>
+            </a:r>
+          </a:p>
+        </p:txBody>
+      </p:sp>
+      <p:sp>
+        <p:nvSpPr>
+          <p:cNvPr id="18" name="TextBox 17">
+            <a:extLst>
+              <a:ext uri="{FF2B5EF4-FFF2-40B4-BE49-F238E27FC236}">
+                <a16:creationId xmlns:a16="http://schemas.microsoft.com/office/drawing/2014/main" id="{8B8F7086-B8C6-4CEC-832B-07F9E3CF815E}"/>
+              </a:ext>
+            </a:extLst>
+          </p:cNvPr>
+          <p:cNvSpPr txBox="1"/>
+          <p:nvPr/>
+        </p:nvSpPr>
+        <p:spPr>
+          <a:xfrm>
+            <a:off x="6256866" y="480059"/>
+            <a:ext cx="5458121" cy="523220"/>
+          </a:xfrm>
+          <a:prstGeom prst="rect">
+            <a:avLst/>
+          </a:prstGeom>
+          <a:noFill/>
+        </p:spPr>
+        <p:txBody>
+          <a:bodyPr vert="horz" wrap="square" rtlCol="0">
+            <a:spAutoFit/>
+          </a:bodyPr>
+          <a:lstStyle/>
+          <a:p>
+            <a:pPr algn="ctr"/>
+            <a:r>
+              <a:rPr lang="en-US" sz="2800" dirty="0"/>
+              <a:t>Random Forest</a:t>
+            </a:r>
+          </a:p>
+        </p:txBody>
+      </p:sp>
     </p:spTree>
     <p:extLst>
       <p:ext uri="{BB962C8B-B14F-4D97-AF65-F5344CB8AC3E}">
-        <p14:creationId xmlns:p14="http://schemas.microsoft.com/office/powerpoint/2010/main" val="2620087179"/>
+        <p14:creationId xmlns:p14="http://schemas.microsoft.com/office/powerpoint/2010/main" val="3160989603"/>
       </p:ext>
     </p:extLst>
   </p:cSld>
@@ -8475,10 +8562,10 @@
       </p:grpSpPr>
       <p:sp>
         <p:nvSpPr>
-          <p:cNvPr id="21" name="Rectangle 14">
-            <a:extLst>
-              <a:ext uri="{FF2B5EF4-FFF2-40B4-BE49-F238E27FC236}">
-                <a16:creationId xmlns:a16="http://schemas.microsoft.com/office/drawing/2014/main" id="{5F9CFCE6-877F-4858-B8BD-2C52CA8AFBC4}"/>
+          <p:cNvPr id="44" name="Rectangle 12">
+            <a:extLst>
+              <a:ext uri="{FF2B5EF4-FFF2-40B4-BE49-F238E27FC236}">
+                <a16:creationId xmlns:a16="http://schemas.microsoft.com/office/drawing/2014/main" id="{B1ED02B1-1BC5-458F-9994-627281CFE7C4}"/>
               </a:ext>
               <a:ext uri="{C183D7F6-B498-43B3-948B-1728B52AA6E4}">
                 <adec:decorative xmlns="" xmlns:adec="http://schemas.microsoft.com/office/drawing/2017/decorative" val="1"/>
@@ -8498,14 +8585,16 @@
         </p:nvSpPr>
         <p:spPr>
           <a:xfrm>
-            <a:off x="0" y="0"/>
-            <a:ext cx="12192000" cy="6858000"/>
+            <a:off x="0" y="4923691"/>
+            <a:ext cx="12192000" cy="1934309"/>
           </a:xfrm>
           <a:prstGeom prst="rect">
             <a:avLst/>
           </a:prstGeom>
           <a:solidFill>
-            <a:srgbClr val="4E4E4E"/>
+            <a:schemeClr val="accent2">
+              <a:lumMod val="75000"/>
+            </a:schemeClr>
           </a:solidFill>
           <a:ln>
             <a:noFill/>
@@ -8538,64 +8627,64 @@
       </p:sp>
       <p:sp>
         <p:nvSpPr>
-          <p:cNvPr id="22" name="Rectangle 16">
-            <a:extLst>
-              <a:ext uri="{FF2B5EF4-FFF2-40B4-BE49-F238E27FC236}">
-                <a16:creationId xmlns:a16="http://schemas.microsoft.com/office/drawing/2014/main" id="{8213F8A0-12AE-4514-8372-0DD766EC28EE}"/>
-              </a:ext>
-              <a:ext uri="{C183D7F6-B498-43B3-948B-1728B52AA6E4}">
-                <adec:decorative xmlns="" xmlns:adec="http://schemas.microsoft.com/office/drawing/2017/decorative" val="1"/>
-              </a:ext>
-            </a:extLst>
-          </p:cNvPr>
-          <p:cNvSpPr>
-            <a:spLocks noGrp="1" noRot="1" noChangeAspect="1" noMove="1" noResize="1" noEditPoints="1" noAdjustHandles="1" noChangeArrowheads="1" noChangeShapeType="1" noTextEdit="1"/>
-          </p:cNvSpPr>
-          <p:nvPr>
-            <p:extLst>
-              <p:ext uri="{386F3935-93C4-4BCD-93E2-E3B085C9AB24}">
-                <p16:designElem xmlns:p16="http://schemas.microsoft.com/office/powerpoint/2015/main" val="1"/>
-              </p:ext>
-            </p:extLst>
-          </p:nvPr>
+          <p:cNvPr id="8" name="TextBox 7">
+            <a:extLst>
+              <a:ext uri="{FF2B5EF4-FFF2-40B4-BE49-F238E27FC236}">
+                <a16:creationId xmlns:a16="http://schemas.microsoft.com/office/drawing/2014/main" id="{4B1E0101-6957-4329-A8AD-D1F84D446BD3}"/>
+              </a:ext>
+            </a:extLst>
+          </p:cNvPr>
+          <p:cNvSpPr txBox="1"/>
+          <p:nvPr/>
         </p:nvSpPr>
         <p:spPr>
           <a:xfrm>
-            <a:off x="6256866" y="480060"/>
-            <a:ext cx="5458122" cy="5897880"/>
+            <a:off x="2231136" y="4388020"/>
+            <a:ext cx="7729728" cy="1188720"/>
           </a:xfrm>
           <a:prstGeom prst="rect">
             <a:avLst/>
           </a:prstGeom>
           <a:solidFill>
-            <a:srgbClr val="FFFFFF"/>
+            <a:schemeClr val="bg1"/>
           </a:solidFill>
-          <a:ln>
-            <a:noFill/>
+          <a:ln w="31750">
+            <a:solidFill>
+              <a:schemeClr val="tx1">
+                <a:lumMod val="75000"/>
+                <a:lumOff val="25000"/>
+              </a:schemeClr>
+            </a:solidFill>
           </a:ln>
         </p:spPr>
-        <p:style>
-          <a:lnRef idx="2">
-            <a:schemeClr val="accent1">
-              <a:shade val="50000"/>
-            </a:schemeClr>
-          </a:lnRef>
-          <a:fillRef idx="1">
-            <a:schemeClr val="accent1"/>
-          </a:fillRef>
-          <a:effectRef idx="0">
-            <a:schemeClr val="accent1"/>
-          </a:effectRef>
-          <a:fontRef idx="minor">
-            <a:schemeClr val="lt1"/>
-          </a:fontRef>
-        </p:style>
-        <p:txBody>
-          <a:bodyPr rtlCol="0" anchor="ctr"/>
-          <a:lstStyle/>
-          <a:p>
-            <a:pPr algn="ctr"/>
-            <a:endParaRPr lang="en-US"/>
+        <p:txBody>
+          <a:bodyPr vert="horz" lIns="91440" tIns="45720" rIns="91440" bIns="45720" rtlCol="0" anchor="ctr">
+            <a:normAutofit/>
+          </a:bodyPr>
+          <a:lstStyle/>
+          <a:p>
+            <a:pPr algn="ctr">
+              <a:lnSpc>
+                <a:spcPct val="90000"/>
+              </a:lnSpc>
+              <a:spcBef>
+                <a:spcPct val="0"/>
+              </a:spcBef>
+              <a:spcAft>
+                <a:spcPts val="600"/>
+              </a:spcAft>
+            </a:pPr>
+            <a:r>
+              <a:rPr lang="en-US" sz="3200" kern="1200" dirty="0">
+                <a:solidFill>
+                  <a:schemeClr val="tx1"/>
+                </a:solidFill>
+                <a:latin typeface="+mj-lt"/>
+                <a:ea typeface="+mj-ea"/>
+                <a:cs typeface="+mj-cs"/>
+              </a:rPr>
+              <a:t>Genre Model Comparison</a:t>
+            </a:r>
           </a:p>
         </p:txBody>
       </p:sp>
@@ -8604,7 +8693,7 @@
           <p:cNvPr id="4" name="Picture 3">
             <a:extLst>
               <a:ext uri="{FF2B5EF4-FFF2-40B4-BE49-F238E27FC236}">
-                <a16:creationId xmlns:a16="http://schemas.microsoft.com/office/drawing/2014/main" id="{71933D94-9E80-4589-AA88-3E0AC79C6826}"/>
+                <a16:creationId xmlns:a16="http://schemas.microsoft.com/office/drawing/2014/main" id="{08A1BEA9-F296-4F4E-9089-281C3A058AEF}"/>
               </a:ext>
             </a:extLst>
           </p:cNvPr>
@@ -8627,189 +8716,18 @@
         </p:blipFill>
         <p:spPr>
           <a:xfrm>
-            <a:off x="6421035" y="1274491"/>
-            <a:ext cx="5129784" cy="4309017"/>
+            <a:off x="814066" y="1729939"/>
+            <a:ext cx="10519207" cy="1559171"/>
           </a:xfrm>
           <a:prstGeom prst="rect">
             <a:avLst/>
           </a:prstGeom>
         </p:spPr>
       </p:pic>
-      <p:sp>
-        <p:nvSpPr>
-          <p:cNvPr id="23" name="Rectangle 18">
-            <a:extLst>
-              <a:ext uri="{FF2B5EF4-FFF2-40B4-BE49-F238E27FC236}">
-                <a16:creationId xmlns:a16="http://schemas.microsoft.com/office/drawing/2014/main" id="{9EFF17D4-9A8C-4CE5-B096-D8CCD4400437}"/>
-              </a:ext>
-              <a:ext uri="{C183D7F6-B498-43B3-948B-1728B52AA6E4}">
-                <adec:decorative xmlns="" xmlns:adec="http://schemas.microsoft.com/office/drawing/2017/decorative" val="1"/>
-              </a:ext>
-            </a:extLst>
-          </p:cNvPr>
-          <p:cNvSpPr>
-            <a:spLocks noGrp="1" noRot="1" noChangeAspect="1" noMove="1" noResize="1" noEditPoints="1" noAdjustHandles="1" noChangeArrowheads="1" noChangeShapeType="1" noTextEdit="1"/>
-          </p:cNvSpPr>
-          <p:nvPr>
-            <p:extLst>
-              <p:ext uri="{386F3935-93C4-4BCD-93E2-E3B085C9AB24}">
-                <p16:designElem xmlns:p16="http://schemas.microsoft.com/office/powerpoint/2015/main" val="1"/>
-              </p:ext>
-            </p:extLst>
-          </p:nvPr>
-        </p:nvSpPr>
-        <p:spPr>
-          <a:xfrm>
-            <a:off x="477012" y="480060"/>
-            <a:ext cx="5458121" cy="5897880"/>
-          </a:xfrm>
-          <a:prstGeom prst="rect">
-            <a:avLst/>
-          </a:prstGeom>
-          <a:solidFill>
-            <a:srgbClr val="FFFFFF"/>
-          </a:solidFill>
-          <a:ln>
-            <a:noFill/>
-          </a:ln>
-        </p:spPr>
-        <p:style>
-          <a:lnRef idx="2">
-            <a:schemeClr val="accent1">
-              <a:shade val="50000"/>
-            </a:schemeClr>
-          </a:lnRef>
-          <a:fillRef idx="1">
-            <a:schemeClr val="accent1"/>
-          </a:fillRef>
-          <a:effectRef idx="0">
-            <a:schemeClr val="accent1"/>
-          </a:effectRef>
-          <a:fontRef idx="minor">
-            <a:schemeClr val="lt1"/>
-          </a:fontRef>
-        </p:style>
-        <p:txBody>
-          <a:bodyPr rtlCol="0" anchor="ctr"/>
-          <a:lstStyle/>
-          <a:p>
-            <a:pPr algn="ctr"/>
-            <a:endParaRPr lang="en-US"/>
-          </a:p>
-        </p:txBody>
-      </p:sp>
-      <p:pic>
-        <p:nvPicPr>
-          <p:cNvPr id="7" name="Picture 6">
-            <a:extLst>
-              <a:ext uri="{FF2B5EF4-FFF2-40B4-BE49-F238E27FC236}">
-                <a16:creationId xmlns:a16="http://schemas.microsoft.com/office/drawing/2014/main" id="{D077D200-B65F-4018-986E-355297A88A74}"/>
-              </a:ext>
-            </a:extLst>
-          </p:cNvPr>
-          <p:cNvPicPr>
-            <a:picLocks noChangeAspect="1"/>
-          </p:cNvPicPr>
-          <p:nvPr/>
-        </p:nvPicPr>
-        <p:blipFill>
-          <a:blip r:embed="rId4">
-            <a:extLst>
-              <a:ext uri="{28A0092B-C50C-407E-A947-70E740481C1C}">
-                <a14:useLocalDpi xmlns:a14="http://schemas.microsoft.com/office/drawing/2010/main" val="0"/>
-              </a:ext>
-            </a:extLst>
-          </a:blip>
-          <a:stretch>
-            <a:fillRect/>
-          </a:stretch>
-        </p:blipFill>
-        <p:spPr>
-          <a:xfrm>
-            <a:off x="641180" y="1274491"/>
-            <a:ext cx="5129784" cy="4309017"/>
-          </a:xfrm>
-          <a:prstGeom prst="rect">
-            <a:avLst/>
-          </a:prstGeom>
-        </p:spPr>
-      </p:pic>
-      <p:sp>
-        <p:nvSpPr>
-          <p:cNvPr id="16" name="TextBox 15">
-            <a:extLst>
-              <a:ext uri="{FF2B5EF4-FFF2-40B4-BE49-F238E27FC236}">
-                <a16:creationId xmlns:a16="http://schemas.microsoft.com/office/drawing/2014/main" id="{035F69F4-4DCB-4A05-AE9C-EF586C1537EF}"/>
-              </a:ext>
-            </a:extLst>
-          </p:cNvPr>
-          <p:cNvSpPr txBox="1"/>
-          <p:nvPr/>
-        </p:nvSpPr>
-        <p:spPr>
-          <a:xfrm>
-            <a:off x="477012" y="480059"/>
-            <a:ext cx="5458121" cy="523220"/>
-          </a:xfrm>
-          <a:prstGeom prst="rect">
-            <a:avLst/>
-          </a:prstGeom>
-          <a:noFill/>
-        </p:spPr>
-        <p:txBody>
-          <a:bodyPr vert="horz" wrap="square" rtlCol="0">
-            <a:spAutoFit/>
-          </a:bodyPr>
-          <a:lstStyle/>
-          <a:p>
-            <a:pPr algn="ctr"/>
-            <a:r>
-              <a:rPr lang="en-US" sz="2800" dirty="0"/>
-              <a:t>Decision Tree</a:t>
-            </a:r>
-          </a:p>
-        </p:txBody>
-      </p:sp>
-      <p:sp>
-        <p:nvSpPr>
-          <p:cNvPr id="18" name="TextBox 17">
-            <a:extLst>
-              <a:ext uri="{FF2B5EF4-FFF2-40B4-BE49-F238E27FC236}">
-                <a16:creationId xmlns:a16="http://schemas.microsoft.com/office/drawing/2014/main" id="{8B8F7086-B8C6-4CEC-832B-07F9E3CF815E}"/>
-              </a:ext>
-            </a:extLst>
-          </p:cNvPr>
-          <p:cNvSpPr txBox="1"/>
-          <p:nvPr/>
-        </p:nvSpPr>
-        <p:spPr>
-          <a:xfrm>
-            <a:off x="6256866" y="480059"/>
-            <a:ext cx="5458121" cy="523220"/>
-          </a:xfrm>
-          <a:prstGeom prst="rect">
-            <a:avLst/>
-          </a:prstGeom>
-          <a:noFill/>
-        </p:spPr>
-        <p:txBody>
-          <a:bodyPr vert="horz" wrap="square" rtlCol="0">
-            <a:spAutoFit/>
-          </a:bodyPr>
-          <a:lstStyle/>
-          <a:p>
-            <a:pPr algn="ctr"/>
-            <a:r>
-              <a:rPr lang="en-US" sz="2800" dirty="0"/>
-              <a:t>Random Forest</a:t>
-            </a:r>
-          </a:p>
-        </p:txBody>
-      </p:sp>
     </p:spTree>
     <p:extLst>
       <p:ext uri="{BB962C8B-B14F-4D97-AF65-F5344CB8AC3E}">
-        <p14:creationId xmlns:p14="http://schemas.microsoft.com/office/powerpoint/2010/main" val="3160989603"/>
+        <p14:creationId xmlns:p14="http://schemas.microsoft.com/office/powerpoint/2010/main" val="2620087179"/>
       </p:ext>
     </p:extLst>
   </p:cSld>
@@ -8852,7 +8770,7 @@
                 <a16:creationId xmlns:a16="http://schemas.microsoft.com/office/drawing/2014/main" id="{72257994-BD97-4691-8B89-198A6D2BABDC}"/>
               </a:ext>
               <a:ext uri="{C183D7F6-B498-43B3-948B-1728B52AA6E4}">
-                <adec:decorative xmlns="" xmlns:adec="http://schemas.microsoft.com/office/drawing/2017/decorative" val="1"/>
+                <adec:decorative xmlns:adec="http://schemas.microsoft.com/office/drawing/2017/decorative" xmlns="" val="1"/>
               </a:ext>
             </a:extLst>
           </p:cNvPr>
@@ -9102,7 +9020,7 @@
                 <a16:creationId xmlns:a16="http://schemas.microsoft.com/office/drawing/2014/main" id="{AB45A142-4255-493C-8284-5D566C121B10}"/>
               </a:ext>
               <a:ext uri="{C183D7F6-B498-43B3-948B-1728B52AA6E4}">
-                <adec:decorative xmlns="" xmlns:adec="http://schemas.microsoft.com/office/drawing/2017/decorative" val="1"/>
+                <adec:decorative xmlns:adec="http://schemas.microsoft.com/office/drawing/2017/decorative" xmlns="" val="1"/>
               </a:ext>
             </a:extLst>
           </p:cNvPr>
@@ -9242,7 +9160,7 @@
                 <a16:creationId xmlns:a16="http://schemas.microsoft.com/office/drawing/2014/main" id="{38FB9660-F42F-4313-BBC4-47C007FE484C}"/>
               </a:ext>
               <a:ext uri="{C183D7F6-B498-43B3-948B-1728B52AA6E4}">
-                <adec:decorative xmlns="" xmlns:adec="http://schemas.microsoft.com/office/drawing/2017/decorative" val="1"/>
+                <adec:decorative xmlns:adec="http://schemas.microsoft.com/office/drawing/2017/decorative" xmlns="" val="1"/>
               </a:ext>
             </a:extLst>
           </p:cNvPr>
@@ -9503,7 +9421,7 @@
                 <a16:creationId xmlns:a16="http://schemas.microsoft.com/office/drawing/2014/main" id="{AB45A142-4255-493C-8284-5D566C121B10}"/>
               </a:ext>
               <a:ext uri="{C183D7F6-B498-43B3-948B-1728B52AA6E4}">
-                <adec:decorative xmlns="" xmlns:adec="http://schemas.microsoft.com/office/drawing/2017/decorative" val="1"/>
+                <adec:decorative xmlns:adec="http://schemas.microsoft.com/office/drawing/2017/decorative" xmlns="" val="1"/>
               </a:ext>
             </a:extLst>
           </p:cNvPr>
@@ -9634,7 +9552,7 @@
                 <a16:creationId xmlns:a16="http://schemas.microsoft.com/office/drawing/2014/main" id="{38FB9660-F42F-4313-BBC4-47C007FE484C}"/>
               </a:ext>
               <a:ext uri="{C183D7F6-B498-43B3-948B-1728B52AA6E4}">
-                <adec:decorative xmlns="" xmlns:adec="http://schemas.microsoft.com/office/drawing/2017/decorative" val="1"/>
+                <adec:decorative xmlns:adec="http://schemas.microsoft.com/office/drawing/2017/decorative" xmlns="" val="1"/>
               </a:ext>
             </a:extLst>
           </p:cNvPr>
@@ -10654,7 +10572,7 @@
                 <a16:creationId xmlns:a16="http://schemas.microsoft.com/office/drawing/2014/main" id="{A74B3BB9-7320-4C7D-876F-931A7DC2C478}"/>
               </a:ext>
               <a:ext uri="{C183D7F6-B498-43B3-948B-1728B52AA6E4}">
-                <adec:decorative xmlns="" xmlns:adec="http://schemas.microsoft.com/office/drawing/2017/decorative" val="1"/>
+                <adec:decorative xmlns:adec="http://schemas.microsoft.com/office/drawing/2017/decorative" xmlns="" val="1"/>
               </a:ext>
             </a:extLst>
           </p:cNvPr>
@@ -10800,7 +10718,7 @@
                 <a16:creationId xmlns:a16="http://schemas.microsoft.com/office/drawing/2014/main" id="{6753252F-4873-4F63-801D-CC719279A7D5}"/>
               </a:ext>
               <a:ext uri="{C183D7F6-B498-43B3-948B-1728B52AA6E4}">
-                <adec:decorative xmlns:adec="http://schemas.microsoft.com/office/drawing/2017/decorative" xmlns="" val="1"/>
+                <adec:decorative xmlns="" xmlns:adec="http://schemas.microsoft.com/office/drawing/2017/decorative" val="1"/>
               </a:ext>
             </a:extLst>
           </p:cNvPr>
@@ -10863,7 +10781,7 @@
                 <a16:creationId xmlns:a16="http://schemas.microsoft.com/office/drawing/2014/main" id="{047C8CCB-F95D-4249-92DD-651249D3535A}"/>
               </a:ext>
               <a:ext uri="{C183D7F6-B498-43B3-948B-1728B52AA6E4}">
-                <adec:decorative xmlns:adec="http://schemas.microsoft.com/office/drawing/2017/decorative" xmlns="" val="1"/>
+                <adec:decorative xmlns="" xmlns:adec="http://schemas.microsoft.com/office/drawing/2017/decorative" val="1"/>
               </a:ext>
             </a:extLst>
           </p:cNvPr>
@@ -11066,7 +10984,7 @@
                 <a16:creationId xmlns:a16="http://schemas.microsoft.com/office/drawing/2014/main" id="{4038CB10-1F5C-4D54-9DF7-12586DE5B007}"/>
               </a:ext>
               <a:ext uri="{C183D7F6-B498-43B3-948B-1728B52AA6E4}">
-                <adec:decorative xmlns="" xmlns:adec="http://schemas.microsoft.com/office/drawing/2017/decorative" val="1"/>
+                <adec:decorative xmlns:adec="http://schemas.microsoft.com/office/drawing/2017/decorative" xmlns="" val="1"/>
               </a:ext>
             </a:extLst>
           </p:cNvPr>
@@ -11247,7 +11165,7 @@
                 <a16:creationId xmlns:a16="http://schemas.microsoft.com/office/drawing/2014/main" id="{73ED6512-6858-4552-B699-9A97FE9A4EA2}"/>
               </a:ext>
               <a:ext uri="{C183D7F6-B498-43B3-948B-1728B52AA6E4}">
-                <adec:decorative xmlns="" xmlns:adec="http://schemas.microsoft.com/office/drawing/2017/decorative" val="1"/>
+                <adec:decorative xmlns:adec="http://schemas.microsoft.com/office/drawing/2017/decorative" xmlns="" val="1"/>
               </a:ext>
             </a:extLst>
           </p:cNvPr>
@@ -11619,7 +11537,7 @@
                 <a16:creationId xmlns:a16="http://schemas.microsoft.com/office/drawing/2014/main" id="{081FF5F3-D973-4367-9851-C04740586B84}"/>
               </a:ext>
               <a:ext uri="{C183D7F6-B498-43B3-948B-1728B52AA6E4}">
-                <adec:decorative xmlns="" xmlns:adec="http://schemas.microsoft.com/office/drawing/2017/decorative" val="1"/>
+                <adec:decorative xmlns:adec="http://schemas.microsoft.com/office/drawing/2017/decorative" xmlns="" val="1"/>
               </a:ext>
             </a:extLst>
           </p:cNvPr>
@@ -11837,7 +11755,7 @@
                 <a16:creationId xmlns:a16="http://schemas.microsoft.com/office/drawing/2014/main" id="{799448F2-0E5B-42DA-B2D1-11A14E947BD4}"/>
               </a:ext>
               <a:ext uri="{C183D7F6-B498-43B3-948B-1728B52AA6E4}">
-                <adec:decorative xmlns="" xmlns:adec="http://schemas.microsoft.com/office/drawing/2017/decorative" val="1"/>
+                <adec:decorative xmlns:adec="http://schemas.microsoft.com/office/drawing/2017/decorative" xmlns="" val="1"/>
               </a:ext>
             </a:extLst>
           </p:cNvPr>
@@ -11903,7 +11821,7 @@
                 <a16:creationId xmlns:a16="http://schemas.microsoft.com/office/drawing/2014/main" id="{4E8A7552-20E1-4F34-ADAB-C1DB6634D47E}"/>
               </a:ext>
               <a:ext uri="{C183D7F6-B498-43B3-948B-1728B52AA6E4}">
-                <adec:decorative xmlns="" xmlns:adec="http://schemas.microsoft.com/office/drawing/2017/decorative" val="1"/>
+                <adec:decorative xmlns:adec="http://schemas.microsoft.com/office/drawing/2017/decorative" xmlns="" val="1"/>
               </a:ext>
             </a:extLst>
           </p:cNvPr>
@@ -12151,7 +12069,7 @@
                 <a16:creationId xmlns:a16="http://schemas.microsoft.com/office/drawing/2014/main" id="{B1ED02B1-1BC5-458F-9994-627281CFE7C4}"/>
               </a:ext>
               <a:ext uri="{C183D7F6-B498-43B3-948B-1728B52AA6E4}">
-                <adec:decorative xmlns:adec="http://schemas.microsoft.com/office/drawing/2017/decorative" xmlns="" val="1"/>
+                <adec:decorative xmlns="" xmlns:adec="http://schemas.microsoft.com/office/drawing/2017/decorative" val="1"/>
               </a:ext>
             </a:extLst>
           </p:cNvPr>
@@ -12675,7 +12593,7 @@
                 <a16:creationId xmlns:a16="http://schemas.microsoft.com/office/drawing/2014/main" id="{E0D60ECE-8986-45DC-B7FE-EC7699B466B8}"/>
               </a:ext>
               <a:ext uri="{C183D7F6-B498-43B3-948B-1728B52AA6E4}">
-                <adec:decorative xmlns="" xmlns:adec="http://schemas.microsoft.com/office/drawing/2017/decorative" val="1"/>
+                <adec:decorative xmlns:adec="http://schemas.microsoft.com/office/drawing/2017/decorative" xmlns="" val="1"/>
               </a:ext>
             </a:extLst>
           </p:cNvPr>
@@ -12844,7 +12762,7 @@
                 <a16:creationId xmlns:a16="http://schemas.microsoft.com/office/drawing/2014/main" id="{96964194-5878-40D2-8EC0-DDC58387FA56}"/>
               </a:ext>
               <a:ext uri="{C183D7F6-B498-43B3-948B-1728B52AA6E4}">
-                <adec:decorative xmlns="" xmlns:adec="http://schemas.microsoft.com/office/drawing/2017/decorative" val="1"/>
+                <adec:decorative xmlns:adec="http://schemas.microsoft.com/office/drawing/2017/decorative" xmlns="" val="1"/>
               </a:ext>
             </a:extLst>
           </p:cNvPr>
@@ -13121,6 +13039,22 @@
             </a:pPr>
             <a:r>
               <a:rPr lang="en-US" dirty="0"/>
+              <a:t>Determine who to hire based on roles analyzed</a:t>
+            </a:r>
+          </a:p>
+          <a:p>
+            <a:pPr indent="-228600">
+              <a:lnSpc>
+                <a:spcPct val="90000"/>
+              </a:lnSpc>
+              <a:spcAft>
+                <a:spcPts val="600"/>
+              </a:spcAft>
+              <a:buFont typeface="Arial" panose="020B0604020202020204" pitchFamily="34" charset="0"/>
+              <a:buChar char="•"/>
+            </a:pPr>
+            <a:r>
+              <a:rPr lang="en-US" dirty="0"/>
               <a:t>Dataset for movie budgets and earnings</a:t>
             </a:r>
           </a:p>
@@ -13196,249 +13130,6 @@
 </file>
 
 <file path=ppt/slides/slide25.xml><?xml version="1.0" encoding="utf-8"?>
-<p:sld xmlns:a="http://schemas.openxmlformats.org/drawingml/2006/main" xmlns:r="http://schemas.openxmlformats.org/officeDocument/2006/relationships" xmlns:p="http://schemas.openxmlformats.org/presentationml/2006/main" show="0">
-  <p:cSld>
-    <p:bg>
-      <p:bgPr>
-        <a:solidFill>
-          <a:schemeClr val="accent2">
-            <a:lumMod val="75000"/>
-          </a:schemeClr>
-        </a:solidFill>
-        <a:effectLst/>
-      </p:bgPr>
-    </p:bg>
-    <p:spTree>
-      <p:nvGrpSpPr>
-        <p:cNvPr id="1" name=""/>
-        <p:cNvGrpSpPr/>
-        <p:nvPr/>
-      </p:nvGrpSpPr>
-      <p:grpSpPr>
-        <a:xfrm>
-          <a:off x="0" y="0"/>
-          <a:ext cx="0" cy="0"/>
-          <a:chOff x="0" y="0"/>
-          <a:chExt cx="0" cy="0"/>
-        </a:xfrm>
-      </p:grpSpPr>
-      <p:sp>
-        <p:nvSpPr>
-          <p:cNvPr id="7" name="Down Arrow 7">
-            <a:extLst>
-              <a:ext uri="{FF2B5EF4-FFF2-40B4-BE49-F238E27FC236}">
-                <a16:creationId xmlns:a16="http://schemas.microsoft.com/office/drawing/2014/main" id="{B547373F-AF2E-4907-B442-9F902B387FD0}"/>
-              </a:ext>
-              <a:ext uri="{C183D7F6-B498-43B3-948B-1728B52AA6E4}">
-                <adec:decorative xmlns="" xmlns:adec="http://schemas.microsoft.com/office/drawing/2017/decorative" val="1"/>
-              </a:ext>
-            </a:extLst>
-          </p:cNvPr>
-          <p:cNvSpPr>
-            <a:spLocks noGrp="1" noRot="1" noChangeAspect="1" noMove="1" noResize="1" noEditPoints="1" noAdjustHandles="1" noChangeArrowheads="1" noChangeShapeType="1" noTextEdit="1"/>
-          </p:cNvSpPr>
-          <p:nvPr>
-            <p:extLst>
-              <p:ext uri="{386F3935-93C4-4BCD-93E2-E3B085C9AB24}">
-                <p16:designElem xmlns:p16="http://schemas.microsoft.com/office/powerpoint/2015/main" val="1"/>
-              </p:ext>
-            </p:extLst>
-          </p:nvPr>
-        </p:nvSpPr>
-        <p:spPr>
-          <a:xfrm>
-            <a:off x="800100" y="-4763"/>
-            <a:ext cx="3333749" cy="3338514"/>
-          </a:xfrm>
-          <a:prstGeom prst="downArrow">
-            <a:avLst>
-              <a:gd name="adj1" fmla="val 100000"/>
-              <a:gd name="adj2" fmla="val 26890"/>
-            </a:avLst>
-          </a:prstGeom>
-          <a:solidFill>
-            <a:schemeClr val="bg2">
-              <a:lumMod val="25000"/>
-            </a:schemeClr>
-          </a:solidFill>
-          <a:ln w="53975">
-            <a:noFill/>
-          </a:ln>
-        </p:spPr>
-        <p:style>
-          <a:lnRef idx="2">
-            <a:schemeClr val="accent1">
-              <a:shade val="50000"/>
-            </a:schemeClr>
-          </a:lnRef>
-          <a:fillRef idx="1">
-            <a:schemeClr val="accent1"/>
-          </a:fillRef>
-          <a:effectRef idx="0">
-            <a:schemeClr val="accent1"/>
-          </a:effectRef>
-          <a:fontRef idx="minor">
-            <a:schemeClr val="lt1"/>
-          </a:fontRef>
-        </p:style>
-        <p:txBody>
-          <a:bodyPr rtlCol="0" anchor="ctr"/>
-          <a:lstStyle/>
-          <a:p>
-            <a:pPr algn="ctr"/>
-            <a:endParaRPr lang="en-US"/>
-          </a:p>
-        </p:txBody>
-      </p:sp>
-      <p:sp>
-        <p:nvSpPr>
-          <p:cNvPr id="2" name="TextBox 1">
-            <a:extLst>
-              <a:ext uri="{FF2B5EF4-FFF2-40B4-BE49-F238E27FC236}">
-                <a16:creationId xmlns:a16="http://schemas.microsoft.com/office/drawing/2014/main" id="{9A5B267B-DC99-48D5-AAE4-0080DA632EE8}"/>
-              </a:ext>
-            </a:extLst>
-          </p:cNvPr>
-          <p:cNvSpPr txBox="1"/>
-          <p:nvPr/>
-        </p:nvSpPr>
-        <p:spPr>
-          <a:xfrm>
-            <a:off x="1028700" y="190501"/>
-            <a:ext cx="2886075" cy="2486024"/>
-          </a:xfrm>
-          <a:prstGeom prst="rect">
-            <a:avLst/>
-          </a:prstGeom>
-          <a:noFill/>
-        </p:spPr>
-        <p:txBody>
-          <a:bodyPr vert="horz" lIns="91440" tIns="45720" rIns="91440" bIns="45720" rtlCol="0" anchor="ctr">
-            <a:normAutofit/>
-          </a:bodyPr>
-          <a:lstStyle/>
-          <a:p>
-            <a:pPr algn="ctr">
-              <a:lnSpc>
-                <a:spcPct val="90000"/>
-              </a:lnSpc>
-              <a:spcBef>
-                <a:spcPct val="0"/>
-              </a:spcBef>
-              <a:spcAft>
-                <a:spcPts val="600"/>
-              </a:spcAft>
-            </a:pPr>
-            <a:r>
-              <a:rPr lang="en-US" sz="4400" b="1" dirty="0">
-                <a:solidFill>
-                  <a:schemeClr val="bg1"/>
-                </a:solidFill>
-                <a:latin typeface="+mj-lt"/>
-                <a:ea typeface="+mj-ea"/>
-                <a:cs typeface="+mj-cs"/>
-              </a:rPr>
-              <a:t>Lessons Learned</a:t>
-            </a:r>
-          </a:p>
-        </p:txBody>
-      </p:sp>
-      <p:sp>
-        <p:nvSpPr>
-          <p:cNvPr id="3" name="TextBox 2">
-            <a:extLst>
-              <a:ext uri="{FF2B5EF4-FFF2-40B4-BE49-F238E27FC236}">
-                <a16:creationId xmlns:a16="http://schemas.microsoft.com/office/drawing/2014/main" id="{27B290C3-C997-49FB-9632-BCC9F7CC38CA}"/>
-              </a:ext>
-            </a:extLst>
-          </p:cNvPr>
-          <p:cNvSpPr txBox="1"/>
-          <p:nvPr/>
-        </p:nvSpPr>
-        <p:spPr>
-          <a:xfrm>
-            <a:off x="5176755" y="2676525"/>
-            <a:ext cx="7253207" cy="3139321"/>
-          </a:xfrm>
-          <a:prstGeom prst="rect">
-            <a:avLst/>
-          </a:prstGeom>
-          <a:noFill/>
-        </p:spPr>
-        <p:txBody>
-          <a:bodyPr wrap="square" rtlCol="0">
-            <a:spAutoFit/>
-          </a:bodyPr>
-          <a:lstStyle/>
-          <a:p>
-            <a:r>
-              <a:rPr lang="en-US" sz="3600" dirty="0">
-                <a:solidFill>
-                  <a:schemeClr val="bg1"/>
-                </a:solidFill>
-              </a:rPr>
-              <a:t>Final Conclusions from Capstone</a:t>
-            </a:r>
-          </a:p>
-          <a:p>
-            <a:r>
-              <a:rPr lang="en-US" sz="3600" dirty="0">
-                <a:solidFill>
-                  <a:schemeClr val="bg1"/>
-                </a:solidFill>
-              </a:rPr>
-              <a:t>BLAH BLAH BLAH BLAH</a:t>
-            </a:r>
-          </a:p>
-          <a:p>
-            <a:r>
-              <a:rPr lang="en-US" sz="3600" dirty="0">
-                <a:solidFill>
-                  <a:schemeClr val="bg1"/>
-                </a:solidFill>
-              </a:rPr>
-              <a:t>BLAH BLAH BLAH BLAH</a:t>
-            </a:r>
-          </a:p>
-          <a:p>
-            <a:r>
-              <a:rPr lang="en-US" sz="3600" dirty="0">
-                <a:solidFill>
-                  <a:schemeClr val="bg1"/>
-                </a:solidFill>
-              </a:rPr>
-              <a:t>BLAH BLAH</a:t>
-            </a:r>
-          </a:p>
-          <a:p>
-            <a:endParaRPr lang="en-US" sz="3600" dirty="0">
-              <a:solidFill>
-                <a:schemeClr val="bg1"/>
-              </a:solidFill>
-            </a:endParaRPr>
-          </a:p>
-          <a:p>
-            <a:pPr marL="342900" indent="-342900">
-              <a:buAutoNum type="arabicPeriod"/>
-            </a:pPr>
-            <a:endParaRPr lang="en-US" dirty="0"/>
-          </a:p>
-        </p:txBody>
-      </p:sp>
-    </p:spTree>
-    <p:extLst>
-      <p:ext uri="{BB962C8B-B14F-4D97-AF65-F5344CB8AC3E}">
-        <p14:creationId xmlns:p14="http://schemas.microsoft.com/office/powerpoint/2010/main" val="2979858008"/>
-      </p:ext>
-    </p:extLst>
-  </p:cSld>
-  <p:clrMapOvr>
-    <a:masterClrMapping/>
-  </p:clrMapOvr>
-</p:sld>
-</file>
-
-<file path=ppt/slides/slide26.xml><?xml version="1.0" encoding="utf-8"?>
 <p:sld xmlns:a="http://schemas.openxmlformats.org/drawingml/2006/main" xmlns:r="http://schemas.openxmlformats.org/officeDocument/2006/relationships" xmlns:p="http://schemas.openxmlformats.org/presentationml/2006/main">
   <p:cSld>
     <p:spTree>
@@ -13504,7 +13195,7 @@
 </p:sld>
 </file>
 
-<file path=ppt/slides/slide27.xml><?xml version="1.0" encoding="utf-8"?>
+<file path=ppt/slides/slide26.xml><?xml version="1.0" encoding="utf-8"?>
 <p:sld xmlns:a="http://schemas.openxmlformats.org/drawingml/2006/main" xmlns:r="http://schemas.openxmlformats.org/officeDocument/2006/relationships" xmlns:p="http://schemas.openxmlformats.org/presentationml/2006/main">
   <p:cSld>
     <p:bg>
@@ -13537,7 +13228,7 @@
                 <a16:creationId xmlns:a16="http://schemas.microsoft.com/office/drawing/2014/main" id="{6753252F-4873-4F63-801D-CC719279A7D5}"/>
               </a:ext>
               <a:ext uri="{C183D7F6-B498-43B3-948B-1728B52AA6E4}">
-                <adec:decorative xmlns:adec="http://schemas.microsoft.com/office/drawing/2017/decorative" xmlns="" val="1"/>
+                <adec:decorative xmlns="" xmlns:adec="http://schemas.microsoft.com/office/drawing/2017/decorative" val="1"/>
               </a:ext>
             </a:extLst>
           </p:cNvPr>
@@ -13600,7 +13291,7 @@
                 <a16:creationId xmlns:a16="http://schemas.microsoft.com/office/drawing/2014/main" id="{047C8CCB-F95D-4249-92DD-651249D3535A}"/>
               </a:ext>
               <a:ext uri="{C183D7F6-B498-43B3-948B-1728B52AA6E4}">
-                <adec:decorative xmlns:adec="http://schemas.microsoft.com/office/drawing/2017/decorative" xmlns="" val="1"/>
+                <adec:decorative xmlns="" xmlns:adec="http://schemas.microsoft.com/office/drawing/2017/decorative" val="1"/>
               </a:ext>
             </a:extLst>
           </p:cNvPr>
@@ -13770,7 +13461,7 @@
 </p:sld>
 </file>
 
-<file path=ppt/slides/slide28.xml><?xml version="1.0" encoding="utf-8"?>
+<file path=ppt/slides/slide27.xml><?xml version="1.0" encoding="utf-8"?>
 <p:sld xmlns:a="http://schemas.openxmlformats.org/drawingml/2006/main" xmlns:r="http://schemas.openxmlformats.org/officeDocument/2006/relationships" xmlns:p="http://schemas.openxmlformats.org/presentationml/2006/main" show="0">
   <p:cSld>
     <p:spTree>
@@ -14024,7 +13715,7 @@
                 <a16:creationId xmlns:a16="http://schemas.microsoft.com/office/drawing/2014/main" id="{B547373F-AF2E-4907-B442-9F902B387FD0}"/>
               </a:ext>
               <a:ext uri="{C183D7F6-B498-43B3-948B-1728B52AA6E4}">
-                <adec:decorative xmlns="" xmlns:adec="http://schemas.microsoft.com/office/drawing/2017/decorative" val="1"/>
+                <adec:decorative xmlns:adec="http://schemas.microsoft.com/office/drawing/2017/decorative" xmlns="" val="1"/>
               </a:ext>
             </a:extLst>
           </p:cNvPr>
@@ -14483,7 +14174,7 @@
                 <a16:creationId xmlns:a16="http://schemas.microsoft.com/office/drawing/2014/main" id="{CF62D2A7-8207-488C-9F46-316BA81A16C8}"/>
               </a:ext>
               <a:ext uri="{C183D7F6-B498-43B3-948B-1728B52AA6E4}">
-                <adec:decorative xmlns="" xmlns:adec="http://schemas.microsoft.com/office/drawing/2017/decorative" val="1"/>
+                <adec:decorative xmlns:adec="http://schemas.microsoft.com/office/drawing/2017/decorative" xmlns="" val="1"/>
               </a:ext>
             </a:extLst>
           </p:cNvPr>
@@ -14650,7 +14341,7 @@
                 <a16:creationId xmlns:a16="http://schemas.microsoft.com/office/drawing/2014/main" id="{52AC6D7F-F068-4E11-BB06-F601D89BB980}"/>
               </a:ext>
               <a:ext uri="{C183D7F6-B498-43B3-948B-1728B52AA6E4}">
-                <adec:decorative xmlns="" xmlns:adec="http://schemas.microsoft.com/office/drawing/2017/decorative" val="1"/>
+                <adec:decorative xmlns:adec="http://schemas.microsoft.com/office/drawing/2017/decorative" xmlns="" val="1"/>
               </a:ext>
             </a:extLst>
           </p:cNvPr>
@@ -14944,7 +14635,7 @@
                 <a16:creationId xmlns:a16="http://schemas.microsoft.com/office/drawing/2014/main" id="{E0D60ECE-8986-45DC-B7FE-EC7699B466B8}"/>
               </a:ext>
               <a:ext uri="{C183D7F6-B498-43B3-948B-1728B52AA6E4}">
-                <adec:decorative xmlns="" xmlns:adec="http://schemas.microsoft.com/office/drawing/2017/decorative" val="1"/>
+                <adec:decorative xmlns:adec="http://schemas.microsoft.com/office/drawing/2017/decorative" xmlns="" val="1"/>
               </a:ext>
             </a:extLst>
           </p:cNvPr>
@@ -15113,7 +14804,7 @@
                 <a16:creationId xmlns:a16="http://schemas.microsoft.com/office/drawing/2014/main" id="{96964194-5878-40D2-8EC0-DDC58387FA56}"/>
               </a:ext>
               <a:ext uri="{C183D7F6-B498-43B3-948B-1728B52AA6E4}">
-                <adec:decorative xmlns="" xmlns:adec="http://schemas.microsoft.com/office/drawing/2017/decorative" val="1"/>
+                <adec:decorative xmlns:adec="http://schemas.microsoft.com/office/drawing/2017/decorative" xmlns="" val="1"/>
               </a:ext>
             </a:extLst>
           </p:cNvPr>
@@ -15569,7 +15260,7 @@
                 <a16:creationId xmlns:a16="http://schemas.microsoft.com/office/drawing/2014/main" id="{6753252F-4873-4F63-801D-CC719279A7D5}"/>
               </a:ext>
               <a:ext uri="{C183D7F6-B498-43B3-948B-1728B52AA6E4}">
-                <adec:decorative xmlns:adec="http://schemas.microsoft.com/office/drawing/2017/decorative" xmlns="" val="1"/>
+                <adec:decorative xmlns="" xmlns:adec="http://schemas.microsoft.com/office/drawing/2017/decorative" val="1"/>
               </a:ext>
             </a:extLst>
           </p:cNvPr>
@@ -15632,7 +15323,7 @@
                 <a16:creationId xmlns:a16="http://schemas.microsoft.com/office/drawing/2014/main" id="{047C8CCB-F95D-4249-92DD-651249D3535A}"/>
               </a:ext>
               <a:ext uri="{C183D7F6-B498-43B3-948B-1728B52AA6E4}">
-                <adec:decorative xmlns:adec="http://schemas.microsoft.com/office/drawing/2017/decorative" xmlns="" val="1"/>
+                <adec:decorative xmlns="" xmlns:adec="http://schemas.microsoft.com/office/drawing/2017/decorative" val="1"/>
               </a:ext>
             </a:extLst>
           </p:cNvPr>
@@ -15836,7 +15527,7 @@
                 <a16:creationId xmlns:a16="http://schemas.microsoft.com/office/drawing/2014/main" id="{6753252F-4873-4F63-801D-CC719279A7D5}"/>
               </a:ext>
               <a:ext uri="{C183D7F6-B498-43B3-948B-1728B52AA6E4}">
-                <adec:decorative xmlns:adec="http://schemas.microsoft.com/office/drawing/2017/decorative" xmlns="" val="1"/>
+                <adec:decorative xmlns="" xmlns:adec="http://schemas.microsoft.com/office/drawing/2017/decorative" val="1"/>
               </a:ext>
             </a:extLst>
           </p:cNvPr>
@@ -15899,7 +15590,7 @@
                 <a16:creationId xmlns:a16="http://schemas.microsoft.com/office/drawing/2014/main" id="{047C8CCB-F95D-4249-92DD-651249D3535A}"/>
               </a:ext>
               <a:ext uri="{C183D7F6-B498-43B3-948B-1728B52AA6E4}">
-                <adec:decorative xmlns:adec="http://schemas.microsoft.com/office/drawing/2017/decorative" xmlns="" val="1"/>
+                <adec:decorative xmlns="" xmlns:adec="http://schemas.microsoft.com/office/drawing/2017/decorative" val="1"/>
               </a:ext>
             </a:extLst>
           </p:cNvPr>
@@ -16102,7 +15793,7 @@
                 <a16:creationId xmlns:a16="http://schemas.microsoft.com/office/drawing/2014/main" id="{823AC064-BC96-4F32-8AE1-B2FD38754823}"/>
               </a:ext>
               <a:ext uri="{C183D7F6-B498-43B3-948B-1728B52AA6E4}">
-                <adec:decorative xmlns:adec="http://schemas.microsoft.com/office/drawing/2017/decorative" xmlns="" val="1"/>
+                <adec:decorative xmlns="" xmlns:adec="http://schemas.microsoft.com/office/drawing/2017/decorative" val="1"/>
               </a:ext>
             </a:extLst>
           </p:cNvPr>
@@ -16219,7 +15910,7 @@
                 <a16:creationId xmlns:a16="http://schemas.microsoft.com/office/drawing/2014/main" id="{7E7C77BC-7138-40B1-A15B-20F57A494629}"/>
               </a:ext>
               <a:ext uri="{C183D7F6-B498-43B3-948B-1728B52AA6E4}">
-                <adec:decorative xmlns:adec="http://schemas.microsoft.com/office/drawing/2017/decorative" xmlns="" val="1"/>
+                <adec:decorative xmlns="" xmlns:adec="http://schemas.microsoft.com/office/drawing/2017/decorative" val="1"/>
               </a:ext>
             </a:extLst>
           </p:cNvPr>
@@ -16307,7 +15998,7 @@
                 <a16:creationId xmlns:a16="http://schemas.microsoft.com/office/drawing/2014/main" id="{DB146403-F3D6-484B-B2ED-97F9565D0370}"/>
               </a:ext>
               <a:ext uri="{C183D7F6-B498-43B3-948B-1728B52AA6E4}">
-                <adec:decorative xmlns:adec="http://schemas.microsoft.com/office/drawing/2017/decorative" xmlns="" val="1"/>
+                <adec:decorative xmlns="" xmlns:adec="http://schemas.microsoft.com/office/drawing/2017/decorative" val="1"/>
               </a:ext>
             </a:extLst>
           </p:cNvPr>
@@ -16433,7 +16124,7 @@
                 <a16:creationId xmlns:a16="http://schemas.microsoft.com/office/drawing/2014/main" id="{DB146403-F3D6-484B-B2ED-97F9565D0370}"/>
               </a:ext>
               <a:ext uri="{C183D7F6-B498-43B3-948B-1728B52AA6E4}">
-                <adec:decorative xmlns="" xmlns:adec="http://schemas.microsoft.com/office/drawing/2017/decorative" val="1"/>
+                <adec:decorative xmlns:adec="http://schemas.microsoft.com/office/drawing/2017/decorative" xmlns="" val="1"/>
               </a:ext>
             </a:extLst>
           </p:cNvPr>
@@ -16485,7 +16176,7 @@
                 <a16:creationId xmlns:a16="http://schemas.microsoft.com/office/drawing/2014/main" id="{823AC064-BC96-4F32-8AE1-B2FD38754823}"/>
               </a:ext>
               <a:ext uri="{C183D7F6-B498-43B3-948B-1728B52AA6E4}">
-                <adec:decorative xmlns="" xmlns:adec="http://schemas.microsoft.com/office/drawing/2017/decorative" val="1"/>
+                <adec:decorative xmlns:adec="http://schemas.microsoft.com/office/drawing/2017/decorative" xmlns="" val="1"/>
               </a:ext>
             </a:extLst>
           </p:cNvPr>
@@ -16674,7 +16365,7 @@
                 <a16:creationId xmlns:a16="http://schemas.microsoft.com/office/drawing/2014/main" id="{7E7C77BC-7138-40B1-A15B-20F57A494629}"/>
               </a:ext>
               <a:ext uri="{C183D7F6-B498-43B3-948B-1728B52AA6E4}">
-                <adec:decorative xmlns="" xmlns:adec="http://schemas.microsoft.com/office/drawing/2017/decorative" val="1"/>
+                <adec:decorative xmlns:adec="http://schemas.microsoft.com/office/drawing/2017/decorative" xmlns="" val="1"/>
               </a:ext>
             </a:extLst>
           </p:cNvPr>

--- a/Presentation/ScrumLords_Capstone.pptx
+++ b/Presentation/ScrumLords_Capstone.pptx
@@ -227,7 +227,7 @@
           <a:p>
             <a:fld id="{0AD31C94-D579-422E-8298-49FD8293048C}" type="datetimeFigureOut">
               <a:rPr lang="en-US" smtClean="0"/>
-              <a:t>8/15/2018</a:t>
+              <a:t>8/16/2018</a:t>
             </a:fld>
             <a:endParaRPr lang="en-US"/>
           </a:p>
@@ -2223,7 +2223,58 @@
           <a:p>
             <a:r>
               <a:rPr lang="en-US" dirty="0"/>
-              <a:t>Looking at a visual of the models they appear to be very similar </a:t>
+              <a:t>Used Supervised Learning (uses training dataset to make </a:t>
+            </a:r>
+            <a:r>
+              <a:rPr lang="en-US"/>
+              <a:t>predictions), </a:t>
+            </a:r>
+            <a:r>
+              <a:rPr lang="en-US" dirty="0"/>
+              <a:t>in </a:t>
+            </a:r>
+            <a:r>
+              <a:rPr lang="en-US"/>
+              <a:t>particular Regression. </a:t>
+            </a:r>
+            <a:r>
+              <a:rPr lang="en-US" dirty="0"/>
+              <a:t>Uses dataset to build a model that can make predictions of the response values for a new dataset).</a:t>
+            </a:r>
+          </a:p>
+          <a:p>
+            <a:endParaRPr lang="en-US" dirty="0"/>
+          </a:p>
+          <a:p>
+            <a:r>
+              <a:rPr lang="en-US" dirty="0"/>
+              <a:t>Looking at a visual of the models they appear to be very similar.</a:t>
+            </a:r>
+          </a:p>
+          <a:p>
+            <a:r>
+              <a:rPr lang="en-US" dirty="0"/>
+              <a:t>Linear: linear relationship between 2 continuous variables; Estimates the relationship between the Target (dependent variable) and Predictor (</a:t>
+            </a:r>
+            <a:r>
+              <a:rPr lang="en-US" dirty="0" err="1"/>
+              <a:t>ind</a:t>
+            </a:r>
+            <a:r>
+              <a:rPr lang="en-US" dirty="0"/>
+              <a:t> variable); Speed over Accuracy</a:t>
+            </a:r>
+          </a:p>
+          <a:p>
+            <a:r>
+              <a:rPr lang="en-US" dirty="0"/>
+              <a:t>Decision Tree: Speed over Accuracy</a:t>
+            </a:r>
+          </a:p>
+          <a:p>
+            <a:r>
+              <a:rPr lang="en-US" dirty="0"/>
+              <a:t>Random Forest: Accuracy</a:t>
             </a:r>
           </a:p>
         </p:txBody>
@@ -3773,7 +3824,7 @@
           <a:p>
             <a:fld id="{38A050F6-C4A4-4D93-BB5B-76D71472723B}" type="datetimeFigureOut">
               <a:rPr lang="en-US" smtClean="0"/>
-              <a:t>8/15/2018</a:t>
+              <a:t>8/16/2018</a:t>
             </a:fld>
             <a:endParaRPr lang="en-US"/>
           </a:p>
@@ -3971,7 +4022,7 @@
           <a:p>
             <a:fld id="{38A050F6-C4A4-4D93-BB5B-76D71472723B}" type="datetimeFigureOut">
               <a:rPr lang="en-US" smtClean="0"/>
-              <a:t>8/15/2018</a:t>
+              <a:t>8/16/2018</a:t>
             </a:fld>
             <a:endParaRPr lang="en-US"/>
           </a:p>
@@ -4179,7 +4230,7 @@
           <a:p>
             <a:fld id="{38A050F6-C4A4-4D93-BB5B-76D71472723B}" type="datetimeFigureOut">
               <a:rPr lang="en-US" smtClean="0"/>
-              <a:t>8/15/2018</a:t>
+              <a:t>8/16/2018</a:t>
             </a:fld>
             <a:endParaRPr lang="en-US"/>
           </a:p>
@@ -4377,7 +4428,7 @@
           <a:p>
             <a:fld id="{38A050F6-C4A4-4D93-BB5B-76D71472723B}" type="datetimeFigureOut">
               <a:rPr lang="en-US" smtClean="0"/>
-              <a:t>8/15/2018</a:t>
+              <a:t>8/16/2018</a:t>
             </a:fld>
             <a:endParaRPr lang="en-US"/>
           </a:p>
@@ -4652,7 +4703,7 @@
           <a:p>
             <a:fld id="{38A050F6-C4A4-4D93-BB5B-76D71472723B}" type="datetimeFigureOut">
               <a:rPr lang="en-US" smtClean="0"/>
-              <a:t>8/15/2018</a:t>
+              <a:t>8/16/2018</a:t>
             </a:fld>
             <a:endParaRPr lang="en-US"/>
           </a:p>
@@ -4917,7 +4968,7 @@
           <a:p>
             <a:fld id="{38A050F6-C4A4-4D93-BB5B-76D71472723B}" type="datetimeFigureOut">
               <a:rPr lang="en-US" smtClean="0"/>
-              <a:t>8/15/2018</a:t>
+              <a:t>8/16/2018</a:t>
             </a:fld>
             <a:endParaRPr lang="en-US"/>
           </a:p>
@@ -5329,7 +5380,7 @@
           <a:p>
             <a:fld id="{38A050F6-C4A4-4D93-BB5B-76D71472723B}" type="datetimeFigureOut">
               <a:rPr lang="en-US" smtClean="0"/>
-              <a:t>8/15/2018</a:t>
+              <a:t>8/16/2018</a:t>
             </a:fld>
             <a:endParaRPr lang="en-US"/>
           </a:p>
@@ -5470,7 +5521,7 @@
           <a:p>
             <a:fld id="{38A050F6-C4A4-4D93-BB5B-76D71472723B}" type="datetimeFigureOut">
               <a:rPr lang="en-US" smtClean="0"/>
-              <a:t>8/15/2018</a:t>
+              <a:t>8/16/2018</a:t>
             </a:fld>
             <a:endParaRPr lang="en-US"/>
           </a:p>
@@ -5583,7 +5634,7 @@
           <a:p>
             <a:fld id="{38A050F6-C4A4-4D93-BB5B-76D71472723B}" type="datetimeFigureOut">
               <a:rPr lang="en-US" smtClean="0"/>
-              <a:t>8/15/2018</a:t>
+              <a:t>8/16/2018</a:t>
             </a:fld>
             <a:endParaRPr lang="en-US"/>
           </a:p>
@@ -5894,7 +5945,7 @@
           <a:p>
             <a:fld id="{38A050F6-C4A4-4D93-BB5B-76D71472723B}" type="datetimeFigureOut">
               <a:rPr lang="en-US" smtClean="0"/>
-              <a:t>8/15/2018</a:t>
+              <a:t>8/16/2018</a:t>
             </a:fld>
             <a:endParaRPr lang="en-US"/>
           </a:p>
@@ -6182,7 +6233,7 @@
           <a:p>
             <a:fld id="{38A050F6-C4A4-4D93-BB5B-76D71472723B}" type="datetimeFigureOut">
               <a:rPr lang="en-US" smtClean="0"/>
-              <a:t>8/15/2018</a:t>
+              <a:t>8/16/2018</a:t>
             </a:fld>
             <a:endParaRPr lang="en-US"/>
           </a:p>
@@ -6423,7 +6474,7 @@
           <a:p>
             <a:fld id="{38A050F6-C4A4-4D93-BB5B-76D71472723B}" type="datetimeFigureOut">
               <a:rPr lang="en-US" smtClean="0"/>
-              <a:t>8/15/2018</a:t>
+              <a:t>8/16/2018</a:t>
             </a:fld>
             <a:endParaRPr lang="en-US"/>
           </a:p>
@@ -6859,7 +6910,7 @@
                 <a16:creationId xmlns:a16="http://schemas.microsoft.com/office/drawing/2014/main" id="{482BD70C-C4A0-46C4-9518-A731098B419A}"/>
               </a:ext>
               <a:ext uri="{C183D7F6-B498-43B3-948B-1728B52AA6E4}">
-                <adec:decorative xmlns="" xmlns:adec="http://schemas.microsoft.com/office/drawing/2017/decorative" val="1"/>
+                <adec:decorative xmlns:adec="http://schemas.microsoft.com/office/drawing/2017/decorative" xmlns="" val="1"/>
               </a:ext>
             </a:extLst>
           </p:cNvPr>
@@ -7092,7 +7143,7 @@
                 <a16:creationId xmlns:a16="http://schemas.microsoft.com/office/drawing/2014/main" id="{39B74A45-BDDD-4892-B8C0-B290C0944FCB}"/>
               </a:ext>
               <a:ext uri="{C183D7F6-B498-43B3-948B-1728B52AA6E4}">
-                <adec:decorative xmlns="" xmlns:adec="http://schemas.microsoft.com/office/drawing/2017/decorative" val="1"/>
+                <adec:decorative xmlns:adec="http://schemas.microsoft.com/office/drawing/2017/decorative" xmlns="" val="1"/>
               </a:ext>
             </a:extLst>
           </p:cNvPr>
@@ -7287,7 +7338,7 @@
                 <a16:creationId xmlns:a16="http://schemas.microsoft.com/office/drawing/2014/main" id="{C516C73E-9465-4C9E-9B86-9E58FB326B6B}"/>
               </a:ext>
               <a:ext uri="{C183D7F6-B498-43B3-948B-1728B52AA6E4}">
-                <adec:decorative xmlns="" xmlns:adec="http://schemas.microsoft.com/office/drawing/2017/decorative" val="1"/>
+                <adec:decorative xmlns:adec="http://schemas.microsoft.com/office/drawing/2017/decorative" xmlns="" val="1"/>
               </a:ext>
             </a:extLst>
           </p:cNvPr>
@@ -7555,7 +7606,7 @@
                 <a16:creationId xmlns:a16="http://schemas.microsoft.com/office/drawing/2014/main" id="{6753252F-4873-4F63-801D-CC719279A7D5}"/>
               </a:ext>
               <a:ext uri="{C183D7F6-B498-43B3-948B-1728B52AA6E4}">
-                <adec:decorative xmlns:adec="http://schemas.microsoft.com/office/drawing/2017/decorative" xmlns="" val="1"/>
+                <adec:decorative xmlns="" xmlns:adec="http://schemas.microsoft.com/office/drawing/2017/decorative" val="1"/>
               </a:ext>
             </a:extLst>
           </p:cNvPr>
@@ -7618,7 +7669,7 @@
                 <a16:creationId xmlns:a16="http://schemas.microsoft.com/office/drawing/2014/main" id="{047C8CCB-F95D-4249-92DD-651249D3535A}"/>
               </a:ext>
               <a:ext uri="{C183D7F6-B498-43B3-948B-1728B52AA6E4}">
-                <adec:decorative xmlns:adec="http://schemas.microsoft.com/office/drawing/2017/decorative" xmlns="" val="1"/>
+                <adec:decorative xmlns="" xmlns:adec="http://schemas.microsoft.com/office/drawing/2017/decorative" val="1"/>
               </a:ext>
             </a:extLst>
           </p:cNvPr>
@@ -8015,7 +8066,7 @@
                 <a16:creationId xmlns:a16="http://schemas.microsoft.com/office/drawing/2014/main" id="{081FF5F3-D973-4367-9851-C04740586B84}"/>
               </a:ext>
               <a:ext uri="{C183D7F6-B498-43B3-948B-1728B52AA6E4}">
-                <adec:decorative xmlns:adec="http://schemas.microsoft.com/office/drawing/2017/decorative" xmlns="" val="1"/>
+                <adec:decorative xmlns="" xmlns:adec="http://schemas.microsoft.com/office/drawing/2017/decorative" val="1"/>
               </a:ext>
             </a:extLst>
           </p:cNvPr>
@@ -8197,7 +8248,7 @@
                 <a16:creationId xmlns:a16="http://schemas.microsoft.com/office/drawing/2014/main" id="{5F9CFCE6-877F-4858-B8BD-2C52CA8AFBC4}"/>
               </a:ext>
               <a:ext uri="{C183D7F6-B498-43B3-948B-1728B52AA6E4}">
-                <adec:decorative xmlns:adec="http://schemas.microsoft.com/office/drawing/2017/decorative" xmlns="" val="1"/>
+                <adec:decorative xmlns="" xmlns:adec="http://schemas.microsoft.com/office/drawing/2017/decorative" val="1"/>
               </a:ext>
             </a:extLst>
           </p:cNvPr>
@@ -8260,7 +8311,7 @@
                 <a16:creationId xmlns:a16="http://schemas.microsoft.com/office/drawing/2014/main" id="{8213F8A0-12AE-4514-8372-0DD766EC28EE}"/>
               </a:ext>
               <a:ext uri="{C183D7F6-B498-43B3-948B-1728B52AA6E4}">
-                <adec:decorative xmlns:adec="http://schemas.microsoft.com/office/drawing/2017/decorative" xmlns="" val="1"/>
+                <adec:decorative xmlns="" xmlns:adec="http://schemas.microsoft.com/office/drawing/2017/decorative" val="1"/>
               </a:ext>
             </a:extLst>
           </p:cNvPr>
@@ -8359,7 +8410,7 @@
                 <a16:creationId xmlns:a16="http://schemas.microsoft.com/office/drawing/2014/main" id="{9EFF17D4-9A8C-4CE5-B096-D8CCD4400437}"/>
               </a:ext>
               <a:ext uri="{C183D7F6-B498-43B3-948B-1728B52AA6E4}">
-                <adec:decorative xmlns:adec="http://schemas.microsoft.com/office/drawing/2017/decorative" xmlns="" val="1"/>
+                <adec:decorative xmlns="" xmlns:adec="http://schemas.microsoft.com/office/drawing/2017/decorative" val="1"/>
               </a:ext>
             </a:extLst>
           </p:cNvPr>
@@ -8568,7 +8619,7 @@
                 <a16:creationId xmlns:a16="http://schemas.microsoft.com/office/drawing/2014/main" id="{B1ED02B1-1BC5-458F-9994-627281CFE7C4}"/>
               </a:ext>
               <a:ext uri="{C183D7F6-B498-43B3-948B-1728B52AA6E4}">
-                <adec:decorative xmlns="" xmlns:adec="http://schemas.microsoft.com/office/drawing/2017/decorative" val="1"/>
+                <adec:decorative xmlns:adec="http://schemas.microsoft.com/office/drawing/2017/decorative" xmlns="" val="1"/>
               </a:ext>
             </a:extLst>
           </p:cNvPr>
@@ -8770,7 +8821,7 @@
                 <a16:creationId xmlns:a16="http://schemas.microsoft.com/office/drawing/2014/main" id="{72257994-BD97-4691-8B89-198A6D2BABDC}"/>
               </a:ext>
               <a:ext uri="{C183D7F6-B498-43B3-948B-1728B52AA6E4}">
-                <adec:decorative xmlns:adec="http://schemas.microsoft.com/office/drawing/2017/decorative" xmlns="" val="1"/>
+                <adec:decorative xmlns="" xmlns:adec="http://schemas.microsoft.com/office/drawing/2017/decorative" val="1"/>
               </a:ext>
             </a:extLst>
           </p:cNvPr>
@@ -9020,7 +9071,7 @@
                 <a16:creationId xmlns:a16="http://schemas.microsoft.com/office/drawing/2014/main" id="{AB45A142-4255-493C-8284-5D566C121B10}"/>
               </a:ext>
               <a:ext uri="{C183D7F6-B498-43B3-948B-1728B52AA6E4}">
-                <adec:decorative xmlns:adec="http://schemas.microsoft.com/office/drawing/2017/decorative" xmlns="" val="1"/>
+                <adec:decorative xmlns="" xmlns:adec="http://schemas.microsoft.com/office/drawing/2017/decorative" val="1"/>
               </a:ext>
             </a:extLst>
           </p:cNvPr>
@@ -9160,7 +9211,7 @@
                 <a16:creationId xmlns:a16="http://schemas.microsoft.com/office/drawing/2014/main" id="{38FB9660-F42F-4313-BBC4-47C007FE484C}"/>
               </a:ext>
               <a:ext uri="{C183D7F6-B498-43B3-948B-1728B52AA6E4}">
-                <adec:decorative xmlns:adec="http://schemas.microsoft.com/office/drawing/2017/decorative" xmlns="" val="1"/>
+                <adec:decorative xmlns="" xmlns:adec="http://schemas.microsoft.com/office/drawing/2017/decorative" val="1"/>
               </a:ext>
             </a:extLst>
           </p:cNvPr>
@@ -9421,7 +9472,7 @@
                 <a16:creationId xmlns:a16="http://schemas.microsoft.com/office/drawing/2014/main" id="{AB45A142-4255-493C-8284-5D566C121B10}"/>
               </a:ext>
               <a:ext uri="{C183D7F6-B498-43B3-948B-1728B52AA6E4}">
-                <adec:decorative xmlns:adec="http://schemas.microsoft.com/office/drawing/2017/decorative" xmlns="" val="1"/>
+                <adec:decorative xmlns="" xmlns:adec="http://schemas.microsoft.com/office/drawing/2017/decorative" val="1"/>
               </a:ext>
             </a:extLst>
           </p:cNvPr>
@@ -9552,7 +9603,7 @@
                 <a16:creationId xmlns:a16="http://schemas.microsoft.com/office/drawing/2014/main" id="{38FB9660-F42F-4313-BBC4-47C007FE484C}"/>
               </a:ext>
               <a:ext uri="{C183D7F6-B498-43B3-948B-1728B52AA6E4}">
-                <adec:decorative xmlns:adec="http://schemas.microsoft.com/office/drawing/2017/decorative" xmlns="" val="1"/>
+                <adec:decorative xmlns="" xmlns:adec="http://schemas.microsoft.com/office/drawing/2017/decorative" val="1"/>
               </a:ext>
             </a:extLst>
           </p:cNvPr>
@@ -10572,7 +10623,7 @@
                 <a16:creationId xmlns:a16="http://schemas.microsoft.com/office/drawing/2014/main" id="{A74B3BB9-7320-4C7D-876F-931A7DC2C478}"/>
               </a:ext>
               <a:ext uri="{C183D7F6-B498-43B3-948B-1728B52AA6E4}">
-                <adec:decorative xmlns:adec="http://schemas.microsoft.com/office/drawing/2017/decorative" xmlns="" val="1"/>
+                <adec:decorative xmlns="" xmlns:adec="http://schemas.microsoft.com/office/drawing/2017/decorative" val="1"/>
               </a:ext>
             </a:extLst>
           </p:cNvPr>
@@ -10718,7 +10769,7 @@
                 <a16:creationId xmlns:a16="http://schemas.microsoft.com/office/drawing/2014/main" id="{6753252F-4873-4F63-801D-CC719279A7D5}"/>
               </a:ext>
               <a:ext uri="{C183D7F6-B498-43B3-948B-1728B52AA6E4}">
-                <adec:decorative xmlns="" xmlns:adec="http://schemas.microsoft.com/office/drawing/2017/decorative" val="1"/>
+                <adec:decorative xmlns:adec="http://schemas.microsoft.com/office/drawing/2017/decorative" xmlns="" val="1"/>
               </a:ext>
             </a:extLst>
           </p:cNvPr>
@@ -10781,7 +10832,7 @@
                 <a16:creationId xmlns:a16="http://schemas.microsoft.com/office/drawing/2014/main" id="{047C8CCB-F95D-4249-92DD-651249D3535A}"/>
               </a:ext>
               <a:ext uri="{C183D7F6-B498-43B3-948B-1728B52AA6E4}">
-                <adec:decorative xmlns="" xmlns:adec="http://schemas.microsoft.com/office/drawing/2017/decorative" val="1"/>
+                <adec:decorative xmlns:adec="http://schemas.microsoft.com/office/drawing/2017/decorative" xmlns="" val="1"/>
               </a:ext>
             </a:extLst>
           </p:cNvPr>
@@ -10984,7 +11035,7 @@
                 <a16:creationId xmlns:a16="http://schemas.microsoft.com/office/drawing/2014/main" id="{4038CB10-1F5C-4D54-9DF7-12586DE5B007}"/>
               </a:ext>
               <a:ext uri="{C183D7F6-B498-43B3-948B-1728B52AA6E4}">
-                <adec:decorative xmlns:adec="http://schemas.microsoft.com/office/drawing/2017/decorative" xmlns="" val="1"/>
+                <adec:decorative xmlns="" xmlns:adec="http://schemas.microsoft.com/office/drawing/2017/decorative" val="1"/>
               </a:ext>
             </a:extLst>
           </p:cNvPr>
@@ -11165,7 +11216,7 @@
                 <a16:creationId xmlns:a16="http://schemas.microsoft.com/office/drawing/2014/main" id="{73ED6512-6858-4552-B699-9A97FE9A4EA2}"/>
               </a:ext>
               <a:ext uri="{C183D7F6-B498-43B3-948B-1728B52AA6E4}">
-                <adec:decorative xmlns:adec="http://schemas.microsoft.com/office/drawing/2017/decorative" xmlns="" val="1"/>
+                <adec:decorative xmlns="" xmlns:adec="http://schemas.microsoft.com/office/drawing/2017/decorative" val="1"/>
               </a:ext>
             </a:extLst>
           </p:cNvPr>
@@ -11537,7 +11588,7 @@
                 <a16:creationId xmlns:a16="http://schemas.microsoft.com/office/drawing/2014/main" id="{081FF5F3-D973-4367-9851-C04740586B84}"/>
               </a:ext>
               <a:ext uri="{C183D7F6-B498-43B3-948B-1728B52AA6E4}">
-                <adec:decorative xmlns:adec="http://schemas.microsoft.com/office/drawing/2017/decorative" xmlns="" val="1"/>
+                <adec:decorative xmlns="" xmlns:adec="http://schemas.microsoft.com/office/drawing/2017/decorative" val="1"/>
               </a:ext>
             </a:extLst>
           </p:cNvPr>
@@ -11755,7 +11806,7 @@
                 <a16:creationId xmlns:a16="http://schemas.microsoft.com/office/drawing/2014/main" id="{799448F2-0E5B-42DA-B2D1-11A14E947BD4}"/>
               </a:ext>
               <a:ext uri="{C183D7F6-B498-43B3-948B-1728B52AA6E4}">
-                <adec:decorative xmlns:adec="http://schemas.microsoft.com/office/drawing/2017/decorative" xmlns="" val="1"/>
+                <adec:decorative xmlns="" xmlns:adec="http://schemas.microsoft.com/office/drawing/2017/decorative" val="1"/>
               </a:ext>
             </a:extLst>
           </p:cNvPr>
@@ -11821,7 +11872,7 @@
                 <a16:creationId xmlns:a16="http://schemas.microsoft.com/office/drawing/2014/main" id="{4E8A7552-20E1-4F34-ADAB-C1DB6634D47E}"/>
               </a:ext>
               <a:ext uri="{C183D7F6-B498-43B3-948B-1728B52AA6E4}">
-                <adec:decorative xmlns:adec="http://schemas.microsoft.com/office/drawing/2017/decorative" xmlns="" val="1"/>
+                <adec:decorative xmlns="" xmlns:adec="http://schemas.microsoft.com/office/drawing/2017/decorative" val="1"/>
               </a:ext>
             </a:extLst>
           </p:cNvPr>
@@ -12069,7 +12120,7 @@
                 <a16:creationId xmlns:a16="http://schemas.microsoft.com/office/drawing/2014/main" id="{B1ED02B1-1BC5-458F-9994-627281CFE7C4}"/>
               </a:ext>
               <a:ext uri="{C183D7F6-B498-43B3-948B-1728B52AA6E4}">
-                <adec:decorative xmlns="" xmlns:adec="http://schemas.microsoft.com/office/drawing/2017/decorative" val="1"/>
+                <adec:decorative xmlns:adec="http://schemas.microsoft.com/office/drawing/2017/decorative" xmlns="" val="1"/>
               </a:ext>
             </a:extLst>
           </p:cNvPr>
@@ -12593,7 +12644,7 @@
                 <a16:creationId xmlns:a16="http://schemas.microsoft.com/office/drawing/2014/main" id="{E0D60ECE-8986-45DC-B7FE-EC7699B466B8}"/>
               </a:ext>
               <a:ext uri="{C183D7F6-B498-43B3-948B-1728B52AA6E4}">
-                <adec:decorative xmlns:adec="http://schemas.microsoft.com/office/drawing/2017/decorative" xmlns="" val="1"/>
+                <adec:decorative xmlns="" xmlns:adec="http://schemas.microsoft.com/office/drawing/2017/decorative" val="1"/>
               </a:ext>
             </a:extLst>
           </p:cNvPr>
@@ -12762,7 +12813,7 @@
                 <a16:creationId xmlns:a16="http://schemas.microsoft.com/office/drawing/2014/main" id="{96964194-5878-40D2-8EC0-DDC58387FA56}"/>
               </a:ext>
               <a:ext uri="{C183D7F6-B498-43B3-948B-1728B52AA6E4}">
-                <adec:decorative xmlns:adec="http://schemas.microsoft.com/office/drawing/2017/decorative" xmlns="" val="1"/>
+                <adec:decorative xmlns="" xmlns:adec="http://schemas.microsoft.com/office/drawing/2017/decorative" val="1"/>
               </a:ext>
             </a:extLst>
           </p:cNvPr>
@@ -13228,7 +13279,7 @@
                 <a16:creationId xmlns:a16="http://schemas.microsoft.com/office/drawing/2014/main" id="{6753252F-4873-4F63-801D-CC719279A7D5}"/>
               </a:ext>
               <a:ext uri="{C183D7F6-B498-43B3-948B-1728B52AA6E4}">
-                <adec:decorative xmlns="" xmlns:adec="http://schemas.microsoft.com/office/drawing/2017/decorative" val="1"/>
+                <adec:decorative xmlns:adec="http://schemas.microsoft.com/office/drawing/2017/decorative" xmlns="" val="1"/>
               </a:ext>
             </a:extLst>
           </p:cNvPr>
@@ -13291,7 +13342,7 @@
                 <a16:creationId xmlns:a16="http://schemas.microsoft.com/office/drawing/2014/main" id="{047C8CCB-F95D-4249-92DD-651249D3535A}"/>
               </a:ext>
               <a:ext uri="{C183D7F6-B498-43B3-948B-1728B52AA6E4}">
-                <adec:decorative xmlns="" xmlns:adec="http://schemas.microsoft.com/office/drawing/2017/decorative" val="1"/>
+                <adec:decorative xmlns:adec="http://schemas.microsoft.com/office/drawing/2017/decorative" xmlns="" val="1"/>
               </a:ext>
             </a:extLst>
           </p:cNvPr>
@@ -13715,7 +13766,7 @@
                 <a16:creationId xmlns:a16="http://schemas.microsoft.com/office/drawing/2014/main" id="{B547373F-AF2E-4907-B442-9F902B387FD0}"/>
               </a:ext>
               <a:ext uri="{C183D7F6-B498-43B3-948B-1728B52AA6E4}">
-                <adec:decorative xmlns:adec="http://schemas.microsoft.com/office/drawing/2017/decorative" xmlns="" val="1"/>
+                <adec:decorative xmlns="" xmlns:adec="http://schemas.microsoft.com/office/drawing/2017/decorative" val="1"/>
               </a:ext>
             </a:extLst>
           </p:cNvPr>
@@ -14174,7 +14225,7 @@
                 <a16:creationId xmlns:a16="http://schemas.microsoft.com/office/drawing/2014/main" id="{CF62D2A7-8207-488C-9F46-316BA81A16C8}"/>
               </a:ext>
               <a:ext uri="{C183D7F6-B498-43B3-948B-1728B52AA6E4}">
-                <adec:decorative xmlns:adec="http://schemas.microsoft.com/office/drawing/2017/decorative" xmlns="" val="1"/>
+                <adec:decorative xmlns="" xmlns:adec="http://schemas.microsoft.com/office/drawing/2017/decorative" val="1"/>
               </a:ext>
             </a:extLst>
           </p:cNvPr>
@@ -14341,7 +14392,7 @@
                 <a16:creationId xmlns:a16="http://schemas.microsoft.com/office/drawing/2014/main" id="{52AC6D7F-F068-4E11-BB06-F601D89BB980}"/>
               </a:ext>
               <a:ext uri="{C183D7F6-B498-43B3-948B-1728B52AA6E4}">
-                <adec:decorative xmlns:adec="http://schemas.microsoft.com/office/drawing/2017/decorative" xmlns="" val="1"/>
+                <adec:decorative xmlns="" xmlns:adec="http://schemas.microsoft.com/office/drawing/2017/decorative" val="1"/>
               </a:ext>
             </a:extLst>
           </p:cNvPr>
@@ -14635,7 +14686,7 @@
                 <a16:creationId xmlns:a16="http://schemas.microsoft.com/office/drawing/2014/main" id="{E0D60ECE-8986-45DC-B7FE-EC7699B466B8}"/>
               </a:ext>
               <a:ext uri="{C183D7F6-B498-43B3-948B-1728B52AA6E4}">
-                <adec:decorative xmlns:adec="http://schemas.microsoft.com/office/drawing/2017/decorative" xmlns="" val="1"/>
+                <adec:decorative xmlns="" xmlns:adec="http://schemas.microsoft.com/office/drawing/2017/decorative" val="1"/>
               </a:ext>
             </a:extLst>
           </p:cNvPr>
@@ -14804,7 +14855,7 @@
                 <a16:creationId xmlns:a16="http://schemas.microsoft.com/office/drawing/2014/main" id="{96964194-5878-40D2-8EC0-DDC58387FA56}"/>
               </a:ext>
               <a:ext uri="{C183D7F6-B498-43B3-948B-1728B52AA6E4}">
-                <adec:decorative xmlns:adec="http://schemas.microsoft.com/office/drawing/2017/decorative" xmlns="" val="1"/>
+                <adec:decorative xmlns="" xmlns:adec="http://schemas.microsoft.com/office/drawing/2017/decorative" val="1"/>
               </a:ext>
             </a:extLst>
           </p:cNvPr>
@@ -15260,7 +15311,7 @@
                 <a16:creationId xmlns:a16="http://schemas.microsoft.com/office/drawing/2014/main" id="{6753252F-4873-4F63-801D-CC719279A7D5}"/>
               </a:ext>
               <a:ext uri="{C183D7F6-B498-43B3-948B-1728B52AA6E4}">
-                <adec:decorative xmlns="" xmlns:adec="http://schemas.microsoft.com/office/drawing/2017/decorative" val="1"/>
+                <adec:decorative xmlns:adec="http://schemas.microsoft.com/office/drawing/2017/decorative" xmlns="" val="1"/>
               </a:ext>
             </a:extLst>
           </p:cNvPr>
@@ -15323,7 +15374,7 @@
                 <a16:creationId xmlns:a16="http://schemas.microsoft.com/office/drawing/2014/main" id="{047C8CCB-F95D-4249-92DD-651249D3535A}"/>
               </a:ext>
               <a:ext uri="{C183D7F6-B498-43B3-948B-1728B52AA6E4}">
-                <adec:decorative xmlns="" xmlns:adec="http://schemas.microsoft.com/office/drawing/2017/decorative" val="1"/>
+                <adec:decorative xmlns:adec="http://schemas.microsoft.com/office/drawing/2017/decorative" xmlns="" val="1"/>
               </a:ext>
             </a:extLst>
           </p:cNvPr>
@@ -15527,7 +15578,7 @@
                 <a16:creationId xmlns:a16="http://schemas.microsoft.com/office/drawing/2014/main" id="{6753252F-4873-4F63-801D-CC719279A7D5}"/>
               </a:ext>
               <a:ext uri="{C183D7F6-B498-43B3-948B-1728B52AA6E4}">
-                <adec:decorative xmlns="" xmlns:adec="http://schemas.microsoft.com/office/drawing/2017/decorative" val="1"/>
+                <adec:decorative xmlns:adec="http://schemas.microsoft.com/office/drawing/2017/decorative" xmlns="" val="1"/>
               </a:ext>
             </a:extLst>
           </p:cNvPr>
@@ -15590,7 +15641,7 @@
                 <a16:creationId xmlns:a16="http://schemas.microsoft.com/office/drawing/2014/main" id="{047C8CCB-F95D-4249-92DD-651249D3535A}"/>
               </a:ext>
               <a:ext uri="{C183D7F6-B498-43B3-948B-1728B52AA6E4}">
-                <adec:decorative xmlns="" xmlns:adec="http://schemas.microsoft.com/office/drawing/2017/decorative" val="1"/>
+                <adec:decorative xmlns:adec="http://schemas.microsoft.com/office/drawing/2017/decorative" xmlns="" val="1"/>
               </a:ext>
             </a:extLst>
           </p:cNvPr>
@@ -15793,7 +15844,7 @@
                 <a16:creationId xmlns:a16="http://schemas.microsoft.com/office/drawing/2014/main" id="{823AC064-BC96-4F32-8AE1-B2FD38754823}"/>
               </a:ext>
               <a:ext uri="{C183D7F6-B498-43B3-948B-1728B52AA6E4}">
-                <adec:decorative xmlns="" xmlns:adec="http://schemas.microsoft.com/office/drawing/2017/decorative" val="1"/>
+                <adec:decorative xmlns:adec="http://schemas.microsoft.com/office/drawing/2017/decorative" xmlns="" val="1"/>
               </a:ext>
             </a:extLst>
           </p:cNvPr>
@@ -15910,7 +15961,7 @@
                 <a16:creationId xmlns:a16="http://schemas.microsoft.com/office/drawing/2014/main" id="{7E7C77BC-7138-40B1-A15B-20F57A494629}"/>
               </a:ext>
               <a:ext uri="{C183D7F6-B498-43B3-948B-1728B52AA6E4}">
-                <adec:decorative xmlns="" xmlns:adec="http://schemas.microsoft.com/office/drawing/2017/decorative" val="1"/>
+                <adec:decorative xmlns:adec="http://schemas.microsoft.com/office/drawing/2017/decorative" xmlns="" val="1"/>
               </a:ext>
             </a:extLst>
           </p:cNvPr>
@@ -15998,7 +16049,7 @@
                 <a16:creationId xmlns:a16="http://schemas.microsoft.com/office/drawing/2014/main" id="{DB146403-F3D6-484B-B2ED-97F9565D0370}"/>
               </a:ext>
               <a:ext uri="{C183D7F6-B498-43B3-948B-1728B52AA6E4}">
-                <adec:decorative xmlns="" xmlns:adec="http://schemas.microsoft.com/office/drawing/2017/decorative" val="1"/>
+                <adec:decorative xmlns:adec="http://schemas.microsoft.com/office/drawing/2017/decorative" xmlns="" val="1"/>
               </a:ext>
             </a:extLst>
           </p:cNvPr>
@@ -16124,7 +16175,7 @@
                 <a16:creationId xmlns:a16="http://schemas.microsoft.com/office/drawing/2014/main" id="{DB146403-F3D6-484B-B2ED-97F9565D0370}"/>
               </a:ext>
               <a:ext uri="{C183D7F6-B498-43B3-948B-1728B52AA6E4}">
-                <adec:decorative xmlns:adec="http://schemas.microsoft.com/office/drawing/2017/decorative" xmlns="" val="1"/>
+                <adec:decorative xmlns="" xmlns:adec="http://schemas.microsoft.com/office/drawing/2017/decorative" val="1"/>
               </a:ext>
             </a:extLst>
           </p:cNvPr>
@@ -16176,7 +16227,7 @@
                 <a16:creationId xmlns:a16="http://schemas.microsoft.com/office/drawing/2014/main" id="{823AC064-BC96-4F32-8AE1-B2FD38754823}"/>
               </a:ext>
               <a:ext uri="{C183D7F6-B498-43B3-948B-1728B52AA6E4}">
-                <adec:decorative xmlns:adec="http://schemas.microsoft.com/office/drawing/2017/decorative" xmlns="" val="1"/>
+                <adec:decorative xmlns="" xmlns:adec="http://schemas.microsoft.com/office/drawing/2017/decorative" val="1"/>
               </a:ext>
             </a:extLst>
           </p:cNvPr>
@@ -16365,7 +16416,7 @@
                 <a16:creationId xmlns:a16="http://schemas.microsoft.com/office/drawing/2014/main" id="{7E7C77BC-7138-40B1-A15B-20F57A494629}"/>
               </a:ext>
               <a:ext uri="{C183D7F6-B498-43B3-948B-1728B52AA6E4}">
-                <adec:decorative xmlns:adec="http://schemas.microsoft.com/office/drawing/2017/decorative" xmlns="" val="1"/>
+                <adec:decorative xmlns="" xmlns:adec="http://schemas.microsoft.com/office/drawing/2017/decorative" val="1"/>
               </a:ext>
             </a:extLst>
           </p:cNvPr>
